--- a/docs/초안.pptx
+++ b/docs/초안.pptx
@@ -4,9 +4,16 @@
   <p:sldMasterIdLst>
     <p:sldMasterId id="2147483648" r:id="rId1"/>
   </p:sldMasterIdLst>
+  <p:notesMasterIdLst>
+    <p:notesMasterId r:id="rId8"/>
+  </p:notesMasterIdLst>
   <p:sldIdLst>
     <p:sldId id="257" r:id="rId2"/>
     <p:sldId id="269" r:id="rId3"/>
+    <p:sldId id="270" r:id="rId4"/>
+    <p:sldId id="271" r:id="rId5"/>
+    <p:sldId id="272" r:id="rId6"/>
+    <p:sldId id="273" r:id="rId7"/>
   </p:sldIdLst>
   <p:sldSz cx="12192000" cy="6858000"/>
   <p:notesSz cx="6858000" cy="9144000"/>
@@ -124,6 +131,524 @@
 </p:presentation>
 </file>
 
+<file path=ppt/notesMasters/notesMaster1.xml><?xml version="1.0" encoding="utf-8"?>
+<p:notesMaster xmlns:a="http://schemas.openxmlformats.org/drawingml/2006/main" xmlns:r="http://schemas.openxmlformats.org/officeDocument/2006/relationships" xmlns:p="http://schemas.openxmlformats.org/presentationml/2006/main">
+  <p:cSld>
+    <p:bg>
+      <p:bgRef idx="1001">
+        <a:schemeClr val="bg1"/>
+      </p:bgRef>
+    </p:bg>
+    <p:spTree>
+      <p:nvGrpSpPr>
+        <p:cNvPr id="1" name=""/>
+        <p:cNvGrpSpPr/>
+        <p:nvPr/>
+      </p:nvGrpSpPr>
+      <p:grpSpPr>
+        <a:xfrm>
+          <a:off x="0" y="0"/>
+          <a:ext cx="0" cy="0"/>
+          <a:chOff x="0" y="0"/>
+          <a:chExt cx="0" cy="0"/>
+        </a:xfrm>
+      </p:grpSpPr>
+      <p:sp>
+        <p:nvSpPr>
+          <p:cNvPr id="2" name="머리글 개체 틀 1"/>
+          <p:cNvSpPr>
+            <a:spLocks noGrp="1"/>
+          </p:cNvSpPr>
+          <p:nvPr>
+            <p:ph type="hdr" sz="quarter"/>
+          </p:nvPr>
+        </p:nvSpPr>
+        <p:spPr>
+          <a:xfrm>
+            <a:off x="0" y="0"/>
+            <a:ext cx="2971800" cy="458788"/>
+          </a:xfrm>
+          <a:prstGeom prst="rect">
+            <a:avLst/>
+          </a:prstGeom>
+        </p:spPr>
+        <p:txBody>
+          <a:bodyPr vert="horz" lIns="91440" tIns="45720" rIns="91440" bIns="45720" rtlCol="0"/>
+          <a:lstStyle>
+            <a:lvl1pPr algn="l">
+              <a:defRPr sz="1200"/>
+            </a:lvl1pPr>
+          </a:lstStyle>
+          <a:p>
+            <a:endParaRPr lang="ko-KR" altLang="en-US"/>
+          </a:p>
+        </p:txBody>
+      </p:sp>
+      <p:sp>
+        <p:nvSpPr>
+          <p:cNvPr id="3" name="날짜 개체 틀 2"/>
+          <p:cNvSpPr>
+            <a:spLocks noGrp="1"/>
+          </p:cNvSpPr>
+          <p:nvPr>
+            <p:ph type="dt" idx="1"/>
+          </p:nvPr>
+        </p:nvSpPr>
+        <p:spPr>
+          <a:xfrm>
+            <a:off x="3884613" y="0"/>
+            <a:ext cx="2971800" cy="458788"/>
+          </a:xfrm>
+          <a:prstGeom prst="rect">
+            <a:avLst/>
+          </a:prstGeom>
+        </p:spPr>
+        <p:txBody>
+          <a:bodyPr vert="horz" lIns="91440" tIns="45720" rIns="91440" bIns="45720" rtlCol="0"/>
+          <a:lstStyle>
+            <a:lvl1pPr algn="r">
+              <a:defRPr sz="1200"/>
+            </a:lvl1pPr>
+          </a:lstStyle>
+          <a:p>
+            <a:fld id="{C317CB0F-B526-4CDE-9D63-911F4FB46D93}" type="datetimeFigureOut">
+              <a:rPr lang="ko-KR" altLang="en-US" smtClean="0"/>
+              <a:t>2021-11-15</a:t>
+            </a:fld>
+            <a:endParaRPr lang="ko-KR" altLang="en-US"/>
+          </a:p>
+        </p:txBody>
+      </p:sp>
+      <p:sp>
+        <p:nvSpPr>
+          <p:cNvPr id="4" name="슬라이드 이미지 개체 틀 3"/>
+          <p:cNvSpPr>
+            <a:spLocks noGrp="1" noRot="1" noChangeAspect="1"/>
+          </p:cNvSpPr>
+          <p:nvPr>
+            <p:ph type="sldImg" idx="2"/>
+          </p:nvPr>
+        </p:nvSpPr>
+        <p:spPr>
+          <a:xfrm>
+            <a:off x="685800" y="1143000"/>
+            <a:ext cx="5486400" cy="3086100"/>
+          </a:xfrm>
+          <a:prstGeom prst="rect">
+            <a:avLst/>
+          </a:prstGeom>
+          <a:noFill/>
+          <a:ln w="12700">
+            <a:solidFill>
+              <a:prstClr val="black"/>
+            </a:solidFill>
+          </a:ln>
+        </p:spPr>
+        <p:txBody>
+          <a:bodyPr vert="horz" lIns="91440" tIns="45720" rIns="91440" bIns="45720" rtlCol="0" anchor="ctr"/>
+          <a:lstStyle/>
+          <a:p>
+            <a:endParaRPr lang="ko-KR" altLang="en-US"/>
+          </a:p>
+        </p:txBody>
+      </p:sp>
+      <p:sp>
+        <p:nvSpPr>
+          <p:cNvPr id="5" name="슬라이드 노트 개체 틀 4"/>
+          <p:cNvSpPr>
+            <a:spLocks noGrp="1"/>
+          </p:cNvSpPr>
+          <p:nvPr>
+            <p:ph type="body" sz="quarter" idx="3"/>
+          </p:nvPr>
+        </p:nvSpPr>
+        <p:spPr>
+          <a:xfrm>
+            <a:off x="685800" y="4400550"/>
+            <a:ext cx="5486400" cy="3600450"/>
+          </a:xfrm>
+          <a:prstGeom prst="rect">
+            <a:avLst/>
+          </a:prstGeom>
+        </p:spPr>
+        <p:txBody>
+          <a:bodyPr vert="horz" lIns="91440" tIns="45720" rIns="91440" bIns="45720" rtlCol="0"/>
+          <a:lstStyle/>
+          <a:p>
+            <a:pPr lvl="0"/>
+            <a:r>
+              <a:rPr lang="ko-KR" altLang="en-US" smtClean="0"/>
+              <a:t>마스터 텍스트 스타일 편집</a:t>
+            </a:r>
+          </a:p>
+          <a:p>
+            <a:pPr lvl="1"/>
+            <a:r>
+              <a:rPr lang="ko-KR" altLang="en-US" smtClean="0"/>
+              <a:t>둘째 수준</a:t>
+            </a:r>
+          </a:p>
+          <a:p>
+            <a:pPr lvl="2"/>
+            <a:r>
+              <a:rPr lang="ko-KR" altLang="en-US" smtClean="0"/>
+              <a:t>셋째 수준</a:t>
+            </a:r>
+          </a:p>
+          <a:p>
+            <a:pPr lvl="3"/>
+            <a:r>
+              <a:rPr lang="ko-KR" altLang="en-US" smtClean="0"/>
+              <a:t>넷째 수준</a:t>
+            </a:r>
+          </a:p>
+          <a:p>
+            <a:pPr lvl="4"/>
+            <a:r>
+              <a:rPr lang="ko-KR" altLang="en-US" smtClean="0"/>
+              <a:t>다섯째 수준</a:t>
+            </a:r>
+            <a:endParaRPr lang="ko-KR" altLang="en-US"/>
+          </a:p>
+        </p:txBody>
+      </p:sp>
+      <p:sp>
+        <p:nvSpPr>
+          <p:cNvPr id="6" name="바닥글 개체 틀 5"/>
+          <p:cNvSpPr>
+            <a:spLocks noGrp="1"/>
+          </p:cNvSpPr>
+          <p:nvPr>
+            <p:ph type="ftr" sz="quarter" idx="4"/>
+          </p:nvPr>
+        </p:nvSpPr>
+        <p:spPr>
+          <a:xfrm>
+            <a:off x="0" y="8685213"/>
+            <a:ext cx="2971800" cy="458787"/>
+          </a:xfrm>
+          <a:prstGeom prst="rect">
+            <a:avLst/>
+          </a:prstGeom>
+        </p:spPr>
+        <p:txBody>
+          <a:bodyPr vert="horz" lIns="91440" tIns="45720" rIns="91440" bIns="45720" rtlCol="0" anchor="b"/>
+          <a:lstStyle>
+            <a:lvl1pPr algn="l">
+              <a:defRPr sz="1200"/>
+            </a:lvl1pPr>
+          </a:lstStyle>
+          <a:p>
+            <a:endParaRPr lang="ko-KR" altLang="en-US"/>
+          </a:p>
+        </p:txBody>
+      </p:sp>
+      <p:sp>
+        <p:nvSpPr>
+          <p:cNvPr id="7" name="슬라이드 번호 개체 틀 6"/>
+          <p:cNvSpPr>
+            <a:spLocks noGrp="1"/>
+          </p:cNvSpPr>
+          <p:nvPr>
+            <p:ph type="sldNum" sz="quarter" idx="5"/>
+          </p:nvPr>
+        </p:nvSpPr>
+        <p:spPr>
+          <a:xfrm>
+            <a:off x="3884613" y="8685213"/>
+            <a:ext cx="2971800" cy="458787"/>
+          </a:xfrm>
+          <a:prstGeom prst="rect">
+            <a:avLst/>
+          </a:prstGeom>
+        </p:spPr>
+        <p:txBody>
+          <a:bodyPr vert="horz" lIns="91440" tIns="45720" rIns="91440" bIns="45720" rtlCol="0" anchor="b"/>
+          <a:lstStyle>
+            <a:lvl1pPr algn="r">
+              <a:defRPr sz="1200"/>
+            </a:lvl1pPr>
+          </a:lstStyle>
+          <a:p>
+            <a:fld id="{48640483-BDD4-43AA-89BC-719DE7BB9FCE}" type="slidenum">
+              <a:rPr lang="ko-KR" altLang="en-US" smtClean="0"/>
+              <a:t>‹#›</a:t>
+            </a:fld>
+            <a:endParaRPr lang="ko-KR" altLang="en-US"/>
+          </a:p>
+        </p:txBody>
+      </p:sp>
+    </p:spTree>
+    <p:extLst>
+      <p:ext uri="{BB962C8B-B14F-4D97-AF65-F5344CB8AC3E}">
+        <p14:creationId xmlns:p14="http://schemas.microsoft.com/office/powerpoint/2010/main" val="2671450087"/>
+      </p:ext>
+    </p:extLst>
+  </p:cSld>
+  <p:clrMap bg1="lt1" tx1="dk1" bg2="lt2" tx2="dk2" accent1="accent1" accent2="accent2" accent3="accent3" accent4="accent4" accent5="accent5" accent6="accent6" hlink="hlink" folHlink="folHlink"/>
+  <p:notesStyle>
+    <a:lvl1pPr marL="0" algn="l" defTabSz="914400" rtl="0" eaLnBrk="1" latinLnBrk="1" hangingPunct="1">
+      <a:defRPr sz="1200" kern="1200">
+        <a:solidFill>
+          <a:schemeClr val="tx1"/>
+        </a:solidFill>
+        <a:latin typeface="+mn-lt"/>
+        <a:ea typeface="+mn-ea"/>
+        <a:cs typeface="+mn-cs"/>
+      </a:defRPr>
+    </a:lvl1pPr>
+    <a:lvl2pPr marL="457200" algn="l" defTabSz="914400" rtl="0" eaLnBrk="1" latinLnBrk="1" hangingPunct="1">
+      <a:defRPr sz="1200" kern="1200">
+        <a:solidFill>
+          <a:schemeClr val="tx1"/>
+        </a:solidFill>
+        <a:latin typeface="+mn-lt"/>
+        <a:ea typeface="+mn-ea"/>
+        <a:cs typeface="+mn-cs"/>
+      </a:defRPr>
+    </a:lvl2pPr>
+    <a:lvl3pPr marL="914400" algn="l" defTabSz="914400" rtl="0" eaLnBrk="1" latinLnBrk="1" hangingPunct="1">
+      <a:defRPr sz="1200" kern="1200">
+        <a:solidFill>
+          <a:schemeClr val="tx1"/>
+        </a:solidFill>
+        <a:latin typeface="+mn-lt"/>
+        <a:ea typeface="+mn-ea"/>
+        <a:cs typeface="+mn-cs"/>
+      </a:defRPr>
+    </a:lvl3pPr>
+    <a:lvl4pPr marL="1371600" algn="l" defTabSz="914400" rtl="0" eaLnBrk="1" latinLnBrk="1" hangingPunct="1">
+      <a:defRPr sz="1200" kern="1200">
+        <a:solidFill>
+          <a:schemeClr val="tx1"/>
+        </a:solidFill>
+        <a:latin typeface="+mn-lt"/>
+        <a:ea typeface="+mn-ea"/>
+        <a:cs typeface="+mn-cs"/>
+      </a:defRPr>
+    </a:lvl4pPr>
+    <a:lvl5pPr marL="1828800" algn="l" defTabSz="914400" rtl="0" eaLnBrk="1" latinLnBrk="1" hangingPunct="1">
+      <a:defRPr sz="1200" kern="1200">
+        <a:solidFill>
+          <a:schemeClr val="tx1"/>
+        </a:solidFill>
+        <a:latin typeface="+mn-lt"/>
+        <a:ea typeface="+mn-ea"/>
+        <a:cs typeface="+mn-cs"/>
+      </a:defRPr>
+    </a:lvl5pPr>
+    <a:lvl6pPr marL="2286000" algn="l" defTabSz="914400" rtl="0" eaLnBrk="1" latinLnBrk="1" hangingPunct="1">
+      <a:defRPr sz="1200" kern="1200">
+        <a:solidFill>
+          <a:schemeClr val="tx1"/>
+        </a:solidFill>
+        <a:latin typeface="+mn-lt"/>
+        <a:ea typeface="+mn-ea"/>
+        <a:cs typeface="+mn-cs"/>
+      </a:defRPr>
+    </a:lvl6pPr>
+    <a:lvl7pPr marL="2743200" algn="l" defTabSz="914400" rtl="0" eaLnBrk="1" latinLnBrk="1" hangingPunct="1">
+      <a:defRPr sz="1200" kern="1200">
+        <a:solidFill>
+          <a:schemeClr val="tx1"/>
+        </a:solidFill>
+        <a:latin typeface="+mn-lt"/>
+        <a:ea typeface="+mn-ea"/>
+        <a:cs typeface="+mn-cs"/>
+      </a:defRPr>
+    </a:lvl7pPr>
+    <a:lvl8pPr marL="3200400" algn="l" defTabSz="914400" rtl="0" eaLnBrk="1" latinLnBrk="1" hangingPunct="1">
+      <a:defRPr sz="1200" kern="1200">
+        <a:solidFill>
+          <a:schemeClr val="tx1"/>
+        </a:solidFill>
+        <a:latin typeface="+mn-lt"/>
+        <a:ea typeface="+mn-ea"/>
+        <a:cs typeface="+mn-cs"/>
+      </a:defRPr>
+    </a:lvl8pPr>
+    <a:lvl9pPr marL="3657600" algn="l" defTabSz="914400" rtl="0" eaLnBrk="1" latinLnBrk="1" hangingPunct="1">
+      <a:defRPr sz="1200" kern="1200">
+        <a:solidFill>
+          <a:schemeClr val="tx1"/>
+        </a:solidFill>
+        <a:latin typeface="+mn-lt"/>
+        <a:ea typeface="+mn-ea"/>
+        <a:cs typeface="+mn-cs"/>
+      </a:defRPr>
+    </a:lvl9pPr>
+  </p:notesStyle>
+</p:notesMaster>
+</file>
+
+<file path=ppt/notesSlides/notesSlide1.xml><?xml version="1.0" encoding="utf-8"?>
+<p:notes xmlns:a="http://schemas.openxmlformats.org/drawingml/2006/main" xmlns:r="http://schemas.openxmlformats.org/officeDocument/2006/relationships" xmlns:p="http://schemas.openxmlformats.org/presentationml/2006/main">
+  <p:cSld>
+    <p:spTree>
+      <p:nvGrpSpPr>
+        <p:cNvPr id="1" name=""/>
+        <p:cNvGrpSpPr/>
+        <p:nvPr/>
+      </p:nvGrpSpPr>
+      <p:grpSpPr>
+        <a:xfrm>
+          <a:off x="0" y="0"/>
+          <a:ext cx="0" cy="0"/>
+          <a:chOff x="0" y="0"/>
+          <a:chExt cx="0" cy="0"/>
+        </a:xfrm>
+      </p:grpSpPr>
+      <p:sp>
+        <p:nvSpPr>
+          <p:cNvPr id="2" name="슬라이드 이미지 개체 틀 1"/>
+          <p:cNvSpPr>
+            <a:spLocks noGrp="1" noRot="1" noChangeAspect="1"/>
+          </p:cNvSpPr>
+          <p:nvPr>
+            <p:ph type="sldImg"/>
+          </p:nvPr>
+        </p:nvSpPr>
+        <p:spPr/>
+      </p:sp>
+      <p:sp>
+        <p:nvSpPr>
+          <p:cNvPr id="3" name="슬라이드 노트 개체 틀 2"/>
+          <p:cNvSpPr>
+            <a:spLocks noGrp="1"/>
+          </p:cNvSpPr>
+          <p:nvPr>
+            <p:ph type="body" idx="1"/>
+          </p:nvPr>
+        </p:nvSpPr>
+        <p:spPr/>
+        <p:txBody>
+          <a:bodyPr/>
+          <a:lstStyle/>
+          <a:p>
+            <a:endParaRPr lang="ko-KR" altLang="en-US" dirty="0"/>
+          </a:p>
+        </p:txBody>
+      </p:sp>
+      <p:sp>
+        <p:nvSpPr>
+          <p:cNvPr id="4" name="슬라이드 번호 개체 틀 3"/>
+          <p:cNvSpPr>
+            <a:spLocks noGrp="1"/>
+          </p:cNvSpPr>
+          <p:nvPr>
+            <p:ph type="sldNum" sz="quarter" idx="10"/>
+          </p:nvPr>
+        </p:nvSpPr>
+        <p:spPr/>
+        <p:txBody>
+          <a:bodyPr/>
+          <a:lstStyle/>
+          <a:p>
+            <a:fld id="{48640483-BDD4-43AA-89BC-719DE7BB9FCE}" type="slidenum">
+              <a:rPr lang="ko-KR" altLang="en-US" smtClean="0"/>
+              <a:t>4</a:t>
+            </a:fld>
+            <a:endParaRPr lang="ko-KR" altLang="en-US"/>
+          </a:p>
+        </p:txBody>
+      </p:sp>
+    </p:spTree>
+    <p:extLst>
+      <p:ext uri="{BB962C8B-B14F-4D97-AF65-F5344CB8AC3E}">
+        <p14:creationId xmlns:p14="http://schemas.microsoft.com/office/powerpoint/2010/main" val="655252569"/>
+      </p:ext>
+    </p:extLst>
+  </p:cSld>
+  <p:clrMapOvr>
+    <a:masterClrMapping/>
+  </p:clrMapOvr>
+</p:notes>
+</file>
+
+<file path=ppt/notesSlides/notesSlide2.xml><?xml version="1.0" encoding="utf-8"?>
+<p:notes xmlns:a="http://schemas.openxmlformats.org/drawingml/2006/main" xmlns:r="http://schemas.openxmlformats.org/officeDocument/2006/relationships" xmlns:p="http://schemas.openxmlformats.org/presentationml/2006/main">
+  <p:cSld>
+    <p:spTree>
+      <p:nvGrpSpPr>
+        <p:cNvPr id="1" name=""/>
+        <p:cNvGrpSpPr/>
+        <p:nvPr/>
+      </p:nvGrpSpPr>
+      <p:grpSpPr>
+        <a:xfrm>
+          <a:off x="0" y="0"/>
+          <a:ext cx="0" cy="0"/>
+          <a:chOff x="0" y="0"/>
+          <a:chExt cx="0" cy="0"/>
+        </a:xfrm>
+      </p:grpSpPr>
+      <p:sp>
+        <p:nvSpPr>
+          <p:cNvPr id="2" name="슬라이드 이미지 개체 틀 1"/>
+          <p:cNvSpPr>
+            <a:spLocks noGrp="1" noRot="1" noChangeAspect="1"/>
+          </p:cNvSpPr>
+          <p:nvPr>
+            <p:ph type="sldImg"/>
+          </p:nvPr>
+        </p:nvSpPr>
+        <p:spPr/>
+      </p:sp>
+      <p:sp>
+        <p:nvSpPr>
+          <p:cNvPr id="3" name="슬라이드 노트 개체 틀 2"/>
+          <p:cNvSpPr>
+            <a:spLocks noGrp="1"/>
+          </p:cNvSpPr>
+          <p:nvPr>
+            <p:ph type="body" idx="1"/>
+          </p:nvPr>
+        </p:nvSpPr>
+        <p:spPr/>
+        <p:txBody>
+          <a:bodyPr/>
+          <a:lstStyle/>
+          <a:p>
+            <a:endParaRPr lang="ko-KR" altLang="en-US" dirty="0"/>
+          </a:p>
+        </p:txBody>
+      </p:sp>
+      <p:sp>
+        <p:nvSpPr>
+          <p:cNvPr id="4" name="슬라이드 번호 개체 틀 3"/>
+          <p:cNvSpPr>
+            <a:spLocks noGrp="1"/>
+          </p:cNvSpPr>
+          <p:nvPr>
+            <p:ph type="sldNum" sz="quarter" idx="10"/>
+          </p:nvPr>
+        </p:nvSpPr>
+        <p:spPr/>
+        <p:txBody>
+          <a:bodyPr/>
+          <a:lstStyle/>
+          <a:p>
+            <a:fld id="{48640483-BDD4-43AA-89BC-719DE7BB9FCE}" type="slidenum">
+              <a:rPr lang="ko-KR" altLang="en-US" smtClean="0"/>
+              <a:t>5</a:t>
+            </a:fld>
+            <a:endParaRPr lang="ko-KR" altLang="en-US"/>
+          </a:p>
+        </p:txBody>
+      </p:sp>
+    </p:spTree>
+    <p:extLst>
+      <p:ext uri="{BB962C8B-B14F-4D97-AF65-F5344CB8AC3E}">
+        <p14:creationId xmlns:p14="http://schemas.microsoft.com/office/powerpoint/2010/main" val="3995687768"/>
+      </p:ext>
+    </p:extLst>
+  </p:cSld>
+  <p:clrMapOvr>
+    <a:masterClrMapping/>
+  </p:clrMapOvr>
+</p:notes>
+</file>
+
 <file path=ppt/slideLayouts/slideLayout1.xml><?xml version="1.0" encoding="utf-8"?>
 <p:sldLayout xmlns:a="http://schemas.openxmlformats.org/drawingml/2006/main" xmlns:r="http://schemas.openxmlformats.org/officeDocument/2006/relationships" xmlns:p="http://schemas.openxmlformats.org/presentationml/2006/main" type="title" preserve="1">
   <p:cSld name="제목 슬라이드">
@@ -342,7 +867,7 @@
     <a:masterClrMapping/>
   </p:clrMapOvr>
   <mc:AlternateContent xmlns:mc="http://schemas.openxmlformats.org/markup-compatibility/2006">
-    <mc:Choice xmlns:p159="http://schemas.microsoft.com/office/powerpoint/2015/09/main" xmlns="" Requires="p159">
+    <mc:Choice xmlns="" xmlns:p159="http://schemas.microsoft.com/office/powerpoint/2015/09/main" Requires="p159">
       <p:transition xmlns:p14="http://schemas.microsoft.com/office/powerpoint/2010/main" spd="slow" p14:dur="2000">
         <p159:morph option="byObject"/>
       </p:transition>
@@ -552,7 +1077,7 @@
     <a:masterClrMapping/>
   </p:clrMapOvr>
   <mc:AlternateContent xmlns:mc="http://schemas.openxmlformats.org/markup-compatibility/2006">
-    <mc:Choice xmlns:p159="http://schemas.microsoft.com/office/powerpoint/2015/09/main" xmlns="" Requires="p159">
+    <mc:Choice xmlns="" xmlns:p159="http://schemas.microsoft.com/office/powerpoint/2015/09/main" Requires="p159">
       <p:transition xmlns:p14="http://schemas.microsoft.com/office/powerpoint/2010/main" spd="slow" p14:dur="2000">
         <p159:morph option="byObject"/>
       </p:transition>
@@ -772,7 +1297,7 @@
     <a:masterClrMapping/>
   </p:clrMapOvr>
   <mc:AlternateContent xmlns:mc="http://schemas.openxmlformats.org/markup-compatibility/2006">
-    <mc:Choice xmlns:p159="http://schemas.microsoft.com/office/powerpoint/2015/09/main" xmlns="" Requires="p159">
+    <mc:Choice xmlns="" xmlns:p159="http://schemas.microsoft.com/office/powerpoint/2015/09/main" Requires="p159">
       <p:transition xmlns:p14="http://schemas.microsoft.com/office/powerpoint/2010/main" spd="slow" p14:dur="2000">
         <p159:morph option="byObject"/>
       </p:transition>
@@ -982,7 +1507,7 @@
     <a:masterClrMapping/>
   </p:clrMapOvr>
   <mc:AlternateContent xmlns:mc="http://schemas.openxmlformats.org/markup-compatibility/2006">
-    <mc:Choice xmlns:p159="http://schemas.microsoft.com/office/powerpoint/2015/09/main" xmlns="" Requires="p159">
+    <mc:Choice xmlns="" xmlns:p159="http://schemas.microsoft.com/office/powerpoint/2015/09/main" Requires="p159">
       <p:transition xmlns:p14="http://schemas.microsoft.com/office/powerpoint/2010/main" spd="slow" p14:dur="2000">
         <p159:morph option="byObject"/>
       </p:transition>
@@ -1269,7 +1794,7 @@
     <a:masterClrMapping/>
   </p:clrMapOvr>
   <mc:AlternateContent xmlns:mc="http://schemas.openxmlformats.org/markup-compatibility/2006">
-    <mc:Choice xmlns:p159="http://schemas.microsoft.com/office/powerpoint/2015/09/main" xmlns="" Requires="p159">
+    <mc:Choice xmlns="" xmlns:p159="http://schemas.microsoft.com/office/powerpoint/2015/09/main" Requires="p159">
       <p:transition xmlns:p14="http://schemas.microsoft.com/office/powerpoint/2010/main" spd="slow" p14:dur="2000">
         <p159:morph option="byObject"/>
       </p:transition>
@@ -1546,7 +2071,7 @@
     <a:masterClrMapping/>
   </p:clrMapOvr>
   <mc:AlternateContent xmlns:mc="http://schemas.openxmlformats.org/markup-compatibility/2006">
-    <mc:Choice xmlns:p159="http://schemas.microsoft.com/office/powerpoint/2015/09/main" xmlns="" Requires="p159">
+    <mc:Choice xmlns="" xmlns:p159="http://schemas.microsoft.com/office/powerpoint/2015/09/main" Requires="p159">
       <p:transition xmlns:p14="http://schemas.microsoft.com/office/powerpoint/2010/main" spd="slow" p14:dur="2000">
         <p159:morph option="byObject"/>
       </p:transition>
@@ -1970,7 +2495,7 @@
     <a:masterClrMapping/>
   </p:clrMapOvr>
   <mc:AlternateContent xmlns:mc="http://schemas.openxmlformats.org/markup-compatibility/2006">
-    <mc:Choice xmlns:p159="http://schemas.microsoft.com/office/powerpoint/2015/09/main" xmlns="" Requires="p159">
+    <mc:Choice xmlns="" xmlns:p159="http://schemas.microsoft.com/office/powerpoint/2015/09/main" Requires="p159">
       <p:transition xmlns:p14="http://schemas.microsoft.com/office/powerpoint/2010/main" spd="slow" p14:dur="2000">
         <p159:morph option="byObject"/>
       </p:transition>
@@ -2123,7 +2648,7 @@
     <a:masterClrMapping/>
   </p:clrMapOvr>
   <mc:AlternateContent xmlns:mc="http://schemas.openxmlformats.org/markup-compatibility/2006">
-    <mc:Choice xmlns:p159="http://schemas.microsoft.com/office/powerpoint/2015/09/main" xmlns="" Requires="p159">
+    <mc:Choice xmlns="" xmlns:p159="http://schemas.microsoft.com/office/powerpoint/2015/09/main" Requires="p159">
       <p:transition xmlns:p14="http://schemas.microsoft.com/office/powerpoint/2010/main" spd="slow" p14:dur="2000">
         <p159:morph option="byObject"/>
       </p:transition>
@@ -2156,83 +2681,6 @@
       </p:grpSpPr>
       <p:sp>
         <p:nvSpPr>
-          <p:cNvPr id="6" name="TextBox 5">
-            <a:extLst>
-              <a:ext uri="{FF2B5EF4-FFF2-40B4-BE49-F238E27FC236}">
-                <a16:creationId xmlns:a16="http://schemas.microsoft.com/office/drawing/2014/main" id="{F9FBA3DC-EC83-47B0-AEFF-8E30CEF9F18E}"/>
-              </a:ext>
-            </a:extLst>
-          </p:cNvPr>
-          <p:cNvSpPr txBox="1"/>
-          <p:nvPr userDrawn="1"/>
-        </p:nvSpPr>
-        <p:spPr>
-          <a:xfrm>
-            <a:off x="10006664" y="6588607"/>
-            <a:ext cx="2194833" cy="230832"/>
-          </a:xfrm>
-          <a:prstGeom prst="rect">
-            <a:avLst/>
-          </a:prstGeom>
-          <a:noFill/>
-        </p:spPr>
-        <p:txBody>
-          <a:bodyPr wrap="none" rtlCol="0">
-            <a:spAutoFit/>
-          </a:bodyPr>
-          <a:lstStyle/>
-          <a:p>
-            <a:pPr algn="r"/>
-            <a:r>
-              <a:rPr lang="en-US" altLang="ko-KR" sz="900" dirty="0">
-                <a:solidFill>
-                  <a:schemeClr val="tx1"/>
-                </a:solidFill>
-              </a:rPr>
-              <a:t>ⓒSaebyeol Yu.</a:t>
-            </a:r>
-            <a:r>
-              <a:rPr lang="ko-KR" altLang="en-US" sz="900" dirty="0">
-                <a:solidFill>
-                  <a:schemeClr val="tx1"/>
-                </a:solidFill>
-              </a:rPr>
-              <a:t> </a:t>
-            </a:r>
-            <a:r>
-              <a:rPr lang="en-US" altLang="ko-KR" sz="900" dirty="0" err="1">
-                <a:solidFill>
-                  <a:schemeClr val="tx1"/>
-                </a:solidFill>
-              </a:rPr>
-              <a:t>Saebyeol’s</a:t>
-            </a:r>
-            <a:r>
-              <a:rPr lang="ko-KR" altLang="en-US" sz="900" dirty="0">
-                <a:solidFill>
-                  <a:schemeClr val="tx1"/>
-                </a:solidFill>
-              </a:rPr>
-              <a:t> </a:t>
-            </a:r>
-            <a:r>
-              <a:rPr lang="en-US" altLang="ko-KR" sz="900" dirty="0">
-                <a:solidFill>
-                  <a:schemeClr val="tx1"/>
-                </a:solidFill>
-              </a:rPr>
-              <a:t>PowerPoint</a:t>
-            </a:r>
-            <a:endParaRPr lang="ko-KR" altLang="en-US" sz="900" dirty="0">
-              <a:solidFill>
-                <a:schemeClr val="tx1"/>
-              </a:solidFill>
-            </a:endParaRPr>
-          </a:p>
-        </p:txBody>
-      </p:sp>
-      <p:sp>
-        <p:nvSpPr>
           <p:cNvPr id="2" name="날짜 개체 틀 1">
             <a:extLst>
               <a:ext uri="{FF2B5EF4-FFF2-40B4-BE49-F238E27FC236}">
@@ -2325,7 +2773,7 @@
     <a:masterClrMapping/>
   </p:clrMapOvr>
   <mc:AlternateContent xmlns:mc="http://schemas.openxmlformats.org/markup-compatibility/2006">
-    <mc:Choice xmlns:p159="http://schemas.microsoft.com/office/powerpoint/2015/09/main" xmlns="" Requires="p159">
+    <mc:Choice xmlns="" xmlns:p159="http://schemas.microsoft.com/office/powerpoint/2015/09/main" Requires="p159">
       <p:transition xmlns:p14="http://schemas.microsoft.com/office/powerpoint/2010/main" spd="slow" p14:dur="2000">
         <p159:morph option="byObject"/>
       </p:transition>
@@ -2648,7 +3096,7 @@
     <a:masterClrMapping/>
   </p:clrMapOvr>
   <mc:AlternateContent xmlns:mc="http://schemas.openxmlformats.org/markup-compatibility/2006">
-    <mc:Choice xmlns:p159="http://schemas.microsoft.com/office/powerpoint/2015/09/main" xmlns="" Requires="p159">
+    <mc:Choice xmlns="" xmlns:p159="http://schemas.microsoft.com/office/powerpoint/2015/09/main" Requires="p159">
       <p:transition xmlns:p14="http://schemas.microsoft.com/office/powerpoint/2010/main" spd="slow" p14:dur="2000">
         <p159:morph option="byObject"/>
       </p:transition>
@@ -2948,7 +3396,7 @@
     <a:masterClrMapping/>
   </p:clrMapOvr>
   <mc:AlternateContent xmlns:mc="http://schemas.openxmlformats.org/markup-compatibility/2006">
-    <mc:Choice xmlns:p159="http://schemas.microsoft.com/office/powerpoint/2015/09/main" xmlns="" Requires="p159">
+    <mc:Choice xmlns="" xmlns:p159="http://schemas.microsoft.com/office/powerpoint/2015/09/main" Requires="p159">
       <p:transition xmlns:p14="http://schemas.microsoft.com/office/powerpoint/2010/main" spd="slow" p14:dur="2000">
         <p159:morph option="byObject"/>
       </p:transition>
@@ -3248,7 +3696,7 @@
     <p:sldLayoutId id="2147483659" r:id="rId11"/>
   </p:sldLayoutIdLst>
   <mc:AlternateContent xmlns:mc="http://schemas.openxmlformats.org/markup-compatibility/2006">
-    <mc:Choice xmlns:p159="http://schemas.microsoft.com/office/powerpoint/2015/09/main" xmlns="" Requires="p159">
+    <mc:Choice xmlns="" xmlns:p159="http://schemas.microsoft.com/office/powerpoint/2015/09/main" Requires="p159">
       <p:transition xmlns:p14="http://schemas.microsoft.com/office/powerpoint/2010/main" spd="slow" p14:dur="2000">
         <p159:morph option="byObject"/>
       </p:transition>
@@ -3582,9 +4030,9 @@
         <p:grpSpPr>
           <a:xfrm>
             <a:off x="365760" y="2456359"/>
-            <a:ext cx="7251940" cy="1452841"/>
+            <a:ext cx="7251940" cy="1545174"/>
             <a:chOff x="365760" y="2456359"/>
-            <a:chExt cx="7251940" cy="1452841"/>
+            <a:chExt cx="7251940" cy="1545174"/>
           </a:xfrm>
         </p:grpSpPr>
         <p:sp>
@@ -3602,7 +4050,7 @@
           <p:spPr>
             <a:xfrm>
               <a:off x="365760" y="2456359"/>
-              <a:ext cx="2406428" cy="769441"/>
+              <a:ext cx="2986715" cy="1015663"/>
             </a:xfrm>
             <a:prstGeom prst="rect">
               <a:avLst/>
@@ -3616,17 +4064,21 @@
             <a:lstStyle/>
             <a:p>
               <a:r>
-                <a:rPr lang="ko-KR" altLang="en-US" sz="4400" spc="-300" dirty="0" smtClean="0">
+                <a:rPr lang="ko-KR" altLang="en-US" sz="6000" spc="-300" dirty="0" smtClean="0">
                   <a:solidFill>
                     <a:schemeClr val="bg1"/>
                   </a:solidFill>
+                  <a:latin typeface="나눔스퀘어 Bold" panose="020B0600000101010101" pitchFamily="50" charset="-127"/>
+                  <a:ea typeface="나눔스퀘어 Bold" panose="020B0600000101010101" pitchFamily="50" charset="-127"/>
                 </a:rPr>
                 <a:t>졸작 초안</a:t>
               </a:r>
-              <a:endParaRPr lang="ko-KR" altLang="en-US" sz="4400" spc="-300" dirty="0">
+              <a:endParaRPr lang="ko-KR" altLang="en-US" sz="6000" spc="-300" dirty="0">
                 <a:solidFill>
                   <a:schemeClr val="bg1"/>
                 </a:solidFill>
+                <a:latin typeface="나눔스퀘어 Bold" panose="020B0600000101010101" pitchFamily="50" charset="-127"/>
+                <a:ea typeface="나눔스퀘어 Bold" panose="020B0600000101010101" pitchFamily="50" charset="-127"/>
               </a:endParaRPr>
             </a:p>
           </p:txBody>
@@ -3689,7 +4141,7 @@
           <p:spPr>
             <a:xfrm>
               <a:off x="365760" y="3632201"/>
-              <a:ext cx="1226618" cy="276999"/>
+              <a:ext cx="1704313" cy="369332"/>
             </a:xfrm>
             <a:prstGeom prst="rect">
               <a:avLst/>
@@ -3703,107 +4155,36 @@
             <a:lstStyle/>
             <a:p>
               <a:r>
-                <a:rPr lang="en-US" altLang="ko-KR" sz="1200" dirty="0" smtClean="0">
+                <a:rPr lang="en-US" altLang="ko-KR" dirty="0" smtClean="0">
                   <a:solidFill>
                     <a:schemeClr val="bg1"/>
                   </a:solidFill>
+                  <a:latin typeface="나눔스퀘어 Bold" panose="020B0600000101010101" pitchFamily="50" charset="-127"/>
+                  <a:ea typeface="나눔스퀘어 Bold" panose="020B0600000101010101" pitchFamily="50" charset="-127"/>
                 </a:rPr>
                 <a:t>2021 </a:t>
               </a:r>
               <a:r>
-                <a:rPr lang="ko-KR" altLang="en-US" sz="1200" dirty="0" smtClean="0">
+                <a:rPr lang="ko-KR" altLang="en-US" dirty="0" smtClean="0">
                   <a:solidFill>
                     <a:schemeClr val="bg1"/>
                   </a:solidFill>
+                  <a:latin typeface="나눔스퀘어 Bold" panose="020B0600000101010101" pitchFamily="50" charset="-127"/>
+                  <a:ea typeface="나눔스퀘어 Bold" panose="020B0600000101010101" pitchFamily="50" charset="-127"/>
                 </a:rPr>
                 <a:t>졸작 초안</a:t>
               </a:r>
-              <a:endParaRPr lang="ko-KR" altLang="en-US" sz="1200" dirty="0">
+              <a:endParaRPr lang="ko-KR" altLang="en-US" dirty="0">
                 <a:solidFill>
                   <a:schemeClr val="bg1"/>
                 </a:solidFill>
+                <a:latin typeface="나눔스퀘어 Bold" panose="020B0600000101010101" pitchFamily="50" charset="-127"/>
+                <a:ea typeface="나눔스퀘어 Bold" panose="020B0600000101010101" pitchFamily="50" charset="-127"/>
               </a:endParaRPr>
             </a:p>
           </p:txBody>
         </p:sp>
       </p:grpSp>
-      <p:sp>
-        <p:nvSpPr>
-          <p:cNvPr id="9" name="TextBox 8">
-            <a:extLst>
-              <a:ext uri="{FF2B5EF4-FFF2-40B4-BE49-F238E27FC236}">
-                <a16:creationId xmlns:a16="http://schemas.microsoft.com/office/drawing/2014/main" id="{EFA266E9-3216-4956-B605-E430D7BC55EB}"/>
-              </a:ext>
-            </a:extLst>
-          </p:cNvPr>
-          <p:cNvSpPr txBox="1"/>
-          <p:nvPr/>
-        </p:nvSpPr>
-        <p:spPr>
-          <a:xfrm>
-            <a:off x="355179" y="6588607"/>
-            <a:ext cx="2194833" cy="230832"/>
-          </a:xfrm>
-          <a:prstGeom prst="rect">
-            <a:avLst/>
-          </a:prstGeom>
-          <a:noFill/>
-        </p:spPr>
-        <p:txBody>
-          <a:bodyPr wrap="none" rtlCol="0">
-            <a:spAutoFit/>
-          </a:bodyPr>
-          <a:lstStyle/>
-          <a:p>
-            <a:pPr algn="r"/>
-            <a:r>
-              <a:rPr lang="en-US" altLang="ko-KR" sz="900" dirty="0">
-                <a:solidFill>
-                  <a:schemeClr val="bg1"/>
-                </a:solidFill>
-              </a:rPr>
-              <a:t>ⓒSaebyeol Yu.</a:t>
-            </a:r>
-            <a:r>
-              <a:rPr lang="ko-KR" altLang="en-US" sz="900" dirty="0">
-                <a:solidFill>
-                  <a:schemeClr val="bg1"/>
-                </a:solidFill>
-              </a:rPr>
-              <a:t> </a:t>
-            </a:r>
-            <a:r>
-              <a:rPr lang="en-US" altLang="ko-KR" sz="900" dirty="0" err="1">
-                <a:solidFill>
-                  <a:schemeClr val="bg1"/>
-                </a:solidFill>
-              </a:rPr>
-              <a:t>Saebyeol’s</a:t>
-            </a:r>
-            <a:r>
-              <a:rPr lang="ko-KR" altLang="en-US" sz="900" dirty="0">
-                <a:solidFill>
-                  <a:schemeClr val="bg1"/>
-                </a:solidFill>
-              </a:rPr>
-              <a:t> </a:t>
-            </a:r>
-            <a:r>
-              <a:rPr lang="en-US" altLang="ko-KR" sz="900" dirty="0">
-                <a:solidFill>
-                  <a:schemeClr val="bg1"/>
-                </a:solidFill>
-              </a:rPr>
-              <a:t>PowerPoint</a:t>
-            </a:r>
-            <a:endParaRPr lang="ko-KR" altLang="en-US" sz="900" dirty="0">
-              <a:solidFill>
-                <a:schemeClr val="bg1"/>
-              </a:solidFill>
-            </a:endParaRPr>
-          </a:p>
-        </p:txBody>
-      </p:sp>
     </p:spTree>
     <p:extLst>
       <p:ext uri="{BB962C8B-B14F-4D97-AF65-F5344CB8AC3E}">
@@ -3815,7 +4196,7 @@
     <a:masterClrMapping/>
   </p:clrMapOvr>
   <mc:AlternateContent xmlns:mc="http://schemas.openxmlformats.org/markup-compatibility/2006">
-    <mc:Choice xmlns:p159="http://schemas.microsoft.com/office/powerpoint/2015/09/main" xmlns="" Requires="p159">
+    <mc:Choice xmlns="" xmlns:p159="http://schemas.microsoft.com/office/powerpoint/2015/09/main" Requires="p159">
       <p:transition xmlns:p14="http://schemas.microsoft.com/office/powerpoint/2010/main" spd="slow" p14:dur="2000">
         <p159:morph option="byObject"/>
       </p:transition>
@@ -3904,7 +4285,10 @@
           <a:lstStyle/>
           <a:p>
             <a:pPr algn="ctr"/>
-            <a:endParaRPr lang="ko-KR" altLang="en-US"/>
+            <a:endParaRPr lang="ko-KR" altLang="en-US">
+              <a:latin typeface="Adobe Arabic" panose="02040503050201020203" pitchFamily="18" charset="-78"/>
+              <a:cs typeface="Adobe Arabic" panose="02040503050201020203" pitchFamily="18" charset="-78"/>
+            </a:endParaRPr>
           </a:p>
         </p:txBody>
       </p:sp>
@@ -3923,7 +4307,7 @@
         <p:spPr>
           <a:xfrm>
             <a:off x="0" y="24469"/>
-            <a:ext cx="1313180" cy="769441"/>
+            <a:ext cx="1210588" cy="769441"/>
           </a:xfrm>
           <a:prstGeom prst="rect">
             <a:avLst/>
@@ -3937,7 +4321,11 @@
           <a:lstStyle/>
           <a:p>
             <a:r>
-              <a:rPr lang="ko-KR" altLang="en-US" sz="4400" dirty="0"/>
+              <a:rPr lang="ko-KR" altLang="en-US" sz="4400" dirty="0">
+                <a:latin typeface="나눔스퀘어 Bold" panose="020B0600000101010101" pitchFamily="50" charset="-127"/>
+                <a:ea typeface="나눔스퀘어 Bold" panose="020B0600000101010101" pitchFamily="50" charset="-127"/>
+                <a:cs typeface="Adobe Arabic" panose="02040503050201020203" pitchFamily="18" charset="-78"/>
+              </a:rPr>
               <a:t>목차</a:t>
             </a:r>
           </a:p>
@@ -4011,7 +4399,11 @@
             <a:lstStyle/>
             <a:p>
               <a:pPr algn="ctr"/>
-              <a:endParaRPr lang="ko-KR" altLang="en-US" b="1"/>
+              <a:endParaRPr lang="ko-KR" altLang="en-US" b="1">
+                <a:latin typeface="나눔스퀘어 Bold" panose="020B0600000101010101" pitchFamily="50" charset="-127"/>
+                <a:ea typeface="나눔스퀘어 Bold" panose="020B0600000101010101" pitchFamily="50" charset="-127"/>
+                <a:cs typeface="Adobe Arabic" panose="02040503050201020203" pitchFamily="18" charset="-78"/>
+              </a:endParaRPr>
             </a:p>
           </p:txBody>
         </p:sp>
@@ -4029,8 +4421,8 @@
           </p:nvSpPr>
           <p:spPr>
             <a:xfrm>
-              <a:off x="467242" y="1461105"/>
-              <a:ext cx="355838" cy="584775"/>
+              <a:off x="457557" y="1461105"/>
+              <a:ext cx="375207" cy="584775"/>
             </a:xfrm>
             <a:prstGeom prst="rect">
               <a:avLst/>
@@ -4051,6 +4443,9 @@
                       <a:lumMod val="75000"/>
                     </a:schemeClr>
                   </a:solidFill>
+                  <a:latin typeface="나눔스퀘어 Bold" panose="020B0600000101010101" pitchFamily="50" charset="-127"/>
+                  <a:ea typeface="나눔스퀘어 Bold" panose="020B0600000101010101" pitchFamily="50" charset="-127"/>
+                  <a:cs typeface="Adobe Arabic" panose="02040503050201020203" pitchFamily="18" charset="-78"/>
                 </a:rPr>
                 <a:t>1</a:t>
               </a:r>
@@ -4060,6 +4455,9 @@
                     <a:lumMod val="75000"/>
                   </a:schemeClr>
                 </a:solidFill>
+                <a:latin typeface="나눔스퀘어 Bold" panose="020B0600000101010101" pitchFamily="50" charset="-127"/>
+                <a:ea typeface="나눔스퀘어 Bold" panose="020B0600000101010101" pitchFamily="50" charset="-127"/>
+                <a:cs typeface="Adobe Arabic" panose="02040503050201020203" pitchFamily="18" charset="-78"/>
               </a:endParaRPr>
             </a:p>
           </p:txBody>
@@ -4099,8 +4497,37 @@
                       <a:lumMod val="50000"/>
                     </a:schemeClr>
                   </a:solidFill>
+                  <a:latin typeface="나눔스퀘어 Bold" panose="020B0600000101010101" pitchFamily="50" charset="-127"/>
+                  <a:ea typeface="나눔스퀘어 Bold" panose="020B0600000101010101" pitchFamily="50" charset="-127"/>
+                  <a:cs typeface="Adobe Arabic" panose="02040503050201020203" pitchFamily="18" charset="-78"/>
                 </a:rPr>
-                <a:t>연구 목적</a:t>
+                <a:t>연구 </a:t>
+              </a:r>
+              <a:r>
+                <a:rPr lang="ko-KR" altLang="en-US" sz="2400" b="1" dirty="0" smtClean="0">
+                  <a:solidFill>
+                    <a:schemeClr val="tx2">
+                      <a:lumMod val="50000"/>
+                    </a:schemeClr>
+                  </a:solidFill>
+                  <a:latin typeface="나눔스퀘어 Bold" panose="020B0600000101010101" pitchFamily="50" charset="-127"/>
+                  <a:ea typeface="나눔스퀘어 Bold" panose="020B0600000101010101" pitchFamily="50" charset="-127"/>
+                  <a:cs typeface="Adobe Arabic" panose="02040503050201020203" pitchFamily="18" charset="-78"/>
+                </a:rPr>
+                <a:t>목적 </a:t>
+              </a:r>
+              <a:r>
+                <a:rPr lang="en-US" altLang="ko-KR" sz="2400" b="1" dirty="0" smtClean="0">
+                  <a:solidFill>
+                    <a:schemeClr val="tx2">
+                      <a:lumMod val="50000"/>
+                    </a:schemeClr>
+                  </a:solidFill>
+                  <a:latin typeface="나눔스퀘어 Bold" panose="020B0600000101010101" pitchFamily="50" charset="-127"/>
+                  <a:ea typeface="나눔스퀘어 Bold" panose="020B0600000101010101" pitchFamily="50" charset="-127"/>
+                  <a:cs typeface="Adobe Arabic" panose="02040503050201020203" pitchFamily="18" charset="-78"/>
+                </a:rPr>
+                <a:t>o</a:t>
               </a:r>
               <a:endParaRPr lang="ko-KR" altLang="en-US" sz="2400" b="1" dirty="0">
                 <a:solidFill>
@@ -4108,6 +4535,9 @@
                     <a:lumMod val="50000"/>
                   </a:schemeClr>
                 </a:solidFill>
+                <a:latin typeface="나눔스퀘어 Bold" panose="020B0600000101010101" pitchFamily="50" charset="-127"/>
+                <a:ea typeface="나눔스퀘어 Bold" panose="020B0600000101010101" pitchFamily="50" charset="-127"/>
+                <a:cs typeface="Adobe Arabic" panose="02040503050201020203" pitchFamily="18" charset="-78"/>
               </a:endParaRPr>
             </a:p>
           </p:txBody>
@@ -4181,7 +4611,11 @@
             <a:lstStyle/>
             <a:p>
               <a:pPr algn="ctr"/>
-              <a:endParaRPr lang="ko-KR" altLang="en-US" b="1"/>
+              <a:endParaRPr lang="ko-KR" altLang="en-US" b="1">
+                <a:latin typeface="나눔스퀘어 Bold" panose="020B0600000101010101" pitchFamily="50" charset="-127"/>
+                <a:ea typeface="나눔스퀘어 Bold" panose="020B0600000101010101" pitchFamily="50" charset="-127"/>
+                <a:cs typeface="Adobe Arabic" panose="02040503050201020203" pitchFamily="18" charset="-78"/>
+              </a:endParaRPr>
             </a:p>
           </p:txBody>
         </p:sp>
@@ -4199,8 +4633,8 @@
           </p:nvSpPr>
           <p:spPr>
             <a:xfrm>
-              <a:off x="467241" y="1461105"/>
-              <a:ext cx="355838" cy="584775"/>
+              <a:off x="457556" y="1461105"/>
+              <a:ext cx="375207" cy="584775"/>
             </a:xfrm>
             <a:prstGeom prst="rect">
               <a:avLst/>
@@ -4221,6 +4655,9 @@
                       <a:lumMod val="75000"/>
                     </a:schemeClr>
                   </a:solidFill>
+                  <a:latin typeface="나눔스퀘어 Bold" panose="020B0600000101010101" pitchFamily="50" charset="-127"/>
+                  <a:ea typeface="나눔스퀘어 Bold" panose="020B0600000101010101" pitchFamily="50" charset="-127"/>
+                  <a:cs typeface="Adobe Arabic" panose="02040503050201020203" pitchFamily="18" charset="-78"/>
                 </a:rPr>
                 <a:t>2</a:t>
               </a:r>
@@ -4230,6 +4667,9 @@
                     <a:lumMod val="75000"/>
                   </a:schemeClr>
                 </a:solidFill>
+                <a:latin typeface="나눔스퀘어 Bold" panose="020B0600000101010101" pitchFamily="50" charset="-127"/>
+                <a:ea typeface="나눔스퀘어 Bold" panose="020B0600000101010101" pitchFamily="50" charset="-127"/>
+                <a:cs typeface="Adobe Arabic" panose="02040503050201020203" pitchFamily="18" charset="-78"/>
               </a:endParaRPr>
             </a:p>
           </p:txBody>
@@ -4269,8 +4709,37 @@
                       <a:lumMod val="50000"/>
                     </a:schemeClr>
                   </a:solidFill>
+                  <a:latin typeface="나눔스퀘어 Bold" panose="020B0600000101010101" pitchFamily="50" charset="-127"/>
+                  <a:ea typeface="나눔스퀘어 Bold" panose="020B0600000101010101" pitchFamily="50" charset="-127"/>
+                  <a:cs typeface="Adobe Arabic" panose="02040503050201020203" pitchFamily="18" charset="-78"/>
                 </a:rPr>
-                <a:t>게임 소개 및  방법</a:t>
+                <a:t>게임 소개 </a:t>
+              </a:r>
+              <a:r>
+                <a:rPr lang="ko-KR" altLang="en-US" sz="2400" b="1" dirty="0" smtClean="0">
+                  <a:solidFill>
+                    <a:schemeClr val="tx2">
+                      <a:lumMod val="50000"/>
+                    </a:schemeClr>
+                  </a:solidFill>
+                  <a:latin typeface="나눔스퀘어 Bold" panose="020B0600000101010101" pitchFamily="50" charset="-127"/>
+                  <a:ea typeface="나눔스퀘어 Bold" panose="020B0600000101010101" pitchFamily="50" charset="-127"/>
+                  <a:cs typeface="Adobe Arabic" panose="02040503050201020203" pitchFamily="18" charset="-78"/>
+                </a:rPr>
+                <a:t>및 </a:t>
+              </a:r>
+              <a:r>
+                <a:rPr lang="ko-KR" altLang="en-US" sz="2400" b="1" dirty="0" smtClean="0">
+                  <a:solidFill>
+                    <a:schemeClr val="tx2">
+                      <a:lumMod val="50000"/>
+                    </a:schemeClr>
+                  </a:solidFill>
+                  <a:latin typeface="나눔스퀘어 Bold" panose="020B0600000101010101" pitchFamily="50" charset="-127"/>
+                  <a:ea typeface="나눔스퀘어 Bold" panose="020B0600000101010101" pitchFamily="50" charset="-127"/>
+                  <a:cs typeface="Adobe Arabic" panose="02040503050201020203" pitchFamily="18" charset="-78"/>
+                </a:rPr>
+                <a:t>방법</a:t>
               </a:r>
               <a:endParaRPr lang="ko-KR" altLang="en-US" sz="2400" b="1" dirty="0">
                 <a:solidFill>
@@ -4278,6 +4747,9 @@
                     <a:lumMod val="50000"/>
                   </a:schemeClr>
                 </a:solidFill>
+                <a:latin typeface="나눔스퀘어 Bold" panose="020B0600000101010101" pitchFamily="50" charset="-127"/>
+                <a:ea typeface="나눔스퀘어 Bold" panose="020B0600000101010101" pitchFamily="50" charset="-127"/>
+                <a:cs typeface="Adobe Arabic" panose="02040503050201020203" pitchFamily="18" charset="-78"/>
               </a:endParaRPr>
             </a:p>
           </p:txBody>
@@ -4297,7 +4769,7 @@
         </p:nvGrpSpPr>
         <p:grpSpPr>
           <a:xfrm>
-            <a:off x="501250" y="3860323"/>
+            <a:off x="501250" y="3854900"/>
             <a:ext cx="3896183" cy="701040"/>
             <a:chOff x="294640" y="1391920"/>
             <a:chExt cx="3362689" cy="701040"/>
@@ -4351,7 +4823,11 @@
             <a:lstStyle/>
             <a:p>
               <a:pPr algn="ctr"/>
-              <a:endParaRPr lang="ko-KR" altLang="en-US" b="1"/>
+              <a:endParaRPr lang="ko-KR" altLang="en-US" b="1">
+                <a:latin typeface="나눔스퀘어 Bold" panose="020B0600000101010101" pitchFamily="50" charset="-127"/>
+                <a:ea typeface="나눔스퀘어 Bold" panose="020B0600000101010101" pitchFamily="50" charset="-127"/>
+                <a:cs typeface="Adobe Arabic" panose="02040503050201020203" pitchFamily="18" charset="-78"/>
+              </a:endParaRPr>
             </a:p>
           </p:txBody>
         </p:sp>
@@ -4369,8 +4845,8 @@
           </p:nvSpPr>
           <p:spPr>
             <a:xfrm>
-              <a:off x="467241" y="1461105"/>
-              <a:ext cx="355838" cy="584775"/>
+              <a:off x="457556" y="1461105"/>
+              <a:ext cx="375207" cy="584775"/>
             </a:xfrm>
             <a:prstGeom prst="rect">
               <a:avLst/>
@@ -4391,6 +4867,9 @@
                       <a:lumMod val="75000"/>
                     </a:schemeClr>
                   </a:solidFill>
+                  <a:latin typeface="나눔스퀘어 Bold" panose="020B0600000101010101" pitchFamily="50" charset="-127"/>
+                  <a:ea typeface="나눔스퀘어 Bold" panose="020B0600000101010101" pitchFamily="50" charset="-127"/>
+                  <a:cs typeface="Adobe Arabic" panose="02040503050201020203" pitchFamily="18" charset="-78"/>
                 </a:rPr>
                 <a:t>3</a:t>
               </a:r>
@@ -4400,6 +4879,9 @@
                     <a:lumMod val="75000"/>
                   </a:schemeClr>
                 </a:solidFill>
+                <a:latin typeface="나눔스퀘어 Bold" panose="020B0600000101010101" pitchFamily="50" charset="-127"/>
+                <a:ea typeface="나눔스퀘어 Bold" panose="020B0600000101010101" pitchFamily="50" charset="-127"/>
+                <a:cs typeface="Adobe Arabic" panose="02040503050201020203" pitchFamily="18" charset="-78"/>
               </a:endParaRPr>
             </a:p>
           </p:txBody>
@@ -4439,8 +4921,37 @@
                       <a:lumMod val="50000"/>
                     </a:schemeClr>
                   </a:solidFill>
+                  <a:latin typeface="나눔스퀘어 Bold" panose="020B0600000101010101" pitchFamily="50" charset="-127"/>
+                  <a:ea typeface="나눔스퀘어 Bold" panose="020B0600000101010101" pitchFamily="50" charset="-127"/>
+                  <a:cs typeface="Adobe Arabic" panose="02040503050201020203" pitchFamily="18" charset="-78"/>
                 </a:rPr>
-                <a:t>개발 환경</a:t>
+                <a:t>개발 </a:t>
+              </a:r>
+              <a:r>
+                <a:rPr lang="ko-KR" altLang="en-US" sz="2400" b="1" dirty="0" smtClean="0">
+                  <a:solidFill>
+                    <a:schemeClr val="tx2">
+                      <a:lumMod val="50000"/>
+                    </a:schemeClr>
+                  </a:solidFill>
+                  <a:latin typeface="나눔스퀘어 Bold" panose="020B0600000101010101" pitchFamily="50" charset="-127"/>
+                  <a:ea typeface="나눔스퀘어 Bold" panose="020B0600000101010101" pitchFamily="50" charset="-127"/>
+                  <a:cs typeface="Adobe Arabic" panose="02040503050201020203" pitchFamily="18" charset="-78"/>
+                </a:rPr>
+                <a:t>환경 </a:t>
+              </a:r>
+              <a:r>
+                <a:rPr lang="en-US" altLang="ko-KR" sz="2400" b="1" dirty="0" smtClean="0">
+                  <a:solidFill>
+                    <a:schemeClr val="tx2">
+                      <a:lumMod val="50000"/>
+                    </a:schemeClr>
+                  </a:solidFill>
+                  <a:latin typeface="나눔스퀘어 Bold" panose="020B0600000101010101" pitchFamily="50" charset="-127"/>
+                  <a:ea typeface="나눔스퀘어 Bold" panose="020B0600000101010101" pitchFamily="50" charset="-127"/>
+                  <a:cs typeface="Adobe Arabic" panose="02040503050201020203" pitchFamily="18" charset="-78"/>
+                </a:rPr>
+                <a:t>o</a:t>
               </a:r>
               <a:endParaRPr lang="ko-KR" altLang="en-US" sz="2400" b="1" dirty="0">
                 <a:solidFill>
@@ -4448,6 +4959,9 @@
                     <a:lumMod val="50000"/>
                   </a:schemeClr>
                 </a:solidFill>
+                <a:latin typeface="나눔스퀘어 Bold" panose="020B0600000101010101" pitchFamily="50" charset="-127"/>
+                <a:ea typeface="나눔스퀘어 Bold" panose="020B0600000101010101" pitchFamily="50" charset="-127"/>
+                <a:cs typeface="Adobe Arabic" panose="02040503050201020203" pitchFamily="18" charset="-78"/>
               </a:endParaRPr>
             </a:p>
           </p:txBody>
@@ -4521,7 +5035,11 @@
             <a:lstStyle/>
             <a:p>
               <a:pPr algn="ctr"/>
-              <a:endParaRPr lang="ko-KR" altLang="en-US" b="1"/>
+              <a:endParaRPr lang="ko-KR" altLang="en-US" b="1">
+                <a:latin typeface="나눔스퀘어 Bold" panose="020B0600000101010101" pitchFamily="50" charset="-127"/>
+                <a:ea typeface="나눔스퀘어 Bold" panose="020B0600000101010101" pitchFamily="50" charset="-127"/>
+                <a:cs typeface="Adobe Arabic" panose="02040503050201020203" pitchFamily="18" charset="-78"/>
+              </a:endParaRPr>
             </a:p>
           </p:txBody>
         </p:sp>
@@ -4539,8 +5057,8 @@
           </p:nvSpPr>
           <p:spPr>
             <a:xfrm>
-              <a:off x="467241" y="1461105"/>
-              <a:ext cx="355838" cy="584775"/>
+              <a:off x="457556" y="1461105"/>
+              <a:ext cx="375207" cy="584775"/>
             </a:xfrm>
             <a:prstGeom prst="rect">
               <a:avLst/>
@@ -4561,6 +5079,9 @@
                       <a:lumMod val="75000"/>
                     </a:schemeClr>
                   </a:solidFill>
+                  <a:latin typeface="나눔스퀘어 Bold" panose="020B0600000101010101" pitchFamily="50" charset="-127"/>
+                  <a:ea typeface="나눔스퀘어 Bold" panose="020B0600000101010101" pitchFamily="50" charset="-127"/>
+                  <a:cs typeface="Adobe Arabic" panose="02040503050201020203" pitchFamily="18" charset="-78"/>
                 </a:rPr>
                 <a:t>4</a:t>
               </a:r>
@@ -4570,6 +5091,9 @@
                     <a:lumMod val="75000"/>
                   </a:schemeClr>
                 </a:solidFill>
+                <a:latin typeface="나눔스퀘어 Bold" panose="020B0600000101010101" pitchFamily="50" charset="-127"/>
+                <a:ea typeface="나눔스퀘어 Bold" panose="020B0600000101010101" pitchFamily="50" charset="-127"/>
+                <a:cs typeface="Adobe Arabic" panose="02040503050201020203" pitchFamily="18" charset="-78"/>
               </a:endParaRPr>
             </a:p>
           </p:txBody>
@@ -4609,8 +5133,63 @@
                       <a:lumMod val="50000"/>
                     </a:schemeClr>
                   </a:solidFill>
+                  <a:latin typeface="나눔스퀘어 Bold" panose="020B0600000101010101" pitchFamily="50" charset="-127"/>
+                  <a:ea typeface="나눔스퀘어 Bold" panose="020B0600000101010101" pitchFamily="50" charset="-127"/>
+                  <a:cs typeface="Adobe Arabic" panose="02040503050201020203" pitchFamily="18" charset="-78"/>
                 </a:rPr>
-                <a:t>기술적 요소  및 중점 연구 분야</a:t>
+                <a:t>기술적 요소 </a:t>
+              </a:r>
+              <a:r>
+                <a:rPr lang="ko-KR" altLang="en-US" sz="2400" b="1" dirty="0" smtClean="0">
+                  <a:solidFill>
+                    <a:schemeClr val="tx2">
+                      <a:lumMod val="50000"/>
+                    </a:schemeClr>
+                  </a:solidFill>
+                  <a:latin typeface="나눔스퀘어 Bold" panose="020B0600000101010101" pitchFamily="50" charset="-127"/>
+                  <a:ea typeface="나눔스퀘어 Bold" panose="020B0600000101010101" pitchFamily="50" charset="-127"/>
+                  <a:cs typeface="Adobe Arabic" panose="02040503050201020203" pitchFamily="18" charset="-78"/>
+                </a:rPr>
+                <a:t>및 </a:t>
+              </a:r>
+              <a:r>
+                <a:rPr lang="ko-KR" altLang="en-US" sz="2400" b="1" dirty="0" smtClean="0">
+                  <a:solidFill>
+                    <a:schemeClr val="tx2">
+                      <a:lumMod val="50000"/>
+                    </a:schemeClr>
+                  </a:solidFill>
+                  <a:latin typeface="나눔스퀘어 Bold" panose="020B0600000101010101" pitchFamily="50" charset="-127"/>
+                  <a:ea typeface="나눔스퀘어 Bold" panose="020B0600000101010101" pitchFamily="50" charset="-127"/>
+                  <a:cs typeface="Adobe Arabic" panose="02040503050201020203" pitchFamily="18" charset="-78"/>
+                </a:rPr>
+                <a:t>중점 연구 </a:t>
+              </a:r>
+              <a:r>
+                <a:rPr lang="ko-KR" altLang="en-US" sz="2400" b="1" dirty="0" smtClean="0">
+                  <a:solidFill>
+                    <a:schemeClr val="tx2">
+                      <a:lumMod val="50000"/>
+                    </a:schemeClr>
+                  </a:solidFill>
+                  <a:latin typeface="나눔스퀘어 Bold" panose="020B0600000101010101" pitchFamily="50" charset="-127"/>
+                  <a:ea typeface="나눔스퀘어 Bold" panose="020B0600000101010101" pitchFamily="50" charset="-127"/>
+                  <a:cs typeface="Adobe Arabic" panose="02040503050201020203" pitchFamily="18" charset="-78"/>
+                </a:rPr>
+                <a:t>분야 </a:t>
+              </a:r>
+              <a:r>
+                <a:rPr lang="en-US" altLang="ko-KR" sz="2400" b="1" dirty="0" smtClean="0">
+                  <a:solidFill>
+                    <a:schemeClr val="tx2">
+                      <a:lumMod val="50000"/>
+                    </a:schemeClr>
+                  </a:solidFill>
+                  <a:latin typeface="나눔스퀘어 Bold" panose="020B0600000101010101" pitchFamily="50" charset="-127"/>
+                  <a:ea typeface="나눔스퀘어 Bold" panose="020B0600000101010101" pitchFamily="50" charset="-127"/>
+                  <a:cs typeface="Adobe Arabic" panose="02040503050201020203" pitchFamily="18" charset="-78"/>
+                </a:rPr>
+                <a:t>o</a:t>
               </a:r>
               <a:endParaRPr lang="ko-KR" altLang="en-US" sz="2400" b="1" dirty="0">
                 <a:solidFill>
@@ -4618,6 +5197,9 @@
                     <a:lumMod val="50000"/>
                   </a:schemeClr>
                 </a:solidFill>
+                <a:latin typeface="나눔스퀘어 Bold" panose="020B0600000101010101" pitchFamily="50" charset="-127"/>
+                <a:ea typeface="나눔스퀘어 Bold" panose="020B0600000101010101" pitchFamily="50" charset="-127"/>
+                <a:cs typeface="Adobe Arabic" panose="02040503050201020203" pitchFamily="18" charset="-78"/>
               </a:endParaRPr>
             </a:p>
           </p:txBody>
@@ -4691,7 +5273,11 @@
             <a:lstStyle/>
             <a:p>
               <a:pPr algn="ctr"/>
-              <a:endParaRPr lang="ko-KR" altLang="en-US" b="1"/>
+              <a:endParaRPr lang="ko-KR" altLang="en-US" b="1">
+                <a:latin typeface="나눔스퀘어 Bold" panose="020B0600000101010101" pitchFamily="50" charset="-127"/>
+                <a:ea typeface="나눔스퀘어 Bold" panose="020B0600000101010101" pitchFamily="50" charset="-127"/>
+                <a:cs typeface="Adobe Arabic" panose="02040503050201020203" pitchFamily="18" charset="-78"/>
+              </a:endParaRPr>
             </a:p>
           </p:txBody>
         </p:sp>
@@ -4709,8 +5295,8 @@
           </p:nvSpPr>
           <p:spPr>
             <a:xfrm>
-              <a:off x="467241" y="1461105"/>
-              <a:ext cx="355838" cy="584775"/>
+              <a:off x="457556" y="1461105"/>
+              <a:ext cx="375207" cy="584775"/>
             </a:xfrm>
             <a:prstGeom prst="rect">
               <a:avLst/>
@@ -4731,6 +5317,9 @@
                       <a:lumMod val="75000"/>
                     </a:schemeClr>
                   </a:solidFill>
+                  <a:latin typeface="나눔스퀘어 Bold" panose="020B0600000101010101" pitchFamily="50" charset="-127"/>
+                  <a:ea typeface="나눔스퀘어 Bold" panose="020B0600000101010101" pitchFamily="50" charset="-127"/>
+                  <a:cs typeface="Adobe Arabic" panose="02040503050201020203" pitchFamily="18" charset="-78"/>
                 </a:rPr>
                 <a:t>5</a:t>
               </a:r>
@@ -4740,6 +5329,9 @@
                     <a:lumMod val="75000"/>
                   </a:schemeClr>
                 </a:solidFill>
+                <a:latin typeface="나눔스퀘어 Bold" panose="020B0600000101010101" pitchFamily="50" charset="-127"/>
+                <a:ea typeface="나눔스퀘어 Bold" panose="020B0600000101010101" pitchFamily="50" charset="-127"/>
+                <a:cs typeface="Adobe Arabic" panose="02040503050201020203" pitchFamily="18" charset="-78"/>
               </a:endParaRPr>
             </a:p>
           </p:txBody>
@@ -4779,8 +5371,37 @@
                       <a:lumMod val="50000"/>
                     </a:schemeClr>
                   </a:solidFill>
+                  <a:latin typeface="나눔스퀘어 Bold" panose="020B0600000101010101" pitchFamily="50" charset="-127"/>
+                  <a:ea typeface="나눔스퀘어 Bold" panose="020B0600000101010101" pitchFamily="50" charset="-127"/>
+                  <a:cs typeface="Adobe Arabic" panose="02040503050201020203" pitchFamily="18" charset="-78"/>
                 </a:rPr>
-                <a:t>개인 별 준비  현황</a:t>
+                <a:t>개인 별 준비 </a:t>
+              </a:r>
+              <a:r>
+                <a:rPr lang="ko-KR" altLang="en-US" sz="2400" b="1" dirty="0" smtClean="0">
+                  <a:solidFill>
+                    <a:schemeClr val="tx2">
+                      <a:lumMod val="50000"/>
+                    </a:schemeClr>
+                  </a:solidFill>
+                  <a:latin typeface="나눔스퀘어 Bold" panose="020B0600000101010101" pitchFamily="50" charset="-127"/>
+                  <a:ea typeface="나눔스퀘어 Bold" panose="020B0600000101010101" pitchFamily="50" charset="-127"/>
+                  <a:cs typeface="Adobe Arabic" panose="02040503050201020203" pitchFamily="18" charset="-78"/>
+                </a:rPr>
+                <a:t>현황 </a:t>
+              </a:r>
+              <a:r>
+                <a:rPr lang="en-US" altLang="ko-KR" sz="2400" b="1" dirty="0" smtClean="0">
+                  <a:solidFill>
+                    <a:schemeClr val="tx2">
+                      <a:lumMod val="50000"/>
+                    </a:schemeClr>
+                  </a:solidFill>
+                  <a:latin typeface="나눔스퀘어 Bold" panose="020B0600000101010101" pitchFamily="50" charset="-127"/>
+                  <a:ea typeface="나눔스퀘어 Bold" panose="020B0600000101010101" pitchFamily="50" charset="-127"/>
+                  <a:cs typeface="Adobe Arabic" panose="02040503050201020203" pitchFamily="18" charset="-78"/>
+                </a:rPr>
+                <a:t>v</a:t>
               </a:r>
               <a:endParaRPr lang="ko-KR" altLang="en-US" sz="2400" b="1" dirty="0">
                 <a:solidFill>
@@ -4788,6 +5409,9 @@
                     <a:lumMod val="50000"/>
                   </a:schemeClr>
                 </a:solidFill>
+                <a:latin typeface="나눔스퀘어 Bold" panose="020B0600000101010101" pitchFamily="50" charset="-127"/>
+                <a:ea typeface="나눔스퀘어 Bold" panose="020B0600000101010101" pitchFamily="50" charset="-127"/>
+                <a:cs typeface="Adobe Arabic" panose="02040503050201020203" pitchFamily="18" charset="-78"/>
               </a:endParaRPr>
             </a:p>
           </p:txBody>
@@ -4861,7 +5485,11 @@
             <a:lstStyle/>
             <a:p>
               <a:pPr algn="ctr"/>
-              <a:endParaRPr lang="ko-KR" altLang="en-US" b="1"/>
+              <a:endParaRPr lang="ko-KR" altLang="en-US" b="1">
+                <a:latin typeface="나눔스퀘어 Bold" panose="020B0600000101010101" pitchFamily="50" charset="-127"/>
+                <a:ea typeface="나눔스퀘어 Bold" panose="020B0600000101010101" pitchFamily="50" charset="-127"/>
+                <a:cs typeface="Adobe Arabic" panose="02040503050201020203" pitchFamily="18" charset="-78"/>
+              </a:endParaRPr>
             </a:p>
           </p:txBody>
         </p:sp>
@@ -4879,8 +5507,8 @@
           </p:nvSpPr>
           <p:spPr>
             <a:xfrm>
-              <a:off x="467241" y="1461105"/>
-              <a:ext cx="355838" cy="584775"/>
+              <a:off x="457556" y="1461105"/>
+              <a:ext cx="375207" cy="584775"/>
             </a:xfrm>
             <a:prstGeom prst="rect">
               <a:avLst/>
@@ -4901,6 +5529,9 @@
                       <a:lumMod val="75000"/>
                     </a:schemeClr>
                   </a:solidFill>
+                  <a:latin typeface="나눔스퀘어 Bold" panose="020B0600000101010101" pitchFamily="50" charset="-127"/>
+                  <a:ea typeface="나눔스퀘어 Bold" panose="020B0600000101010101" pitchFamily="50" charset="-127"/>
+                  <a:cs typeface="Adobe Arabic" panose="02040503050201020203" pitchFamily="18" charset="-78"/>
                 </a:rPr>
                 <a:t>6</a:t>
               </a:r>
@@ -4910,6 +5541,9 @@
                     <a:lumMod val="75000"/>
                   </a:schemeClr>
                 </a:solidFill>
+                <a:latin typeface="나눔스퀘어 Bold" panose="020B0600000101010101" pitchFamily="50" charset="-127"/>
+                <a:ea typeface="나눔스퀘어 Bold" panose="020B0600000101010101" pitchFamily="50" charset="-127"/>
+                <a:cs typeface="Adobe Arabic" panose="02040503050201020203" pitchFamily="18" charset="-78"/>
               </a:endParaRPr>
             </a:p>
           </p:txBody>
@@ -4949,6 +5583,9 @@
                       <a:lumMod val="50000"/>
                     </a:schemeClr>
                   </a:solidFill>
+                  <a:latin typeface="나눔스퀘어 Bold" panose="020B0600000101010101" pitchFamily="50" charset="-127"/>
+                  <a:ea typeface="나눔스퀘어 Bold" panose="020B0600000101010101" pitchFamily="50" charset="-127"/>
+                  <a:cs typeface="Adobe Arabic" panose="02040503050201020203" pitchFamily="18" charset="-78"/>
                 </a:rPr>
                 <a:t>타 게임과의 차별성</a:t>
               </a:r>
@@ -4958,6 +5595,9 @@
                     <a:lumMod val="50000"/>
                   </a:schemeClr>
                 </a:solidFill>
+                <a:latin typeface="나눔스퀘어 Bold" panose="020B0600000101010101" pitchFamily="50" charset="-127"/>
+                <a:ea typeface="나눔스퀘어 Bold" panose="020B0600000101010101" pitchFamily="50" charset="-127"/>
+                <a:cs typeface="Adobe Arabic" panose="02040503050201020203" pitchFamily="18" charset="-78"/>
               </a:endParaRPr>
             </a:p>
           </p:txBody>
@@ -5031,7 +5671,11 @@
             <a:lstStyle/>
             <a:p>
               <a:pPr algn="ctr"/>
-              <a:endParaRPr lang="ko-KR" altLang="en-US" b="1"/>
+              <a:endParaRPr lang="ko-KR" altLang="en-US" b="1">
+                <a:latin typeface="나눔스퀘어 Bold" panose="020B0600000101010101" pitchFamily="50" charset="-127"/>
+                <a:ea typeface="나눔스퀘어 Bold" panose="020B0600000101010101" pitchFamily="50" charset="-127"/>
+                <a:cs typeface="Adobe Arabic" panose="02040503050201020203" pitchFamily="18" charset="-78"/>
+              </a:endParaRPr>
             </a:p>
           </p:txBody>
         </p:sp>
@@ -5049,8 +5693,8 @@
           </p:nvSpPr>
           <p:spPr>
             <a:xfrm>
-              <a:off x="467241" y="1461105"/>
-              <a:ext cx="355838" cy="584775"/>
+              <a:off x="457556" y="1461105"/>
+              <a:ext cx="375207" cy="584775"/>
             </a:xfrm>
             <a:prstGeom prst="rect">
               <a:avLst/>
@@ -5071,6 +5715,9 @@
                       <a:lumMod val="75000"/>
                     </a:schemeClr>
                   </a:solidFill>
+                  <a:latin typeface="나눔스퀘어 Bold" panose="020B0600000101010101" pitchFamily="50" charset="-127"/>
+                  <a:ea typeface="나눔스퀘어 Bold" panose="020B0600000101010101" pitchFamily="50" charset="-127"/>
+                  <a:cs typeface="Adobe Arabic" panose="02040503050201020203" pitchFamily="18" charset="-78"/>
                 </a:rPr>
                 <a:t>7</a:t>
               </a:r>
@@ -5080,6 +5727,9 @@
                     <a:lumMod val="75000"/>
                   </a:schemeClr>
                 </a:solidFill>
+                <a:latin typeface="나눔스퀘어 Bold" panose="020B0600000101010101" pitchFamily="50" charset="-127"/>
+                <a:ea typeface="나눔스퀘어 Bold" panose="020B0600000101010101" pitchFamily="50" charset="-127"/>
+                <a:cs typeface="Adobe Arabic" panose="02040503050201020203" pitchFamily="18" charset="-78"/>
               </a:endParaRPr>
             </a:p>
           </p:txBody>
@@ -5119,8 +5769,37 @@
                       <a:lumMod val="50000"/>
                     </a:schemeClr>
                   </a:solidFill>
+                  <a:latin typeface="나눔스퀘어 Bold" panose="020B0600000101010101" pitchFamily="50" charset="-127"/>
+                  <a:ea typeface="나눔스퀘어 Bold" panose="020B0600000101010101" pitchFamily="50" charset="-127"/>
+                  <a:cs typeface="Adobe Arabic" panose="02040503050201020203" pitchFamily="18" charset="-78"/>
                 </a:rPr>
-                <a:t>역할 분담  및 일정</a:t>
+                <a:t>역할 분담 </a:t>
+              </a:r>
+              <a:r>
+                <a:rPr lang="ko-KR" altLang="en-US" sz="2400" b="1" dirty="0" smtClean="0">
+                  <a:solidFill>
+                    <a:schemeClr val="tx2">
+                      <a:lumMod val="50000"/>
+                    </a:schemeClr>
+                  </a:solidFill>
+                  <a:latin typeface="나눔스퀘어 Bold" panose="020B0600000101010101" pitchFamily="50" charset="-127"/>
+                  <a:ea typeface="나눔스퀘어 Bold" panose="020B0600000101010101" pitchFamily="50" charset="-127"/>
+                  <a:cs typeface="Adobe Arabic" panose="02040503050201020203" pitchFamily="18" charset="-78"/>
+                </a:rPr>
+                <a:t>및 일정 </a:t>
+              </a:r>
+              <a:r>
+                <a:rPr lang="en-US" altLang="ko-KR" sz="2400" b="1" dirty="0" smtClean="0">
+                  <a:solidFill>
+                    <a:schemeClr val="tx2">
+                      <a:lumMod val="50000"/>
+                    </a:schemeClr>
+                  </a:solidFill>
+                  <a:latin typeface="나눔스퀘어 Bold" panose="020B0600000101010101" pitchFamily="50" charset="-127"/>
+                  <a:ea typeface="나눔스퀘어 Bold" panose="020B0600000101010101" pitchFamily="50" charset="-127"/>
+                  <a:cs typeface="Adobe Arabic" panose="02040503050201020203" pitchFamily="18" charset="-78"/>
+                </a:rPr>
+                <a:t>v</a:t>
               </a:r>
               <a:endParaRPr lang="ko-KR" altLang="en-US" sz="2400" b="1" dirty="0">
                 <a:solidFill>
@@ -5128,6 +5807,9 @@
                     <a:lumMod val="50000"/>
                   </a:schemeClr>
                 </a:solidFill>
+                <a:latin typeface="나눔스퀘어 Bold" panose="020B0600000101010101" pitchFamily="50" charset="-127"/>
+                <a:ea typeface="나눔스퀘어 Bold" panose="020B0600000101010101" pitchFamily="50" charset="-127"/>
+                <a:cs typeface="Adobe Arabic" panose="02040503050201020203" pitchFamily="18" charset="-78"/>
               </a:endParaRPr>
             </a:p>
           </p:txBody>
@@ -5201,7 +5883,11 @@
             <a:lstStyle/>
             <a:p>
               <a:pPr algn="ctr"/>
-              <a:endParaRPr lang="ko-KR" altLang="en-US" b="1"/>
+              <a:endParaRPr lang="ko-KR" altLang="en-US" b="1">
+                <a:latin typeface="나눔스퀘어 Bold" panose="020B0600000101010101" pitchFamily="50" charset="-127"/>
+                <a:ea typeface="나눔스퀘어 Bold" panose="020B0600000101010101" pitchFamily="50" charset="-127"/>
+                <a:cs typeface="Adobe Arabic" panose="02040503050201020203" pitchFamily="18" charset="-78"/>
+              </a:endParaRPr>
             </a:p>
           </p:txBody>
         </p:sp>
@@ -5219,8 +5905,8 @@
           </p:nvSpPr>
           <p:spPr>
             <a:xfrm>
-              <a:off x="467241" y="1461105"/>
-              <a:ext cx="355838" cy="584775"/>
+              <a:off x="457556" y="1461105"/>
+              <a:ext cx="375207" cy="584775"/>
             </a:xfrm>
             <a:prstGeom prst="rect">
               <a:avLst/>
@@ -5241,6 +5927,9 @@
                       <a:lumMod val="75000"/>
                     </a:schemeClr>
                   </a:solidFill>
+                  <a:latin typeface="나눔스퀘어 Bold" panose="020B0600000101010101" pitchFamily="50" charset="-127"/>
+                  <a:ea typeface="나눔스퀘어 Bold" panose="020B0600000101010101" pitchFamily="50" charset="-127"/>
+                  <a:cs typeface="Adobe Arabic" panose="02040503050201020203" pitchFamily="18" charset="-78"/>
                 </a:rPr>
                 <a:t>8</a:t>
               </a:r>
@@ -5250,6 +5939,9 @@
                     <a:lumMod val="75000"/>
                   </a:schemeClr>
                 </a:solidFill>
+                <a:latin typeface="나눔스퀘어 Bold" panose="020B0600000101010101" pitchFamily="50" charset="-127"/>
+                <a:ea typeface="나눔스퀘어 Bold" panose="020B0600000101010101" pitchFamily="50" charset="-127"/>
+                <a:cs typeface="Adobe Arabic" panose="02040503050201020203" pitchFamily="18" charset="-78"/>
               </a:endParaRPr>
             </a:p>
           </p:txBody>
@@ -5289,8 +5981,24 @@
                       <a:lumMod val="50000"/>
                     </a:schemeClr>
                   </a:solidFill>
+                  <a:latin typeface="나눔스퀘어 Bold" panose="020B0600000101010101" pitchFamily="50" charset="-127"/>
+                  <a:ea typeface="나눔스퀘어 Bold" panose="020B0600000101010101" pitchFamily="50" charset="-127"/>
+                  <a:cs typeface="Adobe Arabic" panose="02040503050201020203" pitchFamily="18" charset="-78"/>
                 </a:rPr>
-                <a:t>연구 목적</a:t>
+                <a:t>참고문헌 </a:t>
+              </a:r>
+              <a:r>
+                <a:rPr lang="en-US" altLang="ko-KR" sz="2400" b="1" dirty="0" smtClean="0">
+                  <a:solidFill>
+                    <a:schemeClr val="tx2">
+                      <a:lumMod val="50000"/>
+                    </a:schemeClr>
+                  </a:solidFill>
+                  <a:latin typeface="나눔스퀘어 Bold" panose="020B0600000101010101" pitchFamily="50" charset="-127"/>
+                  <a:ea typeface="나눔스퀘어 Bold" panose="020B0600000101010101" pitchFamily="50" charset="-127"/>
+                  <a:cs typeface="Adobe Arabic" panose="02040503050201020203" pitchFamily="18" charset="-78"/>
+                </a:rPr>
+                <a:t>o</a:t>
               </a:r>
               <a:endParaRPr lang="ko-KR" altLang="en-US" sz="2400" b="1" dirty="0">
                 <a:solidFill>
@@ -5298,6 +6006,9 @@
                     <a:lumMod val="50000"/>
                   </a:schemeClr>
                 </a:solidFill>
+                <a:latin typeface="나눔스퀘어 Bold" panose="020B0600000101010101" pitchFamily="50" charset="-127"/>
+                <a:ea typeface="나눔스퀘어 Bold" panose="020B0600000101010101" pitchFamily="50" charset="-127"/>
+                <a:cs typeface="Adobe Arabic" panose="02040503050201020203" pitchFamily="18" charset="-78"/>
               </a:endParaRPr>
             </a:p>
           </p:txBody>
@@ -5307,6 +6018,651 @@
     <p:extLst>
       <p:ext uri="{BB962C8B-B14F-4D97-AF65-F5344CB8AC3E}">
         <p14:creationId xmlns:p14="http://schemas.microsoft.com/office/powerpoint/2010/main" val="2682153997"/>
+      </p:ext>
+    </p:extLst>
+  </p:cSld>
+  <p:clrMapOvr>
+    <a:masterClrMapping/>
+  </p:clrMapOvr>
+  <mc:AlternateContent xmlns:mc="http://schemas.openxmlformats.org/markup-compatibility/2006">
+    <mc:Choice xmlns="" xmlns:p159="http://schemas.microsoft.com/office/powerpoint/2015/09/main" Requires="p159">
+      <p:transition xmlns:p14="http://schemas.microsoft.com/office/powerpoint/2010/main" spd="slow" p14:dur="2000">
+        <p159:morph option="byObject"/>
+      </p:transition>
+    </mc:Choice>
+    <mc:Fallback>
+      <p:transition spd="slow">
+        <p:fade/>
+      </p:transition>
+    </mc:Fallback>
+  </mc:AlternateContent>
+  <p:timing>
+    <p:tnLst>
+      <p:par>
+        <p:cTn id="1" dur="indefinite" restart="never" nodeType="tmRoot"/>
+      </p:par>
+    </p:tnLst>
+  </p:timing>
+</p:sld>
+</file>
+
+<file path=ppt/slides/slide3.xml><?xml version="1.0" encoding="utf-8"?>
+<p:sld xmlns:a="http://schemas.openxmlformats.org/drawingml/2006/main" xmlns:r="http://schemas.openxmlformats.org/officeDocument/2006/relationships" xmlns:p="http://schemas.openxmlformats.org/presentationml/2006/main">
+  <p:cSld>
+    <p:spTree>
+      <p:nvGrpSpPr>
+        <p:cNvPr id="1" name=""/>
+        <p:cNvGrpSpPr/>
+        <p:nvPr/>
+      </p:nvGrpSpPr>
+      <p:grpSpPr>
+        <a:xfrm>
+          <a:off x="0" y="0"/>
+          <a:ext cx="0" cy="0"/>
+          <a:chOff x="0" y="0"/>
+          <a:chExt cx="0" cy="0"/>
+        </a:xfrm>
+      </p:grpSpPr>
+      <p:cxnSp>
+        <p:nvCxnSpPr>
+          <p:cNvPr id="3" name="직선 연결선 2">
+            <a:extLst>
+              <a:ext uri="{FF2B5EF4-FFF2-40B4-BE49-F238E27FC236}">
+                <a16:creationId xmlns:a16="http://schemas.microsoft.com/office/drawing/2014/main" id="{1FF04A19-8950-44A5-80E9-5A06E7DA23BE}"/>
+              </a:ext>
+            </a:extLst>
+          </p:cNvPr>
+          <p:cNvCxnSpPr/>
+          <p:nvPr/>
+        </p:nvCxnSpPr>
+        <p:spPr>
+          <a:xfrm>
+            <a:off x="0" y="831273"/>
+            <a:ext cx="12192000" cy="2731"/>
+          </a:xfrm>
+          <a:prstGeom prst="line">
+            <a:avLst/>
+          </a:prstGeom>
+          <a:ln>
+            <a:solidFill>
+              <a:schemeClr val="accent6"/>
+            </a:solidFill>
+          </a:ln>
+        </p:spPr>
+        <p:style>
+          <a:lnRef idx="1">
+            <a:schemeClr val="accent1"/>
+          </a:lnRef>
+          <a:fillRef idx="0">
+            <a:schemeClr val="accent1"/>
+          </a:fillRef>
+          <a:effectRef idx="0">
+            <a:schemeClr val="accent1"/>
+          </a:effectRef>
+          <a:fontRef idx="minor">
+            <a:schemeClr val="tx1"/>
+          </a:fontRef>
+        </p:style>
+      </p:cxnSp>
+      <p:sp>
+        <p:nvSpPr>
+          <p:cNvPr id="4" name="TextBox 3">
+            <a:extLst>
+              <a:ext uri="{FF2B5EF4-FFF2-40B4-BE49-F238E27FC236}">
+                <a16:creationId xmlns:a16="http://schemas.microsoft.com/office/drawing/2014/main" id="{243C702B-3426-41BD-9FAE-31F746E5D0B6}"/>
+              </a:ext>
+            </a:extLst>
+          </p:cNvPr>
+          <p:cNvSpPr txBox="1"/>
+          <p:nvPr/>
+        </p:nvSpPr>
+        <p:spPr>
+          <a:xfrm>
+            <a:off x="449179" y="63798"/>
+            <a:ext cx="746423" cy="307777"/>
+          </a:xfrm>
+          <a:prstGeom prst="rect">
+            <a:avLst/>
+          </a:prstGeom>
+          <a:noFill/>
+        </p:spPr>
+        <p:txBody>
+          <a:bodyPr wrap="none" rtlCol="0">
+            <a:spAutoFit/>
+          </a:bodyPr>
+          <a:lstStyle/>
+          <a:p>
+            <a:r>
+              <a:rPr lang="en-US" altLang="ko-KR" sz="1400" dirty="0">
+                <a:solidFill>
+                  <a:schemeClr val="accent6">
+                    <a:lumMod val="50000"/>
+                  </a:schemeClr>
+                </a:solidFill>
+                <a:latin typeface="나눔스퀘어 Bold" panose="020B0600000101010101" pitchFamily="50" charset="-127"/>
+                <a:ea typeface="나눔스퀘어 Bold" panose="020B0600000101010101" pitchFamily="50" charset="-127"/>
+              </a:rPr>
+              <a:t>Part 1,</a:t>
+            </a:r>
+            <a:endParaRPr lang="ko-KR" altLang="en-US" sz="1400" dirty="0">
+              <a:solidFill>
+                <a:schemeClr val="accent6">
+                  <a:lumMod val="50000"/>
+                </a:schemeClr>
+              </a:solidFill>
+              <a:latin typeface="나눔스퀘어 Bold" panose="020B0600000101010101" pitchFamily="50" charset="-127"/>
+              <a:ea typeface="나눔스퀘어 Bold" panose="020B0600000101010101" pitchFamily="50" charset="-127"/>
+            </a:endParaRPr>
+          </a:p>
+        </p:txBody>
+      </p:sp>
+      <p:sp>
+        <p:nvSpPr>
+          <p:cNvPr id="5" name="TextBox 4">
+            <a:extLst>
+              <a:ext uri="{FF2B5EF4-FFF2-40B4-BE49-F238E27FC236}">
+                <a16:creationId xmlns:a16="http://schemas.microsoft.com/office/drawing/2014/main" id="{1411476D-DF3F-4F30-A9AB-21B405D99E03}"/>
+              </a:ext>
+            </a:extLst>
+          </p:cNvPr>
+          <p:cNvSpPr txBox="1"/>
+          <p:nvPr/>
+        </p:nvSpPr>
+        <p:spPr>
+          <a:xfrm>
+            <a:off x="449179" y="286511"/>
+            <a:ext cx="1460656" cy="461665"/>
+          </a:xfrm>
+          <a:prstGeom prst="rect">
+            <a:avLst/>
+          </a:prstGeom>
+          <a:noFill/>
+        </p:spPr>
+        <p:txBody>
+          <a:bodyPr wrap="none" rtlCol="0">
+            <a:spAutoFit/>
+          </a:bodyPr>
+          <a:lstStyle/>
+          <a:p>
+            <a:r>
+              <a:rPr lang="ko-KR" altLang="en-US" sz="2400" dirty="0" smtClean="0">
+                <a:solidFill>
+                  <a:schemeClr val="accent6">
+                    <a:lumMod val="50000"/>
+                  </a:schemeClr>
+                </a:solidFill>
+                <a:latin typeface="나눔스퀘어 Bold" panose="020B0600000101010101" pitchFamily="50" charset="-127"/>
+                <a:ea typeface="나눔스퀘어 Bold" panose="020B0600000101010101" pitchFamily="50" charset="-127"/>
+              </a:rPr>
+              <a:t>연구  목적</a:t>
+            </a:r>
+            <a:endParaRPr lang="ko-KR" altLang="en-US" sz="2400" dirty="0">
+              <a:solidFill>
+                <a:schemeClr val="accent6">
+                  <a:lumMod val="50000"/>
+                </a:schemeClr>
+              </a:solidFill>
+              <a:latin typeface="나눔스퀘어 Bold" panose="020B0600000101010101" pitchFamily="50" charset="-127"/>
+              <a:ea typeface="나눔스퀘어 Bold" panose="020B0600000101010101" pitchFamily="50" charset="-127"/>
+            </a:endParaRPr>
+          </a:p>
+        </p:txBody>
+      </p:sp>
+      <p:sp>
+        <p:nvSpPr>
+          <p:cNvPr id="2" name="직사각형 1">
+            <a:extLst>
+              <a:ext uri="{FF2B5EF4-FFF2-40B4-BE49-F238E27FC236}">
+                <a16:creationId xmlns:a16="http://schemas.microsoft.com/office/drawing/2014/main" id="{8D1CFB28-185D-4389-8C1E-1C3F6125D0D6}"/>
+              </a:ext>
+            </a:extLst>
+          </p:cNvPr>
+          <p:cNvSpPr/>
+          <p:nvPr/>
+        </p:nvSpPr>
+        <p:spPr>
+          <a:xfrm>
+            <a:off x="324488" y="1058464"/>
+            <a:ext cx="11438021" cy="5440110"/>
+          </a:xfrm>
+          <a:prstGeom prst="rect">
+            <a:avLst/>
+          </a:prstGeom>
+          <a:solidFill>
+            <a:schemeClr val="bg1">
+              <a:lumMod val="95000"/>
+            </a:schemeClr>
+          </a:solidFill>
+          <a:ln>
+            <a:noFill/>
+          </a:ln>
+        </p:spPr>
+        <p:style>
+          <a:lnRef idx="2">
+            <a:schemeClr val="accent1">
+              <a:shade val="50000"/>
+            </a:schemeClr>
+          </a:lnRef>
+          <a:fillRef idx="1">
+            <a:schemeClr val="accent1"/>
+          </a:fillRef>
+          <a:effectRef idx="0">
+            <a:schemeClr val="accent1"/>
+          </a:effectRef>
+          <a:fontRef idx="minor">
+            <a:schemeClr val="lt1"/>
+          </a:fontRef>
+        </p:style>
+        <p:txBody>
+          <a:bodyPr rtlCol="0" anchor="ctr"/>
+          <a:lstStyle/>
+          <a:p>
+            <a:pPr algn="ctr"/>
+            <a:endParaRPr lang="ko-KR" altLang="en-US">
+              <a:latin typeface="나눔스퀘어 Bold" panose="020B0600000101010101" pitchFamily="50" charset="-127"/>
+              <a:ea typeface="나눔스퀘어 Bold" panose="020B0600000101010101" pitchFamily="50" charset="-127"/>
+            </a:endParaRPr>
+          </a:p>
+        </p:txBody>
+      </p:sp>
+      <p:sp>
+        <p:nvSpPr>
+          <p:cNvPr id="42" name="TextBox 41">
+            <a:extLst>
+              <a:ext uri="{FF2B5EF4-FFF2-40B4-BE49-F238E27FC236}">
+                <a16:creationId xmlns:a16="http://schemas.microsoft.com/office/drawing/2014/main" id="{88BFD60B-0CB3-4BB3-942B-60A5C39F7430}"/>
+              </a:ext>
+            </a:extLst>
+          </p:cNvPr>
+          <p:cNvSpPr txBox="1"/>
+          <p:nvPr/>
+        </p:nvSpPr>
+        <p:spPr>
+          <a:xfrm>
+            <a:off x="822390" y="2885596"/>
+            <a:ext cx="4181872" cy="1384995"/>
+          </a:xfrm>
+          <a:prstGeom prst="rect">
+            <a:avLst/>
+          </a:prstGeom>
+          <a:noFill/>
+        </p:spPr>
+        <p:txBody>
+          <a:bodyPr wrap="square" rtlCol="0">
+            <a:spAutoFit/>
+          </a:bodyPr>
+          <a:lstStyle/>
+          <a:p>
+            <a:pPr algn="just">
+              <a:lnSpc>
+                <a:spcPct val="120000"/>
+              </a:lnSpc>
+            </a:pPr>
+            <a:r>
+              <a:rPr lang="en-US" altLang="ko-KR" sz="1400" dirty="0" smtClean="0">
+                <a:solidFill>
+                  <a:schemeClr val="tx1">
+                    <a:lumMod val="75000"/>
+                    <a:lumOff val="25000"/>
+                  </a:schemeClr>
+                </a:solidFill>
+                <a:latin typeface="나눔스퀘어 Bold" panose="020B0600000101010101" pitchFamily="50" charset="-127"/>
+                <a:ea typeface="나눔스퀘어 Bold" panose="020B0600000101010101" pitchFamily="50" charset="-127"/>
+              </a:rPr>
+              <a:t>DirectX</a:t>
+            </a:r>
+            <a:r>
+              <a:rPr lang="ko-KR" altLang="en-US" sz="1400" dirty="0" smtClean="0">
+                <a:solidFill>
+                  <a:schemeClr val="tx1">
+                    <a:lumMod val="75000"/>
+                    <a:lumOff val="25000"/>
+                  </a:schemeClr>
+                </a:solidFill>
+                <a:latin typeface="나눔스퀘어 Bold" panose="020B0600000101010101" pitchFamily="50" charset="-127"/>
+                <a:ea typeface="나눔스퀘어 Bold" panose="020B0600000101010101" pitchFamily="50" charset="-127"/>
+              </a:rPr>
+              <a:t>를 이용한 게임 제작</a:t>
+            </a:r>
+            <a:endParaRPr lang="en-US" altLang="ko-KR" sz="1400" dirty="0" smtClean="0">
+              <a:solidFill>
+                <a:schemeClr val="tx1">
+                  <a:lumMod val="75000"/>
+                  <a:lumOff val="25000"/>
+                </a:schemeClr>
+              </a:solidFill>
+              <a:latin typeface="나눔스퀘어 Bold" panose="020B0600000101010101" pitchFamily="50" charset="-127"/>
+              <a:ea typeface="나눔스퀘어 Bold" panose="020B0600000101010101" pitchFamily="50" charset="-127"/>
+            </a:endParaRPr>
+          </a:p>
+          <a:p>
+            <a:pPr algn="just">
+              <a:lnSpc>
+                <a:spcPct val="120000"/>
+              </a:lnSpc>
+            </a:pPr>
+            <a:r>
+              <a:rPr lang="en-US" altLang="ko-KR" sz="1400" dirty="0" err="1" smtClean="0">
+                <a:solidFill>
+                  <a:schemeClr val="tx1">
+                    <a:lumMod val="75000"/>
+                    <a:lumOff val="25000"/>
+                  </a:schemeClr>
+                </a:solidFill>
+                <a:latin typeface="나눔스퀘어 Bold" panose="020B0600000101010101" pitchFamily="50" charset="-127"/>
+                <a:ea typeface="나눔스퀘어 Bold" panose="020B0600000101010101" pitchFamily="50" charset="-127"/>
+              </a:rPr>
+              <a:t>Git</a:t>
+            </a:r>
+            <a:r>
+              <a:rPr lang="ko-KR" altLang="en-US" sz="1400" dirty="0" smtClean="0">
+                <a:solidFill>
+                  <a:schemeClr val="tx1">
+                    <a:lumMod val="75000"/>
+                    <a:lumOff val="25000"/>
+                  </a:schemeClr>
+                </a:solidFill>
+                <a:latin typeface="나눔스퀘어 Bold" panose="020B0600000101010101" pitchFamily="50" charset="-127"/>
+                <a:ea typeface="나눔스퀘어 Bold" panose="020B0600000101010101" pitchFamily="50" charset="-127"/>
+              </a:rPr>
+              <a:t>을</a:t>
+            </a:r>
+            <a:r>
+              <a:rPr lang="en-US" altLang="ko-KR" sz="1400" dirty="0" smtClean="0">
+                <a:solidFill>
+                  <a:schemeClr val="tx1">
+                    <a:lumMod val="75000"/>
+                    <a:lumOff val="25000"/>
+                  </a:schemeClr>
+                </a:solidFill>
+                <a:latin typeface="나눔스퀘어 Bold" panose="020B0600000101010101" pitchFamily="50" charset="-127"/>
+                <a:ea typeface="나눔스퀘어 Bold" panose="020B0600000101010101" pitchFamily="50" charset="-127"/>
+              </a:rPr>
+              <a:t> </a:t>
+            </a:r>
+            <a:r>
+              <a:rPr lang="ko-KR" altLang="en-US" sz="1400" dirty="0" smtClean="0">
+                <a:solidFill>
+                  <a:schemeClr val="tx1">
+                    <a:lumMod val="75000"/>
+                    <a:lumOff val="25000"/>
+                  </a:schemeClr>
+                </a:solidFill>
+                <a:latin typeface="나눔스퀘어 Bold" panose="020B0600000101010101" pitchFamily="50" charset="-127"/>
+                <a:ea typeface="나눔스퀘어 Bold" panose="020B0600000101010101" pitchFamily="50" charset="-127"/>
+              </a:rPr>
+              <a:t>활용하여 </a:t>
+            </a:r>
+            <a:r>
+              <a:rPr lang="ko-KR" altLang="en-US" sz="1400" dirty="0" err="1" smtClean="0">
+                <a:solidFill>
+                  <a:schemeClr val="tx1">
+                    <a:lumMod val="75000"/>
+                    <a:lumOff val="25000"/>
+                  </a:schemeClr>
+                </a:solidFill>
+                <a:latin typeface="나눔스퀘어 Bold" panose="020B0600000101010101" pitchFamily="50" charset="-127"/>
+                <a:ea typeface="나눔스퀘어 Bold" panose="020B0600000101010101" pitchFamily="50" charset="-127"/>
+              </a:rPr>
+              <a:t>협업능력을</a:t>
+            </a:r>
+            <a:r>
+              <a:rPr lang="ko-KR" altLang="en-US" sz="1400" dirty="0" smtClean="0">
+                <a:solidFill>
+                  <a:schemeClr val="tx1">
+                    <a:lumMod val="75000"/>
+                    <a:lumOff val="25000"/>
+                  </a:schemeClr>
+                </a:solidFill>
+                <a:latin typeface="나눔스퀘어 Bold" panose="020B0600000101010101" pitchFamily="50" charset="-127"/>
+                <a:ea typeface="나눔스퀘어 Bold" panose="020B0600000101010101" pitchFamily="50" charset="-127"/>
+              </a:rPr>
+              <a:t> 향상시킨다</a:t>
+            </a:r>
+            <a:endParaRPr lang="en-US" altLang="ko-KR" sz="1400" dirty="0" smtClean="0">
+              <a:solidFill>
+                <a:schemeClr val="tx1">
+                  <a:lumMod val="75000"/>
+                  <a:lumOff val="25000"/>
+                </a:schemeClr>
+              </a:solidFill>
+              <a:latin typeface="나눔스퀘어 Bold" panose="020B0600000101010101" pitchFamily="50" charset="-127"/>
+              <a:ea typeface="나눔스퀘어 Bold" panose="020B0600000101010101" pitchFamily="50" charset="-127"/>
+            </a:endParaRPr>
+          </a:p>
+          <a:p>
+            <a:pPr algn="just">
+              <a:lnSpc>
+                <a:spcPct val="120000"/>
+              </a:lnSpc>
+            </a:pPr>
+            <a:r>
+              <a:rPr lang="en-US" altLang="ko-KR" sz="1400" dirty="0" smtClean="0">
+                <a:solidFill>
+                  <a:schemeClr val="tx1">
+                    <a:lumMod val="75000"/>
+                    <a:lumOff val="25000"/>
+                  </a:schemeClr>
+                </a:solidFill>
+                <a:latin typeface="나눔스퀘어 Bold" panose="020B0600000101010101" pitchFamily="50" charset="-127"/>
+                <a:ea typeface="나눔스퀘어 Bold" panose="020B0600000101010101" pitchFamily="50" charset="-127"/>
+              </a:rPr>
+              <a:t>IOCP</a:t>
+            </a:r>
+            <a:r>
+              <a:rPr lang="ko-KR" altLang="en-US" sz="1400" dirty="0" smtClean="0">
+                <a:solidFill>
+                  <a:schemeClr val="tx1">
+                    <a:lumMod val="75000"/>
+                    <a:lumOff val="25000"/>
+                  </a:schemeClr>
+                </a:solidFill>
+                <a:latin typeface="나눔스퀘어 Bold" panose="020B0600000101010101" pitchFamily="50" charset="-127"/>
+                <a:ea typeface="나눔스퀘어 Bold" panose="020B0600000101010101" pitchFamily="50" charset="-127"/>
+              </a:rPr>
+              <a:t>를 </a:t>
+            </a:r>
+            <a:r>
+              <a:rPr lang="ko-KR" altLang="en-US" sz="1400" dirty="0" err="1" smtClean="0">
+                <a:solidFill>
+                  <a:schemeClr val="tx1">
+                    <a:lumMod val="75000"/>
+                    <a:lumOff val="25000"/>
+                  </a:schemeClr>
+                </a:solidFill>
+                <a:latin typeface="나눔스퀘어 Bold" panose="020B0600000101010101" pitchFamily="50" charset="-127"/>
+                <a:ea typeface="나눔스퀘어 Bold" panose="020B0600000101010101" pitchFamily="50" charset="-127"/>
+              </a:rPr>
+              <a:t>활용할수있는</a:t>
+            </a:r>
+            <a:r>
+              <a:rPr lang="ko-KR" altLang="en-US" sz="1400" dirty="0" smtClean="0">
+                <a:solidFill>
+                  <a:schemeClr val="tx1">
+                    <a:lumMod val="75000"/>
+                    <a:lumOff val="25000"/>
+                  </a:schemeClr>
+                </a:solidFill>
+                <a:latin typeface="나눔스퀘어 Bold" panose="020B0600000101010101" pitchFamily="50" charset="-127"/>
+                <a:ea typeface="나눔스퀘어 Bold" panose="020B0600000101010101" pitchFamily="50" charset="-127"/>
+              </a:rPr>
+              <a:t> 능력을 개발한다</a:t>
+            </a:r>
+            <a:r>
+              <a:rPr lang="en-US" altLang="ko-KR" sz="1400" dirty="0" smtClean="0">
+                <a:solidFill>
+                  <a:schemeClr val="tx1">
+                    <a:lumMod val="75000"/>
+                    <a:lumOff val="25000"/>
+                  </a:schemeClr>
+                </a:solidFill>
+                <a:latin typeface="나눔스퀘어 Bold" panose="020B0600000101010101" pitchFamily="50" charset="-127"/>
+                <a:ea typeface="나눔스퀘어 Bold" panose="020B0600000101010101" pitchFamily="50" charset="-127"/>
+              </a:rPr>
+              <a:t>.</a:t>
+            </a:r>
+            <a:endParaRPr lang="ko-KR" altLang="en-US" sz="1400" dirty="0">
+              <a:solidFill>
+                <a:schemeClr val="tx1">
+                  <a:lumMod val="75000"/>
+                  <a:lumOff val="25000"/>
+                </a:schemeClr>
+              </a:solidFill>
+              <a:latin typeface="나눔스퀘어 Bold" panose="020B0600000101010101" pitchFamily="50" charset="-127"/>
+              <a:ea typeface="나눔스퀘어 Bold" panose="020B0600000101010101" pitchFamily="50" charset="-127"/>
+            </a:endParaRPr>
+          </a:p>
+          <a:p>
+            <a:pPr algn="just">
+              <a:lnSpc>
+                <a:spcPct val="120000"/>
+              </a:lnSpc>
+            </a:pPr>
+            <a:endParaRPr lang="ko-KR" altLang="en-US" sz="1400" dirty="0">
+              <a:solidFill>
+                <a:schemeClr val="tx1">
+                  <a:lumMod val="75000"/>
+                  <a:lumOff val="25000"/>
+                </a:schemeClr>
+              </a:solidFill>
+              <a:latin typeface="나눔스퀘어 Bold" panose="020B0600000101010101" pitchFamily="50" charset="-127"/>
+              <a:ea typeface="나눔스퀘어 Bold" panose="020B0600000101010101" pitchFamily="50" charset="-127"/>
+            </a:endParaRPr>
+          </a:p>
+          <a:p>
+            <a:pPr algn="just">
+              <a:lnSpc>
+                <a:spcPct val="120000"/>
+              </a:lnSpc>
+            </a:pPr>
+            <a:endParaRPr lang="ko-KR" altLang="en-US" sz="1400" dirty="0">
+              <a:solidFill>
+                <a:schemeClr val="tx1">
+                  <a:lumMod val="75000"/>
+                  <a:lumOff val="25000"/>
+                </a:schemeClr>
+              </a:solidFill>
+              <a:latin typeface="나눔스퀘어 Bold" panose="020B0600000101010101" pitchFamily="50" charset="-127"/>
+              <a:ea typeface="나눔스퀘어 Bold" panose="020B0600000101010101" pitchFamily="50" charset="-127"/>
+            </a:endParaRPr>
+          </a:p>
+        </p:txBody>
+      </p:sp>
+      <p:sp>
+        <p:nvSpPr>
+          <p:cNvPr id="48" name="TextBox 47">
+            <a:extLst>
+              <a:ext uri="{FF2B5EF4-FFF2-40B4-BE49-F238E27FC236}">
+                <a16:creationId xmlns:a16="http://schemas.microsoft.com/office/drawing/2014/main" id="{6A3CB27F-B9F6-44D2-98B2-166991B5FB18}"/>
+              </a:ext>
+            </a:extLst>
+          </p:cNvPr>
+          <p:cNvSpPr txBox="1"/>
+          <p:nvPr/>
+        </p:nvSpPr>
+        <p:spPr>
+          <a:xfrm>
+            <a:off x="822390" y="1796598"/>
+            <a:ext cx="10266788" cy="350865"/>
+          </a:xfrm>
+          <a:prstGeom prst="rect">
+            <a:avLst/>
+          </a:prstGeom>
+          <a:noFill/>
+        </p:spPr>
+        <p:txBody>
+          <a:bodyPr wrap="square" rtlCol="0">
+            <a:spAutoFit/>
+          </a:bodyPr>
+          <a:lstStyle/>
+          <a:p>
+            <a:pPr algn="just">
+              <a:lnSpc>
+                <a:spcPct val="120000"/>
+              </a:lnSpc>
+            </a:pPr>
+            <a:r>
+              <a:rPr lang="en-US" altLang="ko-KR" sz="1400" dirty="0" err="1" smtClean="0">
+                <a:solidFill>
+                  <a:schemeClr val="tx1">
+                    <a:lumMod val="75000"/>
+                    <a:lumOff val="25000"/>
+                  </a:schemeClr>
+                </a:solidFill>
+                <a:latin typeface="나눔스퀘어 Bold" panose="020B0600000101010101" pitchFamily="50" charset="-127"/>
+                <a:ea typeface="나눔스퀘어 Bold" panose="020B0600000101010101" pitchFamily="50" charset="-127"/>
+              </a:rPr>
+              <a:t>PvE</a:t>
+            </a:r>
+            <a:r>
+              <a:rPr lang="en-US" altLang="ko-KR" sz="1400" dirty="0">
+                <a:solidFill>
+                  <a:schemeClr val="tx1">
+                    <a:lumMod val="75000"/>
+                    <a:lumOff val="25000"/>
+                  </a:schemeClr>
+                </a:solidFill>
+                <a:latin typeface="나눔스퀘어 Bold" panose="020B0600000101010101" pitchFamily="50" charset="-127"/>
+                <a:ea typeface="나눔스퀘어 Bold" panose="020B0600000101010101" pitchFamily="50" charset="-127"/>
+              </a:rPr>
+              <a:t> </a:t>
+            </a:r>
+            <a:r>
+              <a:rPr lang="ko-KR" altLang="en-US" sz="1400" dirty="0" smtClean="0">
+                <a:solidFill>
+                  <a:schemeClr val="tx1">
+                    <a:lumMod val="75000"/>
+                    <a:lumOff val="25000"/>
+                  </a:schemeClr>
+                </a:solidFill>
+                <a:latin typeface="나눔스퀘어 Bold" panose="020B0600000101010101" pitchFamily="50" charset="-127"/>
+                <a:ea typeface="나눔스퀘어 Bold" panose="020B0600000101010101" pitchFamily="50" charset="-127"/>
+              </a:rPr>
+              <a:t>협동 </a:t>
+            </a:r>
+            <a:r>
+              <a:rPr lang="en-US" altLang="ko-KR" sz="1400" dirty="0" smtClean="0">
+                <a:solidFill>
+                  <a:schemeClr val="tx1">
+                    <a:lumMod val="75000"/>
+                    <a:lumOff val="25000"/>
+                  </a:schemeClr>
+                </a:solidFill>
+                <a:latin typeface="나눔스퀘어 Bold" panose="020B0600000101010101" pitchFamily="50" charset="-127"/>
+                <a:ea typeface="나눔스퀘어 Bold" panose="020B0600000101010101" pitchFamily="50" charset="-127"/>
+              </a:rPr>
+              <a:t>FPS </a:t>
+            </a:r>
+            <a:r>
+              <a:rPr lang="ko-KR" altLang="en-US" sz="1400" dirty="0" smtClean="0">
+                <a:solidFill>
+                  <a:schemeClr val="tx1">
+                    <a:lumMod val="75000"/>
+                    <a:lumOff val="25000"/>
+                  </a:schemeClr>
+                </a:solidFill>
+                <a:latin typeface="나눔스퀘어 Bold" panose="020B0600000101010101" pitchFamily="50" charset="-127"/>
+                <a:ea typeface="나눔스퀘어 Bold" panose="020B0600000101010101" pitchFamily="50" charset="-127"/>
+              </a:rPr>
+              <a:t>한국에 없음</a:t>
+            </a:r>
+            <a:endParaRPr lang="ko-KR" altLang="en-US" sz="1400" dirty="0">
+              <a:solidFill>
+                <a:schemeClr val="tx1">
+                  <a:lumMod val="75000"/>
+                  <a:lumOff val="25000"/>
+                </a:schemeClr>
+              </a:solidFill>
+              <a:latin typeface="나눔스퀘어 Bold" panose="020B0600000101010101" pitchFamily="50" charset="-127"/>
+              <a:ea typeface="나눔스퀘어 Bold" panose="020B0600000101010101" pitchFamily="50" charset="-127"/>
+            </a:endParaRPr>
+          </a:p>
+        </p:txBody>
+      </p:sp>
+    </p:spTree>
+    <p:extLst>
+      <p:ext uri="{BB962C8B-B14F-4D97-AF65-F5344CB8AC3E}">
+        <p14:creationId xmlns:p14="http://schemas.microsoft.com/office/powerpoint/2010/main" val="2681633720"/>
       </p:ext>
     </p:extLst>
   </p:cSld>
@@ -5325,13 +6681,2329 @@
       </p:transition>
     </mc:Fallback>
   </mc:AlternateContent>
-  <p:timing>
-    <p:tnLst>
-      <p:par>
-        <p:cTn id="1" dur="indefinite" restart="never" nodeType="tmRoot"/>
-      </p:par>
-    </p:tnLst>
-  </p:timing>
+</p:sld>
+</file>
+
+<file path=ppt/slides/slide4.xml><?xml version="1.0" encoding="utf-8"?>
+<p:sld xmlns:a="http://schemas.openxmlformats.org/drawingml/2006/main" xmlns:r="http://schemas.openxmlformats.org/officeDocument/2006/relationships" xmlns:p="http://schemas.openxmlformats.org/presentationml/2006/main">
+  <p:cSld>
+    <p:spTree>
+      <p:nvGrpSpPr>
+        <p:cNvPr id="1" name=""/>
+        <p:cNvGrpSpPr/>
+        <p:nvPr/>
+      </p:nvGrpSpPr>
+      <p:grpSpPr>
+        <a:xfrm>
+          <a:off x="0" y="0"/>
+          <a:ext cx="0" cy="0"/>
+          <a:chOff x="0" y="0"/>
+          <a:chExt cx="0" cy="0"/>
+        </a:xfrm>
+      </p:grpSpPr>
+      <p:cxnSp>
+        <p:nvCxnSpPr>
+          <p:cNvPr id="3" name="직선 연결선 2">
+            <a:extLst>
+              <a:ext uri="{FF2B5EF4-FFF2-40B4-BE49-F238E27FC236}">
+                <a16:creationId xmlns:a16="http://schemas.microsoft.com/office/drawing/2014/main" id="{1FF04A19-8950-44A5-80E9-5A06E7DA23BE}"/>
+              </a:ext>
+            </a:extLst>
+          </p:cNvPr>
+          <p:cNvCxnSpPr/>
+          <p:nvPr/>
+        </p:nvCxnSpPr>
+        <p:spPr>
+          <a:xfrm>
+            <a:off x="0" y="831273"/>
+            <a:ext cx="12192000" cy="2731"/>
+          </a:xfrm>
+          <a:prstGeom prst="line">
+            <a:avLst/>
+          </a:prstGeom>
+          <a:ln>
+            <a:solidFill>
+              <a:schemeClr val="accent6"/>
+            </a:solidFill>
+          </a:ln>
+        </p:spPr>
+        <p:style>
+          <a:lnRef idx="1">
+            <a:schemeClr val="accent1"/>
+          </a:lnRef>
+          <a:fillRef idx="0">
+            <a:schemeClr val="accent1"/>
+          </a:fillRef>
+          <a:effectRef idx="0">
+            <a:schemeClr val="accent1"/>
+          </a:effectRef>
+          <a:fontRef idx="minor">
+            <a:schemeClr val="tx1"/>
+          </a:fontRef>
+        </p:style>
+      </p:cxnSp>
+      <p:sp>
+        <p:nvSpPr>
+          <p:cNvPr id="4" name="TextBox 3">
+            <a:extLst>
+              <a:ext uri="{FF2B5EF4-FFF2-40B4-BE49-F238E27FC236}">
+                <a16:creationId xmlns:a16="http://schemas.microsoft.com/office/drawing/2014/main" id="{243C702B-3426-41BD-9FAE-31F746E5D0B6}"/>
+              </a:ext>
+            </a:extLst>
+          </p:cNvPr>
+          <p:cNvSpPr txBox="1"/>
+          <p:nvPr/>
+        </p:nvSpPr>
+        <p:spPr>
+          <a:xfrm>
+            <a:off x="449179" y="63798"/>
+            <a:ext cx="746423" cy="307777"/>
+          </a:xfrm>
+          <a:prstGeom prst="rect">
+            <a:avLst/>
+          </a:prstGeom>
+          <a:noFill/>
+        </p:spPr>
+        <p:txBody>
+          <a:bodyPr wrap="none" rtlCol="0">
+            <a:spAutoFit/>
+          </a:bodyPr>
+          <a:lstStyle/>
+          <a:p>
+            <a:r>
+              <a:rPr lang="en-US" altLang="ko-KR" sz="1400" dirty="0">
+                <a:solidFill>
+                  <a:schemeClr val="accent6">
+                    <a:lumMod val="50000"/>
+                  </a:schemeClr>
+                </a:solidFill>
+                <a:latin typeface="나눔스퀘어 Bold" panose="020B0600000101010101" pitchFamily="50" charset="-127"/>
+                <a:ea typeface="나눔스퀘어 Bold" panose="020B0600000101010101" pitchFamily="50" charset="-127"/>
+              </a:rPr>
+              <a:t>Part </a:t>
+            </a:r>
+            <a:r>
+              <a:rPr lang="en-US" altLang="ko-KR" sz="1400" dirty="0" smtClean="0">
+                <a:solidFill>
+                  <a:schemeClr val="accent6">
+                    <a:lumMod val="50000"/>
+                  </a:schemeClr>
+                </a:solidFill>
+                <a:latin typeface="나눔스퀘어 Bold" panose="020B0600000101010101" pitchFamily="50" charset="-127"/>
+                <a:ea typeface="나눔스퀘어 Bold" panose="020B0600000101010101" pitchFamily="50" charset="-127"/>
+              </a:rPr>
+              <a:t>3,</a:t>
+            </a:r>
+            <a:endParaRPr lang="ko-KR" altLang="en-US" sz="1400" dirty="0">
+              <a:solidFill>
+                <a:schemeClr val="accent6">
+                  <a:lumMod val="50000"/>
+                </a:schemeClr>
+              </a:solidFill>
+              <a:latin typeface="나눔스퀘어 Bold" panose="020B0600000101010101" pitchFamily="50" charset="-127"/>
+              <a:ea typeface="나눔스퀘어 Bold" panose="020B0600000101010101" pitchFamily="50" charset="-127"/>
+            </a:endParaRPr>
+          </a:p>
+        </p:txBody>
+      </p:sp>
+      <p:sp>
+        <p:nvSpPr>
+          <p:cNvPr id="5" name="TextBox 4">
+            <a:extLst>
+              <a:ext uri="{FF2B5EF4-FFF2-40B4-BE49-F238E27FC236}">
+                <a16:creationId xmlns:a16="http://schemas.microsoft.com/office/drawing/2014/main" id="{1411476D-DF3F-4F30-A9AB-21B405D99E03}"/>
+              </a:ext>
+            </a:extLst>
+          </p:cNvPr>
+          <p:cNvSpPr txBox="1"/>
+          <p:nvPr/>
+        </p:nvSpPr>
+        <p:spPr>
+          <a:xfrm>
+            <a:off x="449179" y="286511"/>
+            <a:ext cx="1383712" cy="461665"/>
+          </a:xfrm>
+          <a:prstGeom prst="rect">
+            <a:avLst/>
+          </a:prstGeom>
+          <a:noFill/>
+        </p:spPr>
+        <p:txBody>
+          <a:bodyPr wrap="none" rtlCol="0">
+            <a:spAutoFit/>
+          </a:bodyPr>
+          <a:lstStyle/>
+          <a:p>
+            <a:r>
+              <a:rPr lang="ko-KR" altLang="en-US" sz="2400" dirty="0" smtClean="0">
+                <a:solidFill>
+                  <a:schemeClr val="accent6">
+                    <a:lumMod val="50000"/>
+                  </a:schemeClr>
+                </a:solidFill>
+                <a:latin typeface="나눔스퀘어 Bold" panose="020B0600000101010101" pitchFamily="50" charset="-127"/>
+                <a:ea typeface="나눔스퀘어 Bold" panose="020B0600000101010101" pitchFamily="50" charset="-127"/>
+              </a:rPr>
+              <a:t>개발 환경</a:t>
+            </a:r>
+            <a:endParaRPr lang="ko-KR" altLang="en-US" sz="2400" dirty="0">
+              <a:solidFill>
+                <a:schemeClr val="accent6">
+                  <a:lumMod val="50000"/>
+                </a:schemeClr>
+              </a:solidFill>
+              <a:latin typeface="나눔스퀘어 Bold" panose="020B0600000101010101" pitchFamily="50" charset="-127"/>
+              <a:ea typeface="나눔스퀘어 Bold" panose="020B0600000101010101" pitchFamily="50" charset="-127"/>
+            </a:endParaRPr>
+          </a:p>
+        </p:txBody>
+      </p:sp>
+      <p:grpSp>
+        <p:nvGrpSpPr>
+          <p:cNvPr id="6" name="그룹 5"/>
+          <p:cNvGrpSpPr/>
+          <p:nvPr/>
+        </p:nvGrpSpPr>
+        <p:grpSpPr>
+          <a:xfrm>
+            <a:off x="577489" y="1931416"/>
+            <a:ext cx="4068451" cy="738719"/>
+            <a:chOff x="577489" y="1931416"/>
+            <a:chExt cx="4068451" cy="738719"/>
+          </a:xfrm>
+        </p:grpSpPr>
+        <p:grpSp>
+          <p:nvGrpSpPr>
+            <p:cNvPr id="8" name="그룹 7">
+              <a:extLst>
+                <a:ext uri="{FF2B5EF4-FFF2-40B4-BE49-F238E27FC236}">
+                  <a16:creationId xmlns:a16="http://schemas.microsoft.com/office/drawing/2014/main" id="{57D2917D-8FCF-4B57-A850-8D50D823DCD6}"/>
+                </a:ext>
+              </a:extLst>
+            </p:cNvPr>
+            <p:cNvGrpSpPr/>
+            <p:nvPr/>
+          </p:nvGrpSpPr>
+          <p:grpSpPr>
+            <a:xfrm>
+              <a:off x="577489" y="2242129"/>
+              <a:ext cx="4068451" cy="428006"/>
+              <a:chOff x="899592" y="2000083"/>
+              <a:chExt cx="4237997" cy="430227"/>
+            </a:xfrm>
+          </p:grpSpPr>
+          <p:sp>
+            <p:nvSpPr>
+              <p:cNvPr id="9" name="직사각형 8">
+                <a:extLst>
+                  <a:ext uri="{FF2B5EF4-FFF2-40B4-BE49-F238E27FC236}">
+                    <a16:creationId xmlns:a16="http://schemas.microsoft.com/office/drawing/2014/main" id="{29A2099B-F19F-4235-B59B-48EB888DA1AD}"/>
+                  </a:ext>
+                </a:extLst>
+              </p:cNvPr>
+              <p:cNvSpPr/>
+              <p:nvPr/>
+            </p:nvSpPr>
+            <p:spPr>
+              <a:xfrm>
+                <a:off x="1691678" y="2000083"/>
+                <a:ext cx="3351552" cy="402186"/>
+              </a:xfrm>
+              <a:prstGeom prst="rect">
+                <a:avLst/>
+              </a:prstGeom>
+            </p:spPr>
+            <p:txBody>
+              <a:bodyPr wrap="square">
+                <a:spAutoFit/>
+              </a:bodyPr>
+              <a:lstStyle/>
+              <a:p>
+                <a:pPr algn="r">
+                  <a:defRPr lang="ko-KR" altLang="en-US"/>
+                </a:pPr>
+                <a:r>
+                  <a:rPr lang="en-US" altLang="ko-KR" sz="2000" dirty="0">
+                    <a:ln w="9525">
+                      <a:solidFill>
+                        <a:schemeClr val="bg1">
+                          <a:lumMod val="65000"/>
+                          <a:alpha val="0"/>
+                        </a:schemeClr>
+                      </a:solidFill>
+                    </a:ln>
+                    <a:ea typeface="한컴 윤고딕 720"/>
+                  </a:rPr>
+                  <a:t>Visual Studio </a:t>
+                </a:r>
+                <a:r>
+                  <a:rPr lang="en-US" altLang="ko-KR" sz="2000" dirty="0" smtClean="0">
+                    <a:ln w="9525">
+                      <a:solidFill>
+                        <a:schemeClr val="bg1">
+                          <a:lumMod val="65000"/>
+                          <a:alpha val="0"/>
+                        </a:schemeClr>
+                      </a:solidFill>
+                    </a:ln>
+                    <a:ea typeface="한컴 윤고딕 720"/>
+                  </a:rPr>
+                  <a:t>2019</a:t>
+                </a:r>
+                <a:endParaRPr lang="ko-KR" altLang="en-US" sz="2000" dirty="0">
+                  <a:ln w="9525">
+                    <a:solidFill>
+                      <a:schemeClr val="bg1">
+                        <a:lumMod val="65000"/>
+                        <a:alpha val="0"/>
+                      </a:schemeClr>
+                    </a:solidFill>
+                  </a:ln>
+                  <a:ea typeface="한컴 윤고딕 720"/>
+                </a:endParaRPr>
+              </a:p>
+            </p:txBody>
+          </p:sp>
+          <p:cxnSp>
+            <p:nvCxnSpPr>
+              <p:cNvPr id="10" name="직선 연결선 9">
+                <a:extLst>
+                  <a:ext uri="{FF2B5EF4-FFF2-40B4-BE49-F238E27FC236}">
+                    <a16:creationId xmlns:a16="http://schemas.microsoft.com/office/drawing/2014/main" id="{6A74DB7E-CC98-4138-B725-3657C055986D}"/>
+                  </a:ext>
+                </a:extLst>
+              </p:cNvPr>
+              <p:cNvCxnSpPr/>
+              <p:nvPr/>
+            </p:nvCxnSpPr>
+            <p:spPr>
+              <a:xfrm>
+                <a:off x="899592" y="2430310"/>
+                <a:ext cx="4237997" cy="0"/>
+              </a:xfrm>
+              <a:prstGeom prst="line">
+                <a:avLst/>
+              </a:prstGeom>
+              <a:ln w="12700">
+                <a:solidFill>
+                  <a:schemeClr val="tx1">
+                    <a:lumMod val="65000"/>
+                    <a:lumOff val="35000"/>
+                  </a:schemeClr>
+                </a:solidFill>
+              </a:ln>
+            </p:spPr>
+            <p:style>
+              <a:lnRef idx="1">
+                <a:schemeClr val="accent1"/>
+              </a:lnRef>
+              <a:fillRef idx="0">
+                <a:schemeClr val="accent1"/>
+              </a:fillRef>
+              <a:effectRef idx="0">
+                <a:schemeClr val="accent1"/>
+              </a:effectRef>
+              <a:fontRef idx="minor">
+                <a:schemeClr val="tx1"/>
+              </a:fontRef>
+            </p:style>
+          </p:cxnSp>
+        </p:grpSp>
+        <p:pic>
+          <p:nvPicPr>
+            <p:cNvPr id="11" name="Picture 6" descr="ê´ë ¨ ì´ë¯¸ì§">
+              <a:extLst>
+                <a:ext uri="{FF2B5EF4-FFF2-40B4-BE49-F238E27FC236}">
+                  <a16:creationId xmlns:a16="http://schemas.microsoft.com/office/drawing/2014/main" id="{5601F6A0-F4D3-4185-BE0C-BE2A36138E1E}"/>
+                </a:ext>
+              </a:extLst>
+            </p:cNvPr>
+            <p:cNvPicPr>
+              <a:picLocks noChangeAspect="1" noChangeArrowheads="1"/>
+            </p:cNvPicPr>
+            <p:nvPr/>
+          </p:nvPicPr>
+          <p:blipFill rotWithShape="1">
+            <a:blip r:embed="rId3" cstate="screen">
+              <a:extLst>
+                <a:ext uri="{28A0092B-C50C-407E-A947-70E740481C1C}">
+                  <a14:useLocalDpi xmlns:a14="http://schemas.microsoft.com/office/drawing/2010/main" val="0"/>
+                </a:ext>
+              </a:extLst>
+            </a:blip>
+            <a:srcRect/>
+            <a:stretch/>
+          </p:blipFill>
+          <p:spPr bwMode="auto">
+            <a:xfrm>
+              <a:off x="577489" y="1931416"/>
+              <a:ext cx="728537" cy="738719"/>
+            </a:xfrm>
+            <a:prstGeom prst="rect">
+              <a:avLst/>
+            </a:prstGeom>
+            <a:noFill/>
+            <a:extLst>
+              <a:ext uri="{909E8E84-426E-40DD-AFC4-6F175D3DCCD1}">
+                <a14:hiddenFill xmlns:a14="http://schemas.microsoft.com/office/drawing/2010/main">
+                  <a:solidFill>
+                    <a:srgbClr val="FFFFFF"/>
+                  </a:solidFill>
+                </a14:hiddenFill>
+              </a:ext>
+            </a:extLst>
+          </p:spPr>
+        </p:pic>
+      </p:grpSp>
+      <p:grpSp>
+        <p:nvGrpSpPr>
+          <p:cNvPr id="7" name="그룹 6"/>
+          <p:cNvGrpSpPr/>
+          <p:nvPr/>
+        </p:nvGrpSpPr>
+        <p:grpSpPr>
+          <a:xfrm>
+            <a:off x="6371461" y="1931415"/>
+            <a:ext cx="4068359" cy="756498"/>
+            <a:chOff x="6371461" y="1931415"/>
+            <a:chExt cx="4068359" cy="756498"/>
+          </a:xfrm>
+        </p:grpSpPr>
+        <p:grpSp>
+          <p:nvGrpSpPr>
+            <p:cNvPr id="14" name="그룹 13">
+              <a:extLst>
+                <a:ext uri="{FF2B5EF4-FFF2-40B4-BE49-F238E27FC236}">
+                  <a16:creationId xmlns:a16="http://schemas.microsoft.com/office/drawing/2014/main" id="{51C77762-D92A-4BF7-AE3C-DE6019C9218B}"/>
+                </a:ext>
+              </a:extLst>
+            </p:cNvPr>
+            <p:cNvGrpSpPr/>
+            <p:nvPr/>
+          </p:nvGrpSpPr>
+          <p:grpSpPr>
+            <a:xfrm>
+              <a:off x="6371461" y="2287803"/>
+              <a:ext cx="4068359" cy="400110"/>
+              <a:chOff x="899592" y="2000081"/>
+              <a:chExt cx="4237997" cy="475250"/>
+            </a:xfrm>
+          </p:grpSpPr>
+          <p:sp>
+            <p:nvSpPr>
+              <p:cNvPr id="16" name="직사각형 15">
+                <a:extLst>
+                  <a:ext uri="{FF2B5EF4-FFF2-40B4-BE49-F238E27FC236}">
+                    <a16:creationId xmlns:a16="http://schemas.microsoft.com/office/drawing/2014/main" id="{5DAA2B23-A0BF-449A-B421-78EFB7039076}"/>
+                  </a:ext>
+                </a:extLst>
+              </p:cNvPr>
+              <p:cNvSpPr/>
+              <p:nvPr/>
+            </p:nvSpPr>
+            <p:spPr>
+              <a:xfrm>
+                <a:off x="1691674" y="2000081"/>
+                <a:ext cx="3351552" cy="475250"/>
+              </a:xfrm>
+              <a:prstGeom prst="rect">
+                <a:avLst/>
+              </a:prstGeom>
+            </p:spPr>
+            <p:txBody>
+              <a:bodyPr wrap="square">
+                <a:spAutoFit/>
+              </a:bodyPr>
+              <a:lstStyle/>
+              <a:p>
+                <a:pPr algn="r">
+                  <a:defRPr lang="ko-KR" altLang="en-US"/>
+                </a:pPr>
+                <a:r>
+                  <a:rPr lang="en-US" altLang="ko-KR" sz="2000" dirty="0" smtClean="0">
+                    <a:ln w="9525">
+                      <a:solidFill>
+                        <a:schemeClr val="bg1">
+                          <a:lumMod val="65000"/>
+                          <a:alpha val="0"/>
+                        </a:schemeClr>
+                      </a:solidFill>
+                    </a:ln>
+                    <a:ea typeface="한컴 윤고딕 720"/>
+                  </a:rPr>
+                  <a:t>DirectX</a:t>
+                </a:r>
+                <a:endParaRPr lang="ko-KR" altLang="en-US" sz="2000" dirty="0">
+                  <a:ln w="9525">
+                    <a:solidFill>
+                      <a:schemeClr val="bg1">
+                        <a:lumMod val="65000"/>
+                        <a:alpha val="0"/>
+                      </a:schemeClr>
+                    </a:solidFill>
+                  </a:ln>
+                  <a:ea typeface="한컴 윤고딕 720"/>
+                </a:endParaRPr>
+              </a:p>
+            </p:txBody>
+          </p:sp>
+          <p:cxnSp>
+            <p:nvCxnSpPr>
+              <p:cNvPr id="17" name="직선 연결선 16">
+                <a:extLst>
+                  <a:ext uri="{FF2B5EF4-FFF2-40B4-BE49-F238E27FC236}">
+                    <a16:creationId xmlns:a16="http://schemas.microsoft.com/office/drawing/2014/main" id="{BB22E88A-45E1-4865-98D8-3073E647F25C}"/>
+                  </a:ext>
+                </a:extLst>
+              </p:cNvPr>
+              <p:cNvCxnSpPr/>
+              <p:nvPr/>
+            </p:nvCxnSpPr>
+            <p:spPr>
+              <a:xfrm>
+                <a:off x="899592" y="2430310"/>
+                <a:ext cx="4237997" cy="0"/>
+              </a:xfrm>
+              <a:prstGeom prst="line">
+                <a:avLst/>
+              </a:prstGeom>
+              <a:ln w="12700">
+                <a:solidFill>
+                  <a:schemeClr val="tx1">
+                    <a:lumMod val="65000"/>
+                    <a:lumOff val="35000"/>
+                  </a:schemeClr>
+                </a:solidFill>
+              </a:ln>
+            </p:spPr>
+            <p:style>
+              <a:lnRef idx="1">
+                <a:schemeClr val="accent1"/>
+              </a:lnRef>
+              <a:fillRef idx="0">
+                <a:schemeClr val="accent1"/>
+              </a:fillRef>
+              <a:effectRef idx="0">
+                <a:schemeClr val="accent1"/>
+              </a:effectRef>
+              <a:fontRef idx="minor">
+                <a:schemeClr val="tx1"/>
+              </a:fontRef>
+            </p:style>
+          </p:cxnSp>
+        </p:grpSp>
+        <p:pic>
+          <p:nvPicPr>
+            <p:cNvPr id="1026" name="Picture 2" descr="DirectX - 위키백과, 우리 모두의 백과사전"/>
+            <p:cNvPicPr>
+              <a:picLocks noChangeAspect="1" noChangeArrowheads="1"/>
+            </p:cNvPicPr>
+            <p:nvPr/>
+          </p:nvPicPr>
+          <p:blipFill>
+            <a:blip r:embed="rId4" cstate="screen">
+              <a:extLst>
+                <a:ext uri="{28A0092B-C50C-407E-A947-70E740481C1C}">
+                  <a14:useLocalDpi xmlns:a14="http://schemas.microsoft.com/office/drawing/2010/main" val="0"/>
+                </a:ext>
+              </a:extLst>
+            </a:blip>
+            <a:srcRect/>
+            <a:stretch>
+              <a:fillRect/>
+            </a:stretch>
+          </p:blipFill>
+          <p:spPr bwMode="auto">
+            <a:xfrm>
+              <a:off x="6393120" y="1931415"/>
+              <a:ext cx="738718" cy="738719"/>
+            </a:xfrm>
+            <a:prstGeom prst="rect">
+              <a:avLst/>
+            </a:prstGeom>
+            <a:noFill/>
+            <a:extLst>
+              <a:ext uri="{909E8E84-426E-40DD-AFC4-6F175D3DCCD1}">
+                <a14:hiddenFill xmlns:a14="http://schemas.microsoft.com/office/drawing/2010/main">
+                  <a:solidFill>
+                    <a:srgbClr val="FFFFFF"/>
+                  </a:solidFill>
+                </a14:hiddenFill>
+              </a:ext>
+            </a:extLst>
+          </p:spPr>
+        </p:pic>
+      </p:grpSp>
+      <p:grpSp>
+        <p:nvGrpSpPr>
+          <p:cNvPr id="21" name="그룹 20">
+            <a:extLst>
+              <a:ext uri="{FF2B5EF4-FFF2-40B4-BE49-F238E27FC236}">
+                <a16:creationId xmlns:a16="http://schemas.microsoft.com/office/drawing/2014/main" id="{57D2917D-8FCF-4B57-A850-8D50D823DCD6}"/>
+              </a:ext>
+            </a:extLst>
+          </p:cNvPr>
+          <p:cNvGrpSpPr/>
+          <p:nvPr/>
+        </p:nvGrpSpPr>
+        <p:grpSpPr>
+          <a:xfrm>
+            <a:off x="577489" y="3650254"/>
+            <a:ext cx="4068451" cy="428006"/>
+            <a:chOff x="899592" y="2000083"/>
+            <a:chExt cx="4237997" cy="430227"/>
+          </a:xfrm>
+        </p:grpSpPr>
+        <p:sp>
+          <p:nvSpPr>
+            <p:cNvPr id="23" name="직사각형 22">
+              <a:extLst>
+                <a:ext uri="{FF2B5EF4-FFF2-40B4-BE49-F238E27FC236}">
+                  <a16:creationId xmlns:a16="http://schemas.microsoft.com/office/drawing/2014/main" id="{29A2099B-F19F-4235-B59B-48EB888DA1AD}"/>
+                </a:ext>
+              </a:extLst>
+            </p:cNvPr>
+            <p:cNvSpPr/>
+            <p:nvPr/>
+          </p:nvSpPr>
+          <p:spPr>
+            <a:xfrm>
+              <a:off x="1691678" y="2000083"/>
+              <a:ext cx="3351552" cy="402186"/>
+            </a:xfrm>
+            <a:prstGeom prst="rect">
+              <a:avLst/>
+            </a:prstGeom>
+          </p:spPr>
+          <p:txBody>
+            <a:bodyPr wrap="square">
+              <a:spAutoFit/>
+            </a:bodyPr>
+            <a:lstStyle/>
+            <a:p>
+              <a:pPr algn="r">
+                <a:defRPr lang="ko-KR" altLang="en-US"/>
+              </a:pPr>
+              <a:r>
+                <a:rPr lang="en-US" altLang="ko-KR" sz="2000" dirty="0" smtClean="0">
+                  <a:ln w="9525">
+                    <a:solidFill>
+                      <a:schemeClr val="bg1">
+                        <a:lumMod val="65000"/>
+                        <a:alpha val="0"/>
+                      </a:schemeClr>
+                    </a:solidFill>
+                  </a:ln>
+                  <a:ea typeface="한컴 윤고딕 720"/>
+                </a:rPr>
+                <a:t>3Ds Max</a:t>
+              </a:r>
+              <a:endParaRPr lang="ko-KR" altLang="en-US" sz="2000" dirty="0">
+                <a:ln w="9525">
+                  <a:solidFill>
+                    <a:schemeClr val="bg1">
+                      <a:lumMod val="65000"/>
+                      <a:alpha val="0"/>
+                    </a:schemeClr>
+                  </a:solidFill>
+                </a:ln>
+                <a:ea typeface="한컴 윤고딕 720"/>
+              </a:endParaRPr>
+            </a:p>
+          </p:txBody>
+        </p:sp>
+        <p:cxnSp>
+          <p:nvCxnSpPr>
+            <p:cNvPr id="24" name="직선 연결선 23">
+              <a:extLst>
+                <a:ext uri="{FF2B5EF4-FFF2-40B4-BE49-F238E27FC236}">
+                  <a16:creationId xmlns:a16="http://schemas.microsoft.com/office/drawing/2014/main" id="{6A74DB7E-CC98-4138-B725-3657C055986D}"/>
+                </a:ext>
+              </a:extLst>
+            </p:cNvPr>
+            <p:cNvCxnSpPr/>
+            <p:nvPr/>
+          </p:nvCxnSpPr>
+          <p:spPr>
+            <a:xfrm>
+              <a:off x="899592" y="2430310"/>
+              <a:ext cx="4237997" cy="0"/>
+            </a:xfrm>
+            <a:prstGeom prst="line">
+              <a:avLst/>
+            </a:prstGeom>
+            <a:ln w="12700">
+              <a:solidFill>
+                <a:schemeClr val="tx1">
+                  <a:lumMod val="65000"/>
+                  <a:lumOff val="35000"/>
+                </a:schemeClr>
+              </a:solidFill>
+            </a:ln>
+          </p:spPr>
+          <p:style>
+            <a:lnRef idx="1">
+              <a:schemeClr val="accent1"/>
+            </a:lnRef>
+            <a:fillRef idx="0">
+              <a:schemeClr val="accent1"/>
+            </a:fillRef>
+            <a:effectRef idx="0">
+              <a:schemeClr val="accent1"/>
+            </a:effectRef>
+            <a:fontRef idx="minor">
+              <a:schemeClr val="tx1"/>
+            </a:fontRef>
+          </p:style>
+        </p:cxnSp>
+      </p:grpSp>
+      <p:grpSp>
+        <p:nvGrpSpPr>
+          <p:cNvPr id="25" name="그룹 24"/>
+          <p:cNvGrpSpPr/>
+          <p:nvPr/>
+        </p:nvGrpSpPr>
+        <p:grpSpPr>
+          <a:xfrm>
+            <a:off x="6371460" y="3445426"/>
+            <a:ext cx="4068360" cy="632834"/>
+            <a:chOff x="832187" y="1572165"/>
+            <a:chExt cx="4305402" cy="865811"/>
+          </a:xfrm>
+        </p:grpSpPr>
+        <p:sp>
+          <p:nvSpPr>
+            <p:cNvPr id="26" name="직사각형 25"/>
+            <p:cNvSpPr/>
+            <p:nvPr/>
+          </p:nvSpPr>
+          <p:spPr>
+            <a:xfrm>
+              <a:off x="1701547" y="1890566"/>
+              <a:ext cx="3351553" cy="547410"/>
+            </a:xfrm>
+            <a:prstGeom prst="rect">
+              <a:avLst/>
+            </a:prstGeom>
+          </p:spPr>
+          <p:txBody>
+            <a:bodyPr wrap="square">
+              <a:spAutoFit/>
+            </a:bodyPr>
+            <a:lstStyle/>
+            <a:p>
+              <a:pPr algn="r">
+                <a:defRPr lang="ko-KR" altLang="en-US"/>
+              </a:pPr>
+              <a:r>
+                <a:rPr lang="en-US" altLang="ko-KR" sz="2000" dirty="0">
+                  <a:ln w="9525">
+                    <a:solidFill>
+                      <a:schemeClr val="bg1">
+                        <a:lumMod val="65000"/>
+                        <a:alpha val="0"/>
+                      </a:schemeClr>
+                    </a:solidFill>
+                  </a:ln>
+                  <a:ea typeface="한컴 윤고딕 720"/>
+                </a:rPr>
+                <a:t>GitHub</a:t>
+              </a:r>
+              <a:endParaRPr lang="ko-KR" altLang="en-US" sz="2000" dirty="0">
+                <a:ln w="9525">
+                  <a:solidFill>
+                    <a:schemeClr val="bg1">
+                      <a:lumMod val="65000"/>
+                      <a:alpha val="0"/>
+                    </a:schemeClr>
+                  </a:solidFill>
+                </a:ln>
+                <a:ea typeface="한컴 윤고딕 720"/>
+              </a:endParaRPr>
+            </a:p>
+          </p:txBody>
+        </p:sp>
+        <p:cxnSp>
+          <p:nvCxnSpPr>
+            <p:cNvPr id="27" name="직선 연결선 26"/>
+            <p:cNvCxnSpPr/>
+            <p:nvPr/>
+          </p:nvCxnSpPr>
+          <p:spPr>
+            <a:xfrm>
+              <a:off x="899592" y="2430310"/>
+              <a:ext cx="4237997" cy="0"/>
+            </a:xfrm>
+            <a:prstGeom prst="line">
+              <a:avLst/>
+            </a:prstGeom>
+            <a:ln w="12700">
+              <a:solidFill>
+                <a:schemeClr val="tx1">
+                  <a:lumMod val="65000"/>
+                  <a:lumOff val="35000"/>
+                </a:schemeClr>
+              </a:solidFill>
+            </a:ln>
+          </p:spPr>
+          <p:style>
+            <a:lnRef idx="1">
+              <a:schemeClr val="accent1"/>
+            </a:lnRef>
+            <a:fillRef idx="0">
+              <a:schemeClr val="accent1"/>
+            </a:fillRef>
+            <a:effectRef idx="0">
+              <a:schemeClr val="accent1"/>
+            </a:effectRef>
+            <a:fontRef idx="minor">
+              <a:schemeClr val="tx1"/>
+            </a:fontRef>
+          </p:style>
+        </p:cxnSp>
+        <p:pic>
+          <p:nvPicPr>
+            <p:cNvPr id="28" name="그림 27"/>
+            <p:cNvPicPr>
+              <a:picLocks noChangeAspect="1"/>
+            </p:cNvPicPr>
+            <p:nvPr/>
+          </p:nvPicPr>
+          <p:blipFill rotWithShape="1">
+            <a:blip r:embed="rId5"/>
+            <a:stretch>
+              <a:fillRect/>
+            </a:stretch>
+          </p:blipFill>
+          <p:spPr>
+            <a:xfrm>
+              <a:off x="832187" y="1572165"/>
+              <a:ext cx="859493" cy="859493"/>
+            </a:xfrm>
+            <a:prstGeom prst="rect">
+              <a:avLst/>
+            </a:prstGeom>
+          </p:spPr>
+        </p:pic>
+      </p:grpSp>
+      <p:pic>
+        <p:nvPicPr>
+          <p:cNvPr id="29" name="그림 28">
+            <a:extLst>
+              <a:ext uri="{FF2B5EF4-FFF2-40B4-BE49-F238E27FC236}">
+                <a16:creationId xmlns:a16="http://schemas.microsoft.com/office/drawing/2014/main" id="{C6694965-F32E-484D-A6D5-8CB4C158D58E}"/>
+              </a:ext>
+            </a:extLst>
+          </p:cNvPr>
+          <p:cNvPicPr>
+            <a:picLocks noChangeAspect="1"/>
+          </p:cNvPicPr>
+          <p:nvPr/>
+        </p:nvPicPr>
+        <p:blipFill rotWithShape="1">
+          <a:blip r:embed="rId6"/>
+          <a:stretch>
+            <a:fillRect/>
+          </a:stretch>
+        </p:blipFill>
+        <p:spPr>
+          <a:xfrm>
+            <a:off x="539221" y="3463890"/>
+            <a:ext cx="529336" cy="609339"/>
+          </a:xfrm>
+          <a:prstGeom prst="rect">
+            <a:avLst/>
+          </a:prstGeom>
+        </p:spPr>
+      </p:pic>
+      <p:grpSp>
+        <p:nvGrpSpPr>
+          <p:cNvPr id="30" name="그룹 29">
+            <a:extLst>
+              <a:ext uri="{FF2B5EF4-FFF2-40B4-BE49-F238E27FC236}">
+                <a16:creationId xmlns:a16="http://schemas.microsoft.com/office/drawing/2014/main" id="{57D2917D-8FCF-4B57-A850-8D50D823DCD6}"/>
+              </a:ext>
+            </a:extLst>
+          </p:cNvPr>
+          <p:cNvGrpSpPr/>
+          <p:nvPr/>
+        </p:nvGrpSpPr>
+        <p:grpSpPr>
+          <a:xfrm>
+            <a:off x="577489" y="5053347"/>
+            <a:ext cx="4068451" cy="428006"/>
+            <a:chOff x="899592" y="2000083"/>
+            <a:chExt cx="4237997" cy="430227"/>
+          </a:xfrm>
+        </p:grpSpPr>
+        <p:sp>
+          <p:nvSpPr>
+            <p:cNvPr id="31" name="직사각형 30">
+              <a:extLst>
+                <a:ext uri="{FF2B5EF4-FFF2-40B4-BE49-F238E27FC236}">
+                  <a16:creationId xmlns:a16="http://schemas.microsoft.com/office/drawing/2014/main" id="{29A2099B-F19F-4235-B59B-48EB888DA1AD}"/>
+                </a:ext>
+              </a:extLst>
+            </p:cNvPr>
+            <p:cNvSpPr/>
+            <p:nvPr/>
+          </p:nvSpPr>
+          <p:spPr>
+            <a:xfrm>
+              <a:off x="1691678" y="2000083"/>
+              <a:ext cx="3351552" cy="402186"/>
+            </a:xfrm>
+            <a:prstGeom prst="rect">
+              <a:avLst/>
+            </a:prstGeom>
+          </p:spPr>
+          <p:txBody>
+            <a:bodyPr wrap="square">
+              <a:spAutoFit/>
+            </a:bodyPr>
+            <a:lstStyle/>
+            <a:p>
+              <a:pPr algn="r">
+                <a:defRPr lang="ko-KR" altLang="en-US"/>
+              </a:pPr>
+              <a:r>
+                <a:rPr lang="en-US" altLang="ko-KR" sz="2000" dirty="0" smtClean="0">
+                  <a:ln w="9525">
+                    <a:solidFill>
+                      <a:schemeClr val="bg1">
+                        <a:lumMod val="65000"/>
+                        <a:alpha val="0"/>
+                      </a:schemeClr>
+                    </a:solidFill>
+                  </a:ln>
+                  <a:ea typeface="한컴 윤고딕 720"/>
+                </a:rPr>
+                <a:t>Photoshop</a:t>
+              </a:r>
+              <a:endParaRPr lang="ko-KR" altLang="en-US" sz="2000" dirty="0">
+                <a:ln w="9525">
+                  <a:solidFill>
+                    <a:schemeClr val="bg1">
+                      <a:lumMod val="65000"/>
+                      <a:alpha val="0"/>
+                    </a:schemeClr>
+                  </a:solidFill>
+                </a:ln>
+                <a:ea typeface="한컴 윤고딕 720"/>
+              </a:endParaRPr>
+            </a:p>
+          </p:txBody>
+        </p:sp>
+        <p:cxnSp>
+          <p:nvCxnSpPr>
+            <p:cNvPr id="32" name="직선 연결선 31">
+              <a:extLst>
+                <a:ext uri="{FF2B5EF4-FFF2-40B4-BE49-F238E27FC236}">
+                  <a16:creationId xmlns:a16="http://schemas.microsoft.com/office/drawing/2014/main" id="{6A74DB7E-CC98-4138-B725-3657C055986D}"/>
+                </a:ext>
+              </a:extLst>
+            </p:cNvPr>
+            <p:cNvCxnSpPr/>
+            <p:nvPr/>
+          </p:nvCxnSpPr>
+          <p:spPr>
+            <a:xfrm>
+              <a:off x="899592" y="2430310"/>
+              <a:ext cx="4237997" cy="0"/>
+            </a:xfrm>
+            <a:prstGeom prst="line">
+              <a:avLst/>
+            </a:prstGeom>
+            <a:ln w="12700">
+              <a:solidFill>
+                <a:schemeClr val="tx1">
+                  <a:lumMod val="65000"/>
+                  <a:lumOff val="35000"/>
+                </a:schemeClr>
+              </a:solidFill>
+            </a:ln>
+          </p:spPr>
+          <p:style>
+            <a:lnRef idx="1">
+              <a:schemeClr val="accent1"/>
+            </a:lnRef>
+            <a:fillRef idx="0">
+              <a:schemeClr val="accent1"/>
+            </a:fillRef>
+            <a:effectRef idx="0">
+              <a:schemeClr val="accent1"/>
+            </a:effectRef>
+            <a:fontRef idx="minor">
+              <a:schemeClr val="tx1"/>
+            </a:fontRef>
+          </p:style>
+        </p:cxnSp>
+      </p:grpSp>
+      <p:pic>
+        <p:nvPicPr>
+          <p:cNvPr id="1028" name="Picture 4" descr="포토샵 - 해시넷"/>
+          <p:cNvPicPr>
+            <a:picLocks noChangeAspect="1" noChangeArrowheads="1"/>
+          </p:cNvPicPr>
+          <p:nvPr/>
+        </p:nvPicPr>
+        <p:blipFill>
+          <a:blip r:embed="rId7" cstate="screen">
+            <a:extLst>
+              <a:ext uri="{28A0092B-C50C-407E-A947-70E740481C1C}">
+                <a14:useLocalDpi xmlns:a14="http://schemas.microsoft.com/office/drawing/2010/main" val="0"/>
+              </a:ext>
+            </a:extLst>
+          </a:blip>
+          <a:srcRect/>
+          <a:stretch>
+            <a:fillRect/>
+          </a:stretch>
+        </p:blipFill>
+        <p:spPr bwMode="auto">
+          <a:xfrm>
+            <a:off x="497024" y="4627664"/>
+            <a:ext cx="927566" cy="927566"/>
+          </a:xfrm>
+          <a:prstGeom prst="rect">
+            <a:avLst/>
+          </a:prstGeom>
+          <a:noFill/>
+          <a:extLst>
+            <a:ext uri="{909E8E84-426E-40DD-AFC4-6F175D3DCCD1}">
+              <a14:hiddenFill xmlns:a14="http://schemas.microsoft.com/office/drawing/2010/main">
+                <a:solidFill>
+                  <a:srgbClr val="FFFFFF"/>
+                </a:solidFill>
+              </a14:hiddenFill>
+            </a:ext>
+          </a:extLst>
+        </p:spPr>
+      </p:pic>
+    </p:spTree>
+    <p:extLst>
+      <p:ext uri="{BB962C8B-B14F-4D97-AF65-F5344CB8AC3E}">
+        <p14:creationId xmlns:p14="http://schemas.microsoft.com/office/powerpoint/2010/main" val="1955028"/>
+      </p:ext>
+    </p:extLst>
+  </p:cSld>
+  <p:clrMapOvr>
+    <a:masterClrMapping/>
+  </p:clrMapOvr>
+  <mc:AlternateContent xmlns:mc="http://schemas.openxmlformats.org/markup-compatibility/2006">
+    <mc:Choice xmlns:p159="http://schemas.microsoft.com/office/powerpoint/2015/09/main" xmlns="" Requires="p159">
+      <p:transition xmlns:p14="http://schemas.microsoft.com/office/powerpoint/2010/main" spd="slow" p14:dur="2000">
+        <p159:morph option="byObject"/>
+      </p:transition>
+    </mc:Choice>
+    <mc:Fallback>
+      <p:transition spd="slow">
+        <p:fade/>
+      </p:transition>
+    </mc:Fallback>
+  </mc:AlternateContent>
+</p:sld>
+</file>
+
+<file path=ppt/slides/slide5.xml><?xml version="1.0" encoding="utf-8"?>
+<p:sld xmlns:a="http://schemas.openxmlformats.org/drawingml/2006/main" xmlns:r="http://schemas.openxmlformats.org/officeDocument/2006/relationships" xmlns:p="http://schemas.openxmlformats.org/presentationml/2006/main">
+  <p:cSld>
+    <p:spTree>
+      <p:nvGrpSpPr>
+        <p:cNvPr id="1" name=""/>
+        <p:cNvGrpSpPr/>
+        <p:nvPr/>
+      </p:nvGrpSpPr>
+      <p:grpSpPr>
+        <a:xfrm>
+          <a:off x="0" y="0"/>
+          <a:ext cx="0" cy="0"/>
+          <a:chOff x="0" y="0"/>
+          <a:chExt cx="0" cy="0"/>
+        </a:xfrm>
+      </p:grpSpPr>
+      <p:cxnSp>
+        <p:nvCxnSpPr>
+          <p:cNvPr id="3" name="직선 연결선 2">
+            <a:extLst>
+              <a:ext uri="{FF2B5EF4-FFF2-40B4-BE49-F238E27FC236}">
+                <a16:creationId xmlns:a16="http://schemas.microsoft.com/office/drawing/2014/main" id="{1FF04A19-8950-44A5-80E9-5A06E7DA23BE}"/>
+              </a:ext>
+            </a:extLst>
+          </p:cNvPr>
+          <p:cNvCxnSpPr/>
+          <p:nvPr/>
+        </p:nvCxnSpPr>
+        <p:spPr>
+          <a:xfrm>
+            <a:off x="449179" y="834004"/>
+            <a:ext cx="11742821" cy="0"/>
+          </a:xfrm>
+          <a:prstGeom prst="line">
+            <a:avLst/>
+          </a:prstGeom>
+          <a:ln>
+            <a:solidFill>
+              <a:schemeClr val="accent6"/>
+            </a:solidFill>
+          </a:ln>
+        </p:spPr>
+        <p:style>
+          <a:lnRef idx="1">
+            <a:schemeClr val="accent1"/>
+          </a:lnRef>
+          <a:fillRef idx="0">
+            <a:schemeClr val="accent1"/>
+          </a:fillRef>
+          <a:effectRef idx="0">
+            <a:schemeClr val="accent1"/>
+          </a:effectRef>
+          <a:fontRef idx="minor">
+            <a:schemeClr val="tx1"/>
+          </a:fontRef>
+        </p:style>
+      </p:cxnSp>
+      <p:sp>
+        <p:nvSpPr>
+          <p:cNvPr id="4" name="TextBox 3">
+            <a:extLst>
+              <a:ext uri="{FF2B5EF4-FFF2-40B4-BE49-F238E27FC236}">
+                <a16:creationId xmlns:a16="http://schemas.microsoft.com/office/drawing/2014/main" id="{243C702B-3426-41BD-9FAE-31F746E5D0B6}"/>
+              </a:ext>
+            </a:extLst>
+          </p:cNvPr>
+          <p:cNvSpPr txBox="1"/>
+          <p:nvPr/>
+        </p:nvSpPr>
+        <p:spPr>
+          <a:xfrm>
+            <a:off x="449179" y="63798"/>
+            <a:ext cx="746423" cy="307777"/>
+          </a:xfrm>
+          <a:prstGeom prst="rect">
+            <a:avLst/>
+          </a:prstGeom>
+          <a:noFill/>
+        </p:spPr>
+        <p:txBody>
+          <a:bodyPr wrap="none" rtlCol="0">
+            <a:spAutoFit/>
+          </a:bodyPr>
+          <a:lstStyle/>
+          <a:p>
+            <a:r>
+              <a:rPr lang="en-US" altLang="ko-KR" sz="1400" dirty="0">
+                <a:solidFill>
+                  <a:schemeClr val="accent6">
+                    <a:lumMod val="50000"/>
+                  </a:schemeClr>
+                </a:solidFill>
+                <a:latin typeface="나눔스퀘어 Bold" panose="020B0600000101010101" pitchFamily="50" charset="-127"/>
+                <a:ea typeface="나눔스퀘어 Bold" panose="020B0600000101010101" pitchFamily="50" charset="-127"/>
+              </a:rPr>
+              <a:t>Part </a:t>
+            </a:r>
+            <a:r>
+              <a:rPr lang="en-US" altLang="ko-KR" sz="1400" dirty="0" smtClean="0">
+                <a:solidFill>
+                  <a:schemeClr val="accent6">
+                    <a:lumMod val="50000"/>
+                  </a:schemeClr>
+                </a:solidFill>
+                <a:latin typeface="나눔스퀘어 Bold" panose="020B0600000101010101" pitchFamily="50" charset="-127"/>
+                <a:ea typeface="나눔스퀘어 Bold" panose="020B0600000101010101" pitchFamily="50" charset="-127"/>
+              </a:rPr>
+              <a:t>4,</a:t>
+            </a:r>
+            <a:endParaRPr lang="ko-KR" altLang="en-US" sz="1400" dirty="0">
+              <a:solidFill>
+                <a:schemeClr val="accent6">
+                  <a:lumMod val="50000"/>
+                </a:schemeClr>
+              </a:solidFill>
+              <a:latin typeface="나눔스퀘어 Bold" panose="020B0600000101010101" pitchFamily="50" charset="-127"/>
+              <a:ea typeface="나눔스퀘어 Bold" panose="020B0600000101010101" pitchFamily="50" charset="-127"/>
+            </a:endParaRPr>
+          </a:p>
+        </p:txBody>
+      </p:sp>
+      <p:sp>
+        <p:nvSpPr>
+          <p:cNvPr id="5" name="TextBox 4">
+            <a:extLst>
+              <a:ext uri="{FF2B5EF4-FFF2-40B4-BE49-F238E27FC236}">
+                <a16:creationId xmlns:a16="http://schemas.microsoft.com/office/drawing/2014/main" id="{1411476D-DF3F-4F30-A9AB-21B405D99E03}"/>
+              </a:ext>
+            </a:extLst>
+          </p:cNvPr>
+          <p:cNvSpPr txBox="1"/>
+          <p:nvPr/>
+        </p:nvSpPr>
+        <p:spPr>
+          <a:xfrm>
+            <a:off x="449179" y="286511"/>
+            <a:ext cx="3935693" cy="461665"/>
+          </a:xfrm>
+          <a:prstGeom prst="rect">
+            <a:avLst/>
+          </a:prstGeom>
+          <a:noFill/>
+        </p:spPr>
+        <p:txBody>
+          <a:bodyPr wrap="none" rtlCol="0">
+            <a:spAutoFit/>
+          </a:bodyPr>
+          <a:lstStyle/>
+          <a:p>
+            <a:r>
+              <a:rPr lang="ko-KR" altLang="en-US" sz="2400" dirty="0" smtClean="0">
+                <a:solidFill>
+                  <a:schemeClr val="accent6">
+                    <a:lumMod val="50000"/>
+                  </a:schemeClr>
+                </a:solidFill>
+                <a:latin typeface="나눔스퀘어 Bold" panose="020B0600000101010101" pitchFamily="50" charset="-127"/>
+                <a:ea typeface="나눔스퀘어 Bold" panose="020B0600000101010101" pitchFamily="50" charset="-127"/>
+              </a:rPr>
+              <a:t>기술적 요소 및 중점 연구 분야</a:t>
+            </a:r>
+            <a:endParaRPr lang="ko-KR" altLang="en-US" sz="2400" dirty="0">
+              <a:solidFill>
+                <a:schemeClr val="accent6">
+                  <a:lumMod val="50000"/>
+                </a:schemeClr>
+              </a:solidFill>
+              <a:latin typeface="나눔스퀘어 Bold" panose="020B0600000101010101" pitchFamily="50" charset="-127"/>
+              <a:ea typeface="나눔스퀘어 Bold" panose="020B0600000101010101" pitchFamily="50" charset="-127"/>
+            </a:endParaRPr>
+          </a:p>
+        </p:txBody>
+      </p:sp>
+      <p:sp>
+        <p:nvSpPr>
+          <p:cNvPr id="2" name="직사각형 1">
+            <a:extLst>
+              <a:ext uri="{FF2B5EF4-FFF2-40B4-BE49-F238E27FC236}">
+                <a16:creationId xmlns:a16="http://schemas.microsoft.com/office/drawing/2014/main" id="{4B4204EA-2A54-414A-AE6B-FBFC80082847}"/>
+              </a:ext>
+            </a:extLst>
+          </p:cNvPr>
+          <p:cNvSpPr/>
+          <p:nvPr/>
+        </p:nvSpPr>
+        <p:spPr>
+          <a:xfrm>
+            <a:off x="1086539" y="1502129"/>
+            <a:ext cx="4902200" cy="2235195"/>
+          </a:xfrm>
+          <a:prstGeom prst="rect">
+            <a:avLst/>
+          </a:prstGeom>
+          <a:solidFill>
+            <a:schemeClr val="accent1"/>
+          </a:solidFill>
+          <a:ln>
+            <a:noFill/>
+          </a:ln>
+        </p:spPr>
+        <p:style>
+          <a:lnRef idx="2">
+            <a:schemeClr val="accent1">
+              <a:shade val="50000"/>
+            </a:schemeClr>
+          </a:lnRef>
+          <a:fillRef idx="1">
+            <a:schemeClr val="accent1"/>
+          </a:fillRef>
+          <a:effectRef idx="0">
+            <a:schemeClr val="accent1"/>
+          </a:effectRef>
+          <a:fontRef idx="minor">
+            <a:schemeClr val="lt1"/>
+          </a:fontRef>
+        </p:style>
+        <p:txBody>
+          <a:bodyPr rtlCol="0" anchor="ctr"/>
+          <a:lstStyle/>
+          <a:p>
+            <a:pPr algn="ctr"/>
+            <a:endParaRPr lang="ko-KR" altLang="en-US">
+              <a:solidFill>
+                <a:schemeClr val="bg1"/>
+              </a:solidFill>
+              <a:latin typeface="나눔스퀘어 Bold" panose="020B0600000101010101" pitchFamily="50" charset="-127"/>
+              <a:ea typeface="나눔스퀘어 Bold" panose="020B0600000101010101" pitchFamily="50" charset="-127"/>
+            </a:endParaRPr>
+          </a:p>
+        </p:txBody>
+      </p:sp>
+      <p:sp>
+        <p:nvSpPr>
+          <p:cNvPr id="6" name="직사각형 5">
+            <a:extLst>
+              <a:ext uri="{FF2B5EF4-FFF2-40B4-BE49-F238E27FC236}">
+                <a16:creationId xmlns:a16="http://schemas.microsoft.com/office/drawing/2014/main" id="{21DFA8B2-E593-4E12-9F41-287ED75A92B2}"/>
+              </a:ext>
+            </a:extLst>
+          </p:cNvPr>
+          <p:cNvSpPr/>
+          <p:nvPr/>
+        </p:nvSpPr>
+        <p:spPr>
+          <a:xfrm>
+            <a:off x="6217339" y="1502128"/>
+            <a:ext cx="4902200" cy="2235195"/>
+          </a:xfrm>
+          <a:prstGeom prst="rect">
+            <a:avLst/>
+          </a:prstGeom>
+          <a:solidFill>
+            <a:schemeClr val="accent3"/>
+          </a:solidFill>
+          <a:ln>
+            <a:noFill/>
+          </a:ln>
+        </p:spPr>
+        <p:style>
+          <a:lnRef idx="2">
+            <a:schemeClr val="accent1">
+              <a:shade val="50000"/>
+            </a:schemeClr>
+          </a:lnRef>
+          <a:fillRef idx="1">
+            <a:schemeClr val="accent1"/>
+          </a:fillRef>
+          <a:effectRef idx="0">
+            <a:schemeClr val="accent1"/>
+          </a:effectRef>
+          <a:fontRef idx="minor">
+            <a:schemeClr val="lt1"/>
+          </a:fontRef>
+        </p:style>
+        <p:txBody>
+          <a:bodyPr rtlCol="0" anchor="ctr"/>
+          <a:lstStyle/>
+          <a:p>
+            <a:pPr algn="ctr"/>
+            <a:endParaRPr lang="ko-KR" altLang="en-US" dirty="0">
+              <a:solidFill>
+                <a:schemeClr val="bg1"/>
+              </a:solidFill>
+              <a:latin typeface="나눔스퀘어 Bold" panose="020B0600000101010101" pitchFamily="50" charset="-127"/>
+              <a:ea typeface="나눔스퀘어 Bold" panose="020B0600000101010101" pitchFamily="50" charset="-127"/>
+            </a:endParaRPr>
+          </a:p>
+        </p:txBody>
+      </p:sp>
+      <p:sp>
+        <p:nvSpPr>
+          <p:cNvPr id="8" name="직사각형 7">
+            <a:extLst>
+              <a:ext uri="{FF2B5EF4-FFF2-40B4-BE49-F238E27FC236}">
+                <a16:creationId xmlns:a16="http://schemas.microsoft.com/office/drawing/2014/main" id="{ACD5D43C-4014-487E-A632-B7DEE9E4BED2}"/>
+              </a:ext>
+            </a:extLst>
+          </p:cNvPr>
+          <p:cNvSpPr/>
+          <p:nvPr/>
+        </p:nvSpPr>
+        <p:spPr>
+          <a:xfrm>
+            <a:off x="1086539" y="3934394"/>
+            <a:ext cx="4902200" cy="2235195"/>
+          </a:xfrm>
+          <a:prstGeom prst="rect">
+            <a:avLst/>
+          </a:prstGeom>
+          <a:solidFill>
+            <a:schemeClr val="accent2"/>
+          </a:solidFill>
+          <a:ln>
+            <a:noFill/>
+          </a:ln>
+        </p:spPr>
+        <p:style>
+          <a:lnRef idx="2">
+            <a:schemeClr val="accent1">
+              <a:shade val="50000"/>
+            </a:schemeClr>
+          </a:lnRef>
+          <a:fillRef idx="1">
+            <a:schemeClr val="accent1"/>
+          </a:fillRef>
+          <a:effectRef idx="0">
+            <a:schemeClr val="accent1"/>
+          </a:effectRef>
+          <a:fontRef idx="minor">
+            <a:schemeClr val="lt1"/>
+          </a:fontRef>
+        </p:style>
+        <p:txBody>
+          <a:bodyPr rtlCol="0" anchor="ctr"/>
+          <a:lstStyle/>
+          <a:p>
+            <a:pPr algn="ctr"/>
+            <a:endParaRPr lang="ko-KR" altLang="en-US">
+              <a:solidFill>
+                <a:schemeClr val="bg1"/>
+              </a:solidFill>
+              <a:latin typeface="나눔스퀘어 Bold" panose="020B0600000101010101" pitchFamily="50" charset="-127"/>
+              <a:ea typeface="나눔스퀘어 Bold" panose="020B0600000101010101" pitchFamily="50" charset="-127"/>
+            </a:endParaRPr>
+          </a:p>
+        </p:txBody>
+      </p:sp>
+      <p:sp>
+        <p:nvSpPr>
+          <p:cNvPr id="9" name="직사각형 8">
+            <a:extLst>
+              <a:ext uri="{FF2B5EF4-FFF2-40B4-BE49-F238E27FC236}">
+                <a16:creationId xmlns:a16="http://schemas.microsoft.com/office/drawing/2014/main" id="{CAF7769B-398E-41FF-8BDE-82BABCF74858}"/>
+              </a:ext>
+            </a:extLst>
+          </p:cNvPr>
+          <p:cNvSpPr/>
+          <p:nvPr/>
+        </p:nvSpPr>
+        <p:spPr>
+          <a:xfrm>
+            <a:off x="6217339" y="3934393"/>
+            <a:ext cx="4902200" cy="2235195"/>
+          </a:xfrm>
+          <a:prstGeom prst="rect">
+            <a:avLst/>
+          </a:prstGeom>
+          <a:solidFill>
+            <a:schemeClr val="accent5"/>
+          </a:solidFill>
+          <a:ln>
+            <a:noFill/>
+          </a:ln>
+        </p:spPr>
+        <p:style>
+          <a:lnRef idx="2">
+            <a:schemeClr val="accent1">
+              <a:shade val="50000"/>
+            </a:schemeClr>
+          </a:lnRef>
+          <a:fillRef idx="1">
+            <a:schemeClr val="accent1"/>
+          </a:fillRef>
+          <a:effectRef idx="0">
+            <a:schemeClr val="accent1"/>
+          </a:effectRef>
+          <a:fontRef idx="minor">
+            <a:schemeClr val="lt1"/>
+          </a:fontRef>
+        </p:style>
+        <p:txBody>
+          <a:bodyPr rtlCol="0" anchor="ctr"/>
+          <a:lstStyle/>
+          <a:p>
+            <a:pPr algn="ctr"/>
+            <a:endParaRPr lang="ko-KR" altLang="en-US">
+              <a:solidFill>
+                <a:schemeClr val="bg1"/>
+              </a:solidFill>
+              <a:latin typeface="나눔스퀘어 Bold" panose="020B0600000101010101" pitchFamily="50" charset="-127"/>
+              <a:ea typeface="나눔스퀘어 Bold" panose="020B0600000101010101" pitchFamily="50" charset="-127"/>
+            </a:endParaRPr>
+          </a:p>
+        </p:txBody>
+      </p:sp>
+      <p:sp>
+        <p:nvSpPr>
+          <p:cNvPr id="10" name="직사각형 9">
+            <a:extLst>
+              <a:ext uri="{FF2B5EF4-FFF2-40B4-BE49-F238E27FC236}">
+                <a16:creationId xmlns:a16="http://schemas.microsoft.com/office/drawing/2014/main" id="{6147AA14-1D05-4103-AE90-3A0595FC06FF}"/>
+              </a:ext>
+            </a:extLst>
+          </p:cNvPr>
+          <p:cNvSpPr/>
+          <p:nvPr/>
+        </p:nvSpPr>
+        <p:spPr>
+          <a:xfrm>
+            <a:off x="5379139" y="3144506"/>
+            <a:ext cx="482600" cy="482600"/>
+          </a:xfrm>
+          <a:prstGeom prst="rect">
+            <a:avLst/>
+          </a:prstGeom>
+          <a:solidFill>
+            <a:schemeClr val="accent6"/>
+          </a:solidFill>
+          <a:ln>
+            <a:noFill/>
+          </a:ln>
+        </p:spPr>
+        <p:style>
+          <a:lnRef idx="2">
+            <a:schemeClr val="accent1">
+              <a:shade val="50000"/>
+            </a:schemeClr>
+          </a:lnRef>
+          <a:fillRef idx="1">
+            <a:schemeClr val="accent1"/>
+          </a:fillRef>
+          <a:effectRef idx="0">
+            <a:schemeClr val="accent1"/>
+          </a:effectRef>
+          <a:fontRef idx="minor">
+            <a:schemeClr val="lt1"/>
+          </a:fontRef>
+        </p:style>
+        <p:txBody>
+          <a:bodyPr rtlCol="0" anchor="ctr"/>
+          <a:lstStyle/>
+          <a:p>
+            <a:pPr algn="ctr"/>
+            <a:endParaRPr lang="ko-KR" altLang="en-US">
+              <a:solidFill>
+                <a:schemeClr val="bg1"/>
+              </a:solidFill>
+              <a:latin typeface="나눔스퀘어 Bold" panose="020B0600000101010101" pitchFamily="50" charset="-127"/>
+              <a:ea typeface="나눔스퀘어 Bold" panose="020B0600000101010101" pitchFamily="50" charset="-127"/>
+            </a:endParaRPr>
+          </a:p>
+        </p:txBody>
+      </p:sp>
+      <p:sp>
+        <p:nvSpPr>
+          <p:cNvPr id="11" name="TextBox 10">
+            <a:extLst>
+              <a:ext uri="{FF2B5EF4-FFF2-40B4-BE49-F238E27FC236}">
+                <a16:creationId xmlns:a16="http://schemas.microsoft.com/office/drawing/2014/main" id="{F531C2D9-18CD-493B-8168-A3615AC609AD}"/>
+              </a:ext>
+            </a:extLst>
+          </p:cNvPr>
+          <p:cNvSpPr txBox="1"/>
+          <p:nvPr/>
+        </p:nvSpPr>
+        <p:spPr>
+          <a:xfrm>
+            <a:off x="5432377" y="3154973"/>
+            <a:ext cx="373820" cy="461665"/>
+          </a:xfrm>
+          <a:prstGeom prst="rect">
+            <a:avLst/>
+          </a:prstGeom>
+          <a:solidFill>
+            <a:schemeClr val="accent6"/>
+          </a:solidFill>
+        </p:spPr>
+        <p:txBody>
+          <a:bodyPr wrap="none" rtlCol="0">
+            <a:spAutoFit/>
+          </a:bodyPr>
+          <a:lstStyle/>
+          <a:p>
+            <a:pPr algn="ctr"/>
+            <a:r>
+              <a:rPr lang="pt-BR" altLang="ko-KR" sz="2400" b="1" dirty="0" smtClean="0">
+                <a:solidFill>
+                  <a:schemeClr val="bg1"/>
+                </a:solidFill>
+                <a:latin typeface="나눔스퀘어 Bold" panose="020B0600000101010101" pitchFamily="50" charset="-127"/>
+                <a:ea typeface="나눔스퀘어 Bold" panose="020B0600000101010101" pitchFamily="50" charset="-127"/>
+              </a:rPr>
+              <a:t>1</a:t>
+            </a:r>
+            <a:endParaRPr lang="ko-KR" altLang="en-US" sz="2400" b="1" dirty="0">
+              <a:solidFill>
+                <a:schemeClr val="bg1"/>
+              </a:solidFill>
+              <a:latin typeface="나눔스퀘어 Bold" panose="020B0600000101010101" pitchFamily="50" charset="-127"/>
+              <a:ea typeface="나눔스퀘어 Bold" panose="020B0600000101010101" pitchFamily="50" charset="-127"/>
+            </a:endParaRPr>
+          </a:p>
+        </p:txBody>
+      </p:sp>
+      <p:sp>
+        <p:nvSpPr>
+          <p:cNvPr id="12" name="직사각형 11">
+            <a:extLst>
+              <a:ext uri="{FF2B5EF4-FFF2-40B4-BE49-F238E27FC236}">
+                <a16:creationId xmlns:a16="http://schemas.microsoft.com/office/drawing/2014/main" id="{4BEDD217-D66D-44B4-B29F-F180436B3F81}"/>
+              </a:ext>
+            </a:extLst>
+          </p:cNvPr>
+          <p:cNvSpPr/>
+          <p:nvPr/>
+        </p:nvSpPr>
+        <p:spPr>
+          <a:xfrm>
+            <a:off x="6336295" y="3144506"/>
+            <a:ext cx="482600" cy="482600"/>
+          </a:xfrm>
+          <a:prstGeom prst="rect">
+            <a:avLst/>
+          </a:prstGeom>
+          <a:solidFill>
+            <a:schemeClr val="accent6"/>
+          </a:solidFill>
+          <a:ln>
+            <a:noFill/>
+          </a:ln>
+        </p:spPr>
+        <p:style>
+          <a:lnRef idx="2">
+            <a:schemeClr val="accent1">
+              <a:shade val="50000"/>
+            </a:schemeClr>
+          </a:lnRef>
+          <a:fillRef idx="1">
+            <a:schemeClr val="accent1"/>
+          </a:fillRef>
+          <a:effectRef idx="0">
+            <a:schemeClr val="accent1"/>
+          </a:effectRef>
+          <a:fontRef idx="minor">
+            <a:schemeClr val="lt1"/>
+          </a:fontRef>
+        </p:style>
+        <p:txBody>
+          <a:bodyPr rtlCol="0" anchor="ctr"/>
+          <a:lstStyle/>
+          <a:p>
+            <a:pPr algn="ctr"/>
+            <a:endParaRPr lang="ko-KR" altLang="en-US">
+              <a:solidFill>
+                <a:schemeClr val="bg1"/>
+              </a:solidFill>
+              <a:latin typeface="나눔스퀘어 Bold" panose="020B0600000101010101" pitchFamily="50" charset="-127"/>
+              <a:ea typeface="나눔스퀘어 Bold" panose="020B0600000101010101" pitchFamily="50" charset="-127"/>
+            </a:endParaRPr>
+          </a:p>
+        </p:txBody>
+      </p:sp>
+      <p:sp>
+        <p:nvSpPr>
+          <p:cNvPr id="13" name="TextBox 12">
+            <a:extLst>
+              <a:ext uri="{FF2B5EF4-FFF2-40B4-BE49-F238E27FC236}">
+                <a16:creationId xmlns:a16="http://schemas.microsoft.com/office/drawing/2014/main" id="{D5DDBA97-0B6B-4005-B9D9-172D009860BE}"/>
+              </a:ext>
+            </a:extLst>
+          </p:cNvPr>
+          <p:cNvSpPr txBox="1"/>
+          <p:nvPr/>
+        </p:nvSpPr>
+        <p:spPr>
+          <a:xfrm>
+            <a:off x="6390333" y="3159992"/>
+            <a:ext cx="372218" cy="461665"/>
+          </a:xfrm>
+          <a:prstGeom prst="rect">
+            <a:avLst/>
+          </a:prstGeom>
+          <a:solidFill>
+            <a:schemeClr val="accent6"/>
+          </a:solidFill>
+          <a:ln>
+            <a:noFill/>
+          </a:ln>
+        </p:spPr>
+        <p:txBody>
+          <a:bodyPr wrap="none" rtlCol="0">
+            <a:spAutoFit/>
+          </a:bodyPr>
+          <a:lstStyle/>
+          <a:p>
+            <a:pPr algn="ctr"/>
+            <a:r>
+              <a:rPr lang="pt-BR" altLang="ko-KR" sz="2400" b="1" dirty="0" smtClean="0">
+                <a:solidFill>
+                  <a:schemeClr val="bg1"/>
+                </a:solidFill>
+                <a:latin typeface="나눔스퀘어 Bold" panose="020B0600000101010101" pitchFamily="50" charset="-127"/>
+                <a:ea typeface="나눔스퀘어 Bold" panose="020B0600000101010101" pitchFamily="50" charset="-127"/>
+              </a:rPr>
+              <a:t>2</a:t>
+            </a:r>
+            <a:endParaRPr lang="ko-KR" altLang="en-US" sz="2400" b="1" dirty="0">
+              <a:solidFill>
+                <a:schemeClr val="bg1"/>
+              </a:solidFill>
+              <a:latin typeface="나눔스퀘어 Bold" panose="020B0600000101010101" pitchFamily="50" charset="-127"/>
+              <a:ea typeface="나눔스퀘어 Bold" panose="020B0600000101010101" pitchFamily="50" charset="-127"/>
+            </a:endParaRPr>
+          </a:p>
+        </p:txBody>
+      </p:sp>
+      <p:sp>
+        <p:nvSpPr>
+          <p:cNvPr id="14" name="직사각형 13">
+            <a:extLst>
+              <a:ext uri="{FF2B5EF4-FFF2-40B4-BE49-F238E27FC236}">
+                <a16:creationId xmlns:a16="http://schemas.microsoft.com/office/drawing/2014/main" id="{9DA0E6CB-16BD-4118-A479-E63A66C576A4}"/>
+              </a:ext>
+            </a:extLst>
+          </p:cNvPr>
+          <p:cNvSpPr/>
+          <p:nvPr/>
+        </p:nvSpPr>
+        <p:spPr>
+          <a:xfrm>
+            <a:off x="5377987" y="4044089"/>
+            <a:ext cx="482600" cy="482600"/>
+          </a:xfrm>
+          <a:prstGeom prst="rect">
+            <a:avLst/>
+          </a:prstGeom>
+          <a:solidFill>
+            <a:schemeClr val="accent6"/>
+          </a:solidFill>
+          <a:ln>
+            <a:noFill/>
+          </a:ln>
+        </p:spPr>
+        <p:style>
+          <a:lnRef idx="2">
+            <a:schemeClr val="accent1">
+              <a:shade val="50000"/>
+            </a:schemeClr>
+          </a:lnRef>
+          <a:fillRef idx="1">
+            <a:schemeClr val="accent1"/>
+          </a:fillRef>
+          <a:effectRef idx="0">
+            <a:schemeClr val="accent1"/>
+          </a:effectRef>
+          <a:fontRef idx="minor">
+            <a:schemeClr val="lt1"/>
+          </a:fontRef>
+        </p:style>
+        <p:txBody>
+          <a:bodyPr rtlCol="0" anchor="ctr"/>
+          <a:lstStyle/>
+          <a:p>
+            <a:pPr algn="ctr"/>
+            <a:endParaRPr lang="ko-KR" altLang="en-US">
+              <a:solidFill>
+                <a:schemeClr val="bg1"/>
+              </a:solidFill>
+              <a:latin typeface="나눔스퀘어 Bold" panose="020B0600000101010101" pitchFamily="50" charset="-127"/>
+              <a:ea typeface="나눔스퀘어 Bold" panose="020B0600000101010101" pitchFamily="50" charset="-127"/>
+            </a:endParaRPr>
+          </a:p>
+        </p:txBody>
+      </p:sp>
+      <p:sp>
+        <p:nvSpPr>
+          <p:cNvPr id="15" name="TextBox 14">
+            <a:extLst>
+              <a:ext uri="{FF2B5EF4-FFF2-40B4-BE49-F238E27FC236}">
+                <a16:creationId xmlns:a16="http://schemas.microsoft.com/office/drawing/2014/main" id="{879BEBEF-BB32-495D-9918-B4EE51D6F96F}"/>
+              </a:ext>
+            </a:extLst>
+          </p:cNvPr>
+          <p:cNvSpPr txBox="1"/>
+          <p:nvPr/>
+        </p:nvSpPr>
+        <p:spPr>
+          <a:xfrm>
+            <a:off x="5429439" y="4054556"/>
+            <a:ext cx="372218" cy="461665"/>
+          </a:xfrm>
+          <a:prstGeom prst="rect">
+            <a:avLst/>
+          </a:prstGeom>
+          <a:solidFill>
+            <a:schemeClr val="accent6"/>
+          </a:solidFill>
+        </p:spPr>
+        <p:txBody>
+          <a:bodyPr wrap="none" rtlCol="0">
+            <a:spAutoFit/>
+          </a:bodyPr>
+          <a:lstStyle/>
+          <a:p>
+            <a:pPr algn="ctr"/>
+            <a:r>
+              <a:rPr lang="pt-BR" altLang="ko-KR" sz="2400" b="1" dirty="0" smtClean="0">
+                <a:solidFill>
+                  <a:schemeClr val="bg1"/>
+                </a:solidFill>
+                <a:latin typeface="나눔스퀘어 Bold" panose="020B0600000101010101" pitchFamily="50" charset="-127"/>
+                <a:ea typeface="나눔스퀘어 Bold" panose="020B0600000101010101" pitchFamily="50" charset="-127"/>
+              </a:rPr>
+              <a:t>3</a:t>
+            </a:r>
+            <a:endParaRPr lang="ko-KR" altLang="en-US" sz="2400" b="1" dirty="0">
+              <a:solidFill>
+                <a:schemeClr val="bg1"/>
+              </a:solidFill>
+              <a:latin typeface="나눔스퀘어 Bold" panose="020B0600000101010101" pitchFamily="50" charset="-127"/>
+              <a:ea typeface="나눔스퀘어 Bold" panose="020B0600000101010101" pitchFamily="50" charset="-127"/>
+            </a:endParaRPr>
+          </a:p>
+        </p:txBody>
+      </p:sp>
+      <p:sp>
+        <p:nvSpPr>
+          <p:cNvPr id="16" name="직사각형 15">
+            <a:extLst>
+              <a:ext uri="{FF2B5EF4-FFF2-40B4-BE49-F238E27FC236}">
+                <a16:creationId xmlns:a16="http://schemas.microsoft.com/office/drawing/2014/main" id="{83736D5E-B24B-4A59-B211-09F24DBA53E5}"/>
+              </a:ext>
+            </a:extLst>
+          </p:cNvPr>
+          <p:cNvSpPr/>
+          <p:nvPr/>
+        </p:nvSpPr>
+        <p:spPr>
+          <a:xfrm>
+            <a:off x="6335143" y="4044088"/>
+            <a:ext cx="482600" cy="482600"/>
+          </a:xfrm>
+          <a:prstGeom prst="rect">
+            <a:avLst/>
+          </a:prstGeom>
+          <a:solidFill>
+            <a:schemeClr val="accent6"/>
+          </a:solidFill>
+          <a:ln>
+            <a:noFill/>
+          </a:ln>
+        </p:spPr>
+        <p:style>
+          <a:lnRef idx="2">
+            <a:schemeClr val="accent1">
+              <a:shade val="50000"/>
+            </a:schemeClr>
+          </a:lnRef>
+          <a:fillRef idx="1">
+            <a:schemeClr val="accent1"/>
+          </a:fillRef>
+          <a:effectRef idx="0">
+            <a:schemeClr val="accent1"/>
+          </a:effectRef>
+          <a:fontRef idx="minor">
+            <a:schemeClr val="lt1"/>
+          </a:fontRef>
+        </p:style>
+        <p:txBody>
+          <a:bodyPr rtlCol="0" anchor="ctr"/>
+          <a:lstStyle/>
+          <a:p>
+            <a:pPr algn="ctr"/>
+            <a:endParaRPr lang="ko-KR" altLang="en-US">
+              <a:solidFill>
+                <a:schemeClr val="bg1"/>
+              </a:solidFill>
+              <a:latin typeface="나눔스퀘어 Bold" panose="020B0600000101010101" pitchFamily="50" charset="-127"/>
+              <a:ea typeface="나눔스퀘어 Bold" panose="020B0600000101010101" pitchFamily="50" charset="-127"/>
+            </a:endParaRPr>
+          </a:p>
+        </p:txBody>
+      </p:sp>
+      <p:sp>
+        <p:nvSpPr>
+          <p:cNvPr id="17" name="TextBox 16">
+            <a:extLst>
+              <a:ext uri="{FF2B5EF4-FFF2-40B4-BE49-F238E27FC236}">
+                <a16:creationId xmlns:a16="http://schemas.microsoft.com/office/drawing/2014/main" id="{65918D4C-EF55-48CF-A5E6-51C42F2EDA8A}"/>
+              </a:ext>
+            </a:extLst>
+          </p:cNvPr>
+          <p:cNvSpPr txBox="1"/>
+          <p:nvPr/>
+        </p:nvSpPr>
+        <p:spPr>
+          <a:xfrm>
+            <a:off x="6394793" y="4054555"/>
+            <a:ext cx="372218" cy="461665"/>
+          </a:xfrm>
+          <a:prstGeom prst="rect">
+            <a:avLst/>
+          </a:prstGeom>
+          <a:solidFill>
+            <a:schemeClr val="accent6"/>
+          </a:solidFill>
+        </p:spPr>
+        <p:txBody>
+          <a:bodyPr wrap="none" rtlCol="0">
+            <a:spAutoFit/>
+          </a:bodyPr>
+          <a:lstStyle/>
+          <a:p>
+            <a:pPr algn="r"/>
+            <a:r>
+              <a:rPr lang="pt-BR" altLang="ko-KR" sz="2400" b="1" dirty="0" smtClean="0">
+                <a:solidFill>
+                  <a:schemeClr val="bg1"/>
+                </a:solidFill>
+                <a:latin typeface="나눔스퀘어 Bold" panose="020B0600000101010101" pitchFamily="50" charset="-127"/>
+                <a:ea typeface="나눔스퀘어 Bold" panose="020B0600000101010101" pitchFamily="50" charset="-127"/>
+              </a:rPr>
+              <a:t>4</a:t>
+            </a:r>
+            <a:endParaRPr lang="ko-KR" altLang="en-US" sz="2400" b="1" dirty="0">
+              <a:solidFill>
+                <a:schemeClr val="bg1"/>
+              </a:solidFill>
+              <a:latin typeface="나눔스퀘어 Bold" panose="020B0600000101010101" pitchFamily="50" charset="-127"/>
+              <a:ea typeface="나눔스퀘어 Bold" panose="020B0600000101010101" pitchFamily="50" charset="-127"/>
+            </a:endParaRPr>
+          </a:p>
+        </p:txBody>
+      </p:sp>
+      <p:sp>
+        <p:nvSpPr>
+          <p:cNvPr id="18" name="TextBox 17">
+            <a:extLst>
+              <a:ext uri="{FF2B5EF4-FFF2-40B4-BE49-F238E27FC236}">
+                <a16:creationId xmlns:a16="http://schemas.microsoft.com/office/drawing/2014/main" id="{8543CC96-08E4-4723-992B-C043F638716A}"/>
+              </a:ext>
+            </a:extLst>
+          </p:cNvPr>
+          <p:cNvSpPr txBox="1"/>
+          <p:nvPr/>
+        </p:nvSpPr>
+        <p:spPr>
+          <a:xfrm>
+            <a:off x="1312409" y="1762535"/>
+            <a:ext cx="2000869" cy="507831"/>
+          </a:xfrm>
+          <a:prstGeom prst="rect">
+            <a:avLst/>
+          </a:prstGeom>
+          <a:noFill/>
+        </p:spPr>
+        <p:txBody>
+          <a:bodyPr wrap="none" rtlCol="0">
+            <a:spAutoFit/>
+          </a:bodyPr>
+          <a:lstStyle/>
+          <a:p>
+            <a:pPr marL="285750" indent="-285750">
+              <a:lnSpc>
+                <a:spcPct val="150000"/>
+              </a:lnSpc>
+              <a:buFont typeface="Wingdings" panose="05000000000000000000" pitchFamily="2" charset="2"/>
+              <a:buChar char="§"/>
+            </a:pPr>
+            <a:r>
+              <a:rPr lang="ko-KR" altLang="en-US" dirty="0" smtClean="0">
+                <a:solidFill>
+                  <a:schemeClr val="tx1">
+                    <a:lumMod val="75000"/>
+                    <a:lumOff val="25000"/>
+                  </a:schemeClr>
+                </a:solidFill>
+                <a:latin typeface="나눔스퀘어 Bold" panose="020B0600000101010101" pitchFamily="50" charset="-127"/>
+                <a:ea typeface="나눔스퀘어 Bold" panose="020B0600000101010101" pitchFamily="50" charset="-127"/>
+              </a:rPr>
+              <a:t>블러드 </a:t>
+            </a:r>
+            <a:r>
+              <a:rPr lang="ko-KR" altLang="en-US" dirty="0" err="1" smtClean="0">
+                <a:solidFill>
+                  <a:schemeClr val="tx1">
+                    <a:lumMod val="75000"/>
+                    <a:lumOff val="25000"/>
+                  </a:schemeClr>
+                </a:solidFill>
+                <a:latin typeface="나눔스퀘어 Bold" panose="020B0600000101010101" pitchFamily="50" charset="-127"/>
+                <a:ea typeface="나눔스퀘어 Bold" panose="020B0600000101010101" pitchFamily="50" charset="-127"/>
+              </a:rPr>
+              <a:t>스플래터</a:t>
+            </a:r>
+            <a:endParaRPr lang="en-US" altLang="ko-KR" dirty="0">
+              <a:solidFill>
+                <a:schemeClr val="tx1">
+                  <a:lumMod val="75000"/>
+                  <a:lumOff val="25000"/>
+                </a:schemeClr>
+              </a:solidFill>
+              <a:latin typeface="나눔스퀘어 Bold" panose="020B0600000101010101" pitchFamily="50" charset="-127"/>
+              <a:ea typeface="나눔스퀘어 Bold" panose="020B0600000101010101" pitchFamily="50" charset="-127"/>
+            </a:endParaRPr>
+          </a:p>
+        </p:txBody>
+      </p:sp>
+      <p:sp>
+        <p:nvSpPr>
+          <p:cNvPr id="19" name="TextBox 18">
+            <a:extLst>
+              <a:ext uri="{FF2B5EF4-FFF2-40B4-BE49-F238E27FC236}">
+                <a16:creationId xmlns:a16="http://schemas.microsoft.com/office/drawing/2014/main" id="{E8F80BCC-D580-4DF4-80C8-51DCBEAD1DBA}"/>
+              </a:ext>
+            </a:extLst>
+          </p:cNvPr>
+          <p:cNvSpPr txBox="1"/>
+          <p:nvPr/>
+        </p:nvSpPr>
+        <p:spPr>
+          <a:xfrm>
+            <a:off x="9854649" y="1762535"/>
+            <a:ext cx="989373" cy="467885"/>
+          </a:xfrm>
+          <a:prstGeom prst="rect">
+            <a:avLst/>
+          </a:prstGeom>
+          <a:noFill/>
+        </p:spPr>
+        <p:txBody>
+          <a:bodyPr wrap="none" rtlCol="0">
+            <a:spAutoFit/>
+          </a:bodyPr>
+          <a:lstStyle/>
+          <a:p>
+            <a:pPr marL="285750" indent="-285750" algn="r">
+              <a:lnSpc>
+                <a:spcPct val="150000"/>
+              </a:lnSpc>
+              <a:buFont typeface="Wingdings" panose="05000000000000000000" pitchFamily="2" charset="2"/>
+              <a:buChar char="§"/>
+            </a:pPr>
+            <a:r>
+              <a:rPr lang="en-US" altLang="ko-KR" dirty="0" smtClean="0">
+                <a:solidFill>
+                  <a:schemeClr val="tx1">
+                    <a:lumMod val="75000"/>
+                    <a:lumOff val="25000"/>
+                  </a:schemeClr>
+                </a:solidFill>
+                <a:latin typeface="나눔스퀘어 Bold" panose="020B0600000101010101" pitchFamily="50" charset="-127"/>
+                <a:ea typeface="나눔스퀘어 Bold" panose="020B0600000101010101" pitchFamily="50" charset="-127"/>
+              </a:rPr>
+              <a:t>IOCP</a:t>
+            </a:r>
+            <a:endParaRPr lang="en-US" altLang="ko-KR" dirty="0">
+              <a:solidFill>
+                <a:schemeClr val="tx1">
+                  <a:lumMod val="75000"/>
+                  <a:lumOff val="25000"/>
+                </a:schemeClr>
+              </a:solidFill>
+              <a:latin typeface="나눔스퀘어 Bold" panose="020B0600000101010101" pitchFamily="50" charset="-127"/>
+              <a:ea typeface="나눔스퀘어 Bold" panose="020B0600000101010101" pitchFamily="50" charset="-127"/>
+            </a:endParaRPr>
+          </a:p>
+        </p:txBody>
+      </p:sp>
+      <p:sp>
+        <p:nvSpPr>
+          <p:cNvPr id="20" name="TextBox 19">
+            <a:extLst>
+              <a:ext uri="{FF2B5EF4-FFF2-40B4-BE49-F238E27FC236}">
+                <a16:creationId xmlns:a16="http://schemas.microsoft.com/office/drawing/2014/main" id="{5263B112-C585-4368-8D85-2762D2D3DED4}"/>
+              </a:ext>
+            </a:extLst>
+          </p:cNvPr>
+          <p:cNvSpPr txBox="1"/>
+          <p:nvPr/>
+        </p:nvSpPr>
+        <p:spPr>
+          <a:xfrm>
+            <a:off x="1312409" y="4194800"/>
+            <a:ext cx="1313180" cy="467885"/>
+          </a:xfrm>
+          <a:prstGeom prst="rect">
+            <a:avLst/>
+          </a:prstGeom>
+          <a:noFill/>
+        </p:spPr>
+        <p:txBody>
+          <a:bodyPr wrap="none" rtlCol="0">
+            <a:spAutoFit/>
+          </a:bodyPr>
+          <a:lstStyle/>
+          <a:p>
+            <a:pPr marL="285750" indent="-285750">
+              <a:lnSpc>
+                <a:spcPct val="150000"/>
+              </a:lnSpc>
+              <a:buFont typeface="Wingdings" panose="05000000000000000000" pitchFamily="2" charset="2"/>
+              <a:buChar char="§"/>
+            </a:pPr>
+            <a:r>
+              <a:rPr lang="ko-KR" altLang="en-US" dirty="0" smtClean="0">
+                <a:latin typeface="나눔스퀘어 Bold" panose="020B0600000101010101" pitchFamily="50" charset="-127"/>
+                <a:ea typeface="나눔스퀘어 Bold" panose="020B0600000101010101" pitchFamily="50" charset="-127"/>
+              </a:rPr>
+              <a:t>인공지능</a:t>
+            </a:r>
+            <a:endParaRPr lang="en-US" altLang="ko-KR" dirty="0">
+              <a:latin typeface="나눔스퀘어 Bold" panose="020B0600000101010101" pitchFamily="50" charset="-127"/>
+              <a:ea typeface="나눔스퀘어 Bold" panose="020B0600000101010101" pitchFamily="50" charset="-127"/>
+            </a:endParaRPr>
+          </a:p>
+        </p:txBody>
+      </p:sp>
+      <p:sp>
+        <p:nvSpPr>
+          <p:cNvPr id="21" name="TextBox 20">
+            <a:extLst>
+              <a:ext uri="{FF2B5EF4-FFF2-40B4-BE49-F238E27FC236}">
+                <a16:creationId xmlns:a16="http://schemas.microsoft.com/office/drawing/2014/main" id="{F0C170C3-E897-4662-ADB7-13E4EABE2049}"/>
+              </a:ext>
+            </a:extLst>
+          </p:cNvPr>
+          <p:cNvSpPr txBox="1"/>
+          <p:nvPr/>
+        </p:nvSpPr>
+        <p:spPr>
+          <a:xfrm>
+            <a:off x="9263141" y="4194800"/>
+            <a:ext cx="1580881" cy="467885"/>
+          </a:xfrm>
+          <a:prstGeom prst="rect">
+            <a:avLst/>
+          </a:prstGeom>
+          <a:noFill/>
+        </p:spPr>
+        <p:txBody>
+          <a:bodyPr wrap="none" rtlCol="0">
+            <a:spAutoFit/>
+          </a:bodyPr>
+          <a:lstStyle/>
+          <a:p>
+            <a:pPr marL="285750" indent="-285750" algn="r">
+              <a:lnSpc>
+                <a:spcPct val="150000"/>
+              </a:lnSpc>
+              <a:buFont typeface="Wingdings" panose="05000000000000000000" pitchFamily="2" charset="2"/>
+              <a:buChar char="§"/>
+            </a:pPr>
+            <a:r>
+              <a:rPr lang="ko-KR" altLang="en-US" dirty="0" smtClean="0">
+                <a:latin typeface="나눔스퀘어 Bold" panose="020B0600000101010101" pitchFamily="50" charset="-127"/>
+                <a:ea typeface="나눔스퀘어 Bold" panose="020B0600000101010101" pitchFamily="50" charset="-127"/>
+              </a:rPr>
+              <a:t>렌더링 기법</a:t>
+            </a:r>
+            <a:endParaRPr lang="en-US" altLang="ko-KR" dirty="0">
+              <a:latin typeface="나눔스퀘어 Bold" panose="020B0600000101010101" pitchFamily="50" charset="-127"/>
+              <a:ea typeface="나눔스퀘어 Bold" panose="020B0600000101010101" pitchFamily="50" charset="-127"/>
+            </a:endParaRPr>
+          </a:p>
+        </p:txBody>
+      </p:sp>
+    </p:spTree>
+    <p:extLst>
+      <p:ext uri="{BB962C8B-B14F-4D97-AF65-F5344CB8AC3E}">
+        <p14:creationId xmlns:p14="http://schemas.microsoft.com/office/powerpoint/2010/main" val="780179602"/>
+      </p:ext>
+    </p:extLst>
+  </p:cSld>
+  <p:clrMapOvr>
+    <a:masterClrMapping/>
+  </p:clrMapOvr>
+  <mc:AlternateContent xmlns:mc="http://schemas.openxmlformats.org/markup-compatibility/2006">
+    <mc:Choice xmlns:p159="http://schemas.microsoft.com/office/powerpoint/2015/09/main" xmlns="" Requires="p159">
+      <p:transition xmlns:p14="http://schemas.microsoft.com/office/powerpoint/2010/main" spd="slow" p14:dur="2000">
+        <p159:morph option="byObject"/>
+      </p:transition>
+    </mc:Choice>
+    <mc:Fallback>
+      <p:transition spd="slow">
+        <p:fade/>
+      </p:transition>
+    </mc:Fallback>
+  </mc:AlternateContent>
+</p:sld>
+</file>
+
+<file path=ppt/slides/slide6.xml><?xml version="1.0" encoding="utf-8"?>
+<p:sld xmlns:a="http://schemas.openxmlformats.org/drawingml/2006/main" xmlns:r="http://schemas.openxmlformats.org/officeDocument/2006/relationships" xmlns:p="http://schemas.openxmlformats.org/presentationml/2006/main">
+  <p:cSld>
+    <p:spTree>
+      <p:nvGrpSpPr>
+        <p:cNvPr id="1" name=""/>
+        <p:cNvGrpSpPr/>
+        <p:nvPr/>
+      </p:nvGrpSpPr>
+      <p:grpSpPr>
+        <a:xfrm>
+          <a:off x="0" y="0"/>
+          <a:ext cx="0" cy="0"/>
+          <a:chOff x="0" y="0"/>
+          <a:chExt cx="0" cy="0"/>
+        </a:xfrm>
+      </p:grpSpPr>
+      <p:cxnSp>
+        <p:nvCxnSpPr>
+          <p:cNvPr id="3" name="직선 연결선 2">
+            <a:extLst>
+              <a:ext uri="{FF2B5EF4-FFF2-40B4-BE49-F238E27FC236}">
+                <a16:creationId xmlns:a16="http://schemas.microsoft.com/office/drawing/2014/main" id="{1FF04A19-8950-44A5-80E9-5A06E7DA23BE}"/>
+              </a:ext>
+            </a:extLst>
+          </p:cNvPr>
+          <p:cNvCxnSpPr/>
+          <p:nvPr/>
+        </p:nvCxnSpPr>
+        <p:spPr>
+          <a:xfrm>
+            <a:off x="0" y="831273"/>
+            <a:ext cx="12192000" cy="2731"/>
+          </a:xfrm>
+          <a:prstGeom prst="line">
+            <a:avLst/>
+          </a:prstGeom>
+          <a:ln>
+            <a:solidFill>
+              <a:schemeClr val="accent6"/>
+            </a:solidFill>
+          </a:ln>
+        </p:spPr>
+        <p:style>
+          <a:lnRef idx="1">
+            <a:schemeClr val="accent1"/>
+          </a:lnRef>
+          <a:fillRef idx="0">
+            <a:schemeClr val="accent1"/>
+          </a:fillRef>
+          <a:effectRef idx="0">
+            <a:schemeClr val="accent1"/>
+          </a:effectRef>
+          <a:fontRef idx="minor">
+            <a:schemeClr val="tx1"/>
+          </a:fontRef>
+        </p:style>
+      </p:cxnSp>
+      <p:sp>
+        <p:nvSpPr>
+          <p:cNvPr id="4" name="TextBox 3">
+            <a:extLst>
+              <a:ext uri="{FF2B5EF4-FFF2-40B4-BE49-F238E27FC236}">
+                <a16:creationId xmlns:a16="http://schemas.microsoft.com/office/drawing/2014/main" id="{243C702B-3426-41BD-9FAE-31F746E5D0B6}"/>
+              </a:ext>
+            </a:extLst>
+          </p:cNvPr>
+          <p:cNvSpPr txBox="1"/>
+          <p:nvPr/>
+        </p:nvSpPr>
+        <p:spPr>
+          <a:xfrm>
+            <a:off x="449179" y="63798"/>
+            <a:ext cx="746423" cy="307777"/>
+          </a:xfrm>
+          <a:prstGeom prst="rect">
+            <a:avLst/>
+          </a:prstGeom>
+          <a:noFill/>
+        </p:spPr>
+        <p:txBody>
+          <a:bodyPr wrap="none" rtlCol="0">
+            <a:spAutoFit/>
+          </a:bodyPr>
+          <a:lstStyle/>
+          <a:p>
+            <a:r>
+              <a:rPr lang="en-US" altLang="ko-KR" sz="1400" dirty="0">
+                <a:solidFill>
+                  <a:schemeClr val="accent6">
+                    <a:lumMod val="50000"/>
+                  </a:schemeClr>
+                </a:solidFill>
+                <a:latin typeface="나눔스퀘어 Bold" panose="020B0600000101010101" pitchFamily="50" charset="-127"/>
+                <a:ea typeface="나눔스퀘어 Bold" panose="020B0600000101010101" pitchFamily="50" charset="-127"/>
+              </a:rPr>
+              <a:t>Part </a:t>
+            </a:r>
+            <a:r>
+              <a:rPr lang="en-US" altLang="ko-KR" sz="1400" dirty="0" smtClean="0">
+                <a:solidFill>
+                  <a:schemeClr val="accent6">
+                    <a:lumMod val="50000"/>
+                  </a:schemeClr>
+                </a:solidFill>
+                <a:latin typeface="나눔스퀘어 Bold" panose="020B0600000101010101" pitchFamily="50" charset="-127"/>
+                <a:ea typeface="나눔스퀘어 Bold" panose="020B0600000101010101" pitchFamily="50" charset="-127"/>
+              </a:rPr>
+              <a:t>8,</a:t>
+            </a:r>
+            <a:endParaRPr lang="ko-KR" altLang="en-US" sz="1400" dirty="0">
+              <a:solidFill>
+                <a:schemeClr val="accent6">
+                  <a:lumMod val="50000"/>
+                </a:schemeClr>
+              </a:solidFill>
+              <a:latin typeface="나눔스퀘어 Bold" panose="020B0600000101010101" pitchFamily="50" charset="-127"/>
+              <a:ea typeface="나눔스퀘어 Bold" panose="020B0600000101010101" pitchFamily="50" charset="-127"/>
+            </a:endParaRPr>
+          </a:p>
+        </p:txBody>
+      </p:sp>
+      <p:sp>
+        <p:nvSpPr>
+          <p:cNvPr id="5" name="TextBox 4">
+            <a:extLst>
+              <a:ext uri="{FF2B5EF4-FFF2-40B4-BE49-F238E27FC236}">
+                <a16:creationId xmlns:a16="http://schemas.microsoft.com/office/drawing/2014/main" id="{1411476D-DF3F-4F30-A9AB-21B405D99E03}"/>
+              </a:ext>
+            </a:extLst>
+          </p:cNvPr>
+          <p:cNvSpPr txBox="1"/>
+          <p:nvPr/>
+        </p:nvSpPr>
+        <p:spPr>
+          <a:xfrm>
+            <a:off x="449179" y="286511"/>
+            <a:ext cx="1383712" cy="461665"/>
+          </a:xfrm>
+          <a:prstGeom prst="rect">
+            <a:avLst/>
+          </a:prstGeom>
+          <a:noFill/>
+        </p:spPr>
+        <p:txBody>
+          <a:bodyPr wrap="none" rtlCol="0">
+            <a:spAutoFit/>
+          </a:bodyPr>
+          <a:lstStyle/>
+          <a:p>
+            <a:r>
+              <a:rPr lang="ko-KR" altLang="en-US" sz="2400" dirty="0" smtClean="0">
+                <a:solidFill>
+                  <a:schemeClr val="accent6">
+                    <a:lumMod val="50000"/>
+                  </a:schemeClr>
+                </a:solidFill>
+                <a:latin typeface="나눔스퀘어 Bold" panose="020B0600000101010101" pitchFamily="50" charset="-127"/>
+                <a:ea typeface="나눔스퀘어 Bold" panose="020B0600000101010101" pitchFamily="50" charset="-127"/>
+              </a:rPr>
+              <a:t>참고 문헌</a:t>
+            </a:r>
+            <a:endParaRPr lang="ko-KR" altLang="en-US" sz="2400" dirty="0">
+              <a:solidFill>
+                <a:schemeClr val="accent6">
+                  <a:lumMod val="50000"/>
+                </a:schemeClr>
+              </a:solidFill>
+              <a:latin typeface="나눔스퀘어 Bold" panose="020B0600000101010101" pitchFamily="50" charset="-127"/>
+              <a:ea typeface="나눔스퀘어 Bold" panose="020B0600000101010101" pitchFamily="50" charset="-127"/>
+            </a:endParaRPr>
+          </a:p>
+        </p:txBody>
+      </p:sp>
+    </p:spTree>
+    <p:extLst>
+      <p:ext uri="{BB962C8B-B14F-4D97-AF65-F5344CB8AC3E}">
+        <p14:creationId xmlns:p14="http://schemas.microsoft.com/office/powerpoint/2010/main" val="389239850"/>
+      </p:ext>
+    </p:extLst>
+  </p:cSld>
+  <p:clrMapOvr>
+    <a:masterClrMapping/>
+  </p:clrMapOvr>
+  <mc:AlternateContent xmlns:mc="http://schemas.openxmlformats.org/markup-compatibility/2006">
+    <mc:Choice xmlns:p159="http://schemas.microsoft.com/office/powerpoint/2015/09/main" xmlns="" Requires="p159">
+      <p:transition xmlns:p14="http://schemas.microsoft.com/office/powerpoint/2010/main" spd="slow" p14:dur="2000">
+        <p159:morph option="byObject"/>
+      </p:transition>
+    </mc:Choice>
+    <mc:Fallback>
+      <p:transition spd="slow">
+        <p:fade/>
+      </p:transition>
+    </mc:Fallback>
+  </mc:AlternateContent>
 </p:sld>
 </file>
 
@@ -5534,4 +9206,265 @@
     </a:ext>
   </a:extLst>
 </a:theme>
+</file>
+
+<file path=ppt/theme/theme2.xml><?xml version="1.0" encoding="utf-8"?>
+<a:theme xmlns:a="http://schemas.openxmlformats.org/drawingml/2006/main" name="Office 테마">
+  <a:themeElements>
+    <a:clrScheme name="Office">
+      <a:dk1>
+        <a:sysClr val="windowText" lastClr="000000"/>
+      </a:dk1>
+      <a:lt1>
+        <a:sysClr val="window" lastClr="FFFFFF"/>
+      </a:lt1>
+      <a:dk2>
+        <a:srgbClr val="44546A"/>
+      </a:dk2>
+      <a:lt2>
+        <a:srgbClr val="E7E6E6"/>
+      </a:lt2>
+      <a:accent1>
+        <a:srgbClr val="5B9BD5"/>
+      </a:accent1>
+      <a:accent2>
+        <a:srgbClr val="ED7D31"/>
+      </a:accent2>
+      <a:accent3>
+        <a:srgbClr val="A5A5A5"/>
+      </a:accent3>
+      <a:accent4>
+        <a:srgbClr val="FFC000"/>
+      </a:accent4>
+      <a:accent5>
+        <a:srgbClr val="4472C4"/>
+      </a:accent5>
+      <a:accent6>
+        <a:srgbClr val="70AD47"/>
+      </a:accent6>
+      <a:hlink>
+        <a:srgbClr val="0563C1"/>
+      </a:hlink>
+      <a:folHlink>
+        <a:srgbClr val="954F72"/>
+      </a:folHlink>
+    </a:clrScheme>
+    <a:fontScheme name="Office">
+      <a:majorFont>
+        <a:latin typeface="맑은 고딕" panose="020F0302020204030204"/>
+        <a:ea typeface=""/>
+        <a:cs typeface=""/>
+        <a:font script="Jpan" typeface="游ゴシック Light"/>
+        <a:font script="Hang" typeface="맑은 고딕"/>
+        <a:font script="Hans" typeface="等线 Light"/>
+        <a:font script="Hant" typeface="新細明體"/>
+        <a:font script="Arab" typeface="Times New Roman"/>
+        <a:font script="Hebr" typeface="Times New Roman"/>
+        <a:font script="Thai" typeface="Angsana New"/>
+        <a:font script="Ethi" typeface="Nyala"/>
+        <a:font script="Beng" typeface="Vrinda"/>
+        <a:font script="Gujr" typeface="Shruti"/>
+        <a:font script="Khmr" typeface="MoolBoran"/>
+        <a:font script="Knda" typeface="Tunga"/>
+        <a:font script="Guru" typeface="Raavi"/>
+        <a:font script="Cans" typeface="Euphemia"/>
+        <a:font script="Cher" typeface="Plantagenet Cherokee"/>
+        <a:font script="Yiii" typeface="Microsoft Yi Baiti"/>
+        <a:font script="Tibt" typeface="Microsoft Himalaya"/>
+        <a:font script="Thaa" typeface="MV Boli"/>
+        <a:font script="Deva" typeface="Mangal"/>
+        <a:font script="Telu" typeface="Gautami"/>
+        <a:font script="Taml" typeface="Latha"/>
+        <a:font script="Syrc" typeface="Estrangelo Edessa"/>
+        <a:font script="Orya" typeface="Kalinga"/>
+        <a:font script="Mlym" typeface="Kartika"/>
+        <a:font script="Laoo" typeface="DokChampa"/>
+        <a:font script="Sinh" typeface="Iskoola Pota"/>
+        <a:font script="Mong" typeface="Mongolian Baiti"/>
+        <a:font script="Viet" typeface="Times New Roman"/>
+        <a:font script="Uigh" typeface="Microsoft Uighur"/>
+        <a:font script="Geor" typeface="Sylfaen"/>
+      </a:majorFont>
+      <a:minorFont>
+        <a:latin typeface="맑은 고딕" panose="020F0502020204030204"/>
+        <a:ea typeface=""/>
+        <a:cs typeface=""/>
+        <a:font script="Jpan" typeface="游ゴシック"/>
+        <a:font script="Hang" typeface="맑은 고딕"/>
+        <a:font script="Hans" typeface="等线"/>
+        <a:font script="Hant" typeface="新細明體"/>
+        <a:font script="Arab" typeface="Arial"/>
+        <a:font script="Hebr" typeface="Arial"/>
+        <a:font script="Thai" typeface="Cordia New"/>
+        <a:font script="Ethi" typeface="Nyala"/>
+        <a:font script="Beng" typeface="Vrinda"/>
+        <a:font script="Gujr" typeface="Shruti"/>
+        <a:font script="Khmr" typeface="DaunPenh"/>
+        <a:font script="Knda" typeface="Tunga"/>
+        <a:font script="Guru" typeface="Raavi"/>
+        <a:font script="Cans" typeface="Euphemia"/>
+        <a:font script="Cher" typeface="Plantagenet Cherokee"/>
+        <a:font script="Yiii" typeface="Microsoft Yi Baiti"/>
+        <a:font script="Tibt" typeface="Microsoft Himalaya"/>
+        <a:font script="Thaa" typeface="MV Boli"/>
+        <a:font script="Deva" typeface="Mangal"/>
+        <a:font script="Telu" typeface="Gautami"/>
+        <a:font script="Taml" typeface="Latha"/>
+        <a:font script="Syrc" typeface="Estrangelo Edessa"/>
+        <a:font script="Orya" typeface="Kalinga"/>
+        <a:font script="Mlym" typeface="Kartika"/>
+        <a:font script="Laoo" typeface="DokChampa"/>
+        <a:font script="Sinh" typeface="Iskoola Pota"/>
+        <a:font script="Mong" typeface="Mongolian Baiti"/>
+        <a:font script="Viet" typeface="Arial"/>
+        <a:font script="Uigh" typeface="Microsoft Uighur"/>
+        <a:font script="Geor" typeface="Sylfaen"/>
+      </a:minorFont>
+    </a:fontScheme>
+    <a:fmtScheme name="Office">
+      <a:fillStyleLst>
+        <a:solidFill>
+          <a:schemeClr val="phClr"/>
+        </a:solidFill>
+        <a:gradFill rotWithShape="1">
+          <a:gsLst>
+            <a:gs pos="0">
+              <a:schemeClr val="phClr">
+                <a:lumMod val="110000"/>
+                <a:satMod val="105000"/>
+                <a:tint val="67000"/>
+              </a:schemeClr>
+            </a:gs>
+            <a:gs pos="50000">
+              <a:schemeClr val="phClr">
+                <a:lumMod val="105000"/>
+                <a:satMod val="103000"/>
+                <a:tint val="73000"/>
+              </a:schemeClr>
+            </a:gs>
+            <a:gs pos="100000">
+              <a:schemeClr val="phClr">
+                <a:lumMod val="105000"/>
+                <a:satMod val="109000"/>
+                <a:tint val="81000"/>
+              </a:schemeClr>
+            </a:gs>
+          </a:gsLst>
+          <a:lin ang="5400000" scaled="0"/>
+        </a:gradFill>
+        <a:gradFill rotWithShape="1">
+          <a:gsLst>
+            <a:gs pos="0">
+              <a:schemeClr val="phClr">
+                <a:satMod val="103000"/>
+                <a:lumMod val="102000"/>
+                <a:tint val="94000"/>
+              </a:schemeClr>
+            </a:gs>
+            <a:gs pos="50000">
+              <a:schemeClr val="phClr">
+                <a:satMod val="110000"/>
+                <a:lumMod val="100000"/>
+                <a:shade val="100000"/>
+              </a:schemeClr>
+            </a:gs>
+            <a:gs pos="100000">
+              <a:schemeClr val="phClr">
+                <a:lumMod val="99000"/>
+                <a:satMod val="120000"/>
+                <a:shade val="78000"/>
+              </a:schemeClr>
+            </a:gs>
+          </a:gsLst>
+          <a:lin ang="5400000" scaled="0"/>
+        </a:gradFill>
+      </a:fillStyleLst>
+      <a:lnStyleLst>
+        <a:ln w="6350" cap="flat" cmpd="sng" algn="ctr">
+          <a:solidFill>
+            <a:schemeClr val="phClr"/>
+          </a:solidFill>
+          <a:prstDash val="solid"/>
+          <a:miter lim="800000"/>
+        </a:ln>
+        <a:ln w="12700" cap="flat" cmpd="sng" algn="ctr">
+          <a:solidFill>
+            <a:schemeClr val="phClr"/>
+          </a:solidFill>
+          <a:prstDash val="solid"/>
+          <a:miter lim="800000"/>
+        </a:ln>
+        <a:ln w="19050" cap="flat" cmpd="sng" algn="ctr">
+          <a:solidFill>
+            <a:schemeClr val="phClr"/>
+          </a:solidFill>
+          <a:prstDash val="solid"/>
+          <a:miter lim="800000"/>
+        </a:ln>
+      </a:lnStyleLst>
+      <a:effectStyleLst>
+        <a:effectStyle>
+          <a:effectLst/>
+        </a:effectStyle>
+        <a:effectStyle>
+          <a:effectLst/>
+        </a:effectStyle>
+        <a:effectStyle>
+          <a:effectLst>
+            <a:outerShdw blurRad="57150" dist="19050" dir="5400000" algn="ctr" rotWithShape="0">
+              <a:srgbClr val="000000">
+                <a:alpha val="63000"/>
+              </a:srgbClr>
+            </a:outerShdw>
+          </a:effectLst>
+        </a:effectStyle>
+      </a:effectStyleLst>
+      <a:bgFillStyleLst>
+        <a:solidFill>
+          <a:schemeClr val="phClr"/>
+        </a:solidFill>
+        <a:solidFill>
+          <a:schemeClr val="phClr">
+            <a:tint val="95000"/>
+            <a:satMod val="170000"/>
+          </a:schemeClr>
+        </a:solidFill>
+        <a:gradFill rotWithShape="1">
+          <a:gsLst>
+            <a:gs pos="0">
+              <a:schemeClr val="phClr">
+                <a:tint val="93000"/>
+                <a:satMod val="150000"/>
+                <a:shade val="98000"/>
+                <a:lumMod val="102000"/>
+              </a:schemeClr>
+            </a:gs>
+            <a:gs pos="50000">
+              <a:schemeClr val="phClr">
+                <a:tint val="98000"/>
+                <a:satMod val="130000"/>
+                <a:shade val="90000"/>
+                <a:lumMod val="103000"/>
+              </a:schemeClr>
+            </a:gs>
+            <a:gs pos="100000">
+              <a:schemeClr val="phClr">
+                <a:shade val="63000"/>
+                <a:satMod val="120000"/>
+              </a:schemeClr>
+            </a:gs>
+          </a:gsLst>
+          <a:lin ang="5400000" scaled="0"/>
+        </a:gradFill>
+      </a:bgFillStyleLst>
+    </a:fmtScheme>
+  </a:themeElements>
+  <a:objectDefaults/>
+  <a:extraClrSchemeLst/>
+  <a:extLst>
+    <a:ext uri="{05A4C25C-085E-4340-85A3-A5531E510DB2}">
+      <thm15:themeFamily xmlns:thm15="http://schemas.microsoft.com/office/thememl/2012/main" name="Office Theme" id="{62F939B6-93AF-4DB8-9C6B-D6C7DFDC589F}" vid="{4A3C46E8-61CC-4603-A589-7422A47A8E4A}"/>
+    </a:ext>
+  </a:extLst>
+</a:theme>
 </file>
--- a/docs/초안.pptx
+++ b/docs/초안.pptx
@@ -5,15 +5,17 @@
     <p:sldMasterId id="2147483648" r:id="rId1"/>
   </p:sldMasterIdLst>
   <p:notesMasterIdLst>
-    <p:notesMasterId r:id="rId8"/>
+    <p:notesMasterId r:id="rId10"/>
   </p:notesMasterIdLst>
   <p:sldIdLst>
     <p:sldId id="257" r:id="rId2"/>
     <p:sldId id="269" r:id="rId3"/>
     <p:sldId id="270" r:id="rId4"/>
-    <p:sldId id="271" r:id="rId5"/>
-    <p:sldId id="272" r:id="rId6"/>
-    <p:sldId id="273" r:id="rId7"/>
+    <p:sldId id="275" r:id="rId5"/>
+    <p:sldId id="274" r:id="rId6"/>
+    <p:sldId id="271" r:id="rId7"/>
+    <p:sldId id="272" r:id="rId8"/>
+    <p:sldId id="273" r:id="rId9"/>
   </p:sldIdLst>
   <p:sldSz cx="12192000" cy="6858000"/>
   <p:notesSz cx="6858000" cy="9144000"/>
@@ -546,7 +548,7 @@
           <a:p>
             <a:fld id="{48640483-BDD4-43AA-89BC-719DE7BB9FCE}" type="slidenum">
               <a:rPr lang="ko-KR" altLang="en-US" smtClean="0"/>
-              <a:t>4</a:t>
+              <a:t>6</a:t>
             </a:fld>
             <a:endParaRPr lang="ko-KR" altLang="en-US"/>
           </a:p>
@@ -630,7 +632,7 @@
           <a:p>
             <a:fld id="{48640483-BDD4-43AA-89BC-719DE7BB9FCE}" type="slidenum">
               <a:rPr lang="ko-KR" altLang="en-US" smtClean="0"/>
-              <a:t>5</a:t>
+              <a:t>7</a:t>
             </a:fld>
             <a:endParaRPr lang="ko-KR" altLang="en-US"/>
           </a:p>
@@ -867,7 +869,7 @@
     <a:masterClrMapping/>
   </p:clrMapOvr>
   <mc:AlternateContent xmlns:mc="http://schemas.openxmlformats.org/markup-compatibility/2006">
-    <mc:Choice xmlns="" xmlns:p159="http://schemas.microsoft.com/office/powerpoint/2015/09/main" Requires="p159">
+    <mc:Choice xmlns:p159="http://schemas.microsoft.com/office/powerpoint/2015/09/main" xmlns="" Requires="p159">
       <p:transition xmlns:p14="http://schemas.microsoft.com/office/powerpoint/2010/main" spd="slow" p14:dur="2000">
         <p159:morph option="byObject"/>
       </p:transition>
@@ -1077,7 +1079,7 @@
     <a:masterClrMapping/>
   </p:clrMapOvr>
   <mc:AlternateContent xmlns:mc="http://schemas.openxmlformats.org/markup-compatibility/2006">
-    <mc:Choice xmlns="" xmlns:p159="http://schemas.microsoft.com/office/powerpoint/2015/09/main" Requires="p159">
+    <mc:Choice xmlns:p159="http://schemas.microsoft.com/office/powerpoint/2015/09/main" xmlns="" Requires="p159">
       <p:transition xmlns:p14="http://schemas.microsoft.com/office/powerpoint/2010/main" spd="slow" p14:dur="2000">
         <p159:morph option="byObject"/>
       </p:transition>
@@ -1297,7 +1299,7 @@
     <a:masterClrMapping/>
   </p:clrMapOvr>
   <mc:AlternateContent xmlns:mc="http://schemas.openxmlformats.org/markup-compatibility/2006">
-    <mc:Choice xmlns="" xmlns:p159="http://schemas.microsoft.com/office/powerpoint/2015/09/main" Requires="p159">
+    <mc:Choice xmlns:p159="http://schemas.microsoft.com/office/powerpoint/2015/09/main" xmlns="" Requires="p159">
       <p:transition xmlns:p14="http://schemas.microsoft.com/office/powerpoint/2010/main" spd="slow" p14:dur="2000">
         <p159:morph option="byObject"/>
       </p:transition>
@@ -1507,7 +1509,7 @@
     <a:masterClrMapping/>
   </p:clrMapOvr>
   <mc:AlternateContent xmlns:mc="http://schemas.openxmlformats.org/markup-compatibility/2006">
-    <mc:Choice xmlns="" xmlns:p159="http://schemas.microsoft.com/office/powerpoint/2015/09/main" Requires="p159">
+    <mc:Choice xmlns:p159="http://schemas.microsoft.com/office/powerpoint/2015/09/main" xmlns="" Requires="p159">
       <p:transition xmlns:p14="http://schemas.microsoft.com/office/powerpoint/2010/main" spd="slow" p14:dur="2000">
         <p159:morph option="byObject"/>
       </p:transition>
@@ -1794,7 +1796,7 @@
     <a:masterClrMapping/>
   </p:clrMapOvr>
   <mc:AlternateContent xmlns:mc="http://schemas.openxmlformats.org/markup-compatibility/2006">
-    <mc:Choice xmlns="" xmlns:p159="http://schemas.microsoft.com/office/powerpoint/2015/09/main" Requires="p159">
+    <mc:Choice xmlns:p159="http://schemas.microsoft.com/office/powerpoint/2015/09/main" xmlns="" Requires="p159">
       <p:transition xmlns:p14="http://schemas.microsoft.com/office/powerpoint/2010/main" spd="slow" p14:dur="2000">
         <p159:morph option="byObject"/>
       </p:transition>
@@ -2071,7 +2073,7 @@
     <a:masterClrMapping/>
   </p:clrMapOvr>
   <mc:AlternateContent xmlns:mc="http://schemas.openxmlformats.org/markup-compatibility/2006">
-    <mc:Choice xmlns="" xmlns:p159="http://schemas.microsoft.com/office/powerpoint/2015/09/main" Requires="p159">
+    <mc:Choice xmlns:p159="http://schemas.microsoft.com/office/powerpoint/2015/09/main" xmlns="" Requires="p159">
       <p:transition xmlns:p14="http://schemas.microsoft.com/office/powerpoint/2010/main" spd="slow" p14:dur="2000">
         <p159:morph option="byObject"/>
       </p:transition>
@@ -2495,7 +2497,7 @@
     <a:masterClrMapping/>
   </p:clrMapOvr>
   <mc:AlternateContent xmlns:mc="http://schemas.openxmlformats.org/markup-compatibility/2006">
-    <mc:Choice xmlns="" xmlns:p159="http://schemas.microsoft.com/office/powerpoint/2015/09/main" Requires="p159">
+    <mc:Choice xmlns:p159="http://schemas.microsoft.com/office/powerpoint/2015/09/main" xmlns="" Requires="p159">
       <p:transition xmlns:p14="http://schemas.microsoft.com/office/powerpoint/2010/main" spd="slow" p14:dur="2000">
         <p159:morph option="byObject"/>
       </p:transition>
@@ -2648,7 +2650,7 @@
     <a:masterClrMapping/>
   </p:clrMapOvr>
   <mc:AlternateContent xmlns:mc="http://schemas.openxmlformats.org/markup-compatibility/2006">
-    <mc:Choice xmlns="" xmlns:p159="http://schemas.microsoft.com/office/powerpoint/2015/09/main" Requires="p159">
+    <mc:Choice xmlns:p159="http://schemas.microsoft.com/office/powerpoint/2015/09/main" xmlns="" Requires="p159">
       <p:transition xmlns:p14="http://schemas.microsoft.com/office/powerpoint/2010/main" spd="slow" p14:dur="2000">
         <p159:morph option="byObject"/>
       </p:transition>
@@ -2773,7 +2775,7 @@
     <a:masterClrMapping/>
   </p:clrMapOvr>
   <mc:AlternateContent xmlns:mc="http://schemas.openxmlformats.org/markup-compatibility/2006">
-    <mc:Choice xmlns="" xmlns:p159="http://schemas.microsoft.com/office/powerpoint/2015/09/main" Requires="p159">
+    <mc:Choice xmlns:p159="http://schemas.microsoft.com/office/powerpoint/2015/09/main" xmlns="" Requires="p159">
       <p:transition xmlns:p14="http://schemas.microsoft.com/office/powerpoint/2010/main" spd="slow" p14:dur="2000">
         <p159:morph option="byObject"/>
       </p:transition>
@@ -3096,7 +3098,7 @@
     <a:masterClrMapping/>
   </p:clrMapOvr>
   <mc:AlternateContent xmlns:mc="http://schemas.openxmlformats.org/markup-compatibility/2006">
-    <mc:Choice xmlns="" xmlns:p159="http://schemas.microsoft.com/office/powerpoint/2015/09/main" Requires="p159">
+    <mc:Choice xmlns:p159="http://schemas.microsoft.com/office/powerpoint/2015/09/main" xmlns="" Requires="p159">
       <p:transition xmlns:p14="http://schemas.microsoft.com/office/powerpoint/2010/main" spd="slow" p14:dur="2000">
         <p159:morph option="byObject"/>
       </p:transition>
@@ -3396,7 +3398,7 @@
     <a:masterClrMapping/>
   </p:clrMapOvr>
   <mc:AlternateContent xmlns:mc="http://schemas.openxmlformats.org/markup-compatibility/2006">
-    <mc:Choice xmlns="" xmlns:p159="http://schemas.microsoft.com/office/powerpoint/2015/09/main" Requires="p159">
+    <mc:Choice xmlns:p159="http://schemas.microsoft.com/office/powerpoint/2015/09/main" xmlns="" Requires="p159">
       <p:transition xmlns:p14="http://schemas.microsoft.com/office/powerpoint/2010/main" spd="slow" p14:dur="2000">
         <p159:morph option="byObject"/>
       </p:transition>
@@ -3696,7 +3698,7 @@
     <p:sldLayoutId id="2147483659" r:id="rId11"/>
   </p:sldLayoutIdLst>
   <mc:AlternateContent xmlns:mc="http://schemas.openxmlformats.org/markup-compatibility/2006">
-    <mc:Choice xmlns="" xmlns:p159="http://schemas.microsoft.com/office/powerpoint/2015/09/main" Requires="p159">
+    <mc:Choice xmlns:p159="http://schemas.microsoft.com/office/powerpoint/2015/09/main" xmlns="" Requires="p159">
       <p:transition xmlns:p14="http://schemas.microsoft.com/office/powerpoint/2010/main" spd="slow" p14:dur="2000">
         <p159:morph option="byObject"/>
       </p:transition>
@@ -4196,7 +4198,7 @@
     <a:masterClrMapping/>
   </p:clrMapOvr>
   <mc:AlternateContent xmlns:mc="http://schemas.openxmlformats.org/markup-compatibility/2006">
-    <mc:Choice xmlns="" xmlns:p159="http://schemas.microsoft.com/office/powerpoint/2015/09/main" Requires="p159">
+    <mc:Choice xmlns:p159="http://schemas.microsoft.com/office/powerpoint/2015/09/main" xmlns="" Requires="p159">
       <p:transition xmlns:p14="http://schemas.microsoft.com/office/powerpoint/2010/main" spd="slow" p14:dur="2000">
         <p159:morph option="byObject"/>
       </p:transition>
@@ -4501,20 +4503,7 @@
                   <a:ea typeface="나눔스퀘어 Bold" panose="020B0600000101010101" pitchFamily="50" charset="-127"/>
                   <a:cs typeface="Adobe Arabic" panose="02040503050201020203" pitchFamily="18" charset="-78"/>
                 </a:rPr>
-                <a:t>연구 </a:t>
-              </a:r>
-              <a:r>
-                <a:rPr lang="ko-KR" altLang="en-US" sz="2400" b="1" dirty="0" smtClean="0">
-                  <a:solidFill>
-                    <a:schemeClr val="tx2">
-                      <a:lumMod val="50000"/>
-                    </a:schemeClr>
-                  </a:solidFill>
-                  <a:latin typeface="나눔스퀘어 Bold" panose="020B0600000101010101" pitchFamily="50" charset="-127"/>
-                  <a:ea typeface="나눔스퀘어 Bold" panose="020B0600000101010101" pitchFamily="50" charset="-127"/>
-                  <a:cs typeface="Adobe Arabic" panose="02040503050201020203" pitchFamily="18" charset="-78"/>
-                </a:rPr>
-                <a:t>목적 </a:t>
+                <a:t>연구 목적 </a:t>
               </a:r>
               <a:r>
                 <a:rPr lang="en-US" altLang="ko-KR" sz="2400" b="1" dirty="0" smtClean="0">
@@ -4713,33 +4702,7 @@
                   <a:ea typeface="나눔스퀘어 Bold" panose="020B0600000101010101" pitchFamily="50" charset="-127"/>
                   <a:cs typeface="Adobe Arabic" panose="02040503050201020203" pitchFamily="18" charset="-78"/>
                 </a:rPr>
-                <a:t>게임 소개 </a:t>
-              </a:r>
-              <a:r>
-                <a:rPr lang="ko-KR" altLang="en-US" sz="2400" b="1" dirty="0" smtClean="0">
-                  <a:solidFill>
-                    <a:schemeClr val="tx2">
-                      <a:lumMod val="50000"/>
-                    </a:schemeClr>
-                  </a:solidFill>
-                  <a:latin typeface="나눔스퀘어 Bold" panose="020B0600000101010101" pitchFamily="50" charset="-127"/>
-                  <a:ea typeface="나눔스퀘어 Bold" panose="020B0600000101010101" pitchFamily="50" charset="-127"/>
-                  <a:cs typeface="Adobe Arabic" panose="02040503050201020203" pitchFamily="18" charset="-78"/>
-                </a:rPr>
-                <a:t>및 </a:t>
-              </a:r>
-              <a:r>
-                <a:rPr lang="ko-KR" altLang="en-US" sz="2400" b="1" dirty="0" smtClean="0">
-                  <a:solidFill>
-                    <a:schemeClr val="tx2">
-                      <a:lumMod val="50000"/>
-                    </a:schemeClr>
-                  </a:solidFill>
-                  <a:latin typeface="나눔스퀘어 Bold" panose="020B0600000101010101" pitchFamily="50" charset="-127"/>
-                  <a:ea typeface="나눔스퀘어 Bold" panose="020B0600000101010101" pitchFamily="50" charset="-127"/>
-                  <a:cs typeface="Adobe Arabic" panose="02040503050201020203" pitchFamily="18" charset="-78"/>
-                </a:rPr>
-                <a:t>방법</a:t>
+                <a:t>게임 소개 및 방법</a:t>
               </a:r>
               <a:endParaRPr lang="ko-KR" altLang="en-US" sz="2400" b="1" dirty="0">
                 <a:solidFill>
@@ -4925,20 +4888,7 @@
                   <a:ea typeface="나눔스퀘어 Bold" panose="020B0600000101010101" pitchFamily="50" charset="-127"/>
                   <a:cs typeface="Adobe Arabic" panose="02040503050201020203" pitchFamily="18" charset="-78"/>
                 </a:rPr>
-                <a:t>개발 </a:t>
-              </a:r>
-              <a:r>
-                <a:rPr lang="ko-KR" altLang="en-US" sz="2400" b="1" dirty="0" smtClean="0">
-                  <a:solidFill>
-                    <a:schemeClr val="tx2">
-                      <a:lumMod val="50000"/>
-                    </a:schemeClr>
-                  </a:solidFill>
-                  <a:latin typeface="나눔스퀘어 Bold" panose="020B0600000101010101" pitchFamily="50" charset="-127"/>
-                  <a:ea typeface="나눔스퀘어 Bold" panose="020B0600000101010101" pitchFamily="50" charset="-127"/>
-                  <a:cs typeface="Adobe Arabic" panose="02040503050201020203" pitchFamily="18" charset="-78"/>
-                </a:rPr>
-                <a:t>환경 </a:t>
+                <a:t>개발 환경 </a:t>
               </a:r>
               <a:r>
                 <a:rPr lang="en-US" altLang="ko-KR" sz="2400" b="1" dirty="0" smtClean="0">
@@ -5137,46 +5087,7 @@
                   <a:ea typeface="나눔스퀘어 Bold" panose="020B0600000101010101" pitchFamily="50" charset="-127"/>
                   <a:cs typeface="Adobe Arabic" panose="02040503050201020203" pitchFamily="18" charset="-78"/>
                 </a:rPr>
-                <a:t>기술적 요소 </a:t>
-              </a:r>
-              <a:r>
-                <a:rPr lang="ko-KR" altLang="en-US" sz="2400" b="1" dirty="0" smtClean="0">
-                  <a:solidFill>
-                    <a:schemeClr val="tx2">
-                      <a:lumMod val="50000"/>
-                    </a:schemeClr>
-                  </a:solidFill>
-                  <a:latin typeface="나눔스퀘어 Bold" panose="020B0600000101010101" pitchFamily="50" charset="-127"/>
-                  <a:ea typeface="나눔스퀘어 Bold" panose="020B0600000101010101" pitchFamily="50" charset="-127"/>
-                  <a:cs typeface="Adobe Arabic" panose="02040503050201020203" pitchFamily="18" charset="-78"/>
-                </a:rPr>
-                <a:t>및 </a:t>
-              </a:r>
-              <a:r>
-                <a:rPr lang="ko-KR" altLang="en-US" sz="2400" b="1" dirty="0" smtClean="0">
-                  <a:solidFill>
-                    <a:schemeClr val="tx2">
-                      <a:lumMod val="50000"/>
-                    </a:schemeClr>
-                  </a:solidFill>
-                  <a:latin typeface="나눔스퀘어 Bold" panose="020B0600000101010101" pitchFamily="50" charset="-127"/>
-                  <a:ea typeface="나눔스퀘어 Bold" panose="020B0600000101010101" pitchFamily="50" charset="-127"/>
-                  <a:cs typeface="Adobe Arabic" panose="02040503050201020203" pitchFamily="18" charset="-78"/>
-                </a:rPr>
-                <a:t>중점 연구 </a:t>
-              </a:r>
-              <a:r>
-                <a:rPr lang="ko-KR" altLang="en-US" sz="2400" b="1" dirty="0" smtClean="0">
-                  <a:solidFill>
-                    <a:schemeClr val="tx2">
-                      <a:lumMod val="50000"/>
-                    </a:schemeClr>
-                  </a:solidFill>
-                  <a:latin typeface="나눔스퀘어 Bold" panose="020B0600000101010101" pitchFamily="50" charset="-127"/>
-                  <a:ea typeface="나눔스퀘어 Bold" panose="020B0600000101010101" pitchFamily="50" charset="-127"/>
-                  <a:cs typeface="Adobe Arabic" panose="02040503050201020203" pitchFamily="18" charset="-78"/>
-                </a:rPr>
-                <a:t>분야 </a:t>
+                <a:t>기술적 요소 및 중점 연구 분야 </a:t>
               </a:r>
               <a:r>
                 <a:rPr lang="en-US" altLang="ko-KR" sz="2400" b="1" dirty="0" smtClean="0">
@@ -5375,20 +5286,7 @@
                   <a:ea typeface="나눔스퀘어 Bold" panose="020B0600000101010101" pitchFamily="50" charset="-127"/>
                   <a:cs typeface="Adobe Arabic" panose="02040503050201020203" pitchFamily="18" charset="-78"/>
                 </a:rPr>
-                <a:t>개인 별 준비 </a:t>
-              </a:r>
-              <a:r>
-                <a:rPr lang="ko-KR" altLang="en-US" sz="2400" b="1" dirty="0" smtClean="0">
-                  <a:solidFill>
-                    <a:schemeClr val="tx2">
-                      <a:lumMod val="50000"/>
-                    </a:schemeClr>
-                  </a:solidFill>
-                  <a:latin typeface="나눔스퀘어 Bold" panose="020B0600000101010101" pitchFamily="50" charset="-127"/>
-                  <a:ea typeface="나눔스퀘어 Bold" panose="020B0600000101010101" pitchFamily="50" charset="-127"/>
-                  <a:cs typeface="Adobe Arabic" panose="02040503050201020203" pitchFamily="18" charset="-78"/>
-                </a:rPr>
-                <a:t>현황 </a:t>
+                <a:t>개인 별 준비 현황 </a:t>
               </a:r>
               <a:r>
                 <a:rPr lang="en-US" altLang="ko-KR" sz="2400" b="1" dirty="0" smtClean="0">
@@ -5773,20 +5671,7 @@
                   <a:ea typeface="나눔스퀘어 Bold" panose="020B0600000101010101" pitchFamily="50" charset="-127"/>
                   <a:cs typeface="Adobe Arabic" panose="02040503050201020203" pitchFamily="18" charset="-78"/>
                 </a:rPr>
-                <a:t>역할 분담 </a:t>
-              </a:r>
-              <a:r>
-                <a:rPr lang="ko-KR" altLang="en-US" sz="2400" b="1" dirty="0" smtClean="0">
-                  <a:solidFill>
-                    <a:schemeClr val="tx2">
-                      <a:lumMod val="50000"/>
-                    </a:schemeClr>
-                  </a:solidFill>
-                  <a:latin typeface="나눔스퀘어 Bold" panose="020B0600000101010101" pitchFamily="50" charset="-127"/>
-                  <a:ea typeface="나눔스퀘어 Bold" panose="020B0600000101010101" pitchFamily="50" charset="-127"/>
-                  <a:cs typeface="Adobe Arabic" panose="02040503050201020203" pitchFamily="18" charset="-78"/>
-                </a:rPr>
-                <a:t>및 일정 </a:t>
+                <a:t>역할 분담 및 일정 </a:t>
               </a:r>
               <a:r>
                 <a:rPr lang="en-US" altLang="ko-KR" sz="2400" b="1" dirty="0" smtClean="0">
@@ -6025,7 +5910,7 @@
     <a:masterClrMapping/>
   </p:clrMapOvr>
   <mc:AlternateContent xmlns:mc="http://schemas.openxmlformats.org/markup-compatibility/2006">
-    <mc:Choice xmlns="" xmlns:p159="http://schemas.microsoft.com/office/powerpoint/2015/09/main" Requires="p159">
+    <mc:Choice xmlns:p159="http://schemas.microsoft.com/office/powerpoint/2015/09/main" xmlns="" Requires="p159">
       <p:transition xmlns:p14="http://schemas.microsoft.com/office/powerpoint/2010/main" spd="slow" p14:dur="2000">
         <p159:morph option="byObject"/>
       </p:transition>
@@ -6279,8 +6164,8 @@
         </p:nvSpPr>
         <p:spPr>
           <a:xfrm>
-            <a:off x="822390" y="2885596"/>
-            <a:ext cx="4181872" cy="1384995"/>
+            <a:off x="822390" y="3618576"/>
+            <a:ext cx="8131110" cy="2308324"/>
           </a:xfrm>
           <a:prstGeom prst="rect">
             <a:avLst/>
@@ -6299,7 +6184,7 @@
               </a:lnSpc>
             </a:pPr>
             <a:r>
-              <a:rPr lang="en-US" altLang="ko-KR" sz="1400" dirty="0" smtClean="0">
+              <a:rPr lang="en-US" altLang="ko-KR" sz="2400" dirty="0" smtClean="0">
                 <a:solidFill>
                   <a:schemeClr val="tx1">
                     <a:lumMod val="75000"/>
@@ -6309,10 +6194,10 @@
                 <a:latin typeface="나눔스퀘어 Bold" panose="020B0600000101010101" pitchFamily="50" charset="-127"/>
                 <a:ea typeface="나눔스퀘어 Bold" panose="020B0600000101010101" pitchFamily="50" charset="-127"/>
               </a:rPr>
-              <a:t>DirectX</a:t>
-            </a:r>
-            <a:r>
-              <a:rPr lang="ko-KR" altLang="en-US" sz="1400" dirty="0" smtClean="0">
+              <a:t>-DirectX</a:t>
+            </a:r>
+            <a:r>
+              <a:rPr lang="ko-KR" altLang="en-US" sz="2400" dirty="0" smtClean="0">
                 <a:solidFill>
                   <a:schemeClr val="tx1">
                     <a:lumMod val="75000"/>
@@ -6324,7 +6209,7 @@
               </a:rPr>
               <a:t>를 이용한 게임 제작</a:t>
             </a:r>
-            <a:endParaRPr lang="en-US" altLang="ko-KR" sz="1400" dirty="0" smtClean="0">
+            <a:endParaRPr lang="en-US" altLang="ko-KR" sz="2400" dirty="0" smtClean="0">
               <a:solidFill>
                 <a:schemeClr val="tx1">
                   <a:lumMod val="75000"/>
@@ -6342,7 +6227,20 @@
               </a:lnSpc>
             </a:pPr>
             <a:r>
-              <a:rPr lang="en-US" altLang="ko-KR" sz="1400" dirty="0" err="1" smtClean="0">
+              <a:rPr lang="en-US" altLang="ko-KR" sz="2400" dirty="0" smtClean="0">
+                <a:solidFill>
+                  <a:schemeClr val="tx1">
+                    <a:lumMod val="75000"/>
+                    <a:lumOff val="25000"/>
+                  </a:schemeClr>
+                </a:solidFill>
+                <a:latin typeface="나눔스퀘어 Bold" panose="020B0600000101010101" pitchFamily="50" charset="-127"/>
+                <a:ea typeface="나눔스퀘어 Bold" panose="020B0600000101010101" pitchFamily="50" charset="-127"/>
+              </a:rPr>
+              <a:t>-</a:t>
+            </a:r>
+            <a:r>
+              <a:rPr lang="en-US" altLang="ko-KR" sz="2400" dirty="0" err="1" smtClean="0">
                 <a:solidFill>
                   <a:schemeClr val="tx1">
                     <a:lumMod val="75000"/>
@@ -6355,7 +6253,7 @@
               <a:t>Git</a:t>
             </a:r>
             <a:r>
-              <a:rPr lang="ko-KR" altLang="en-US" sz="1400" dirty="0" smtClean="0">
+              <a:rPr lang="ko-KR" altLang="en-US" sz="2400" dirty="0" smtClean="0">
                 <a:solidFill>
                   <a:schemeClr val="tx1">
                     <a:lumMod val="75000"/>
@@ -6368,7 +6266,7 @@
               <a:t>을</a:t>
             </a:r>
             <a:r>
-              <a:rPr lang="en-US" altLang="ko-KR" sz="1400" dirty="0" smtClean="0">
+              <a:rPr lang="en-US" altLang="ko-KR" sz="2400" dirty="0" smtClean="0">
                 <a:solidFill>
                   <a:schemeClr val="tx1">
                     <a:lumMod val="75000"/>
@@ -6381,7 +6279,7 @@
               <a:t> </a:t>
             </a:r>
             <a:r>
-              <a:rPr lang="ko-KR" altLang="en-US" sz="1400" dirty="0" smtClean="0">
+              <a:rPr lang="ko-KR" altLang="en-US" sz="2400" dirty="0" smtClean="0">
                 <a:solidFill>
                   <a:schemeClr val="tx1">
                     <a:lumMod val="75000"/>
@@ -6394,7 +6292,7 @@
               <a:t>활용하여 </a:t>
             </a:r>
             <a:r>
-              <a:rPr lang="ko-KR" altLang="en-US" sz="1400" dirty="0" err="1" smtClean="0">
+              <a:rPr lang="ko-KR" altLang="en-US" sz="2400" dirty="0" smtClean="0">
                 <a:solidFill>
                   <a:schemeClr val="tx1">
                     <a:lumMod val="75000"/>
@@ -6404,10 +6302,10 @@
                 <a:latin typeface="나눔스퀘어 Bold" panose="020B0600000101010101" pitchFamily="50" charset="-127"/>
                 <a:ea typeface="나눔스퀘어 Bold" panose="020B0600000101010101" pitchFamily="50" charset="-127"/>
               </a:rPr>
-              <a:t>협업능력을</a:t>
-            </a:r>
-            <a:r>
-              <a:rPr lang="ko-KR" altLang="en-US" sz="1400" dirty="0" smtClean="0">
+              <a:t>협업 능력을 </a:t>
+            </a:r>
+            <a:r>
+              <a:rPr lang="ko-KR" altLang="en-US" sz="2400" dirty="0" smtClean="0">
                 <a:solidFill>
                   <a:schemeClr val="tx1">
                     <a:lumMod val="75000"/>
@@ -6417,9 +6315,9 @@
                 <a:latin typeface="나눔스퀘어 Bold" panose="020B0600000101010101" pitchFamily="50" charset="-127"/>
                 <a:ea typeface="나눔스퀘어 Bold" panose="020B0600000101010101" pitchFamily="50" charset="-127"/>
               </a:rPr>
-              <a:t> 향상시킨다</a:t>
-            </a:r>
-            <a:endParaRPr lang="en-US" altLang="ko-KR" sz="1400" dirty="0" smtClean="0">
+              <a:t>향상시킨다</a:t>
+            </a:r>
+            <a:endParaRPr lang="en-US" altLang="ko-KR" sz="2400" dirty="0" smtClean="0">
               <a:solidFill>
                 <a:schemeClr val="tx1">
                   <a:lumMod val="75000"/>
@@ -6437,7 +6335,7 @@
               </a:lnSpc>
             </a:pPr>
             <a:r>
-              <a:rPr lang="en-US" altLang="ko-KR" sz="1400" dirty="0" smtClean="0">
+              <a:rPr lang="en-US" altLang="ko-KR" sz="2400" dirty="0" smtClean="0">
                 <a:solidFill>
                   <a:schemeClr val="tx1">
                     <a:lumMod val="75000"/>
@@ -6447,10 +6345,10 @@
                 <a:latin typeface="나눔스퀘어 Bold" panose="020B0600000101010101" pitchFamily="50" charset="-127"/>
                 <a:ea typeface="나눔스퀘어 Bold" panose="020B0600000101010101" pitchFamily="50" charset="-127"/>
               </a:rPr>
-              <a:t>IOCP</a:t>
-            </a:r>
-            <a:r>
-              <a:rPr lang="ko-KR" altLang="en-US" sz="1400" dirty="0" smtClean="0">
+              <a:t>-IOCP</a:t>
+            </a:r>
+            <a:r>
+              <a:rPr lang="ko-KR" altLang="en-US" sz="2400" dirty="0" smtClean="0">
                 <a:solidFill>
                   <a:schemeClr val="tx1">
                     <a:lumMod val="75000"/>
@@ -6463,7 +6361,7 @@
               <a:t>를 </a:t>
             </a:r>
             <a:r>
-              <a:rPr lang="ko-KR" altLang="en-US" sz="1400" dirty="0" err="1" smtClean="0">
+              <a:rPr lang="ko-KR" altLang="en-US" sz="2400" dirty="0" smtClean="0">
                 <a:solidFill>
                   <a:schemeClr val="tx1">
                     <a:lumMod val="75000"/>
@@ -6473,10 +6371,10 @@
                 <a:latin typeface="나눔스퀘어 Bold" panose="020B0600000101010101" pitchFamily="50" charset="-127"/>
                 <a:ea typeface="나눔스퀘어 Bold" panose="020B0600000101010101" pitchFamily="50" charset="-127"/>
               </a:rPr>
-              <a:t>활용할수있는</a:t>
-            </a:r>
-            <a:r>
-              <a:rPr lang="ko-KR" altLang="en-US" sz="1400" dirty="0" smtClean="0">
+              <a:t>활용할 수 있는 </a:t>
+            </a:r>
+            <a:r>
+              <a:rPr lang="ko-KR" altLang="en-US" sz="2400" dirty="0" smtClean="0">
                 <a:solidFill>
                   <a:schemeClr val="tx1">
                     <a:lumMod val="75000"/>
@@ -6486,10 +6384,10 @@
                 <a:latin typeface="나눔스퀘어 Bold" panose="020B0600000101010101" pitchFamily="50" charset="-127"/>
                 <a:ea typeface="나눔스퀘어 Bold" panose="020B0600000101010101" pitchFamily="50" charset="-127"/>
               </a:rPr>
-              <a:t> 능력을 개발한다</a:t>
-            </a:r>
-            <a:r>
-              <a:rPr lang="en-US" altLang="ko-KR" sz="1400" dirty="0" smtClean="0">
+              <a:t>능력을 개발한다</a:t>
+            </a:r>
+            <a:r>
+              <a:rPr lang="en-US" altLang="ko-KR" sz="2400" dirty="0" smtClean="0">
                 <a:solidFill>
                   <a:schemeClr val="tx1">
                     <a:lumMod val="75000"/>
@@ -6501,7 +6399,7 @@
               </a:rPr>
               <a:t>.</a:t>
             </a:r>
-            <a:endParaRPr lang="ko-KR" altLang="en-US" sz="1400" dirty="0">
+            <a:endParaRPr lang="ko-KR" altLang="en-US" sz="2400" dirty="0">
               <a:solidFill>
                 <a:schemeClr val="tx1">
                   <a:lumMod val="75000"/>
@@ -6518,7 +6416,7 @@
                 <a:spcPct val="120000"/>
               </a:lnSpc>
             </a:pPr>
-            <a:endParaRPr lang="ko-KR" altLang="en-US" sz="1400" dirty="0">
+            <a:endParaRPr lang="ko-KR" altLang="en-US" sz="2400" dirty="0">
               <a:solidFill>
                 <a:schemeClr val="tx1">
                   <a:lumMod val="75000"/>
@@ -6535,7 +6433,7 @@
                 <a:spcPct val="120000"/>
               </a:lnSpc>
             </a:pPr>
-            <a:endParaRPr lang="ko-KR" altLang="en-US" sz="1400" dirty="0">
+            <a:endParaRPr lang="ko-KR" altLang="en-US" sz="2400" dirty="0">
               <a:solidFill>
                 <a:schemeClr val="tx1">
                   <a:lumMod val="75000"/>
@@ -6563,7 +6461,7 @@
         <p:spPr>
           <a:xfrm>
             <a:off x="822390" y="1796598"/>
-            <a:ext cx="10266788" cy="350865"/>
+            <a:ext cx="10266788" cy="1421928"/>
           </a:xfrm>
           <a:prstGeom prst="rect">
             <a:avLst/>
@@ -6582,7 +6480,89 @@
               </a:lnSpc>
             </a:pPr>
             <a:r>
-              <a:rPr lang="en-US" altLang="ko-KR" sz="1400" dirty="0" err="1" smtClean="0">
+              <a:rPr lang="ko-KR" altLang="en-US" sz="2400" dirty="0" smtClean="0">
+                <a:solidFill>
+                  <a:schemeClr val="tx1">
+                    <a:lumMod val="75000"/>
+                    <a:lumOff val="25000"/>
+                  </a:schemeClr>
+                </a:solidFill>
+                <a:latin typeface="나눔스퀘어 Bold" panose="020B0600000101010101" pitchFamily="50" charset="-127"/>
+                <a:ea typeface="나눔스퀘어 Bold" panose="020B0600000101010101" pitchFamily="50" charset="-127"/>
+              </a:rPr>
+              <a:t>최근 한국 게임 시장을 볼 때 </a:t>
+            </a:r>
+            <a:r>
+              <a:rPr lang="en-US" altLang="ko-KR" sz="2400" dirty="0" err="1" smtClean="0">
+                <a:solidFill>
+                  <a:schemeClr val="tx1">
+                    <a:lumMod val="75000"/>
+                    <a:lumOff val="25000"/>
+                  </a:schemeClr>
+                </a:solidFill>
+                <a:latin typeface="나눔스퀘어 Bold" panose="020B0600000101010101" pitchFamily="50" charset="-127"/>
+                <a:ea typeface="나눔스퀘어 Bold" panose="020B0600000101010101" pitchFamily="50" charset="-127"/>
+              </a:rPr>
+              <a:t>PvP</a:t>
+            </a:r>
+            <a:r>
+              <a:rPr lang="en-US" altLang="ko-KR" sz="2400" dirty="0" smtClean="0">
+                <a:solidFill>
+                  <a:schemeClr val="tx1">
+                    <a:lumMod val="75000"/>
+                    <a:lumOff val="25000"/>
+                  </a:schemeClr>
+                </a:solidFill>
+                <a:latin typeface="나눔스퀘어 Bold" panose="020B0600000101010101" pitchFamily="50" charset="-127"/>
+                <a:ea typeface="나눔스퀘어 Bold" panose="020B0600000101010101" pitchFamily="50" charset="-127"/>
+              </a:rPr>
+              <a:t> </a:t>
+            </a:r>
+            <a:r>
+              <a:rPr lang="ko-KR" altLang="en-US" sz="2400" dirty="0" smtClean="0">
+                <a:solidFill>
+                  <a:schemeClr val="tx1">
+                    <a:lumMod val="75000"/>
+                    <a:lumOff val="25000"/>
+                  </a:schemeClr>
+                </a:solidFill>
+                <a:latin typeface="나눔스퀘어 Bold" panose="020B0600000101010101" pitchFamily="50" charset="-127"/>
+                <a:ea typeface="나눔스퀘어 Bold" panose="020B0600000101010101" pitchFamily="50" charset="-127"/>
+              </a:rPr>
+              <a:t>위주의 게임들은 많았지만 </a:t>
+            </a:r>
+            <a:endParaRPr lang="en-US" altLang="ko-KR" sz="2400" dirty="0" smtClean="0">
+              <a:solidFill>
+                <a:schemeClr val="tx1">
+                  <a:lumMod val="75000"/>
+                  <a:lumOff val="25000"/>
+                </a:schemeClr>
+              </a:solidFill>
+              <a:latin typeface="나눔스퀘어 Bold" panose="020B0600000101010101" pitchFamily="50" charset="-127"/>
+              <a:ea typeface="나눔스퀘어 Bold" panose="020B0600000101010101" pitchFamily="50" charset="-127"/>
+            </a:endParaRPr>
+          </a:p>
+          <a:p>
+            <a:pPr algn="just">
+              <a:lnSpc>
+                <a:spcPct val="120000"/>
+              </a:lnSpc>
+            </a:pPr>
+            <a:r>
+              <a:rPr lang="ko-KR" altLang="en-US" sz="2400" dirty="0" smtClean="0">
+                <a:solidFill>
+                  <a:schemeClr val="tx1">
+                    <a:lumMod val="75000"/>
+                    <a:lumOff val="25000"/>
+                  </a:schemeClr>
+                </a:solidFill>
+                <a:latin typeface="나눔스퀘어 Bold" panose="020B0600000101010101" pitchFamily="50" charset="-127"/>
+                <a:ea typeface="나눔스퀘어 Bold" panose="020B0600000101010101" pitchFamily="50" charset="-127"/>
+              </a:rPr>
+              <a:t>협동 </a:t>
+            </a:r>
+            <a:r>
+              <a:rPr lang="en-US" altLang="ko-KR" sz="2400" dirty="0" err="1" smtClean="0">
                 <a:solidFill>
                   <a:schemeClr val="tx1">
                     <a:lumMod val="75000"/>
@@ -6595,7 +6575,7 @@
               <a:t>PvE</a:t>
             </a:r>
             <a:r>
-              <a:rPr lang="en-US" altLang="ko-KR" sz="1400" dirty="0">
+              <a:rPr lang="en-US" altLang="ko-KR" sz="2400" dirty="0" smtClean="0">
                 <a:solidFill>
                   <a:schemeClr val="tx1">
                     <a:lumMod val="75000"/>
@@ -6605,10 +6585,10 @@
                 <a:latin typeface="나눔스퀘어 Bold" panose="020B0600000101010101" pitchFamily="50" charset="-127"/>
                 <a:ea typeface="나눔스퀘어 Bold" panose="020B0600000101010101" pitchFamily="50" charset="-127"/>
               </a:rPr>
-              <a:t> </a:t>
-            </a:r>
-            <a:r>
-              <a:rPr lang="ko-KR" altLang="en-US" sz="1400" dirty="0" smtClean="0">
+              <a:t> FPS </a:t>
+            </a:r>
+            <a:r>
+              <a:rPr lang="ko-KR" altLang="en-US" sz="2400" dirty="0" smtClean="0">
                 <a:solidFill>
                   <a:schemeClr val="tx1">
                     <a:lumMod val="75000"/>
@@ -6618,10 +6598,30 @@
                 <a:latin typeface="나눔스퀘어 Bold" panose="020B0600000101010101" pitchFamily="50" charset="-127"/>
                 <a:ea typeface="나눔스퀘어 Bold" panose="020B0600000101010101" pitchFamily="50" charset="-127"/>
               </a:rPr>
-              <a:t>협동 </a:t>
-            </a:r>
-            <a:r>
-              <a:rPr lang="en-US" altLang="ko-KR" sz="1400" dirty="0" smtClean="0">
+              <a:t>게임은 옛날에 나온 것을 제외하면 없다</a:t>
+            </a:r>
+            <a:r>
+              <a:rPr lang="en-US" altLang="ko-KR" sz="2400" dirty="0" smtClean="0">
+                <a:solidFill>
+                  <a:schemeClr val="tx1">
+                    <a:lumMod val="75000"/>
+                    <a:lumOff val="25000"/>
+                  </a:schemeClr>
+                </a:solidFill>
+                <a:latin typeface="나눔스퀘어 Bold" panose="020B0600000101010101" pitchFamily="50" charset="-127"/>
+                <a:ea typeface="나눔스퀘어 Bold" panose="020B0600000101010101" pitchFamily="50" charset="-127"/>
+              </a:rPr>
+              <a:t>.</a:t>
+            </a:r>
+          </a:p>
+          <a:p>
+            <a:pPr algn="just">
+              <a:lnSpc>
+                <a:spcPct val="120000"/>
+              </a:lnSpc>
+            </a:pPr>
+            <a:r>
+              <a:rPr lang="en-US" altLang="ko-KR" sz="2400" dirty="0" smtClean="0">
                 <a:solidFill>
                   <a:schemeClr val="tx1">
                     <a:lumMod val="75000"/>
@@ -6634,7 +6634,7 @@
               <a:t>FPS </a:t>
             </a:r>
             <a:r>
-              <a:rPr lang="ko-KR" altLang="en-US" sz="1400" dirty="0" smtClean="0">
+              <a:rPr lang="ko-KR" altLang="en-US" sz="2400" dirty="0" smtClean="0">
                 <a:solidFill>
                   <a:schemeClr val="tx1">
                     <a:lumMod val="75000"/>
@@ -6644,9 +6644,22 @@
                 <a:latin typeface="나눔스퀘어 Bold" panose="020B0600000101010101" pitchFamily="50" charset="-127"/>
                 <a:ea typeface="나눔스퀘어 Bold" panose="020B0600000101010101" pitchFamily="50" charset="-127"/>
               </a:rPr>
-              <a:t>한국에 없음</a:t>
-            </a:r>
-            <a:endParaRPr lang="ko-KR" altLang="en-US" sz="1400" dirty="0">
+              <a:t>장르는 꾸준히 사랑을 받는 장르이다</a:t>
+            </a:r>
+            <a:r>
+              <a:rPr lang="en-US" altLang="ko-KR" sz="2400" dirty="0" smtClean="0">
+                <a:solidFill>
+                  <a:schemeClr val="tx1">
+                    <a:lumMod val="75000"/>
+                    <a:lumOff val="25000"/>
+                  </a:schemeClr>
+                </a:solidFill>
+                <a:latin typeface="나눔스퀘어 Bold" panose="020B0600000101010101" pitchFamily="50" charset="-127"/>
+                <a:ea typeface="나눔스퀘어 Bold" panose="020B0600000101010101" pitchFamily="50" charset="-127"/>
+              </a:rPr>
+              <a:t>.</a:t>
+            </a:r>
+            <a:endParaRPr lang="ko-KR" altLang="en-US" sz="2400" dirty="0">
               <a:solidFill>
                 <a:schemeClr val="tx1">
                   <a:lumMod val="75000"/>
@@ -6663,6 +6676,1055 @@
     <p:extLst>
       <p:ext uri="{BB962C8B-B14F-4D97-AF65-F5344CB8AC3E}">
         <p14:creationId xmlns:p14="http://schemas.microsoft.com/office/powerpoint/2010/main" val="2681633720"/>
+      </p:ext>
+    </p:extLst>
+  </p:cSld>
+  <p:clrMapOvr>
+    <a:masterClrMapping/>
+  </p:clrMapOvr>
+  <mc:AlternateContent xmlns:mc="http://schemas.openxmlformats.org/markup-compatibility/2006">
+    <mc:Choice xmlns="" xmlns:p159="http://schemas.microsoft.com/office/powerpoint/2015/09/main" Requires="p159">
+      <p:transition xmlns:p14="http://schemas.microsoft.com/office/powerpoint/2010/main" spd="slow" p14:dur="2000">
+        <p159:morph option="byObject"/>
+      </p:transition>
+    </mc:Choice>
+    <mc:Fallback>
+      <p:transition spd="slow">
+        <p:fade/>
+      </p:transition>
+    </mc:Fallback>
+  </mc:AlternateContent>
+</p:sld>
+</file>
+
+<file path=ppt/slides/slide4.xml><?xml version="1.0" encoding="utf-8"?>
+<p:sld xmlns:a="http://schemas.openxmlformats.org/drawingml/2006/main" xmlns:r="http://schemas.openxmlformats.org/officeDocument/2006/relationships" xmlns:p="http://schemas.openxmlformats.org/presentationml/2006/main">
+  <p:cSld>
+    <p:spTree>
+      <p:nvGrpSpPr>
+        <p:cNvPr id="1" name=""/>
+        <p:cNvGrpSpPr/>
+        <p:nvPr/>
+      </p:nvGrpSpPr>
+      <p:grpSpPr>
+        <a:xfrm>
+          <a:off x="0" y="0"/>
+          <a:ext cx="0" cy="0"/>
+          <a:chOff x="0" y="0"/>
+          <a:chExt cx="0" cy="0"/>
+        </a:xfrm>
+      </p:grpSpPr>
+      <p:cxnSp>
+        <p:nvCxnSpPr>
+          <p:cNvPr id="3" name="직선 연결선 2">
+            <a:extLst>
+              <a:ext uri="{FF2B5EF4-FFF2-40B4-BE49-F238E27FC236}">
+                <a16:creationId xmlns:a16="http://schemas.microsoft.com/office/drawing/2014/main" id="{1FF04A19-8950-44A5-80E9-5A06E7DA23BE}"/>
+              </a:ext>
+            </a:extLst>
+          </p:cNvPr>
+          <p:cNvCxnSpPr/>
+          <p:nvPr/>
+        </p:nvCxnSpPr>
+        <p:spPr>
+          <a:xfrm>
+            <a:off x="449179" y="834004"/>
+            <a:ext cx="11742821" cy="0"/>
+          </a:xfrm>
+          <a:prstGeom prst="line">
+            <a:avLst/>
+          </a:prstGeom>
+          <a:ln>
+            <a:solidFill>
+              <a:schemeClr val="accent6"/>
+            </a:solidFill>
+          </a:ln>
+        </p:spPr>
+        <p:style>
+          <a:lnRef idx="1">
+            <a:schemeClr val="accent1"/>
+          </a:lnRef>
+          <a:fillRef idx="0">
+            <a:schemeClr val="accent1"/>
+          </a:fillRef>
+          <a:effectRef idx="0">
+            <a:schemeClr val="accent1"/>
+          </a:effectRef>
+          <a:fontRef idx="minor">
+            <a:schemeClr val="tx1"/>
+          </a:fontRef>
+        </p:style>
+      </p:cxnSp>
+      <p:sp>
+        <p:nvSpPr>
+          <p:cNvPr id="4" name="TextBox 3">
+            <a:extLst>
+              <a:ext uri="{FF2B5EF4-FFF2-40B4-BE49-F238E27FC236}">
+                <a16:creationId xmlns:a16="http://schemas.microsoft.com/office/drawing/2014/main" id="{243C702B-3426-41BD-9FAE-31F746E5D0B6}"/>
+              </a:ext>
+            </a:extLst>
+          </p:cNvPr>
+          <p:cNvSpPr txBox="1"/>
+          <p:nvPr/>
+        </p:nvSpPr>
+        <p:spPr>
+          <a:xfrm>
+            <a:off x="449179" y="63798"/>
+            <a:ext cx="746423" cy="307777"/>
+          </a:xfrm>
+          <a:prstGeom prst="rect">
+            <a:avLst/>
+          </a:prstGeom>
+          <a:noFill/>
+        </p:spPr>
+        <p:txBody>
+          <a:bodyPr wrap="none" rtlCol="0">
+            <a:spAutoFit/>
+          </a:bodyPr>
+          <a:lstStyle/>
+          <a:p>
+            <a:r>
+              <a:rPr lang="en-US" altLang="ko-KR" sz="1400" dirty="0">
+                <a:solidFill>
+                  <a:schemeClr val="accent6">
+                    <a:lumMod val="50000"/>
+                  </a:schemeClr>
+                </a:solidFill>
+                <a:latin typeface="나눔스퀘어 Bold" panose="020B0600000101010101" pitchFamily="50" charset="-127"/>
+                <a:ea typeface="나눔스퀘어 Bold" panose="020B0600000101010101" pitchFamily="50" charset="-127"/>
+              </a:rPr>
+              <a:t>Part </a:t>
+            </a:r>
+            <a:r>
+              <a:rPr lang="en-US" altLang="ko-KR" sz="1400" dirty="0" smtClean="0">
+                <a:solidFill>
+                  <a:schemeClr val="accent6">
+                    <a:lumMod val="50000"/>
+                  </a:schemeClr>
+                </a:solidFill>
+                <a:latin typeface="나눔스퀘어 Bold" panose="020B0600000101010101" pitchFamily="50" charset="-127"/>
+                <a:ea typeface="나눔스퀘어 Bold" panose="020B0600000101010101" pitchFamily="50" charset="-127"/>
+              </a:rPr>
+              <a:t>2,</a:t>
+            </a:r>
+            <a:endParaRPr lang="ko-KR" altLang="en-US" sz="1400" dirty="0">
+              <a:solidFill>
+                <a:schemeClr val="accent6">
+                  <a:lumMod val="50000"/>
+                </a:schemeClr>
+              </a:solidFill>
+              <a:latin typeface="나눔스퀘어 Bold" panose="020B0600000101010101" pitchFamily="50" charset="-127"/>
+              <a:ea typeface="나눔스퀘어 Bold" panose="020B0600000101010101" pitchFamily="50" charset="-127"/>
+            </a:endParaRPr>
+          </a:p>
+        </p:txBody>
+      </p:sp>
+      <p:sp>
+        <p:nvSpPr>
+          <p:cNvPr id="5" name="TextBox 4">
+            <a:extLst>
+              <a:ext uri="{FF2B5EF4-FFF2-40B4-BE49-F238E27FC236}">
+                <a16:creationId xmlns:a16="http://schemas.microsoft.com/office/drawing/2014/main" id="{1411476D-DF3F-4F30-A9AB-21B405D99E03}"/>
+              </a:ext>
+            </a:extLst>
+          </p:cNvPr>
+          <p:cNvSpPr txBox="1"/>
+          <p:nvPr/>
+        </p:nvSpPr>
+        <p:spPr>
+          <a:xfrm>
+            <a:off x="449179" y="286511"/>
+            <a:ext cx="3863558" cy="461665"/>
+          </a:xfrm>
+          <a:prstGeom prst="rect">
+            <a:avLst/>
+          </a:prstGeom>
+          <a:noFill/>
+        </p:spPr>
+        <p:txBody>
+          <a:bodyPr wrap="none" rtlCol="0">
+            <a:spAutoFit/>
+          </a:bodyPr>
+          <a:lstStyle/>
+          <a:p>
+            <a:r>
+              <a:rPr lang="ko-KR" altLang="en-US" sz="2400" dirty="0">
+                <a:solidFill>
+                  <a:schemeClr val="accent6">
+                    <a:lumMod val="50000"/>
+                  </a:schemeClr>
+                </a:solidFill>
+                <a:latin typeface="나눔스퀘어 Bold" panose="020B0600000101010101" pitchFamily="50" charset="-127"/>
+                <a:ea typeface="나눔스퀘어 Bold" panose="020B0600000101010101" pitchFamily="50" charset="-127"/>
+              </a:rPr>
+              <a:t>게임 소개 및 방법 </a:t>
+            </a:r>
+            <a:r>
+              <a:rPr lang="en-US" altLang="ko-KR" sz="2400" dirty="0">
+                <a:solidFill>
+                  <a:schemeClr val="accent6">
+                    <a:lumMod val="50000"/>
+                  </a:schemeClr>
+                </a:solidFill>
+                <a:latin typeface="나눔스퀘어 Bold" panose="020B0600000101010101" pitchFamily="50" charset="-127"/>
+                <a:ea typeface="나눔스퀘어 Bold" panose="020B0600000101010101" pitchFamily="50" charset="-127"/>
+              </a:rPr>
+              <a:t>– </a:t>
+            </a:r>
+            <a:r>
+              <a:rPr lang="ko-KR" altLang="en-US" sz="2400" dirty="0" smtClean="0">
+                <a:solidFill>
+                  <a:schemeClr val="accent6">
+                    <a:lumMod val="50000"/>
+                  </a:schemeClr>
+                </a:solidFill>
+                <a:latin typeface="나눔스퀘어 Bold" panose="020B0600000101010101" pitchFamily="50" charset="-127"/>
+                <a:ea typeface="나눔스퀘어 Bold" panose="020B0600000101010101" pitchFamily="50" charset="-127"/>
+              </a:rPr>
+              <a:t>게임 정보</a:t>
+            </a:r>
+            <a:endParaRPr lang="ko-KR" altLang="en-US" sz="2400" dirty="0">
+              <a:solidFill>
+                <a:schemeClr val="accent6">
+                  <a:lumMod val="50000"/>
+                </a:schemeClr>
+              </a:solidFill>
+              <a:latin typeface="나눔스퀘어 Bold" panose="020B0600000101010101" pitchFamily="50" charset="-127"/>
+              <a:ea typeface="나눔스퀘어 Bold" panose="020B0600000101010101" pitchFamily="50" charset="-127"/>
+            </a:endParaRPr>
+          </a:p>
+        </p:txBody>
+      </p:sp>
+      <p:grpSp>
+        <p:nvGrpSpPr>
+          <p:cNvPr id="2" name="그룹 1"/>
+          <p:cNvGrpSpPr/>
+          <p:nvPr/>
+        </p:nvGrpSpPr>
+        <p:grpSpPr>
+          <a:xfrm>
+            <a:off x="822391" y="1963517"/>
+            <a:ext cx="3240000" cy="720000"/>
+            <a:chOff x="605155" y="1744442"/>
+            <a:chExt cx="3240000" cy="720000"/>
+          </a:xfrm>
+        </p:grpSpPr>
+        <p:sp>
+          <p:nvSpPr>
+            <p:cNvPr id="53" name="직사각형 52">
+              <a:extLst>
+                <a:ext uri="{FF2B5EF4-FFF2-40B4-BE49-F238E27FC236}">
+                  <a16:creationId xmlns:a16="http://schemas.microsoft.com/office/drawing/2014/main" id="{C95F2CEC-5E5D-4FD2-9D59-23E68C464718}"/>
+                </a:ext>
+              </a:extLst>
+            </p:cNvPr>
+            <p:cNvSpPr/>
+            <p:nvPr/>
+          </p:nvSpPr>
+          <p:spPr>
+            <a:xfrm>
+              <a:off x="605155" y="1744442"/>
+              <a:ext cx="3240000" cy="720000"/>
+            </a:xfrm>
+            <a:prstGeom prst="rect">
+              <a:avLst/>
+            </a:prstGeom>
+            <a:solidFill>
+              <a:schemeClr val="bg1">
+                <a:lumMod val="95000"/>
+              </a:schemeClr>
+            </a:solidFill>
+            <a:ln>
+              <a:noFill/>
+            </a:ln>
+          </p:spPr>
+          <p:style>
+            <a:lnRef idx="2">
+              <a:schemeClr val="accent1">
+                <a:shade val="50000"/>
+              </a:schemeClr>
+            </a:lnRef>
+            <a:fillRef idx="1">
+              <a:schemeClr val="accent1"/>
+            </a:fillRef>
+            <a:effectRef idx="0">
+              <a:schemeClr val="accent1"/>
+            </a:effectRef>
+            <a:fontRef idx="minor">
+              <a:schemeClr val="lt1"/>
+            </a:fontRef>
+          </p:style>
+          <p:txBody>
+            <a:bodyPr rtlCol="0" anchor="ctr"/>
+            <a:lstStyle/>
+            <a:p>
+              <a:pPr algn="ctr"/>
+              <a:endParaRPr lang="ko-KR" altLang="en-US">
+                <a:latin typeface="나눔스퀘어 Bold" panose="020B0600000101010101" pitchFamily="50" charset="-127"/>
+                <a:ea typeface="나눔스퀘어 Bold" panose="020B0600000101010101" pitchFamily="50" charset="-127"/>
+              </a:endParaRPr>
+            </a:p>
+          </p:txBody>
+        </p:sp>
+        <p:cxnSp>
+          <p:nvCxnSpPr>
+            <p:cNvPr id="54" name="직선 연결선 53">
+              <a:extLst>
+                <a:ext uri="{FF2B5EF4-FFF2-40B4-BE49-F238E27FC236}">
+                  <a16:creationId xmlns:a16="http://schemas.microsoft.com/office/drawing/2014/main" id="{084C4D6D-74A8-4B6C-A399-189185ACA086}"/>
+                </a:ext>
+              </a:extLst>
+            </p:cNvPr>
+            <p:cNvCxnSpPr/>
+            <p:nvPr/>
+          </p:nvCxnSpPr>
+          <p:spPr>
+            <a:xfrm>
+              <a:off x="605155" y="1753673"/>
+              <a:ext cx="3240000" cy="0"/>
+            </a:xfrm>
+            <a:prstGeom prst="line">
+              <a:avLst/>
+            </a:prstGeom>
+            <a:ln w="57150"/>
+          </p:spPr>
+          <p:style>
+            <a:lnRef idx="1">
+              <a:schemeClr val="accent1"/>
+            </a:lnRef>
+            <a:fillRef idx="0">
+              <a:schemeClr val="accent1"/>
+            </a:fillRef>
+            <a:effectRef idx="0">
+              <a:schemeClr val="accent1"/>
+            </a:effectRef>
+            <a:fontRef idx="minor">
+              <a:schemeClr val="tx1"/>
+            </a:fontRef>
+          </p:style>
+        </p:cxnSp>
+        <p:sp>
+          <p:nvSpPr>
+            <p:cNvPr id="55" name="TextBox 54">
+              <a:extLst>
+                <a:ext uri="{FF2B5EF4-FFF2-40B4-BE49-F238E27FC236}">
+                  <a16:creationId xmlns:a16="http://schemas.microsoft.com/office/drawing/2014/main" id="{B09745CF-C19B-4110-8034-4139DA86064A}"/>
+                </a:ext>
+              </a:extLst>
+            </p:cNvPr>
+            <p:cNvSpPr txBox="1"/>
+            <p:nvPr/>
+          </p:nvSpPr>
+          <p:spPr>
+            <a:xfrm>
+              <a:off x="709930" y="1828292"/>
+              <a:ext cx="439544" cy="584775"/>
+            </a:xfrm>
+            <a:prstGeom prst="rect">
+              <a:avLst/>
+            </a:prstGeom>
+            <a:noFill/>
+          </p:spPr>
+          <p:txBody>
+            <a:bodyPr wrap="none" rtlCol="0">
+              <a:spAutoFit/>
+            </a:bodyPr>
+            <a:lstStyle/>
+            <a:p>
+              <a:r>
+                <a:rPr lang="en-US" altLang="ko-KR" sz="3200" dirty="0">
+                  <a:solidFill>
+                    <a:schemeClr val="tx1">
+                      <a:lumMod val="65000"/>
+                      <a:lumOff val="35000"/>
+                    </a:schemeClr>
+                  </a:solidFill>
+                  <a:latin typeface="나눔스퀘어 Bold" panose="020B0600000101010101" pitchFamily="50" charset="-127"/>
+                  <a:ea typeface="나눔스퀘어 Bold" panose="020B0600000101010101" pitchFamily="50" charset="-127"/>
+                </a:rPr>
+                <a:t>1</a:t>
+              </a:r>
+              <a:endParaRPr lang="ko-KR" altLang="en-US" sz="3200" dirty="0">
+                <a:solidFill>
+                  <a:schemeClr val="tx1">
+                    <a:lumMod val="65000"/>
+                    <a:lumOff val="35000"/>
+                  </a:schemeClr>
+                </a:solidFill>
+                <a:latin typeface="나눔스퀘어 Bold" panose="020B0600000101010101" pitchFamily="50" charset="-127"/>
+                <a:ea typeface="나눔스퀘어 Bold" panose="020B0600000101010101" pitchFamily="50" charset="-127"/>
+              </a:endParaRPr>
+            </a:p>
+          </p:txBody>
+        </p:sp>
+        <p:sp>
+          <p:nvSpPr>
+            <p:cNvPr id="56" name="TextBox 55">
+              <a:extLst>
+                <a:ext uri="{FF2B5EF4-FFF2-40B4-BE49-F238E27FC236}">
+                  <a16:creationId xmlns:a16="http://schemas.microsoft.com/office/drawing/2014/main" id="{56B4DF13-69F8-4B28-B1E3-EA018251E0BF}"/>
+                </a:ext>
+              </a:extLst>
+            </p:cNvPr>
+            <p:cNvSpPr txBox="1"/>
+            <p:nvPr/>
+          </p:nvSpPr>
+          <p:spPr>
+            <a:xfrm>
+              <a:off x="1942063" y="1859069"/>
+              <a:ext cx="800219" cy="523220"/>
+            </a:xfrm>
+            <a:prstGeom prst="rect">
+              <a:avLst/>
+            </a:prstGeom>
+            <a:noFill/>
+          </p:spPr>
+          <p:txBody>
+            <a:bodyPr wrap="none" rtlCol="0">
+              <a:spAutoFit/>
+            </a:bodyPr>
+            <a:lstStyle/>
+            <a:p>
+              <a:r>
+                <a:rPr lang="ko-KR" altLang="en-US" sz="2800" spc="-150" dirty="0" smtClean="0">
+                  <a:solidFill>
+                    <a:schemeClr val="tx1">
+                      <a:lumMod val="65000"/>
+                      <a:lumOff val="35000"/>
+                    </a:schemeClr>
+                  </a:solidFill>
+                  <a:latin typeface="나눔스퀘어 Bold" panose="020B0600000101010101" pitchFamily="50" charset="-127"/>
+                  <a:ea typeface="나눔스퀘어 Bold" panose="020B0600000101010101" pitchFamily="50" charset="-127"/>
+                </a:rPr>
+                <a:t>장르</a:t>
+              </a:r>
+              <a:endParaRPr lang="ko-KR" altLang="en-US" sz="2800" spc="-150" dirty="0">
+                <a:solidFill>
+                  <a:schemeClr val="tx1">
+                    <a:lumMod val="65000"/>
+                    <a:lumOff val="35000"/>
+                  </a:schemeClr>
+                </a:solidFill>
+                <a:latin typeface="나눔스퀘어 Bold" panose="020B0600000101010101" pitchFamily="50" charset="-127"/>
+                <a:ea typeface="나눔스퀘어 Bold" panose="020B0600000101010101" pitchFamily="50" charset="-127"/>
+              </a:endParaRPr>
+            </a:p>
+          </p:txBody>
+        </p:sp>
+      </p:grpSp>
+      <p:grpSp>
+        <p:nvGrpSpPr>
+          <p:cNvPr id="6" name="그룹 5"/>
+          <p:cNvGrpSpPr/>
+          <p:nvPr/>
+        </p:nvGrpSpPr>
+        <p:grpSpPr>
+          <a:xfrm>
+            <a:off x="822390" y="3238783"/>
+            <a:ext cx="3240000" cy="720000"/>
+            <a:chOff x="4472305" y="1755917"/>
+            <a:chExt cx="3240000" cy="720000"/>
+          </a:xfrm>
+        </p:grpSpPr>
+        <p:sp>
+          <p:nvSpPr>
+            <p:cNvPr id="58" name="직사각형 57">
+              <a:extLst>
+                <a:ext uri="{FF2B5EF4-FFF2-40B4-BE49-F238E27FC236}">
+                  <a16:creationId xmlns:a16="http://schemas.microsoft.com/office/drawing/2014/main" id="{E30AD760-CE61-40EE-8993-A42E53E753DC}"/>
+                </a:ext>
+              </a:extLst>
+            </p:cNvPr>
+            <p:cNvSpPr/>
+            <p:nvPr/>
+          </p:nvSpPr>
+          <p:spPr>
+            <a:xfrm>
+              <a:off x="4472305" y="1755917"/>
+              <a:ext cx="3240000" cy="720000"/>
+            </a:xfrm>
+            <a:prstGeom prst="rect">
+              <a:avLst/>
+            </a:prstGeom>
+            <a:solidFill>
+              <a:schemeClr val="bg1">
+                <a:lumMod val="95000"/>
+              </a:schemeClr>
+            </a:solidFill>
+            <a:ln>
+              <a:noFill/>
+            </a:ln>
+          </p:spPr>
+          <p:style>
+            <a:lnRef idx="2">
+              <a:schemeClr val="accent1">
+                <a:shade val="50000"/>
+              </a:schemeClr>
+            </a:lnRef>
+            <a:fillRef idx="1">
+              <a:schemeClr val="accent1"/>
+            </a:fillRef>
+            <a:effectRef idx="0">
+              <a:schemeClr val="accent1"/>
+            </a:effectRef>
+            <a:fontRef idx="minor">
+              <a:schemeClr val="lt1"/>
+            </a:fontRef>
+          </p:style>
+          <p:txBody>
+            <a:bodyPr rtlCol="0" anchor="ctr"/>
+            <a:lstStyle/>
+            <a:p>
+              <a:pPr algn="ctr"/>
+              <a:endParaRPr lang="ko-KR" altLang="en-US">
+                <a:latin typeface="나눔스퀘어 Bold" panose="020B0600000101010101" pitchFamily="50" charset="-127"/>
+                <a:ea typeface="나눔스퀘어 Bold" panose="020B0600000101010101" pitchFamily="50" charset="-127"/>
+              </a:endParaRPr>
+            </a:p>
+          </p:txBody>
+        </p:sp>
+        <p:cxnSp>
+          <p:nvCxnSpPr>
+            <p:cNvPr id="60" name="직선 연결선 59">
+              <a:extLst>
+                <a:ext uri="{FF2B5EF4-FFF2-40B4-BE49-F238E27FC236}">
+                  <a16:creationId xmlns:a16="http://schemas.microsoft.com/office/drawing/2014/main" id="{BE319242-62D6-4531-9737-68FDE7E3AF9C}"/>
+                </a:ext>
+              </a:extLst>
+            </p:cNvPr>
+            <p:cNvCxnSpPr/>
+            <p:nvPr/>
+          </p:nvCxnSpPr>
+          <p:spPr>
+            <a:xfrm>
+              <a:off x="4472305" y="1765148"/>
+              <a:ext cx="3240000" cy="0"/>
+            </a:xfrm>
+            <a:prstGeom prst="line">
+              <a:avLst/>
+            </a:prstGeom>
+            <a:ln w="57150"/>
+          </p:spPr>
+          <p:style>
+            <a:lnRef idx="1">
+              <a:schemeClr val="accent1"/>
+            </a:lnRef>
+            <a:fillRef idx="0">
+              <a:schemeClr val="accent1"/>
+            </a:fillRef>
+            <a:effectRef idx="0">
+              <a:schemeClr val="accent1"/>
+            </a:effectRef>
+            <a:fontRef idx="minor">
+              <a:schemeClr val="tx1"/>
+            </a:fontRef>
+          </p:style>
+        </p:cxnSp>
+        <p:sp>
+          <p:nvSpPr>
+            <p:cNvPr id="62" name="TextBox 61">
+              <a:extLst>
+                <a:ext uri="{FF2B5EF4-FFF2-40B4-BE49-F238E27FC236}">
+                  <a16:creationId xmlns:a16="http://schemas.microsoft.com/office/drawing/2014/main" id="{500D59D5-9241-49BB-ADAB-76C9EED60762}"/>
+                </a:ext>
+              </a:extLst>
+            </p:cNvPr>
+            <p:cNvSpPr txBox="1"/>
+            <p:nvPr/>
+          </p:nvSpPr>
+          <p:spPr>
+            <a:xfrm>
+              <a:off x="4577080" y="1839767"/>
+              <a:ext cx="439544" cy="584775"/>
+            </a:xfrm>
+            <a:prstGeom prst="rect">
+              <a:avLst/>
+            </a:prstGeom>
+            <a:noFill/>
+          </p:spPr>
+          <p:txBody>
+            <a:bodyPr wrap="none" rtlCol="0">
+              <a:spAutoFit/>
+            </a:bodyPr>
+            <a:lstStyle/>
+            <a:p>
+              <a:r>
+                <a:rPr lang="en-US" altLang="ko-KR" sz="3200" dirty="0">
+                  <a:solidFill>
+                    <a:schemeClr val="tx1">
+                      <a:lumMod val="65000"/>
+                      <a:lumOff val="35000"/>
+                    </a:schemeClr>
+                  </a:solidFill>
+                  <a:latin typeface="나눔스퀘어 Bold" panose="020B0600000101010101" pitchFamily="50" charset="-127"/>
+                  <a:ea typeface="나눔스퀘어 Bold" panose="020B0600000101010101" pitchFamily="50" charset="-127"/>
+                </a:rPr>
+                <a:t>2</a:t>
+              </a:r>
+              <a:endParaRPr lang="ko-KR" altLang="en-US" sz="3200" dirty="0">
+                <a:solidFill>
+                  <a:schemeClr val="tx1">
+                    <a:lumMod val="65000"/>
+                    <a:lumOff val="35000"/>
+                  </a:schemeClr>
+                </a:solidFill>
+                <a:latin typeface="나눔스퀘어 Bold" panose="020B0600000101010101" pitchFamily="50" charset="-127"/>
+                <a:ea typeface="나눔스퀘어 Bold" panose="020B0600000101010101" pitchFamily="50" charset="-127"/>
+              </a:endParaRPr>
+            </a:p>
+          </p:txBody>
+        </p:sp>
+        <p:sp>
+          <p:nvSpPr>
+            <p:cNvPr id="64" name="TextBox 63">
+              <a:extLst>
+                <a:ext uri="{FF2B5EF4-FFF2-40B4-BE49-F238E27FC236}">
+                  <a16:creationId xmlns:a16="http://schemas.microsoft.com/office/drawing/2014/main" id="{38C4F0F3-76FC-4CE9-B167-AFC342487C07}"/>
+                </a:ext>
+              </a:extLst>
+            </p:cNvPr>
+            <p:cNvSpPr txBox="1"/>
+            <p:nvPr/>
+          </p:nvSpPr>
+          <p:spPr>
+            <a:xfrm>
+              <a:off x="5655325" y="1870544"/>
+              <a:ext cx="1107996" cy="523220"/>
+            </a:xfrm>
+            <a:prstGeom prst="rect">
+              <a:avLst/>
+            </a:prstGeom>
+            <a:noFill/>
+          </p:spPr>
+          <p:txBody>
+            <a:bodyPr wrap="none" rtlCol="0">
+              <a:spAutoFit/>
+            </a:bodyPr>
+            <a:lstStyle/>
+            <a:p>
+              <a:r>
+                <a:rPr lang="ko-KR" altLang="en-US" sz="2800" spc="-150" dirty="0" smtClean="0">
+                  <a:solidFill>
+                    <a:schemeClr val="tx1">
+                      <a:lumMod val="65000"/>
+                      <a:lumOff val="35000"/>
+                    </a:schemeClr>
+                  </a:solidFill>
+                  <a:latin typeface="나눔스퀘어 Bold" panose="020B0600000101010101" pitchFamily="50" charset="-127"/>
+                  <a:ea typeface="나눔스퀘어 Bold" panose="020B0600000101010101" pitchFamily="50" charset="-127"/>
+                </a:rPr>
+                <a:t>플랫폼</a:t>
+              </a:r>
+              <a:endParaRPr lang="ko-KR" altLang="en-US" sz="2800" spc="-150" dirty="0">
+                <a:solidFill>
+                  <a:schemeClr val="tx1">
+                    <a:lumMod val="65000"/>
+                    <a:lumOff val="35000"/>
+                  </a:schemeClr>
+                </a:solidFill>
+                <a:latin typeface="나눔스퀘어 Bold" panose="020B0600000101010101" pitchFamily="50" charset="-127"/>
+                <a:ea typeface="나눔스퀘어 Bold" panose="020B0600000101010101" pitchFamily="50" charset="-127"/>
+              </a:endParaRPr>
+            </a:p>
+          </p:txBody>
+        </p:sp>
+      </p:grpSp>
+      <p:grpSp>
+        <p:nvGrpSpPr>
+          <p:cNvPr id="8" name="그룹 7"/>
+          <p:cNvGrpSpPr/>
+          <p:nvPr/>
+        </p:nvGrpSpPr>
+        <p:grpSpPr>
+          <a:xfrm>
+            <a:off x="822390" y="4514049"/>
+            <a:ext cx="3240000" cy="720000"/>
+            <a:chOff x="8339455" y="1767392"/>
+            <a:chExt cx="3240000" cy="720000"/>
+          </a:xfrm>
+        </p:grpSpPr>
+        <p:sp>
+          <p:nvSpPr>
+            <p:cNvPr id="66" name="직사각형 65">
+              <a:extLst>
+                <a:ext uri="{FF2B5EF4-FFF2-40B4-BE49-F238E27FC236}">
+                  <a16:creationId xmlns:a16="http://schemas.microsoft.com/office/drawing/2014/main" id="{942CFFAE-A2FA-472C-8003-57FF84723AD2}"/>
+                </a:ext>
+              </a:extLst>
+            </p:cNvPr>
+            <p:cNvSpPr/>
+            <p:nvPr/>
+          </p:nvSpPr>
+          <p:spPr>
+            <a:xfrm>
+              <a:off x="8339455" y="1767392"/>
+              <a:ext cx="3240000" cy="720000"/>
+            </a:xfrm>
+            <a:prstGeom prst="rect">
+              <a:avLst/>
+            </a:prstGeom>
+            <a:solidFill>
+              <a:schemeClr val="bg1">
+                <a:lumMod val="95000"/>
+              </a:schemeClr>
+            </a:solidFill>
+            <a:ln>
+              <a:noFill/>
+            </a:ln>
+          </p:spPr>
+          <p:style>
+            <a:lnRef idx="2">
+              <a:schemeClr val="accent1">
+                <a:shade val="50000"/>
+              </a:schemeClr>
+            </a:lnRef>
+            <a:fillRef idx="1">
+              <a:schemeClr val="accent1"/>
+            </a:fillRef>
+            <a:effectRef idx="0">
+              <a:schemeClr val="accent1"/>
+            </a:effectRef>
+            <a:fontRef idx="minor">
+              <a:schemeClr val="lt1"/>
+            </a:fontRef>
+          </p:style>
+          <p:txBody>
+            <a:bodyPr rtlCol="0" anchor="ctr"/>
+            <a:lstStyle/>
+            <a:p>
+              <a:pPr algn="ctr"/>
+              <a:endParaRPr lang="ko-KR" altLang="en-US">
+                <a:latin typeface="나눔스퀘어 Bold" panose="020B0600000101010101" pitchFamily="50" charset="-127"/>
+                <a:ea typeface="나눔스퀘어 Bold" panose="020B0600000101010101" pitchFamily="50" charset="-127"/>
+              </a:endParaRPr>
+            </a:p>
+          </p:txBody>
+        </p:sp>
+        <p:cxnSp>
+          <p:nvCxnSpPr>
+            <p:cNvPr id="68" name="직선 연결선 67">
+              <a:extLst>
+                <a:ext uri="{FF2B5EF4-FFF2-40B4-BE49-F238E27FC236}">
+                  <a16:creationId xmlns:a16="http://schemas.microsoft.com/office/drawing/2014/main" id="{9C07978A-3E1D-46A6-B317-F9BBA0447B67}"/>
+                </a:ext>
+              </a:extLst>
+            </p:cNvPr>
+            <p:cNvCxnSpPr/>
+            <p:nvPr/>
+          </p:nvCxnSpPr>
+          <p:spPr>
+            <a:xfrm>
+              <a:off x="8339455" y="1776623"/>
+              <a:ext cx="3240000" cy="0"/>
+            </a:xfrm>
+            <a:prstGeom prst="line">
+              <a:avLst/>
+            </a:prstGeom>
+            <a:ln w="57150"/>
+          </p:spPr>
+          <p:style>
+            <a:lnRef idx="1">
+              <a:schemeClr val="accent1"/>
+            </a:lnRef>
+            <a:fillRef idx="0">
+              <a:schemeClr val="accent1"/>
+            </a:fillRef>
+            <a:effectRef idx="0">
+              <a:schemeClr val="accent1"/>
+            </a:effectRef>
+            <a:fontRef idx="minor">
+              <a:schemeClr val="tx1"/>
+            </a:fontRef>
+          </p:style>
+        </p:cxnSp>
+        <p:sp>
+          <p:nvSpPr>
+            <p:cNvPr id="70" name="TextBox 69">
+              <a:extLst>
+                <a:ext uri="{FF2B5EF4-FFF2-40B4-BE49-F238E27FC236}">
+                  <a16:creationId xmlns:a16="http://schemas.microsoft.com/office/drawing/2014/main" id="{296D601B-0570-4A2A-901D-FAC5B622A5F1}"/>
+                </a:ext>
+              </a:extLst>
+            </p:cNvPr>
+            <p:cNvSpPr txBox="1"/>
+            <p:nvPr/>
+          </p:nvSpPr>
+          <p:spPr>
+            <a:xfrm>
+              <a:off x="8444230" y="1851242"/>
+              <a:ext cx="439544" cy="584775"/>
+            </a:xfrm>
+            <a:prstGeom prst="rect">
+              <a:avLst/>
+            </a:prstGeom>
+            <a:noFill/>
+          </p:spPr>
+          <p:txBody>
+            <a:bodyPr wrap="none" rtlCol="0">
+              <a:spAutoFit/>
+            </a:bodyPr>
+            <a:lstStyle/>
+            <a:p>
+              <a:r>
+                <a:rPr lang="en-US" altLang="ko-KR" sz="3200" dirty="0">
+                  <a:solidFill>
+                    <a:schemeClr val="tx1">
+                      <a:lumMod val="65000"/>
+                      <a:lumOff val="35000"/>
+                    </a:schemeClr>
+                  </a:solidFill>
+                  <a:latin typeface="나눔스퀘어 Bold" panose="020B0600000101010101" pitchFamily="50" charset="-127"/>
+                  <a:ea typeface="나눔스퀘어 Bold" panose="020B0600000101010101" pitchFamily="50" charset="-127"/>
+                </a:rPr>
+                <a:t>3</a:t>
+              </a:r>
+              <a:endParaRPr lang="ko-KR" altLang="en-US" sz="3200" dirty="0">
+                <a:solidFill>
+                  <a:schemeClr val="tx1">
+                    <a:lumMod val="65000"/>
+                    <a:lumOff val="35000"/>
+                  </a:schemeClr>
+                </a:solidFill>
+                <a:latin typeface="나눔스퀘어 Bold" panose="020B0600000101010101" pitchFamily="50" charset="-127"/>
+                <a:ea typeface="나눔스퀘어 Bold" panose="020B0600000101010101" pitchFamily="50" charset="-127"/>
+              </a:endParaRPr>
+            </a:p>
+          </p:txBody>
+        </p:sp>
+        <p:sp>
+          <p:nvSpPr>
+            <p:cNvPr id="72" name="TextBox 71">
+              <a:extLst>
+                <a:ext uri="{FF2B5EF4-FFF2-40B4-BE49-F238E27FC236}">
+                  <a16:creationId xmlns:a16="http://schemas.microsoft.com/office/drawing/2014/main" id="{A6052CDC-52CE-4003-AA05-B667F0D299C0}"/>
+                </a:ext>
+              </a:extLst>
+            </p:cNvPr>
+            <p:cNvSpPr txBox="1"/>
+            <p:nvPr/>
+          </p:nvSpPr>
+          <p:spPr>
+            <a:xfrm>
+              <a:off x="9559345" y="1882019"/>
+              <a:ext cx="800219" cy="523220"/>
+            </a:xfrm>
+            <a:prstGeom prst="rect">
+              <a:avLst/>
+            </a:prstGeom>
+            <a:noFill/>
+          </p:spPr>
+          <p:txBody>
+            <a:bodyPr wrap="none" rtlCol="0">
+              <a:spAutoFit/>
+            </a:bodyPr>
+            <a:lstStyle/>
+            <a:p>
+              <a:r>
+                <a:rPr lang="ko-KR" altLang="en-US" sz="2800" spc="-150" dirty="0" smtClean="0">
+                  <a:solidFill>
+                    <a:schemeClr val="tx1">
+                      <a:lumMod val="65000"/>
+                      <a:lumOff val="35000"/>
+                    </a:schemeClr>
+                  </a:solidFill>
+                  <a:latin typeface="나눔스퀘어 Bold" panose="020B0600000101010101" pitchFamily="50" charset="-127"/>
+                  <a:ea typeface="나눔스퀘어 Bold" panose="020B0600000101010101" pitchFamily="50" charset="-127"/>
+                </a:rPr>
+                <a:t>시점</a:t>
+              </a:r>
+              <a:endParaRPr lang="ko-KR" altLang="en-US" sz="2800" spc="-150" dirty="0">
+                <a:solidFill>
+                  <a:schemeClr val="tx1">
+                    <a:lumMod val="65000"/>
+                    <a:lumOff val="35000"/>
+                  </a:schemeClr>
+                </a:solidFill>
+                <a:latin typeface="나눔스퀘어 Bold" panose="020B0600000101010101" pitchFamily="50" charset="-127"/>
+                <a:ea typeface="나눔스퀘어 Bold" panose="020B0600000101010101" pitchFamily="50" charset="-127"/>
+              </a:endParaRPr>
+            </a:p>
+          </p:txBody>
+        </p:sp>
+      </p:grpSp>
+      <p:sp>
+        <p:nvSpPr>
+          <p:cNvPr id="27" name="TextBox 26">
+            <a:extLst>
+              <a:ext uri="{FF2B5EF4-FFF2-40B4-BE49-F238E27FC236}">
+                <a16:creationId xmlns:a16="http://schemas.microsoft.com/office/drawing/2014/main" id="{38C4F0F3-76FC-4CE9-B167-AFC342487C07}"/>
+              </a:ext>
+            </a:extLst>
+          </p:cNvPr>
+          <p:cNvSpPr txBox="1"/>
+          <p:nvPr/>
+        </p:nvSpPr>
+        <p:spPr>
+          <a:xfrm>
+            <a:off x="4457462" y="2061907"/>
+            <a:ext cx="800219" cy="523220"/>
+          </a:xfrm>
+          <a:prstGeom prst="rect">
+            <a:avLst/>
+          </a:prstGeom>
+          <a:noFill/>
+        </p:spPr>
+        <p:txBody>
+          <a:bodyPr wrap="none" rtlCol="0">
+            <a:spAutoFit/>
+          </a:bodyPr>
+          <a:lstStyle/>
+          <a:p>
+            <a:r>
+              <a:rPr lang="ko-KR" altLang="en-US" sz="2800" spc="-150" dirty="0" smtClean="0">
+                <a:solidFill>
+                  <a:schemeClr val="tx1">
+                    <a:lumMod val="65000"/>
+                    <a:lumOff val="35000"/>
+                  </a:schemeClr>
+                </a:solidFill>
+                <a:latin typeface="나눔스퀘어 Bold" panose="020B0600000101010101" pitchFamily="50" charset="-127"/>
+                <a:ea typeface="나눔스퀘어 Bold" panose="020B0600000101010101" pitchFamily="50" charset="-127"/>
+              </a:rPr>
+              <a:t>협동</a:t>
+            </a:r>
+            <a:endParaRPr lang="ko-KR" altLang="en-US" sz="2800" spc="-150" dirty="0">
+              <a:solidFill>
+                <a:schemeClr val="tx1">
+                  <a:lumMod val="65000"/>
+                  <a:lumOff val="35000"/>
+                </a:schemeClr>
+              </a:solidFill>
+              <a:latin typeface="나눔스퀘어 Bold" panose="020B0600000101010101" pitchFamily="50" charset="-127"/>
+              <a:ea typeface="나눔스퀘어 Bold" panose="020B0600000101010101" pitchFamily="50" charset="-127"/>
+            </a:endParaRPr>
+          </a:p>
+        </p:txBody>
+      </p:sp>
+      <p:sp>
+        <p:nvSpPr>
+          <p:cNvPr id="28" name="TextBox 27">
+            <a:extLst>
+              <a:ext uri="{FF2B5EF4-FFF2-40B4-BE49-F238E27FC236}">
+                <a16:creationId xmlns:a16="http://schemas.microsoft.com/office/drawing/2014/main" id="{38C4F0F3-76FC-4CE9-B167-AFC342487C07}"/>
+              </a:ext>
+            </a:extLst>
+          </p:cNvPr>
+          <p:cNvSpPr txBox="1"/>
+          <p:nvPr/>
+        </p:nvSpPr>
+        <p:spPr>
+          <a:xfrm>
+            <a:off x="4457462" y="4597899"/>
+            <a:ext cx="1686680" cy="523220"/>
+          </a:xfrm>
+          <a:prstGeom prst="rect">
+            <a:avLst/>
+          </a:prstGeom>
+          <a:noFill/>
+        </p:spPr>
+        <p:txBody>
+          <a:bodyPr wrap="none" rtlCol="0">
+            <a:spAutoFit/>
+          </a:bodyPr>
+          <a:lstStyle/>
+          <a:p>
+            <a:r>
+              <a:rPr lang="en-US" altLang="ko-KR" sz="2800" spc="-150" dirty="0" smtClean="0">
+                <a:solidFill>
+                  <a:schemeClr val="tx1">
+                    <a:lumMod val="65000"/>
+                    <a:lumOff val="35000"/>
+                  </a:schemeClr>
+                </a:solidFill>
+                <a:latin typeface="나눔스퀘어 Bold" panose="020B0600000101010101" pitchFamily="50" charset="-127"/>
+                <a:ea typeface="나눔스퀘어 Bold" panose="020B0600000101010101" pitchFamily="50" charset="-127"/>
+              </a:rPr>
+              <a:t>1</a:t>
+            </a:r>
+            <a:r>
+              <a:rPr lang="ko-KR" altLang="en-US" sz="2800" spc="-150" dirty="0" smtClean="0">
+                <a:solidFill>
+                  <a:schemeClr val="tx1">
+                    <a:lumMod val="65000"/>
+                    <a:lumOff val="35000"/>
+                  </a:schemeClr>
+                </a:solidFill>
+                <a:latin typeface="나눔스퀘어 Bold" panose="020B0600000101010101" pitchFamily="50" charset="-127"/>
+                <a:ea typeface="나눔스퀘어 Bold" panose="020B0600000101010101" pitchFamily="50" charset="-127"/>
+              </a:rPr>
+              <a:t>인칭 시점</a:t>
+            </a:r>
+            <a:endParaRPr lang="ko-KR" altLang="en-US" sz="2800" spc="-150" dirty="0">
+              <a:solidFill>
+                <a:schemeClr val="tx1">
+                  <a:lumMod val="65000"/>
+                  <a:lumOff val="35000"/>
+                </a:schemeClr>
+              </a:solidFill>
+              <a:latin typeface="나눔스퀘어 Bold" panose="020B0600000101010101" pitchFamily="50" charset="-127"/>
+              <a:ea typeface="나눔스퀘어 Bold" panose="020B0600000101010101" pitchFamily="50" charset="-127"/>
+            </a:endParaRPr>
+          </a:p>
+        </p:txBody>
+      </p:sp>
+      <p:sp>
+        <p:nvSpPr>
+          <p:cNvPr id="29" name="TextBox 28">
+            <a:extLst>
+              <a:ext uri="{FF2B5EF4-FFF2-40B4-BE49-F238E27FC236}">
+                <a16:creationId xmlns:a16="http://schemas.microsoft.com/office/drawing/2014/main" id="{38C4F0F3-76FC-4CE9-B167-AFC342487C07}"/>
+              </a:ext>
+            </a:extLst>
+          </p:cNvPr>
+          <p:cNvSpPr txBox="1"/>
+          <p:nvPr/>
+        </p:nvSpPr>
+        <p:spPr>
+          <a:xfrm>
+            <a:off x="4457461" y="3353410"/>
+            <a:ext cx="598241" cy="523220"/>
+          </a:xfrm>
+          <a:prstGeom prst="rect">
+            <a:avLst/>
+          </a:prstGeom>
+          <a:noFill/>
+        </p:spPr>
+        <p:txBody>
+          <a:bodyPr wrap="none" rtlCol="0">
+            <a:spAutoFit/>
+          </a:bodyPr>
+          <a:lstStyle/>
+          <a:p>
+            <a:r>
+              <a:rPr lang="en-US" altLang="ko-KR" sz="2800" spc="-150" dirty="0" smtClean="0">
+                <a:solidFill>
+                  <a:schemeClr val="tx1">
+                    <a:lumMod val="65000"/>
+                    <a:lumOff val="35000"/>
+                  </a:schemeClr>
+                </a:solidFill>
+                <a:latin typeface="나눔스퀘어 Bold" panose="020B0600000101010101" pitchFamily="50" charset="-127"/>
+                <a:ea typeface="나눔스퀘어 Bold" panose="020B0600000101010101" pitchFamily="50" charset="-127"/>
+              </a:rPr>
+              <a:t>PC</a:t>
+            </a:r>
+            <a:endParaRPr lang="ko-KR" altLang="en-US" sz="2800" spc="-150" dirty="0">
+              <a:solidFill>
+                <a:schemeClr val="tx1">
+                  <a:lumMod val="65000"/>
+                  <a:lumOff val="35000"/>
+                </a:schemeClr>
+              </a:solidFill>
+              <a:latin typeface="나눔스퀘어 Bold" panose="020B0600000101010101" pitchFamily="50" charset="-127"/>
+              <a:ea typeface="나눔스퀘어 Bold" panose="020B0600000101010101" pitchFamily="50" charset="-127"/>
+            </a:endParaRPr>
+          </a:p>
+        </p:txBody>
+      </p:sp>
+    </p:spTree>
+    <p:extLst>
+      <p:ext uri="{BB962C8B-B14F-4D97-AF65-F5344CB8AC3E}">
+        <p14:creationId xmlns:p14="http://schemas.microsoft.com/office/powerpoint/2010/main" val="2802671183"/>
       </p:ext>
     </p:extLst>
   </p:cSld>
@@ -6684,7 +7746,726 @@
 </p:sld>
 </file>
 
-<file path=ppt/slides/slide4.xml><?xml version="1.0" encoding="utf-8"?>
+<file path=ppt/slides/slide5.xml><?xml version="1.0" encoding="utf-8"?>
+<p:sld xmlns:a="http://schemas.openxmlformats.org/drawingml/2006/main" xmlns:r="http://schemas.openxmlformats.org/officeDocument/2006/relationships" xmlns:p="http://schemas.openxmlformats.org/presentationml/2006/main">
+  <p:cSld>
+    <p:spTree>
+      <p:nvGrpSpPr>
+        <p:cNvPr id="1" name=""/>
+        <p:cNvGrpSpPr/>
+        <p:nvPr/>
+      </p:nvGrpSpPr>
+      <p:grpSpPr>
+        <a:xfrm>
+          <a:off x="0" y="0"/>
+          <a:ext cx="0" cy="0"/>
+          <a:chOff x="0" y="0"/>
+          <a:chExt cx="0" cy="0"/>
+        </a:xfrm>
+      </p:grpSpPr>
+      <p:cxnSp>
+        <p:nvCxnSpPr>
+          <p:cNvPr id="3" name="직선 연결선 2">
+            <a:extLst>
+              <a:ext uri="{FF2B5EF4-FFF2-40B4-BE49-F238E27FC236}">
+                <a16:creationId xmlns:a16="http://schemas.microsoft.com/office/drawing/2014/main" id="{1FF04A19-8950-44A5-80E9-5A06E7DA23BE}"/>
+              </a:ext>
+            </a:extLst>
+          </p:cNvPr>
+          <p:cNvCxnSpPr/>
+          <p:nvPr/>
+        </p:nvCxnSpPr>
+        <p:spPr>
+          <a:xfrm>
+            <a:off x="449179" y="834004"/>
+            <a:ext cx="11742821" cy="0"/>
+          </a:xfrm>
+          <a:prstGeom prst="line">
+            <a:avLst/>
+          </a:prstGeom>
+          <a:ln>
+            <a:solidFill>
+              <a:schemeClr val="accent6"/>
+            </a:solidFill>
+          </a:ln>
+        </p:spPr>
+        <p:style>
+          <a:lnRef idx="1">
+            <a:schemeClr val="accent1"/>
+          </a:lnRef>
+          <a:fillRef idx="0">
+            <a:schemeClr val="accent1"/>
+          </a:fillRef>
+          <a:effectRef idx="0">
+            <a:schemeClr val="accent1"/>
+          </a:effectRef>
+          <a:fontRef idx="minor">
+            <a:schemeClr val="tx1"/>
+          </a:fontRef>
+        </p:style>
+      </p:cxnSp>
+      <p:sp>
+        <p:nvSpPr>
+          <p:cNvPr id="4" name="TextBox 3">
+            <a:extLst>
+              <a:ext uri="{FF2B5EF4-FFF2-40B4-BE49-F238E27FC236}">
+                <a16:creationId xmlns:a16="http://schemas.microsoft.com/office/drawing/2014/main" id="{243C702B-3426-41BD-9FAE-31F746E5D0B6}"/>
+              </a:ext>
+            </a:extLst>
+          </p:cNvPr>
+          <p:cNvSpPr txBox="1"/>
+          <p:nvPr/>
+        </p:nvSpPr>
+        <p:spPr>
+          <a:xfrm>
+            <a:off x="449179" y="63798"/>
+            <a:ext cx="746423" cy="307777"/>
+          </a:xfrm>
+          <a:prstGeom prst="rect">
+            <a:avLst/>
+          </a:prstGeom>
+          <a:noFill/>
+        </p:spPr>
+        <p:txBody>
+          <a:bodyPr wrap="none" rtlCol="0">
+            <a:spAutoFit/>
+          </a:bodyPr>
+          <a:lstStyle/>
+          <a:p>
+            <a:r>
+              <a:rPr lang="en-US" altLang="ko-KR" sz="1400" dirty="0">
+                <a:solidFill>
+                  <a:schemeClr val="accent6">
+                    <a:lumMod val="50000"/>
+                  </a:schemeClr>
+                </a:solidFill>
+                <a:latin typeface="나눔스퀘어 Bold" panose="020B0600000101010101" pitchFamily="50" charset="-127"/>
+                <a:ea typeface="나눔스퀘어 Bold" panose="020B0600000101010101" pitchFamily="50" charset="-127"/>
+              </a:rPr>
+              <a:t>Part </a:t>
+            </a:r>
+            <a:r>
+              <a:rPr lang="en-US" altLang="ko-KR" sz="1400" dirty="0" smtClean="0">
+                <a:solidFill>
+                  <a:schemeClr val="accent6">
+                    <a:lumMod val="50000"/>
+                  </a:schemeClr>
+                </a:solidFill>
+                <a:latin typeface="나눔스퀘어 Bold" panose="020B0600000101010101" pitchFamily="50" charset="-127"/>
+                <a:ea typeface="나눔스퀘어 Bold" panose="020B0600000101010101" pitchFamily="50" charset="-127"/>
+              </a:rPr>
+              <a:t>2,</a:t>
+            </a:r>
+            <a:endParaRPr lang="ko-KR" altLang="en-US" sz="1400" dirty="0">
+              <a:solidFill>
+                <a:schemeClr val="accent6">
+                  <a:lumMod val="50000"/>
+                </a:schemeClr>
+              </a:solidFill>
+              <a:latin typeface="나눔스퀘어 Bold" panose="020B0600000101010101" pitchFamily="50" charset="-127"/>
+              <a:ea typeface="나눔스퀘어 Bold" panose="020B0600000101010101" pitchFamily="50" charset="-127"/>
+            </a:endParaRPr>
+          </a:p>
+        </p:txBody>
+      </p:sp>
+      <p:sp>
+        <p:nvSpPr>
+          <p:cNvPr id="5" name="TextBox 4">
+            <a:extLst>
+              <a:ext uri="{FF2B5EF4-FFF2-40B4-BE49-F238E27FC236}">
+                <a16:creationId xmlns:a16="http://schemas.microsoft.com/office/drawing/2014/main" id="{1411476D-DF3F-4F30-A9AB-21B405D99E03}"/>
+              </a:ext>
+            </a:extLst>
+          </p:cNvPr>
+          <p:cNvSpPr txBox="1"/>
+          <p:nvPr/>
+        </p:nvSpPr>
+        <p:spPr>
+          <a:xfrm>
+            <a:off x="449179" y="286511"/>
+            <a:ext cx="3728906" cy="461665"/>
+          </a:xfrm>
+          <a:prstGeom prst="rect">
+            <a:avLst/>
+          </a:prstGeom>
+          <a:noFill/>
+        </p:spPr>
+        <p:txBody>
+          <a:bodyPr wrap="none" rtlCol="0">
+            <a:spAutoFit/>
+          </a:bodyPr>
+          <a:lstStyle/>
+          <a:p>
+            <a:r>
+              <a:rPr lang="ko-KR" altLang="en-US" sz="2400" dirty="0" smtClean="0">
+                <a:solidFill>
+                  <a:schemeClr val="accent6">
+                    <a:lumMod val="50000"/>
+                  </a:schemeClr>
+                </a:solidFill>
+                <a:latin typeface="나눔스퀘어 Bold" panose="020B0600000101010101" pitchFamily="50" charset="-127"/>
+                <a:ea typeface="나눔스퀘어 Bold" panose="020B0600000101010101" pitchFamily="50" charset="-127"/>
+              </a:rPr>
+              <a:t>게임 소개 및 방법 </a:t>
+            </a:r>
+            <a:r>
+              <a:rPr lang="en-US" altLang="ko-KR" sz="2400" dirty="0" smtClean="0">
+                <a:solidFill>
+                  <a:schemeClr val="accent6">
+                    <a:lumMod val="50000"/>
+                  </a:schemeClr>
+                </a:solidFill>
+                <a:latin typeface="나눔스퀘어 Bold" panose="020B0600000101010101" pitchFamily="50" charset="-127"/>
+                <a:ea typeface="나눔스퀘어 Bold" panose="020B0600000101010101" pitchFamily="50" charset="-127"/>
+              </a:rPr>
+              <a:t>– </a:t>
+            </a:r>
+            <a:r>
+              <a:rPr lang="ko-KR" altLang="en-US" sz="2000" dirty="0" smtClean="0">
+                <a:solidFill>
+                  <a:schemeClr val="accent6">
+                    <a:lumMod val="50000"/>
+                  </a:schemeClr>
+                </a:solidFill>
+                <a:latin typeface="나눔스퀘어 Bold" panose="020B0600000101010101" pitchFamily="50" charset="-127"/>
+                <a:ea typeface="나눔스퀘어 Bold" panose="020B0600000101010101" pitchFamily="50" charset="-127"/>
+              </a:rPr>
+              <a:t>진행 순서 </a:t>
+            </a:r>
+            <a:endParaRPr lang="ko-KR" altLang="en-US" sz="2400" dirty="0">
+              <a:solidFill>
+                <a:schemeClr val="accent6">
+                  <a:lumMod val="50000"/>
+                </a:schemeClr>
+              </a:solidFill>
+              <a:latin typeface="나눔스퀘어 Bold" panose="020B0600000101010101" pitchFamily="50" charset="-127"/>
+              <a:ea typeface="나눔스퀘어 Bold" panose="020B0600000101010101" pitchFamily="50" charset="-127"/>
+            </a:endParaRPr>
+          </a:p>
+        </p:txBody>
+      </p:sp>
+      <p:sp>
+        <p:nvSpPr>
+          <p:cNvPr id="2" name="갈매기형 수장 5">
+            <a:extLst>
+              <a:ext uri="{FF2B5EF4-FFF2-40B4-BE49-F238E27FC236}">
+                <a16:creationId xmlns:a16="http://schemas.microsoft.com/office/drawing/2014/main" id="{CCF52165-B212-414E-9BCB-D6E5E1ACD1C7}"/>
+              </a:ext>
+            </a:extLst>
+          </p:cNvPr>
+          <p:cNvSpPr/>
+          <p:nvPr/>
+        </p:nvSpPr>
+        <p:spPr>
+          <a:xfrm>
+            <a:off x="7678653" y="2612525"/>
+            <a:ext cx="3933825" cy="1399868"/>
+          </a:xfrm>
+          <a:prstGeom prst="chevron">
+            <a:avLst/>
+          </a:prstGeom>
+          <a:solidFill>
+            <a:schemeClr val="accent5"/>
+          </a:solidFill>
+          <a:ln>
+            <a:noFill/>
+          </a:ln>
+        </p:spPr>
+        <p:style>
+          <a:lnRef idx="2">
+            <a:schemeClr val="accent1">
+              <a:shade val="50000"/>
+            </a:schemeClr>
+          </a:lnRef>
+          <a:fillRef idx="1">
+            <a:schemeClr val="accent1"/>
+          </a:fillRef>
+          <a:effectRef idx="0">
+            <a:schemeClr val="accent1"/>
+          </a:effectRef>
+          <a:fontRef idx="minor">
+            <a:schemeClr val="lt1"/>
+          </a:fontRef>
+        </p:style>
+        <p:txBody>
+          <a:bodyPr rot="0" spcFirstLastPara="0" vertOverflow="overflow" horzOverflow="overflow" vert="horz" wrap="square" lIns="91440" tIns="45720" rIns="91440" bIns="45720" numCol="1" spcCol="0" rtlCol="0" fromWordArt="0" anchor="ctr" anchorCtr="0" forceAA="0" compatLnSpc="1">
+            <a:prstTxWarp prst="textNoShape">
+              <a:avLst/>
+            </a:prstTxWarp>
+            <a:noAutofit/>
+          </a:bodyPr>
+          <a:lstStyle/>
+          <a:p>
+            <a:pPr algn="ctr"/>
+            <a:endParaRPr lang="ko-KR" altLang="en-US">
+              <a:latin typeface="나눔스퀘어 Bold" panose="020B0600000101010101" pitchFamily="50" charset="-127"/>
+              <a:ea typeface="나눔스퀘어 Bold" panose="020B0600000101010101" pitchFamily="50" charset="-127"/>
+            </a:endParaRPr>
+          </a:p>
+        </p:txBody>
+      </p:sp>
+      <p:sp>
+        <p:nvSpPr>
+          <p:cNvPr id="6" name="갈매기형 수장 4">
+            <a:extLst>
+              <a:ext uri="{FF2B5EF4-FFF2-40B4-BE49-F238E27FC236}">
+                <a16:creationId xmlns:a16="http://schemas.microsoft.com/office/drawing/2014/main" id="{51D60AEF-1C73-4204-BD99-F8A0B68B3B27}"/>
+              </a:ext>
+            </a:extLst>
+          </p:cNvPr>
+          <p:cNvSpPr/>
+          <p:nvPr/>
+        </p:nvSpPr>
+        <p:spPr>
+          <a:xfrm>
+            <a:off x="4063916" y="2612525"/>
+            <a:ext cx="3933825" cy="1399868"/>
+          </a:xfrm>
+          <a:prstGeom prst="chevron">
+            <a:avLst/>
+          </a:prstGeom>
+          <a:solidFill>
+            <a:schemeClr val="accent3"/>
+          </a:solidFill>
+          <a:ln>
+            <a:noFill/>
+          </a:ln>
+        </p:spPr>
+        <p:style>
+          <a:lnRef idx="2">
+            <a:schemeClr val="accent1">
+              <a:shade val="50000"/>
+            </a:schemeClr>
+          </a:lnRef>
+          <a:fillRef idx="1">
+            <a:schemeClr val="accent1"/>
+          </a:fillRef>
+          <a:effectRef idx="0">
+            <a:schemeClr val="accent1"/>
+          </a:effectRef>
+          <a:fontRef idx="minor">
+            <a:schemeClr val="lt1"/>
+          </a:fontRef>
+        </p:style>
+        <p:txBody>
+          <a:bodyPr rot="0" spcFirstLastPara="0" vertOverflow="overflow" horzOverflow="overflow" vert="horz" wrap="square" lIns="91440" tIns="45720" rIns="91440" bIns="45720" numCol="1" spcCol="0" rtlCol="0" fromWordArt="0" anchor="ctr" anchorCtr="0" forceAA="0" compatLnSpc="1">
+            <a:prstTxWarp prst="textNoShape">
+              <a:avLst/>
+            </a:prstTxWarp>
+            <a:noAutofit/>
+          </a:bodyPr>
+          <a:lstStyle/>
+          <a:p>
+            <a:pPr algn="ctr"/>
+            <a:endParaRPr lang="ko-KR" altLang="en-US">
+              <a:latin typeface="나눔스퀘어 Bold" panose="020B0600000101010101" pitchFamily="50" charset="-127"/>
+              <a:ea typeface="나눔스퀘어 Bold" panose="020B0600000101010101" pitchFamily="50" charset="-127"/>
+            </a:endParaRPr>
+          </a:p>
+        </p:txBody>
+      </p:sp>
+      <p:sp>
+        <p:nvSpPr>
+          <p:cNvPr id="8" name="오각형 3">
+            <a:extLst>
+              <a:ext uri="{FF2B5EF4-FFF2-40B4-BE49-F238E27FC236}">
+                <a16:creationId xmlns:a16="http://schemas.microsoft.com/office/drawing/2014/main" id="{AE12691B-85C8-4807-8C9D-B79A6EC7AA4F}"/>
+              </a:ext>
+            </a:extLst>
+          </p:cNvPr>
+          <p:cNvSpPr/>
+          <p:nvPr/>
+        </p:nvSpPr>
+        <p:spPr>
+          <a:xfrm>
+            <a:off x="449179" y="2612525"/>
+            <a:ext cx="3933825" cy="1399868"/>
+          </a:xfrm>
+          <a:prstGeom prst="homePlate">
+            <a:avLst/>
+          </a:prstGeom>
+          <a:solidFill>
+            <a:schemeClr val="accent1"/>
+          </a:solidFill>
+          <a:ln>
+            <a:noFill/>
+          </a:ln>
+        </p:spPr>
+        <p:style>
+          <a:lnRef idx="2">
+            <a:schemeClr val="accent1">
+              <a:shade val="50000"/>
+            </a:schemeClr>
+          </a:lnRef>
+          <a:fillRef idx="1">
+            <a:schemeClr val="accent1"/>
+          </a:fillRef>
+          <a:effectRef idx="0">
+            <a:schemeClr val="accent1"/>
+          </a:effectRef>
+          <a:fontRef idx="minor">
+            <a:schemeClr val="lt1"/>
+          </a:fontRef>
+        </p:style>
+        <p:txBody>
+          <a:bodyPr rot="0" spcFirstLastPara="0" vertOverflow="overflow" horzOverflow="overflow" vert="horz" wrap="square" lIns="91440" tIns="45720" rIns="91440" bIns="45720" numCol="1" spcCol="0" rtlCol="0" fromWordArt="0" anchor="ctr" anchorCtr="0" forceAA="0" compatLnSpc="1">
+            <a:prstTxWarp prst="textNoShape">
+              <a:avLst/>
+            </a:prstTxWarp>
+            <a:noAutofit/>
+          </a:bodyPr>
+          <a:lstStyle/>
+          <a:p>
+            <a:pPr algn="ctr"/>
+            <a:endParaRPr lang="ko-KR" altLang="en-US">
+              <a:latin typeface="나눔스퀘어 Bold" panose="020B0600000101010101" pitchFamily="50" charset="-127"/>
+              <a:ea typeface="나눔스퀘어 Bold" panose="020B0600000101010101" pitchFamily="50" charset="-127"/>
+            </a:endParaRPr>
+          </a:p>
+        </p:txBody>
+      </p:sp>
+      <p:sp>
+        <p:nvSpPr>
+          <p:cNvPr id="15" name="TextBox 14">
+            <a:extLst>
+              <a:ext uri="{FF2B5EF4-FFF2-40B4-BE49-F238E27FC236}">
+                <a16:creationId xmlns:a16="http://schemas.microsoft.com/office/drawing/2014/main" id="{F8F302C9-0F95-4FE7-8DC3-E971C8DC7425}"/>
+              </a:ext>
+            </a:extLst>
+          </p:cNvPr>
+          <p:cNvSpPr txBox="1"/>
+          <p:nvPr/>
+        </p:nvSpPr>
+        <p:spPr>
+          <a:xfrm>
+            <a:off x="1786957" y="3059940"/>
+            <a:ext cx="745717" cy="461665"/>
+          </a:xfrm>
+          <a:prstGeom prst="rect">
+            <a:avLst/>
+          </a:prstGeom>
+          <a:noFill/>
+        </p:spPr>
+        <p:txBody>
+          <a:bodyPr wrap="none" rtlCol="0">
+            <a:spAutoFit/>
+          </a:bodyPr>
+          <a:lstStyle/>
+          <a:p>
+            <a:r>
+              <a:rPr lang="ko-KR" altLang="en-US" sz="2400" dirty="0" smtClean="0">
+                <a:solidFill>
+                  <a:schemeClr val="bg1"/>
+                </a:solidFill>
+                <a:latin typeface="나눔스퀘어 Bold" panose="020B0600000101010101" pitchFamily="50" charset="-127"/>
+                <a:ea typeface="나눔스퀘어 Bold" panose="020B0600000101010101" pitchFamily="50" charset="-127"/>
+              </a:rPr>
+              <a:t>준비</a:t>
+            </a:r>
+            <a:endParaRPr lang="ko-KR" altLang="en-US" sz="2400" dirty="0">
+              <a:solidFill>
+                <a:schemeClr val="bg1"/>
+              </a:solidFill>
+              <a:latin typeface="나눔스퀘어 Bold" panose="020B0600000101010101" pitchFamily="50" charset="-127"/>
+              <a:ea typeface="나눔스퀘어 Bold" panose="020B0600000101010101" pitchFamily="50" charset="-127"/>
+            </a:endParaRPr>
+          </a:p>
+        </p:txBody>
+      </p:sp>
+      <p:sp>
+        <p:nvSpPr>
+          <p:cNvPr id="16" name="TextBox 15">
+            <a:extLst>
+              <a:ext uri="{FF2B5EF4-FFF2-40B4-BE49-F238E27FC236}">
+                <a16:creationId xmlns:a16="http://schemas.microsoft.com/office/drawing/2014/main" id="{95F9CF51-F471-4405-9B1D-CB60256B0B83}"/>
+              </a:ext>
+            </a:extLst>
+          </p:cNvPr>
+          <p:cNvSpPr txBox="1"/>
+          <p:nvPr/>
+        </p:nvSpPr>
+        <p:spPr>
+          <a:xfrm>
+            <a:off x="5657969" y="3059939"/>
+            <a:ext cx="745717" cy="461665"/>
+          </a:xfrm>
+          <a:prstGeom prst="rect">
+            <a:avLst/>
+          </a:prstGeom>
+          <a:noFill/>
+        </p:spPr>
+        <p:txBody>
+          <a:bodyPr wrap="none" rtlCol="0">
+            <a:spAutoFit/>
+          </a:bodyPr>
+          <a:lstStyle/>
+          <a:p>
+            <a:r>
+              <a:rPr lang="ko-KR" altLang="en-US" sz="2400" dirty="0" smtClean="0">
+                <a:solidFill>
+                  <a:schemeClr val="bg1"/>
+                </a:solidFill>
+                <a:latin typeface="나눔스퀘어 Bold" panose="020B0600000101010101" pitchFamily="50" charset="-127"/>
+                <a:ea typeface="나눔스퀘어 Bold" panose="020B0600000101010101" pitchFamily="50" charset="-127"/>
+              </a:rPr>
+              <a:t>전투</a:t>
+            </a:r>
+            <a:endParaRPr lang="ko-KR" altLang="en-US" sz="2400" dirty="0">
+              <a:solidFill>
+                <a:schemeClr val="bg1"/>
+              </a:solidFill>
+              <a:latin typeface="나눔스퀘어 Bold" panose="020B0600000101010101" pitchFamily="50" charset="-127"/>
+              <a:ea typeface="나눔스퀘어 Bold" panose="020B0600000101010101" pitchFamily="50" charset="-127"/>
+            </a:endParaRPr>
+          </a:p>
+        </p:txBody>
+      </p:sp>
+      <p:sp>
+        <p:nvSpPr>
+          <p:cNvPr id="17" name="TextBox 16">
+            <a:extLst>
+              <a:ext uri="{FF2B5EF4-FFF2-40B4-BE49-F238E27FC236}">
+                <a16:creationId xmlns:a16="http://schemas.microsoft.com/office/drawing/2014/main" id="{B3E0693A-B177-41E4-BFC9-9697F70BB0B7}"/>
+              </a:ext>
+            </a:extLst>
+          </p:cNvPr>
+          <p:cNvSpPr txBox="1"/>
+          <p:nvPr/>
+        </p:nvSpPr>
+        <p:spPr>
+          <a:xfrm>
+            <a:off x="9272706" y="3062353"/>
+            <a:ext cx="745717" cy="461665"/>
+          </a:xfrm>
+          <a:prstGeom prst="rect">
+            <a:avLst/>
+          </a:prstGeom>
+          <a:noFill/>
+        </p:spPr>
+        <p:txBody>
+          <a:bodyPr wrap="none" rtlCol="0">
+            <a:spAutoFit/>
+          </a:bodyPr>
+          <a:lstStyle/>
+          <a:p>
+            <a:r>
+              <a:rPr lang="ko-KR" altLang="en-US" sz="2400" dirty="0" smtClean="0">
+                <a:solidFill>
+                  <a:schemeClr val="bg1"/>
+                </a:solidFill>
+                <a:latin typeface="나눔스퀘어 Bold" panose="020B0600000101010101" pitchFamily="50" charset="-127"/>
+                <a:ea typeface="나눔스퀘어 Bold" panose="020B0600000101010101" pitchFamily="50" charset="-127"/>
+              </a:rPr>
+              <a:t>정비</a:t>
+            </a:r>
+            <a:endParaRPr lang="ko-KR" altLang="en-US" sz="2400" dirty="0">
+              <a:solidFill>
+                <a:schemeClr val="bg1"/>
+              </a:solidFill>
+              <a:latin typeface="나눔스퀘어 Bold" panose="020B0600000101010101" pitchFamily="50" charset="-127"/>
+              <a:ea typeface="나눔스퀘어 Bold" panose="020B0600000101010101" pitchFamily="50" charset="-127"/>
+            </a:endParaRPr>
+          </a:p>
+        </p:txBody>
+      </p:sp>
+      <p:sp>
+        <p:nvSpPr>
+          <p:cNvPr id="23" name="TextBox 22">
+            <a:extLst>
+              <a:ext uri="{FF2B5EF4-FFF2-40B4-BE49-F238E27FC236}">
+                <a16:creationId xmlns:a16="http://schemas.microsoft.com/office/drawing/2014/main" id="{F8F302C9-0F95-4FE7-8DC3-E971C8DC7425}"/>
+              </a:ext>
+            </a:extLst>
+          </p:cNvPr>
+          <p:cNvSpPr txBox="1"/>
+          <p:nvPr/>
+        </p:nvSpPr>
+        <p:spPr>
+          <a:xfrm>
+            <a:off x="449179" y="4459807"/>
+            <a:ext cx="3238500" cy="707886"/>
+          </a:xfrm>
+          <a:prstGeom prst="rect">
+            <a:avLst/>
+          </a:prstGeom>
+          <a:noFill/>
+        </p:spPr>
+        <p:txBody>
+          <a:bodyPr wrap="square" rtlCol="0">
+            <a:spAutoFit/>
+          </a:bodyPr>
+          <a:lstStyle/>
+          <a:p>
+            <a:r>
+              <a:rPr lang="ko-KR" altLang="en-US" sz="2000" dirty="0" smtClean="0">
+                <a:latin typeface="나눔스퀘어 Bold" panose="020B0600000101010101" pitchFamily="50" charset="-127"/>
+                <a:ea typeface="나눔스퀘어 Bold" panose="020B0600000101010101" pitchFamily="50" charset="-127"/>
+              </a:rPr>
+              <a:t>가진 장비를 이용해 적들을 </a:t>
+            </a:r>
+            <a:endParaRPr lang="en-US" altLang="ko-KR" sz="2000" dirty="0" smtClean="0">
+              <a:latin typeface="나눔스퀘어 Bold" panose="020B0600000101010101" pitchFamily="50" charset="-127"/>
+              <a:ea typeface="나눔스퀘어 Bold" panose="020B0600000101010101" pitchFamily="50" charset="-127"/>
+            </a:endParaRPr>
+          </a:p>
+          <a:p>
+            <a:r>
+              <a:rPr lang="ko-KR" altLang="en-US" sz="2000" dirty="0" smtClean="0">
+                <a:latin typeface="나눔스퀘어 Bold" panose="020B0600000101010101" pitchFamily="50" charset="-127"/>
+                <a:ea typeface="나눔스퀘어 Bold" panose="020B0600000101010101" pitchFamily="50" charset="-127"/>
+              </a:rPr>
+              <a:t>방어할 준비를 한다</a:t>
+            </a:r>
+            <a:r>
+              <a:rPr lang="en-US" altLang="ko-KR" sz="2000" dirty="0" smtClean="0">
+                <a:latin typeface="나눔스퀘어 Bold" panose="020B0600000101010101" pitchFamily="50" charset="-127"/>
+                <a:ea typeface="나눔스퀘어 Bold" panose="020B0600000101010101" pitchFamily="50" charset="-127"/>
+              </a:rPr>
+              <a:t>.</a:t>
+            </a:r>
+            <a:endParaRPr lang="ko-KR" altLang="en-US" sz="2000" dirty="0">
+              <a:latin typeface="나눔스퀘어 Bold" panose="020B0600000101010101" pitchFamily="50" charset="-127"/>
+              <a:ea typeface="나눔스퀘어 Bold" panose="020B0600000101010101" pitchFamily="50" charset="-127"/>
+            </a:endParaRPr>
+          </a:p>
+        </p:txBody>
+      </p:sp>
+      <p:sp>
+        <p:nvSpPr>
+          <p:cNvPr id="24" name="TextBox 23">
+            <a:extLst>
+              <a:ext uri="{FF2B5EF4-FFF2-40B4-BE49-F238E27FC236}">
+                <a16:creationId xmlns:a16="http://schemas.microsoft.com/office/drawing/2014/main" id="{F8F302C9-0F95-4FE7-8DC3-E971C8DC7425}"/>
+              </a:ext>
+            </a:extLst>
+          </p:cNvPr>
+          <p:cNvSpPr txBox="1"/>
+          <p:nvPr/>
+        </p:nvSpPr>
+        <p:spPr>
+          <a:xfrm>
+            <a:off x="3802223" y="4459807"/>
+            <a:ext cx="3711491" cy="707886"/>
+          </a:xfrm>
+          <a:prstGeom prst="rect">
+            <a:avLst/>
+          </a:prstGeom>
+          <a:noFill/>
+        </p:spPr>
+        <p:txBody>
+          <a:bodyPr wrap="square" rtlCol="0">
+            <a:spAutoFit/>
+          </a:bodyPr>
+          <a:lstStyle/>
+          <a:p>
+            <a:r>
+              <a:rPr lang="ko-KR" altLang="en-US" sz="2000" dirty="0" smtClean="0">
+                <a:latin typeface="나눔스퀘어 Bold" panose="020B0600000101010101" pitchFamily="50" charset="-127"/>
+                <a:ea typeface="나눔스퀘어 Bold" panose="020B0600000101010101" pitchFamily="50" charset="-127"/>
+              </a:rPr>
+              <a:t>다가오는 적들의 공격에서 </a:t>
+            </a:r>
+            <a:endParaRPr lang="en-US" altLang="ko-KR" sz="2000" dirty="0" smtClean="0">
+              <a:latin typeface="나눔스퀘어 Bold" panose="020B0600000101010101" pitchFamily="50" charset="-127"/>
+              <a:ea typeface="나눔스퀘어 Bold" panose="020B0600000101010101" pitchFamily="50" charset="-127"/>
+            </a:endParaRPr>
+          </a:p>
+          <a:p>
+            <a:r>
+              <a:rPr lang="ko-KR" altLang="en-US" sz="2000" dirty="0" smtClean="0">
+                <a:latin typeface="나눔스퀘어 Bold" panose="020B0600000101010101" pitchFamily="50" charset="-127"/>
+                <a:ea typeface="나눔스퀘어 Bold" panose="020B0600000101010101" pitchFamily="50" charset="-127"/>
+              </a:rPr>
+              <a:t>살아남아 모든 적을 제거해서 생존 </a:t>
+            </a:r>
+            <a:endParaRPr lang="ko-KR" altLang="en-US" sz="2000" dirty="0">
+              <a:latin typeface="나눔스퀘어 Bold" panose="020B0600000101010101" pitchFamily="50" charset="-127"/>
+              <a:ea typeface="나눔스퀘어 Bold" panose="020B0600000101010101" pitchFamily="50" charset="-127"/>
+            </a:endParaRPr>
+          </a:p>
+        </p:txBody>
+      </p:sp>
+      <p:sp>
+        <p:nvSpPr>
+          <p:cNvPr id="25" name="TextBox 24">
+            <a:extLst>
+              <a:ext uri="{FF2B5EF4-FFF2-40B4-BE49-F238E27FC236}">
+                <a16:creationId xmlns:a16="http://schemas.microsoft.com/office/drawing/2014/main" id="{F8F302C9-0F95-4FE7-8DC3-E971C8DC7425}"/>
+              </a:ext>
+            </a:extLst>
+          </p:cNvPr>
+          <p:cNvSpPr txBox="1"/>
+          <p:nvPr/>
+        </p:nvSpPr>
+        <p:spPr>
+          <a:xfrm>
+            <a:off x="7609208" y="4459807"/>
+            <a:ext cx="4629153" cy="707886"/>
+          </a:xfrm>
+          <a:prstGeom prst="rect">
+            <a:avLst/>
+          </a:prstGeom>
+          <a:noFill/>
+        </p:spPr>
+        <p:txBody>
+          <a:bodyPr wrap="square" rtlCol="0">
+            <a:spAutoFit/>
+          </a:bodyPr>
+          <a:lstStyle/>
+          <a:p>
+            <a:r>
+              <a:rPr lang="ko-KR" altLang="en-US" sz="2000" dirty="0" smtClean="0">
+                <a:latin typeface="나눔스퀘어 Bold" panose="020B0600000101010101" pitchFamily="50" charset="-127"/>
+                <a:ea typeface="나눔스퀘어 Bold" panose="020B0600000101010101" pitchFamily="50" charset="-127"/>
+              </a:rPr>
+              <a:t>전투 중 피해를 입은 것을 복구를 하며 </a:t>
+            </a:r>
+            <a:endParaRPr lang="en-US" altLang="ko-KR" sz="2000" dirty="0" smtClean="0">
+              <a:latin typeface="나눔스퀘어 Bold" panose="020B0600000101010101" pitchFamily="50" charset="-127"/>
+              <a:ea typeface="나눔스퀘어 Bold" panose="020B0600000101010101" pitchFamily="50" charset="-127"/>
+            </a:endParaRPr>
+          </a:p>
+          <a:p>
+            <a:r>
+              <a:rPr lang="ko-KR" altLang="en-US" sz="2000" dirty="0" smtClean="0">
+                <a:latin typeface="나눔스퀘어 Bold" panose="020B0600000101010101" pitchFamily="50" charset="-127"/>
+                <a:ea typeface="나눔스퀘어 Bold" panose="020B0600000101010101" pitchFamily="50" charset="-127"/>
+              </a:rPr>
+              <a:t>다음 전투에서 사용 할 것을 미리 준비한다</a:t>
+            </a:r>
+            <a:endParaRPr lang="ko-KR" altLang="en-US" sz="2000" dirty="0">
+              <a:latin typeface="나눔스퀘어 Bold" panose="020B0600000101010101" pitchFamily="50" charset="-127"/>
+              <a:ea typeface="나눔스퀘어 Bold" panose="020B0600000101010101" pitchFamily="50" charset="-127"/>
+            </a:endParaRPr>
+          </a:p>
+        </p:txBody>
+      </p:sp>
+    </p:spTree>
+    <p:extLst>
+      <p:ext uri="{BB962C8B-B14F-4D97-AF65-F5344CB8AC3E}">
+        <p14:creationId xmlns:p14="http://schemas.microsoft.com/office/powerpoint/2010/main" val="1051873131"/>
+      </p:ext>
+    </p:extLst>
+  </p:cSld>
+  <p:clrMapOvr>
+    <a:masterClrMapping/>
+  </p:clrMapOvr>
+  <mc:AlternateContent xmlns:mc="http://schemas.openxmlformats.org/markup-compatibility/2006">
+    <mc:Choice xmlns:p159="http://schemas.microsoft.com/office/powerpoint/2015/09/main" xmlns="" Requires="p159">
+      <p:transition xmlns:p14="http://schemas.microsoft.com/office/powerpoint/2010/main" spd="slow" p14:dur="2000">
+        <p159:morph option="byObject"/>
+      </p:transition>
+    </mc:Choice>
+    <mc:Fallback>
+      <p:transition spd="slow">
+        <p:fade/>
+      </p:transition>
+    </mc:Fallback>
+  </mc:AlternateContent>
+</p:sld>
+</file>
+
+<file path=ppt/slides/slide6.xml><?xml version="1.0" encoding="utf-8"?>
 <p:sld xmlns:a="http://schemas.openxmlformats.org/drawingml/2006/main" xmlns:r="http://schemas.openxmlformats.org/officeDocument/2006/relationships" xmlns:p="http://schemas.openxmlformats.org/presentationml/2006/main">
   <p:cSld>
     <p:spTree>
@@ -7691,7 +9472,7 @@
     <a:masterClrMapping/>
   </p:clrMapOvr>
   <mc:AlternateContent xmlns:mc="http://schemas.openxmlformats.org/markup-compatibility/2006">
-    <mc:Choice xmlns:p159="http://schemas.microsoft.com/office/powerpoint/2015/09/main" xmlns="" Requires="p159">
+    <mc:Choice xmlns="" xmlns:p159="http://schemas.microsoft.com/office/powerpoint/2015/09/main" Requires="p159">
       <p:transition xmlns:p14="http://schemas.microsoft.com/office/powerpoint/2010/main" spd="slow" p14:dur="2000">
         <p159:morph option="byObject"/>
       </p:transition>
@@ -7705,7 +9486,7 @@
 </p:sld>
 </file>
 
-<file path=ppt/slides/slide5.xml><?xml version="1.0" encoding="utf-8"?>
+<file path=ppt/slides/slide7.xml><?xml version="1.0" encoding="utf-8"?>
 <p:sld xmlns:a="http://schemas.openxmlformats.org/drawingml/2006/main" xmlns:r="http://schemas.openxmlformats.org/officeDocument/2006/relationships" xmlns:p="http://schemas.openxmlformats.org/presentationml/2006/main">
   <p:cSld>
     <p:spTree>
@@ -8055,64 +9836,6 @@
       </p:sp>
       <p:sp>
         <p:nvSpPr>
-          <p:cNvPr id="9" name="직사각형 8">
-            <a:extLst>
-              <a:ext uri="{FF2B5EF4-FFF2-40B4-BE49-F238E27FC236}">
-                <a16:creationId xmlns:a16="http://schemas.microsoft.com/office/drawing/2014/main" id="{CAF7769B-398E-41FF-8BDE-82BABCF74858}"/>
-              </a:ext>
-            </a:extLst>
-          </p:cNvPr>
-          <p:cNvSpPr/>
-          <p:nvPr/>
-        </p:nvSpPr>
-        <p:spPr>
-          <a:xfrm>
-            <a:off x="6217339" y="3934393"/>
-            <a:ext cx="4902200" cy="2235195"/>
-          </a:xfrm>
-          <a:prstGeom prst="rect">
-            <a:avLst/>
-          </a:prstGeom>
-          <a:solidFill>
-            <a:schemeClr val="accent5"/>
-          </a:solidFill>
-          <a:ln>
-            <a:noFill/>
-          </a:ln>
-        </p:spPr>
-        <p:style>
-          <a:lnRef idx="2">
-            <a:schemeClr val="accent1">
-              <a:shade val="50000"/>
-            </a:schemeClr>
-          </a:lnRef>
-          <a:fillRef idx="1">
-            <a:schemeClr val="accent1"/>
-          </a:fillRef>
-          <a:effectRef idx="0">
-            <a:schemeClr val="accent1"/>
-          </a:effectRef>
-          <a:fontRef idx="minor">
-            <a:schemeClr val="lt1"/>
-          </a:fontRef>
-        </p:style>
-        <p:txBody>
-          <a:bodyPr rtlCol="0" anchor="ctr"/>
-          <a:lstStyle/>
-          <a:p>
-            <a:pPr algn="ctr"/>
-            <a:endParaRPr lang="ko-KR" altLang="en-US">
-              <a:solidFill>
-                <a:schemeClr val="bg1"/>
-              </a:solidFill>
-              <a:latin typeface="나눔스퀘어 Bold" panose="020B0600000101010101" pitchFamily="50" charset="-127"/>
-              <a:ea typeface="나눔스퀘어 Bold" panose="020B0600000101010101" pitchFamily="50" charset="-127"/>
-            </a:endParaRPr>
-          </a:p>
-        </p:txBody>
-      </p:sp>
-      <p:sp>
-        <p:nvSpPr>
           <p:cNvPr id="10" name="직사각형 9">
             <a:extLst>
               <a:ext uri="{FF2B5EF4-FFF2-40B4-BE49-F238E27FC236}">
@@ -8443,115 +10166,6 @@
       </p:sp>
       <p:sp>
         <p:nvSpPr>
-          <p:cNvPr id="16" name="직사각형 15">
-            <a:extLst>
-              <a:ext uri="{FF2B5EF4-FFF2-40B4-BE49-F238E27FC236}">
-                <a16:creationId xmlns:a16="http://schemas.microsoft.com/office/drawing/2014/main" id="{83736D5E-B24B-4A59-B211-09F24DBA53E5}"/>
-              </a:ext>
-            </a:extLst>
-          </p:cNvPr>
-          <p:cNvSpPr/>
-          <p:nvPr/>
-        </p:nvSpPr>
-        <p:spPr>
-          <a:xfrm>
-            <a:off x="6335143" y="4044088"/>
-            <a:ext cx="482600" cy="482600"/>
-          </a:xfrm>
-          <a:prstGeom prst="rect">
-            <a:avLst/>
-          </a:prstGeom>
-          <a:solidFill>
-            <a:schemeClr val="accent6"/>
-          </a:solidFill>
-          <a:ln>
-            <a:noFill/>
-          </a:ln>
-        </p:spPr>
-        <p:style>
-          <a:lnRef idx="2">
-            <a:schemeClr val="accent1">
-              <a:shade val="50000"/>
-            </a:schemeClr>
-          </a:lnRef>
-          <a:fillRef idx="1">
-            <a:schemeClr val="accent1"/>
-          </a:fillRef>
-          <a:effectRef idx="0">
-            <a:schemeClr val="accent1"/>
-          </a:effectRef>
-          <a:fontRef idx="minor">
-            <a:schemeClr val="lt1"/>
-          </a:fontRef>
-        </p:style>
-        <p:txBody>
-          <a:bodyPr rtlCol="0" anchor="ctr"/>
-          <a:lstStyle/>
-          <a:p>
-            <a:pPr algn="ctr"/>
-            <a:endParaRPr lang="ko-KR" altLang="en-US">
-              <a:solidFill>
-                <a:schemeClr val="bg1"/>
-              </a:solidFill>
-              <a:latin typeface="나눔스퀘어 Bold" panose="020B0600000101010101" pitchFamily="50" charset="-127"/>
-              <a:ea typeface="나눔스퀘어 Bold" panose="020B0600000101010101" pitchFamily="50" charset="-127"/>
-            </a:endParaRPr>
-          </a:p>
-        </p:txBody>
-      </p:sp>
-      <p:sp>
-        <p:nvSpPr>
-          <p:cNvPr id="17" name="TextBox 16">
-            <a:extLst>
-              <a:ext uri="{FF2B5EF4-FFF2-40B4-BE49-F238E27FC236}">
-                <a16:creationId xmlns:a16="http://schemas.microsoft.com/office/drawing/2014/main" id="{65918D4C-EF55-48CF-A5E6-51C42F2EDA8A}"/>
-              </a:ext>
-            </a:extLst>
-          </p:cNvPr>
-          <p:cNvSpPr txBox="1"/>
-          <p:nvPr/>
-        </p:nvSpPr>
-        <p:spPr>
-          <a:xfrm>
-            <a:off x="6394793" y="4054555"/>
-            <a:ext cx="372218" cy="461665"/>
-          </a:xfrm>
-          <a:prstGeom prst="rect">
-            <a:avLst/>
-          </a:prstGeom>
-          <a:solidFill>
-            <a:schemeClr val="accent6"/>
-          </a:solidFill>
-        </p:spPr>
-        <p:txBody>
-          <a:bodyPr wrap="none" rtlCol="0">
-            <a:spAutoFit/>
-          </a:bodyPr>
-          <a:lstStyle/>
-          <a:p>
-            <a:pPr algn="r"/>
-            <a:r>
-              <a:rPr lang="pt-BR" altLang="ko-KR" sz="2400" b="1" dirty="0" smtClean="0">
-                <a:solidFill>
-                  <a:schemeClr val="bg1"/>
-                </a:solidFill>
-                <a:latin typeface="나눔스퀘어 Bold" panose="020B0600000101010101" pitchFamily="50" charset="-127"/>
-                <a:ea typeface="나눔스퀘어 Bold" panose="020B0600000101010101" pitchFamily="50" charset="-127"/>
-              </a:rPr>
-              <a:t>4</a:t>
-            </a:r>
-            <a:endParaRPr lang="ko-KR" altLang="en-US" sz="2400" b="1" dirty="0">
-              <a:solidFill>
-                <a:schemeClr val="bg1"/>
-              </a:solidFill>
-              <a:latin typeface="나눔스퀘어 Bold" panose="020B0600000101010101" pitchFamily="50" charset="-127"/>
-              <a:ea typeface="나눔스퀘어 Bold" panose="020B0600000101010101" pitchFamily="50" charset="-127"/>
-            </a:endParaRPr>
-          </a:p>
-        </p:txBody>
-      </p:sp>
-      <p:sp>
-        <p:nvSpPr>
           <p:cNvPr id="18" name="TextBox 17">
             <a:extLst>
               <a:ext uri="{FF2B5EF4-FFF2-40B4-BE49-F238E27FC236}">
@@ -8734,55 +10348,6 @@
           </a:p>
         </p:txBody>
       </p:sp>
-      <p:sp>
-        <p:nvSpPr>
-          <p:cNvPr id="21" name="TextBox 20">
-            <a:extLst>
-              <a:ext uri="{FF2B5EF4-FFF2-40B4-BE49-F238E27FC236}">
-                <a16:creationId xmlns:a16="http://schemas.microsoft.com/office/drawing/2014/main" id="{F0C170C3-E897-4662-ADB7-13E4EABE2049}"/>
-              </a:ext>
-            </a:extLst>
-          </p:cNvPr>
-          <p:cNvSpPr txBox="1"/>
-          <p:nvPr/>
-        </p:nvSpPr>
-        <p:spPr>
-          <a:xfrm>
-            <a:off x="9263141" y="4194800"/>
-            <a:ext cx="1580881" cy="467885"/>
-          </a:xfrm>
-          <a:prstGeom prst="rect">
-            <a:avLst/>
-          </a:prstGeom>
-          <a:noFill/>
-        </p:spPr>
-        <p:txBody>
-          <a:bodyPr wrap="none" rtlCol="0">
-            <a:spAutoFit/>
-          </a:bodyPr>
-          <a:lstStyle/>
-          <a:p>
-            <a:pPr marL="285750" indent="-285750" algn="r">
-              <a:lnSpc>
-                <a:spcPct val="150000"/>
-              </a:lnSpc>
-              <a:buFont typeface="Wingdings" panose="05000000000000000000" pitchFamily="2" charset="2"/>
-              <a:buChar char="§"/>
-            </a:pPr>
-            <a:r>
-              <a:rPr lang="ko-KR" altLang="en-US" dirty="0" smtClean="0">
-                <a:latin typeface="나눔스퀘어 Bold" panose="020B0600000101010101" pitchFamily="50" charset="-127"/>
-                <a:ea typeface="나눔스퀘어 Bold" panose="020B0600000101010101" pitchFamily="50" charset="-127"/>
-              </a:rPr>
-              <a:t>렌더링 기법</a:t>
-            </a:r>
-            <a:endParaRPr lang="en-US" altLang="ko-KR" dirty="0">
-              <a:latin typeface="나눔스퀘어 Bold" panose="020B0600000101010101" pitchFamily="50" charset="-127"/>
-              <a:ea typeface="나눔스퀘어 Bold" panose="020B0600000101010101" pitchFamily="50" charset="-127"/>
-            </a:endParaRPr>
-          </a:p>
-        </p:txBody>
-      </p:sp>
     </p:spTree>
     <p:extLst>
       <p:ext uri="{BB962C8B-B14F-4D97-AF65-F5344CB8AC3E}">
@@ -8794,7 +10359,7 @@
     <a:masterClrMapping/>
   </p:clrMapOvr>
   <mc:AlternateContent xmlns:mc="http://schemas.openxmlformats.org/markup-compatibility/2006">
-    <mc:Choice xmlns:p159="http://schemas.microsoft.com/office/powerpoint/2015/09/main" xmlns="" Requires="p159">
+    <mc:Choice xmlns="" xmlns:p159="http://schemas.microsoft.com/office/powerpoint/2015/09/main" Requires="p159">
       <p:transition xmlns:p14="http://schemas.microsoft.com/office/powerpoint/2010/main" spd="slow" p14:dur="2000">
         <p159:morph option="byObject"/>
       </p:transition>
@@ -8808,7 +10373,7 @@
 </p:sld>
 </file>
 
-<file path=ppt/slides/slide6.xml><?xml version="1.0" encoding="utf-8"?>
+<file path=ppt/slides/slide8.xml><?xml version="1.0" encoding="utf-8"?>
 <p:sld xmlns:a="http://schemas.openxmlformats.org/drawingml/2006/main" xmlns:r="http://schemas.openxmlformats.org/officeDocument/2006/relationships" xmlns:p="http://schemas.openxmlformats.org/presentationml/2006/main">
   <p:cSld>
     <p:spTree>
@@ -8993,7 +10558,7 @@
     <a:masterClrMapping/>
   </p:clrMapOvr>
   <mc:AlternateContent xmlns:mc="http://schemas.openxmlformats.org/markup-compatibility/2006">
-    <mc:Choice xmlns:p159="http://schemas.microsoft.com/office/powerpoint/2015/09/main" xmlns="" Requires="p159">
+    <mc:Choice xmlns="" xmlns:p159="http://schemas.microsoft.com/office/powerpoint/2015/09/main" Requires="p159">
       <p:transition xmlns:p14="http://schemas.microsoft.com/office/powerpoint/2010/main" spd="slow" p14:dur="2000">
         <p159:morph option="byObject"/>
       </p:transition>

--- a/docs/초안.pptx
+++ b/docs/초안.pptx
@@ -5,7 +5,7 @@
     <p:sldMasterId id="2147483648" r:id="rId1"/>
   </p:sldMasterIdLst>
   <p:notesMasterIdLst>
-    <p:notesMasterId r:id="rId10"/>
+    <p:notesMasterId r:id="rId12"/>
   </p:notesMasterIdLst>
   <p:sldIdLst>
     <p:sldId id="257" r:id="rId2"/>
@@ -15,7 +15,9 @@
     <p:sldId id="274" r:id="rId6"/>
     <p:sldId id="271" r:id="rId7"/>
     <p:sldId id="272" r:id="rId8"/>
-    <p:sldId id="273" r:id="rId9"/>
+    <p:sldId id="276" r:id="rId9"/>
+    <p:sldId id="277" r:id="rId10"/>
+    <p:sldId id="273" r:id="rId11"/>
   </p:sldIdLst>
   <p:sldSz cx="12192000" cy="6858000"/>
   <p:notesSz cx="6858000" cy="9144000"/>
@@ -215,7 +217,7 @@
           <a:p>
             <a:fld id="{C317CB0F-B526-4CDE-9D63-911F4FB46D93}" type="datetimeFigureOut">
               <a:rPr lang="ko-KR" altLang="en-US" smtClean="0"/>
-              <a:t>2021-11-15</a:t>
+              <a:t>2021-11-16</a:t>
             </a:fld>
             <a:endParaRPr lang="ko-KR" altLang="en-US"/>
           </a:p>
@@ -651,6 +653,90 @@
 </p:notes>
 </file>
 
+<file path=ppt/notesSlides/notesSlide3.xml><?xml version="1.0" encoding="utf-8"?>
+<p:notes xmlns:a="http://schemas.openxmlformats.org/drawingml/2006/main" xmlns:r="http://schemas.openxmlformats.org/officeDocument/2006/relationships" xmlns:p="http://schemas.openxmlformats.org/presentationml/2006/main">
+  <p:cSld>
+    <p:spTree>
+      <p:nvGrpSpPr>
+        <p:cNvPr id="1" name=""/>
+        <p:cNvGrpSpPr/>
+        <p:nvPr/>
+      </p:nvGrpSpPr>
+      <p:grpSpPr>
+        <a:xfrm>
+          <a:off x="0" y="0"/>
+          <a:ext cx="0" cy="0"/>
+          <a:chOff x="0" y="0"/>
+          <a:chExt cx="0" cy="0"/>
+        </a:xfrm>
+      </p:grpSpPr>
+      <p:sp>
+        <p:nvSpPr>
+          <p:cNvPr id="2" name="슬라이드 이미지 개체 틀 1"/>
+          <p:cNvSpPr>
+            <a:spLocks noGrp="1" noRot="1" noChangeAspect="1"/>
+          </p:cNvSpPr>
+          <p:nvPr>
+            <p:ph type="sldImg"/>
+          </p:nvPr>
+        </p:nvSpPr>
+        <p:spPr/>
+      </p:sp>
+      <p:sp>
+        <p:nvSpPr>
+          <p:cNvPr id="3" name="슬라이드 노트 개체 틀 2"/>
+          <p:cNvSpPr>
+            <a:spLocks noGrp="1"/>
+          </p:cNvSpPr>
+          <p:nvPr>
+            <p:ph type="body" idx="1"/>
+          </p:nvPr>
+        </p:nvSpPr>
+        <p:spPr/>
+        <p:txBody>
+          <a:bodyPr/>
+          <a:lstStyle/>
+          <a:p>
+            <a:endParaRPr lang="ko-KR" altLang="en-US" dirty="0"/>
+          </a:p>
+        </p:txBody>
+      </p:sp>
+      <p:sp>
+        <p:nvSpPr>
+          <p:cNvPr id="4" name="슬라이드 번호 개체 틀 3"/>
+          <p:cNvSpPr>
+            <a:spLocks noGrp="1"/>
+          </p:cNvSpPr>
+          <p:nvPr>
+            <p:ph type="sldNum" sz="quarter" idx="10"/>
+          </p:nvPr>
+        </p:nvSpPr>
+        <p:spPr/>
+        <p:txBody>
+          <a:bodyPr/>
+          <a:lstStyle/>
+          <a:p>
+            <a:fld id="{48640483-BDD4-43AA-89BC-719DE7BB9FCE}" type="slidenum">
+              <a:rPr lang="ko-KR" altLang="en-US" smtClean="0"/>
+              <a:t>8</a:t>
+            </a:fld>
+            <a:endParaRPr lang="ko-KR" altLang="en-US"/>
+          </a:p>
+        </p:txBody>
+      </p:sp>
+    </p:spTree>
+    <p:extLst>
+      <p:ext uri="{BB962C8B-B14F-4D97-AF65-F5344CB8AC3E}">
+        <p14:creationId xmlns:p14="http://schemas.microsoft.com/office/powerpoint/2010/main" val="323060701"/>
+      </p:ext>
+    </p:extLst>
+  </p:cSld>
+  <p:clrMapOvr>
+    <a:masterClrMapping/>
+  </p:clrMapOvr>
+</p:notes>
+</file>
+
 <file path=ppt/slideLayouts/slideLayout1.xml><?xml version="1.0" encoding="utf-8"?>
 <p:sldLayout xmlns:a="http://schemas.openxmlformats.org/drawingml/2006/main" xmlns:r="http://schemas.openxmlformats.org/officeDocument/2006/relationships" xmlns:p="http://schemas.openxmlformats.org/presentationml/2006/main" type="title" preserve="1">
   <p:cSld name="제목 슬라이드">
@@ -798,7 +884,7 @@
           <a:p>
             <a:fld id="{F9A6936A-5CAA-4D30-9E0C-3B6082CD7044}" type="datetimeFigureOut">
               <a:rPr lang="ko-KR" altLang="en-US" smtClean="0"/>
-              <a:t>2021-11-15</a:t>
+              <a:t>2021-11-16</a:t>
             </a:fld>
             <a:endParaRPr lang="ko-KR" altLang="en-US"/>
           </a:p>
@@ -869,7 +955,7 @@
     <a:masterClrMapping/>
   </p:clrMapOvr>
   <mc:AlternateContent xmlns:mc="http://schemas.openxmlformats.org/markup-compatibility/2006">
-    <mc:Choice xmlns:p159="http://schemas.microsoft.com/office/powerpoint/2015/09/main" xmlns="" Requires="p159">
+    <mc:Choice xmlns="" xmlns:p159="http://schemas.microsoft.com/office/powerpoint/2015/09/main" Requires="p159">
       <p:transition xmlns:p14="http://schemas.microsoft.com/office/powerpoint/2010/main" spd="slow" p14:dur="2000">
         <p159:morph option="byObject"/>
       </p:transition>
@@ -1008,7 +1094,7 @@
           <a:p>
             <a:fld id="{F9A6936A-5CAA-4D30-9E0C-3B6082CD7044}" type="datetimeFigureOut">
               <a:rPr lang="ko-KR" altLang="en-US" smtClean="0"/>
-              <a:t>2021-11-15</a:t>
+              <a:t>2021-11-16</a:t>
             </a:fld>
             <a:endParaRPr lang="ko-KR" altLang="en-US"/>
           </a:p>
@@ -1079,7 +1165,7 @@
     <a:masterClrMapping/>
   </p:clrMapOvr>
   <mc:AlternateContent xmlns:mc="http://schemas.openxmlformats.org/markup-compatibility/2006">
-    <mc:Choice xmlns:p159="http://schemas.microsoft.com/office/powerpoint/2015/09/main" xmlns="" Requires="p159">
+    <mc:Choice xmlns="" xmlns:p159="http://schemas.microsoft.com/office/powerpoint/2015/09/main" Requires="p159">
       <p:transition xmlns:p14="http://schemas.microsoft.com/office/powerpoint/2010/main" spd="slow" p14:dur="2000">
         <p159:morph option="byObject"/>
       </p:transition>
@@ -1228,7 +1314,7 @@
           <a:p>
             <a:fld id="{F9A6936A-5CAA-4D30-9E0C-3B6082CD7044}" type="datetimeFigureOut">
               <a:rPr lang="ko-KR" altLang="en-US" smtClean="0"/>
-              <a:t>2021-11-15</a:t>
+              <a:t>2021-11-16</a:t>
             </a:fld>
             <a:endParaRPr lang="ko-KR" altLang="en-US"/>
           </a:p>
@@ -1299,7 +1385,7 @@
     <a:masterClrMapping/>
   </p:clrMapOvr>
   <mc:AlternateContent xmlns:mc="http://schemas.openxmlformats.org/markup-compatibility/2006">
-    <mc:Choice xmlns:p159="http://schemas.microsoft.com/office/powerpoint/2015/09/main" xmlns="" Requires="p159">
+    <mc:Choice xmlns="" xmlns:p159="http://schemas.microsoft.com/office/powerpoint/2015/09/main" Requires="p159">
       <p:transition xmlns:p14="http://schemas.microsoft.com/office/powerpoint/2010/main" spd="slow" p14:dur="2000">
         <p159:morph option="byObject"/>
       </p:transition>
@@ -1438,7 +1524,7 @@
           <a:p>
             <a:fld id="{F9A6936A-5CAA-4D30-9E0C-3B6082CD7044}" type="datetimeFigureOut">
               <a:rPr lang="ko-KR" altLang="en-US" smtClean="0"/>
-              <a:t>2021-11-15</a:t>
+              <a:t>2021-11-16</a:t>
             </a:fld>
             <a:endParaRPr lang="ko-KR" altLang="en-US"/>
           </a:p>
@@ -1509,7 +1595,7 @@
     <a:masterClrMapping/>
   </p:clrMapOvr>
   <mc:AlternateContent xmlns:mc="http://schemas.openxmlformats.org/markup-compatibility/2006">
-    <mc:Choice xmlns:p159="http://schemas.microsoft.com/office/powerpoint/2015/09/main" xmlns="" Requires="p159">
+    <mc:Choice xmlns="" xmlns:p159="http://schemas.microsoft.com/office/powerpoint/2015/09/main" Requires="p159">
       <p:transition xmlns:p14="http://schemas.microsoft.com/office/powerpoint/2010/main" spd="slow" p14:dur="2000">
         <p159:morph option="byObject"/>
       </p:transition>
@@ -1725,7 +1811,7 @@
           <a:p>
             <a:fld id="{F9A6936A-5CAA-4D30-9E0C-3B6082CD7044}" type="datetimeFigureOut">
               <a:rPr lang="ko-KR" altLang="en-US" smtClean="0"/>
-              <a:t>2021-11-15</a:t>
+              <a:t>2021-11-16</a:t>
             </a:fld>
             <a:endParaRPr lang="ko-KR" altLang="en-US"/>
           </a:p>
@@ -1796,7 +1882,7 @@
     <a:masterClrMapping/>
   </p:clrMapOvr>
   <mc:AlternateContent xmlns:mc="http://schemas.openxmlformats.org/markup-compatibility/2006">
-    <mc:Choice xmlns:p159="http://schemas.microsoft.com/office/powerpoint/2015/09/main" xmlns="" Requires="p159">
+    <mc:Choice xmlns="" xmlns:p159="http://schemas.microsoft.com/office/powerpoint/2015/09/main" Requires="p159">
       <p:transition xmlns:p14="http://schemas.microsoft.com/office/powerpoint/2010/main" spd="slow" p14:dur="2000">
         <p159:morph option="byObject"/>
       </p:transition>
@@ -2002,7 +2088,7 @@
           <a:p>
             <a:fld id="{F9A6936A-5CAA-4D30-9E0C-3B6082CD7044}" type="datetimeFigureOut">
               <a:rPr lang="ko-KR" altLang="en-US" smtClean="0"/>
-              <a:t>2021-11-15</a:t>
+              <a:t>2021-11-16</a:t>
             </a:fld>
             <a:endParaRPr lang="ko-KR" altLang="en-US"/>
           </a:p>
@@ -2073,7 +2159,7 @@
     <a:masterClrMapping/>
   </p:clrMapOvr>
   <mc:AlternateContent xmlns:mc="http://schemas.openxmlformats.org/markup-compatibility/2006">
-    <mc:Choice xmlns:p159="http://schemas.microsoft.com/office/powerpoint/2015/09/main" xmlns="" Requires="p159">
+    <mc:Choice xmlns="" xmlns:p159="http://schemas.microsoft.com/office/powerpoint/2015/09/main" Requires="p159">
       <p:transition xmlns:p14="http://schemas.microsoft.com/office/powerpoint/2010/main" spd="slow" p14:dur="2000">
         <p159:morph option="byObject"/>
       </p:transition>
@@ -2426,7 +2512,7 @@
           <a:p>
             <a:fld id="{F9A6936A-5CAA-4D30-9E0C-3B6082CD7044}" type="datetimeFigureOut">
               <a:rPr lang="ko-KR" altLang="en-US" smtClean="0"/>
-              <a:t>2021-11-15</a:t>
+              <a:t>2021-11-16</a:t>
             </a:fld>
             <a:endParaRPr lang="ko-KR" altLang="en-US"/>
           </a:p>
@@ -2497,7 +2583,7 @@
     <a:masterClrMapping/>
   </p:clrMapOvr>
   <mc:AlternateContent xmlns:mc="http://schemas.openxmlformats.org/markup-compatibility/2006">
-    <mc:Choice xmlns:p159="http://schemas.microsoft.com/office/powerpoint/2015/09/main" xmlns="" Requires="p159">
+    <mc:Choice xmlns="" xmlns:p159="http://schemas.microsoft.com/office/powerpoint/2015/09/main" Requires="p159">
       <p:transition xmlns:p14="http://schemas.microsoft.com/office/powerpoint/2010/main" spd="slow" p14:dur="2000">
         <p159:morph option="byObject"/>
       </p:transition>
@@ -2579,7 +2665,7 @@
           <a:p>
             <a:fld id="{F9A6936A-5CAA-4D30-9E0C-3B6082CD7044}" type="datetimeFigureOut">
               <a:rPr lang="ko-KR" altLang="en-US" smtClean="0"/>
-              <a:t>2021-11-15</a:t>
+              <a:t>2021-11-16</a:t>
             </a:fld>
             <a:endParaRPr lang="ko-KR" altLang="en-US"/>
           </a:p>
@@ -2650,7 +2736,7 @@
     <a:masterClrMapping/>
   </p:clrMapOvr>
   <mc:AlternateContent xmlns:mc="http://schemas.openxmlformats.org/markup-compatibility/2006">
-    <mc:Choice xmlns:p159="http://schemas.microsoft.com/office/powerpoint/2015/09/main" xmlns="" Requires="p159">
+    <mc:Choice xmlns="" xmlns:p159="http://schemas.microsoft.com/office/powerpoint/2015/09/main" Requires="p159">
       <p:transition xmlns:p14="http://schemas.microsoft.com/office/powerpoint/2010/main" spd="slow" p14:dur="2000">
         <p159:morph option="byObject"/>
       </p:transition>
@@ -2704,7 +2790,7 @@
           <a:p>
             <a:fld id="{F9A6936A-5CAA-4D30-9E0C-3B6082CD7044}" type="datetimeFigureOut">
               <a:rPr lang="ko-KR" altLang="en-US" smtClean="0"/>
-              <a:t>2021-11-15</a:t>
+              <a:t>2021-11-16</a:t>
             </a:fld>
             <a:endParaRPr lang="ko-KR" altLang="en-US"/>
           </a:p>
@@ -2775,7 +2861,7 @@
     <a:masterClrMapping/>
   </p:clrMapOvr>
   <mc:AlternateContent xmlns:mc="http://schemas.openxmlformats.org/markup-compatibility/2006">
-    <mc:Choice xmlns:p159="http://schemas.microsoft.com/office/powerpoint/2015/09/main" xmlns="" Requires="p159">
+    <mc:Choice xmlns="" xmlns:p159="http://schemas.microsoft.com/office/powerpoint/2015/09/main" Requires="p159">
       <p:transition xmlns:p14="http://schemas.microsoft.com/office/powerpoint/2010/main" spd="slow" p14:dur="2000">
         <p159:morph option="byObject"/>
       </p:transition>
@@ -3027,7 +3113,7 @@
           <a:p>
             <a:fld id="{F9A6936A-5CAA-4D30-9E0C-3B6082CD7044}" type="datetimeFigureOut">
               <a:rPr lang="ko-KR" altLang="en-US" smtClean="0"/>
-              <a:t>2021-11-15</a:t>
+              <a:t>2021-11-16</a:t>
             </a:fld>
             <a:endParaRPr lang="ko-KR" altLang="en-US"/>
           </a:p>
@@ -3098,7 +3184,7 @@
     <a:masterClrMapping/>
   </p:clrMapOvr>
   <mc:AlternateContent xmlns:mc="http://schemas.openxmlformats.org/markup-compatibility/2006">
-    <mc:Choice xmlns:p159="http://schemas.microsoft.com/office/powerpoint/2015/09/main" xmlns="" Requires="p159">
+    <mc:Choice xmlns="" xmlns:p159="http://schemas.microsoft.com/office/powerpoint/2015/09/main" Requires="p159">
       <p:transition xmlns:p14="http://schemas.microsoft.com/office/powerpoint/2010/main" spd="slow" p14:dur="2000">
         <p159:morph option="byObject"/>
       </p:transition>
@@ -3327,7 +3413,7 @@
           <a:p>
             <a:fld id="{F9A6936A-5CAA-4D30-9E0C-3B6082CD7044}" type="datetimeFigureOut">
               <a:rPr lang="ko-KR" altLang="en-US" smtClean="0"/>
-              <a:t>2021-11-15</a:t>
+              <a:t>2021-11-16</a:t>
             </a:fld>
             <a:endParaRPr lang="ko-KR" altLang="en-US"/>
           </a:p>
@@ -3398,7 +3484,7 @@
     <a:masterClrMapping/>
   </p:clrMapOvr>
   <mc:AlternateContent xmlns:mc="http://schemas.openxmlformats.org/markup-compatibility/2006">
-    <mc:Choice xmlns:p159="http://schemas.microsoft.com/office/powerpoint/2015/09/main" xmlns="" Requires="p159">
+    <mc:Choice xmlns="" xmlns:p159="http://schemas.microsoft.com/office/powerpoint/2015/09/main" Requires="p159">
       <p:transition xmlns:p14="http://schemas.microsoft.com/office/powerpoint/2010/main" spd="slow" p14:dur="2000">
         <p159:morph option="byObject"/>
       </p:transition>
@@ -3580,7 +3666,7 @@
           <a:p>
             <a:fld id="{F9A6936A-5CAA-4D30-9E0C-3B6082CD7044}" type="datetimeFigureOut">
               <a:rPr lang="ko-KR" altLang="en-US" smtClean="0"/>
-              <a:t>2021-11-15</a:t>
+              <a:t>2021-11-16</a:t>
             </a:fld>
             <a:endParaRPr lang="ko-KR" altLang="en-US"/>
           </a:p>
@@ -3698,7 +3784,7 @@
     <p:sldLayoutId id="2147483659" r:id="rId11"/>
   </p:sldLayoutIdLst>
   <mc:AlternateContent xmlns:mc="http://schemas.openxmlformats.org/markup-compatibility/2006">
-    <mc:Choice xmlns:p159="http://schemas.microsoft.com/office/powerpoint/2015/09/main" xmlns="" Requires="p159">
+    <mc:Choice xmlns="" xmlns:p159="http://schemas.microsoft.com/office/powerpoint/2015/09/main" Requires="p159">
       <p:transition xmlns:p14="http://schemas.microsoft.com/office/powerpoint/2010/main" spd="slow" p14:dur="2000">
         <p159:morph option="byObject"/>
       </p:transition>
@@ -4198,7 +4284,7 @@
     <a:masterClrMapping/>
   </p:clrMapOvr>
   <mc:AlternateContent xmlns:mc="http://schemas.openxmlformats.org/markup-compatibility/2006">
-    <mc:Choice xmlns:p159="http://schemas.microsoft.com/office/powerpoint/2015/09/main" xmlns="" Requires="p159">
+    <mc:Choice xmlns="" xmlns:p159="http://schemas.microsoft.com/office/powerpoint/2015/09/main" Requires="p159">
       <p:transition xmlns:p14="http://schemas.microsoft.com/office/powerpoint/2010/main" spd="slow" p14:dur="2000">
         <p159:morph option="byObject"/>
       </p:transition>
@@ -4216,6 +4302,242 @@
       </p:par>
     </p:tnLst>
   </p:timing>
+</p:sld>
+</file>
+
+<file path=ppt/slides/slide10.xml><?xml version="1.0" encoding="utf-8"?>
+<p:sld xmlns:a="http://schemas.openxmlformats.org/drawingml/2006/main" xmlns:r="http://schemas.openxmlformats.org/officeDocument/2006/relationships" xmlns:p="http://schemas.openxmlformats.org/presentationml/2006/main">
+  <p:cSld>
+    <p:spTree>
+      <p:nvGrpSpPr>
+        <p:cNvPr id="1" name=""/>
+        <p:cNvGrpSpPr/>
+        <p:nvPr/>
+      </p:nvGrpSpPr>
+      <p:grpSpPr>
+        <a:xfrm>
+          <a:off x="0" y="0"/>
+          <a:ext cx="0" cy="0"/>
+          <a:chOff x="0" y="0"/>
+          <a:chExt cx="0" cy="0"/>
+        </a:xfrm>
+      </p:grpSpPr>
+      <p:cxnSp>
+        <p:nvCxnSpPr>
+          <p:cNvPr id="3" name="직선 연결선 2">
+            <a:extLst>
+              <a:ext uri="{FF2B5EF4-FFF2-40B4-BE49-F238E27FC236}">
+                <a16:creationId xmlns:a16="http://schemas.microsoft.com/office/drawing/2014/main" id="{1FF04A19-8950-44A5-80E9-5A06E7DA23BE}"/>
+              </a:ext>
+            </a:extLst>
+          </p:cNvPr>
+          <p:cNvCxnSpPr/>
+          <p:nvPr/>
+        </p:nvCxnSpPr>
+        <p:spPr>
+          <a:xfrm>
+            <a:off x="0" y="831273"/>
+            <a:ext cx="12192000" cy="2731"/>
+          </a:xfrm>
+          <a:prstGeom prst="line">
+            <a:avLst/>
+          </a:prstGeom>
+          <a:ln>
+            <a:solidFill>
+              <a:schemeClr val="accent6"/>
+            </a:solidFill>
+          </a:ln>
+        </p:spPr>
+        <p:style>
+          <a:lnRef idx="1">
+            <a:schemeClr val="accent1"/>
+          </a:lnRef>
+          <a:fillRef idx="0">
+            <a:schemeClr val="accent1"/>
+          </a:fillRef>
+          <a:effectRef idx="0">
+            <a:schemeClr val="accent1"/>
+          </a:effectRef>
+          <a:fontRef idx="minor">
+            <a:schemeClr val="tx1"/>
+          </a:fontRef>
+        </p:style>
+      </p:cxnSp>
+      <p:sp>
+        <p:nvSpPr>
+          <p:cNvPr id="4" name="TextBox 3">
+            <a:extLst>
+              <a:ext uri="{FF2B5EF4-FFF2-40B4-BE49-F238E27FC236}">
+                <a16:creationId xmlns:a16="http://schemas.microsoft.com/office/drawing/2014/main" id="{243C702B-3426-41BD-9FAE-31F746E5D0B6}"/>
+              </a:ext>
+            </a:extLst>
+          </p:cNvPr>
+          <p:cNvSpPr txBox="1"/>
+          <p:nvPr/>
+        </p:nvSpPr>
+        <p:spPr>
+          <a:xfrm>
+            <a:off x="449179" y="63798"/>
+            <a:ext cx="746423" cy="307777"/>
+          </a:xfrm>
+          <a:prstGeom prst="rect">
+            <a:avLst/>
+          </a:prstGeom>
+          <a:noFill/>
+        </p:spPr>
+        <p:txBody>
+          <a:bodyPr wrap="none" rtlCol="0">
+            <a:spAutoFit/>
+          </a:bodyPr>
+          <a:lstStyle/>
+          <a:p>
+            <a:r>
+              <a:rPr lang="en-US" altLang="ko-KR" sz="1400" dirty="0">
+                <a:solidFill>
+                  <a:schemeClr val="accent6">
+                    <a:lumMod val="50000"/>
+                  </a:schemeClr>
+                </a:solidFill>
+                <a:latin typeface="나눔스퀘어 Bold" panose="020B0600000101010101" pitchFamily="50" charset="-127"/>
+                <a:ea typeface="나눔스퀘어 Bold" panose="020B0600000101010101" pitchFamily="50" charset="-127"/>
+              </a:rPr>
+              <a:t>Part </a:t>
+            </a:r>
+            <a:r>
+              <a:rPr lang="en-US" altLang="ko-KR" sz="1400" dirty="0" smtClean="0">
+                <a:solidFill>
+                  <a:schemeClr val="accent6">
+                    <a:lumMod val="50000"/>
+                  </a:schemeClr>
+                </a:solidFill>
+                <a:latin typeface="나눔스퀘어 Bold" panose="020B0600000101010101" pitchFamily="50" charset="-127"/>
+                <a:ea typeface="나눔스퀘어 Bold" panose="020B0600000101010101" pitchFamily="50" charset="-127"/>
+              </a:rPr>
+              <a:t>8,</a:t>
+            </a:r>
+            <a:endParaRPr lang="ko-KR" altLang="en-US" sz="1400" dirty="0">
+              <a:solidFill>
+                <a:schemeClr val="accent6">
+                  <a:lumMod val="50000"/>
+                </a:schemeClr>
+              </a:solidFill>
+              <a:latin typeface="나눔스퀘어 Bold" panose="020B0600000101010101" pitchFamily="50" charset="-127"/>
+              <a:ea typeface="나눔스퀘어 Bold" panose="020B0600000101010101" pitchFamily="50" charset="-127"/>
+            </a:endParaRPr>
+          </a:p>
+        </p:txBody>
+      </p:sp>
+      <p:sp>
+        <p:nvSpPr>
+          <p:cNvPr id="5" name="TextBox 4">
+            <a:extLst>
+              <a:ext uri="{FF2B5EF4-FFF2-40B4-BE49-F238E27FC236}">
+                <a16:creationId xmlns:a16="http://schemas.microsoft.com/office/drawing/2014/main" id="{1411476D-DF3F-4F30-A9AB-21B405D99E03}"/>
+              </a:ext>
+            </a:extLst>
+          </p:cNvPr>
+          <p:cNvSpPr txBox="1"/>
+          <p:nvPr/>
+        </p:nvSpPr>
+        <p:spPr>
+          <a:xfrm>
+            <a:off x="449179" y="286511"/>
+            <a:ext cx="1383712" cy="461665"/>
+          </a:xfrm>
+          <a:prstGeom prst="rect">
+            <a:avLst/>
+          </a:prstGeom>
+          <a:noFill/>
+        </p:spPr>
+        <p:txBody>
+          <a:bodyPr wrap="none" rtlCol="0">
+            <a:spAutoFit/>
+          </a:bodyPr>
+          <a:lstStyle/>
+          <a:p>
+            <a:r>
+              <a:rPr lang="ko-KR" altLang="en-US" sz="2400" dirty="0" smtClean="0">
+                <a:solidFill>
+                  <a:schemeClr val="accent6">
+                    <a:lumMod val="50000"/>
+                  </a:schemeClr>
+                </a:solidFill>
+                <a:latin typeface="나눔스퀘어 Bold" panose="020B0600000101010101" pitchFamily="50" charset="-127"/>
+                <a:ea typeface="나눔스퀘어 Bold" panose="020B0600000101010101" pitchFamily="50" charset="-127"/>
+              </a:rPr>
+              <a:t>참고 문헌</a:t>
+            </a:r>
+            <a:endParaRPr lang="ko-KR" altLang="en-US" sz="2400" dirty="0">
+              <a:solidFill>
+                <a:schemeClr val="accent6">
+                  <a:lumMod val="50000"/>
+                </a:schemeClr>
+              </a:solidFill>
+              <a:latin typeface="나눔스퀘어 Bold" panose="020B0600000101010101" pitchFamily="50" charset="-127"/>
+              <a:ea typeface="나눔스퀘어 Bold" panose="020B0600000101010101" pitchFamily="50" charset="-127"/>
+            </a:endParaRPr>
+          </a:p>
+        </p:txBody>
+      </p:sp>
+      <p:sp>
+        <p:nvSpPr>
+          <p:cNvPr id="2" name="TextBox 1"/>
+          <p:cNvSpPr txBox="1"/>
+          <p:nvPr/>
+        </p:nvSpPr>
+        <p:spPr>
+          <a:xfrm>
+            <a:off x="0" y="1109036"/>
+            <a:ext cx="35373786" cy="646331"/>
+          </a:xfrm>
+          <a:prstGeom prst="rect">
+            <a:avLst/>
+          </a:prstGeom>
+          <a:noFill/>
+        </p:spPr>
+        <p:txBody>
+          <a:bodyPr wrap="none" rtlCol="0">
+            <a:spAutoFit/>
+          </a:bodyPr>
+          <a:lstStyle/>
+          <a:p>
+            <a:r>
+              <a:rPr lang="ko-KR" altLang="en-US" dirty="0" smtClean="0"/>
+              <a:t>사진</a:t>
+            </a:r>
+            <a:endParaRPr lang="en-US" altLang="ko-KR" dirty="0" smtClean="0"/>
+          </a:p>
+          <a:p>
+            <a:r>
+              <a:rPr lang="en-US" altLang="ko-KR" dirty="0"/>
+              <a:t>1. https://namu.wiki/w/%EC%B9%B4%EC%9A%B4%ED%84%B0%20%EC%8A%A4%ED%8A%B8%EB%9D%BC%EC%9D%B4%ED%81%AC%20%EC%98%A8%EB%9D%BC%EC%9D%B8/%EC%8B%9C%EB%82%98%EB%A6%AC%EC%98%A4/%EC%A2%80%EB%B9%84%20%EC%8B%9C%EB%82%98%EB%A6%AC%EC%98%A4</a:t>
+            </a:r>
+            <a:endParaRPr lang="ko-KR" altLang="en-US" dirty="0"/>
+          </a:p>
+        </p:txBody>
+      </p:sp>
+    </p:spTree>
+    <p:extLst>
+      <p:ext uri="{BB962C8B-B14F-4D97-AF65-F5344CB8AC3E}">
+        <p14:creationId xmlns:p14="http://schemas.microsoft.com/office/powerpoint/2010/main" val="389239850"/>
+      </p:ext>
+    </p:extLst>
+  </p:cSld>
+  <p:clrMapOvr>
+    <a:masterClrMapping/>
+  </p:clrMapOvr>
+  <mc:AlternateContent xmlns:mc="http://schemas.openxmlformats.org/markup-compatibility/2006">
+    <mc:Choice xmlns:p159="http://schemas.microsoft.com/office/powerpoint/2015/09/main" xmlns="" Requires="p159">
+      <p:transition xmlns:p14="http://schemas.microsoft.com/office/powerpoint/2010/main" spd="slow" p14:dur="2000">
+        <p159:morph option="byObject"/>
+      </p:transition>
+    </mc:Choice>
+    <mc:Fallback>
+      <p:transition spd="slow">
+        <p:fade/>
+      </p:transition>
+    </mc:Fallback>
+  </mc:AlternateContent>
 </p:sld>
 </file>
 
@@ -5910,7 +6232,7 @@
     <a:masterClrMapping/>
   </p:clrMapOvr>
   <mc:AlternateContent xmlns:mc="http://schemas.openxmlformats.org/markup-compatibility/2006">
-    <mc:Choice xmlns:p159="http://schemas.microsoft.com/office/powerpoint/2015/09/main" xmlns="" Requires="p159">
+    <mc:Choice xmlns="" xmlns:p159="http://schemas.microsoft.com/office/powerpoint/2015/09/main" Requires="p159">
       <p:transition xmlns:p14="http://schemas.microsoft.com/office/powerpoint/2010/main" spd="slow" p14:dur="2000">
         <p159:morph option="byObject"/>
       </p:transition>
@@ -6289,33 +6611,7 @@
                 <a:latin typeface="나눔스퀘어 Bold" panose="020B0600000101010101" pitchFamily="50" charset="-127"/>
                 <a:ea typeface="나눔스퀘어 Bold" panose="020B0600000101010101" pitchFamily="50" charset="-127"/>
               </a:rPr>
-              <a:t>활용하여 </a:t>
-            </a:r>
-            <a:r>
-              <a:rPr lang="ko-KR" altLang="en-US" sz="2400" dirty="0" smtClean="0">
-                <a:solidFill>
-                  <a:schemeClr val="tx1">
-                    <a:lumMod val="75000"/>
-                    <a:lumOff val="25000"/>
-                  </a:schemeClr>
-                </a:solidFill>
-                <a:latin typeface="나눔스퀘어 Bold" panose="020B0600000101010101" pitchFamily="50" charset="-127"/>
-                <a:ea typeface="나눔스퀘어 Bold" panose="020B0600000101010101" pitchFamily="50" charset="-127"/>
-              </a:rPr>
-              <a:t>협업 능력을 </a:t>
-            </a:r>
-            <a:r>
-              <a:rPr lang="ko-KR" altLang="en-US" sz="2400" dirty="0" smtClean="0">
-                <a:solidFill>
-                  <a:schemeClr val="tx1">
-                    <a:lumMod val="75000"/>
-                    <a:lumOff val="25000"/>
-                  </a:schemeClr>
-                </a:solidFill>
-                <a:latin typeface="나눔스퀘어 Bold" panose="020B0600000101010101" pitchFamily="50" charset="-127"/>
-                <a:ea typeface="나눔스퀘어 Bold" panose="020B0600000101010101" pitchFamily="50" charset="-127"/>
-              </a:rPr>
-              <a:t>향상시킨다</a:t>
+              <a:t>활용하여 협업 능력을 향상시킨다</a:t>
             </a:r>
             <a:endParaRPr lang="en-US" altLang="ko-KR" sz="2400" dirty="0" smtClean="0">
               <a:solidFill>
@@ -6358,33 +6654,7 @@
                 <a:latin typeface="나눔스퀘어 Bold" panose="020B0600000101010101" pitchFamily="50" charset="-127"/>
                 <a:ea typeface="나눔스퀘어 Bold" panose="020B0600000101010101" pitchFamily="50" charset="-127"/>
               </a:rPr>
-              <a:t>를 </a:t>
-            </a:r>
-            <a:r>
-              <a:rPr lang="ko-KR" altLang="en-US" sz="2400" dirty="0" smtClean="0">
-                <a:solidFill>
-                  <a:schemeClr val="tx1">
-                    <a:lumMod val="75000"/>
-                    <a:lumOff val="25000"/>
-                  </a:schemeClr>
-                </a:solidFill>
-                <a:latin typeface="나눔스퀘어 Bold" panose="020B0600000101010101" pitchFamily="50" charset="-127"/>
-                <a:ea typeface="나눔스퀘어 Bold" panose="020B0600000101010101" pitchFamily="50" charset="-127"/>
-              </a:rPr>
-              <a:t>활용할 수 있는 </a:t>
-            </a:r>
-            <a:r>
-              <a:rPr lang="ko-KR" altLang="en-US" sz="2400" dirty="0" smtClean="0">
-                <a:solidFill>
-                  <a:schemeClr val="tx1">
-                    <a:lumMod val="75000"/>
-                    <a:lumOff val="25000"/>
-                  </a:schemeClr>
-                </a:solidFill>
-                <a:latin typeface="나눔스퀘어 Bold" panose="020B0600000101010101" pitchFamily="50" charset="-127"/>
-                <a:ea typeface="나눔스퀘어 Bold" panose="020B0600000101010101" pitchFamily="50" charset="-127"/>
-              </a:rPr>
-              <a:t>능력을 개발한다</a:t>
+              <a:t>를 활용할 수 있는 능력을 개발한다</a:t>
             </a:r>
             <a:r>
               <a:rPr lang="en-US" altLang="ko-KR" sz="2400" dirty="0" smtClean="0">
@@ -6683,7 +6953,7 @@
     <a:masterClrMapping/>
   </p:clrMapOvr>
   <mc:AlternateContent xmlns:mc="http://schemas.openxmlformats.org/markup-compatibility/2006">
-    <mc:Choice xmlns="" xmlns:p159="http://schemas.microsoft.com/office/powerpoint/2015/09/main" Requires="p159">
+    <mc:Choice xmlns:p159="http://schemas.microsoft.com/office/powerpoint/2015/09/main" xmlns="" Requires="p159">
       <p:transition xmlns:p14="http://schemas.microsoft.com/office/powerpoint/2010/main" spd="slow" p14:dur="2000">
         <p159:morph option="byObject"/>
       </p:transition>
@@ -7732,7 +8002,7 @@
     <a:masterClrMapping/>
   </p:clrMapOvr>
   <mc:AlternateContent xmlns:mc="http://schemas.openxmlformats.org/markup-compatibility/2006">
-    <mc:Choice xmlns:p159="http://schemas.microsoft.com/office/powerpoint/2015/09/main" xmlns="" Requires="p159">
+    <mc:Choice xmlns="" xmlns:p159="http://schemas.microsoft.com/office/powerpoint/2015/09/main" Requires="p159">
       <p:transition xmlns:p14="http://schemas.microsoft.com/office/powerpoint/2010/main" spd="slow" p14:dur="2000">
         <p159:morph option="byObject"/>
       </p:transition>
@@ -8451,7 +8721,7 @@
     <a:masterClrMapping/>
   </p:clrMapOvr>
   <mc:AlternateContent xmlns:mc="http://schemas.openxmlformats.org/markup-compatibility/2006">
-    <mc:Choice xmlns:p159="http://schemas.microsoft.com/office/powerpoint/2015/09/main" xmlns="" Requires="p159">
+    <mc:Choice xmlns="" xmlns:p159="http://schemas.microsoft.com/office/powerpoint/2015/09/main" Requires="p159">
       <p:transition xmlns:p14="http://schemas.microsoft.com/office/powerpoint/2010/main" spd="slow" p14:dur="2000">
         <p159:morph option="byObject"/>
       </p:transition>
@@ -8729,7 +8999,7 @@
                     </a:ln>
                     <a:ea typeface="한컴 윤고딕 720"/>
                   </a:rPr>
-                  <a:t>2019</a:t>
+                  <a:t>2019,2022</a:t>
                 </a:r>
                 <a:endParaRPr lang="ko-KR" altLang="en-US" sz="2000" dirty="0">
                   <a:ln w="9525">
@@ -9472,7 +9742,7 @@
     <a:masterClrMapping/>
   </p:clrMapOvr>
   <mc:AlternateContent xmlns:mc="http://schemas.openxmlformats.org/markup-compatibility/2006">
-    <mc:Choice xmlns="" xmlns:p159="http://schemas.microsoft.com/office/powerpoint/2015/09/main" Requires="p159">
+    <mc:Choice xmlns:p159="http://schemas.microsoft.com/office/powerpoint/2015/09/main" xmlns="" Requires="p159">
       <p:transition xmlns:p14="http://schemas.microsoft.com/office/powerpoint/2010/main" spd="slow" p14:dur="2000">
         <p159:morph option="byObject"/>
       </p:transition>
@@ -10359,7 +10629,7 @@
     <a:masterClrMapping/>
   </p:clrMapOvr>
   <mc:AlternateContent xmlns:mc="http://schemas.openxmlformats.org/markup-compatibility/2006">
-    <mc:Choice xmlns="" xmlns:p159="http://schemas.microsoft.com/office/powerpoint/2015/09/main" Requires="p159">
+    <mc:Choice xmlns:p159="http://schemas.microsoft.com/office/powerpoint/2015/09/main" xmlns="" Requires="p159">
       <p:transition xmlns:p14="http://schemas.microsoft.com/office/powerpoint/2010/main" spd="slow" p14:dur="2000">
         <p159:morph option="byObject"/>
       </p:transition>
@@ -10404,8 +10674,8 @@
         </p:nvCxnSpPr>
         <p:spPr>
           <a:xfrm>
-            <a:off x="0" y="831273"/>
-            <a:ext cx="12192000" cy="2731"/>
+            <a:off x="449179" y="834004"/>
+            <a:ext cx="11742821" cy="0"/>
           </a:xfrm>
           <a:prstGeom prst="line">
             <a:avLst/>
@@ -10431,12 +10701,203 @@
           </a:fontRef>
         </p:style>
       </p:cxnSp>
-      <p:sp>
-        <p:nvSpPr>
-          <p:cNvPr id="4" name="TextBox 3">
-            <a:extLst>
-              <a:ext uri="{FF2B5EF4-FFF2-40B4-BE49-F238E27FC236}">
-                <a16:creationId xmlns:a16="http://schemas.microsoft.com/office/drawing/2014/main" id="{243C702B-3426-41BD-9FAE-31F746E5D0B6}"/>
+      <p:grpSp>
+        <p:nvGrpSpPr>
+          <p:cNvPr id="6" name="그룹 5"/>
+          <p:cNvGrpSpPr/>
+          <p:nvPr/>
+        </p:nvGrpSpPr>
+        <p:grpSpPr>
+          <a:xfrm>
+            <a:off x="449179" y="63798"/>
+            <a:ext cx="2582758" cy="684378"/>
+            <a:chOff x="449179" y="63798"/>
+            <a:chExt cx="2582758" cy="684378"/>
+          </a:xfrm>
+        </p:grpSpPr>
+        <p:sp>
+          <p:nvSpPr>
+            <p:cNvPr id="12" name="TextBox 11">
+              <a:extLst>
+                <a:ext uri="{FF2B5EF4-FFF2-40B4-BE49-F238E27FC236}">
+                  <a16:creationId xmlns:a16="http://schemas.microsoft.com/office/drawing/2014/main" id="{243C702B-3426-41BD-9FAE-31F746E5D0B6}"/>
+                </a:ext>
+              </a:extLst>
+            </p:cNvPr>
+            <p:cNvSpPr txBox="1"/>
+            <p:nvPr/>
+          </p:nvSpPr>
+          <p:spPr>
+            <a:xfrm>
+              <a:off x="449179" y="63798"/>
+              <a:ext cx="746423" cy="307777"/>
+            </a:xfrm>
+            <a:prstGeom prst="rect">
+              <a:avLst/>
+            </a:prstGeom>
+            <a:noFill/>
+          </p:spPr>
+          <p:txBody>
+            <a:bodyPr wrap="none" rtlCol="0">
+              <a:spAutoFit/>
+            </a:bodyPr>
+            <a:lstStyle/>
+            <a:p>
+              <a:r>
+                <a:rPr lang="en-US" altLang="ko-KR" sz="1400" dirty="0">
+                  <a:solidFill>
+                    <a:schemeClr val="accent6">
+                      <a:lumMod val="50000"/>
+                    </a:schemeClr>
+                  </a:solidFill>
+                  <a:latin typeface="나눔스퀘어 Bold" panose="020B0600000101010101" pitchFamily="50" charset="-127"/>
+                  <a:ea typeface="나눔스퀘어 Bold" panose="020B0600000101010101" pitchFamily="50" charset="-127"/>
+                </a:rPr>
+                <a:t>Part </a:t>
+              </a:r>
+              <a:r>
+                <a:rPr lang="en-US" altLang="ko-KR" sz="1400" dirty="0">
+                  <a:solidFill>
+                    <a:schemeClr val="accent6">
+                      <a:lumMod val="50000"/>
+                    </a:schemeClr>
+                  </a:solidFill>
+                  <a:latin typeface="나눔스퀘어 Bold" panose="020B0600000101010101" pitchFamily="50" charset="-127"/>
+                  <a:ea typeface="나눔스퀘어 Bold" panose="020B0600000101010101" pitchFamily="50" charset="-127"/>
+                </a:rPr>
+                <a:t>6</a:t>
+              </a:r>
+              <a:r>
+                <a:rPr lang="en-US" altLang="ko-KR" sz="1400" dirty="0" smtClean="0">
+                  <a:solidFill>
+                    <a:schemeClr val="accent6">
+                      <a:lumMod val="50000"/>
+                    </a:schemeClr>
+                  </a:solidFill>
+                  <a:latin typeface="나눔스퀘어 Bold" panose="020B0600000101010101" pitchFamily="50" charset="-127"/>
+                  <a:ea typeface="나눔스퀘어 Bold" panose="020B0600000101010101" pitchFamily="50" charset="-127"/>
+                </a:rPr>
+                <a:t>,</a:t>
+              </a:r>
+              <a:endParaRPr lang="ko-KR" altLang="en-US" sz="1400" dirty="0">
+                <a:solidFill>
+                  <a:schemeClr val="accent6">
+                    <a:lumMod val="50000"/>
+                  </a:schemeClr>
+                </a:solidFill>
+                <a:latin typeface="나눔스퀘어 Bold" panose="020B0600000101010101" pitchFamily="50" charset="-127"/>
+                <a:ea typeface="나눔스퀘어 Bold" panose="020B0600000101010101" pitchFamily="50" charset="-127"/>
+              </a:endParaRPr>
+            </a:p>
+          </p:txBody>
+        </p:sp>
+        <p:sp>
+          <p:nvSpPr>
+            <p:cNvPr id="13" name="TextBox 12">
+              <a:extLst>
+                <a:ext uri="{FF2B5EF4-FFF2-40B4-BE49-F238E27FC236}">
+                  <a16:creationId xmlns:a16="http://schemas.microsoft.com/office/drawing/2014/main" id="{1411476D-DF3F-4F30-A9AB-21B405D99E03}"/>
+                </a:ext>
+              </a:extLst>
+            </p:cNvPr>
+            <p:cNvSpPr txBox="1"/>
+            <p:nvPr/>
+          </p:nvSpPr>
+          <p:spPr>
+            <a:xfrm>
+              <a:off x="449179" y="286511"/>
+              <a:ext cx="2582758" cy="461665"/>
+            </a:xfrm>
+            <a:prstGeom prst="rect">
+              <a:avLst/>
+            </a:prstGeom>
+            <a:noFill/>
+          </p:spPr>
+          <p:txBody>
+            <a:bodyPr wrap="none" rtlCol="0">
+              <a:spAutoFit/>
+            </a:bodyPr>
+            <a:lstStyle/>
+            <a:p>
+              <a:r>
+                <a:rPr lang="ko-KR" altLang="en-US" sz="2400" dirty="0" smtClean="0">
+                  <a:solidFill>
+                    <a:schemeClr val="accent6">
+                      <a:lumMod val="50000"/>
+                    </a:schemeClr>
+                  </a:solidFill>
+                  <a:latin typeface="나눔스퀘어 Bold" panose="020B0600000101010101" pitchFamily="50" charset="-127"/>
+                  <a:ea typeface="나눔스퀘어 Bold" panose="020B0600000101010101" pitchFamily="50" charset="-127"/>
+                </a:rPr>
+                <a:t>타</a:t>
+              </a:r>
+              <a:r>
+                <a:rPr lang="en-US" altLang="ko-KR" sz="2400" dirty="0">
+                  <a:solidFill>
+                    <a:schemeClr val="accent6">
+                      <a:lumMod val="50000"/>
+                    </a:schemeClr>
+                  </a:solidFill>
+                  <a:latin typeface="나눔스퀘어 Bold" panose="020B0600000101010101" pitchFamily="50" charset="-127"/>
+                  <a:ea typeface="나눔스퀘어 Bold" panose="020B0600000101010101" pitchFamily="50" charset="-127"/>
+                </a:rPr>
+                <a:t> </a:t>
+              </a:r>
+              <a:r>
+                <a:rPr lang="ko-KR" altLang="en-US" sz="2400" dirty="0" smtClean="0">
+                  <a:solidFill>
+                    <a:schemeClr val="accent6">
+                      <a:lumMod val="50000"/>
+                    </a:schemeClr>
+                  </a:solidFill>
+                  <a:latin typeface="나눔스퀘어 Bold" panose="020B0600000101010101" pitchFamily="50" charset="-127"/>
+                  <a:ea typeface="나눔스퀘어 Bold" panose="020B0600000101010101" pitchFamily="50" charset="-127"/>
+                </a:rPr>
+                <a:t>게임과의 차별성</a:t>
+              </a:r>
+              <a:endParaRPr lang="ko-KR" altLang="en-US" sz="2400" dirty="0">
+                <a:solidFill>
+                  <a:schemeClr val="accent6">
+                    <a:lumMod val="50000"/>
+                  </a:schemeClr>
+                </a:solidFill>
+                <a:latin typeface="나눔스퀘어 Bold" panose="020B0600000101010101" pitchFamily="50" charset="-127"/>
+                <a:ea typeface="나눔스퀘어 Bold" panose="020B0600000101010101" pitchFamily="50" charset="-127"/>
+              </a:endParaRPr>
+            </a:p>
+          </p:txBody>
+        </p:sp>
+      </p:grpSp>
+      <p:pic>
+        <p:nvPicPr>
+          <p:cNvPr id="2" name="그림 1"/>
+          <p:cNvPicPr>
+            <a:picLocks noChangeAspect="1"/>
+          </p:cNvPicPr>
+          <p:nvPr/>
+        </p:nvPicPr>
+        <p:blipFill>
+          <a:blip r:embed="rId3"/>
+          <a:stretch>
+            <a:fillRect/>
+          </a:stretch>
+        </p:blipFill>
+        <p:spPr>
+          <a:xfrm>
+            <a:off x="172954" y="2000405"/>
+            <a:ext cx="5522411" cy="3666969"/>
+          </a:xfrm>
+          <a:prstGeom prst="rect">
+            <a:avLst/>
+          </a:prstGeom>
+        </p:spPr>
+      </p:pic>
+      <p:sp>
+        <p:nvSpPr>
+          <p:cNvPr id="17" name="TextBox 16">
+            <a:extLst>
+              <a:ext uri="{FF2B5EF4-FFF2-40B4-BE49-F238E27FC236}">
+                <a16:creationId xmlns:a16="http://schemas.microsoft.com/office/drawing/2014/main" id="{1411476D-DF3F-4F30-A9AB-21B405D99E03}"/>
               </a:ext>
             </a:extLst>
           </p:cNvPr>
@@ -10445,8 +10906,8 @@
         </p:nvSpPr>
         <p:spPr>
           <a:xfrm>
-            <a:off x="449179" y="63798"/>
-            <a:ext cx="746423" cy="307777"/>
+            <a:off x="5762040" y="3331118"/>
+            <a:ext cx="6604693" cy="1631216"/>
           </a:xfrm>
           <a:prstGeom prst="rect">
             <a:avLst/>
@@ -10460,80 +10921,129 @@
           <a:lstStyle/>
           <a:p>
             <a:r>
-              <a:rPr lang="en-US" altLang="ko-KR" sz="1400" dirty="0">
-                <a:solidFill>
-                  <a:schemeClr val="accent6">
-                    <a:lumMod val="50000"/>
-                  </a:schemeClr>
-                </a:solidFill>
+              <a:rPr lang="ko-KR" altLang="en-US" sz="2000" dirty="0">
                 <a:latin typeface="나눔스퀘어 Bold" panose="020B0600000101010101" pitchFamily="50" charset="-127"/>
                 <a:ea typeface="나눔스퀘어 Bold" panose="020B0600000101010101" pitchFamily="50" charset="-127"/>
               </a:rPr>
-              <a:t>Part </a:t>
-            </a:r>
-            <a:r>
-              <a:rPr lang="en-US" altLang="ko-KR" sz="1400" dirty="0" smtClean="0">
-                <a:solidFill>
-                  <a:schemeClr val="accent6">
-                    <a:lumMod val="50000"/>
-                  </a:schemeClr>
-                </a:solidFill>
-                <a:latin typeface="나눔스퀘어 Bold" panose="020B0600000101010101" pitchFamily="50" charset="-127"/>
-                <a:ea typeface="나눔스퀘어 Bold" panose="020B0600000101010101" pitchFamily="50" charset="-127"/>
-              </a:rPr>
-              <a:t>8,</a:t>
-            </a:r>
-            <a:endParaRPr lang="ko-KR" altLang="en-US" sz="1400" dirty="0">
-              <a:solidFill>
-                <a:schemeClr val="accent6">
-                  <a:lumMod val="50000"/>
-                </a:schemeClr>
-              </a:solidFill>
+              <a:t>기존에 있던 좀비 모드를 이용한 스토리 모드이며 </a:t>
+            </a:r>
+            <a:endParaRPr lang="en-US" altLang="ko-KR" sz="2000" dirty="0" smtClean="0">
               <a:latin typeface="나눔스퀘어 Bold" panose="020B0600000101010101" pitchFamily="50" charset="-127"/>
               <a:ea typeface="나눔스퀘어 Bold" panose="020B0600000101010101" pitchFamily="50" charset="-127"/>
             </a:endParaRPr>
           </a:p>
-        </p:txBody>
-      </p:sp>
-      <p:sp>
-        <p:nvSpPr>
-          <p:cNvPr id="5" name="TextBox 4">
-            <a:extLst>
-              <a:ext uri="{FF2B5EF4-FFF2-40B4-BE49-F238E27FC236}">
-                <a16:creationId xmlns:a16="http://schemas.microsoft.com/office/drawing/2014/main" id="{1411476D-DF3F-4F30-A9AB-21B405D99E03}"/>
-              </a:ext>
-            </a:extLst>
-          </p:cNvPr>
-          <p:cNvSpPr txBox="1"/>
-          <p:nvPr/>
-        </p:nvSpPr>
-        <p:spPr>
-          <a:xfrm>
-            <a:off x="449179" y="286511"/>
-            <a:ext cx="1383712" cy="461665"/>
-          </a:xfrm>
-          <a:prstGeom prst="rect">
-            <a:avLst/>
-          </a:prstGeom>
-          <a:noFill/>
-        </p:spPr>
-        <p:txBody>
-          <a:bodyPr wrap="none" rtlCol="0">
-            <a:spAutoFit/>
-          </a:bodyPr>
-          <a:lstStyle/>
-          <a:p>
-            <a:r>
-              <a:rPr lang="ko-KR" altLang="en-US" sz="2400" dirty="0" smtClean="0">
-                <a:solidFill>
-                  <a:schemeClr val="accent6">
-                    <a:lumMod val="50000"/>
-                  </a:schemeClr>
-                </a:solidFill>
+          <a:p>
+            <a:r>
+              <a:rPr lang="ko-KR" altLang="en-US" sz="2000" dirty="0" smtClean="0">
                 <a:latin typeface="나눔스퀘어 Bold" panose="020B0600000101010101" pitchFamily="50" charset="-127"/>
                 <a:ea typeface="나눔스퀘어 Bold" panose="020B0600000101010101" pitchFamily="50" charset="-127"/>
               </a:rPr>
-              <a:t>참고 문헌</a:t>
+              <a:t>유저들끼리 협동하여 생존하는 것이 중점</a:t>
+            </a:r>
+            <a:endParaRPr lang="en-US" altLang="ko-KR" sz="2000" dirty="0">
+              <a:latin typeface="나눔스퀘어 Bold" panose="020B0600000101010101" pitchFamily="50" charset="-127"/>
+              <a:ea typeface="나눔스퀘어 Bold" panose="020B0600000101010101" pitchFamily="50" charset="-127"/>
+            </a:endParaRPr>
+          </a:p>
+          <a:p>
+            <a:r>
+              <a:rPr lang="ko-KR" altLang="en-US" sz="2000" dirty="0">
+                <a:latin typeface="나눔스퀘어 Bold" panose="020B0600000101010101" pitchFamily="50" charset="-127"/>
+                <a:ea typeface="나눔스퀘어 Bold" panose="020B0600000101010101" pitchFamily="50" charset="-127"/>
+              </a:rPr>
+              <a:t>좀비를 죽이면 </a:t>
+            </a:r>
+            <a:r>
+              <a:rPr lang="ko-KR" altLang="en-US" sz="2000" dirty="0" smtClean="0">
+                <a:latin typeface="나눔스퀘어 Bold" panose="020B0600000101010101" pitchFamily="50" charset="-127"/>
+                <a:ea typeface="나눔스퀘어 Bold" panose="020B0600000101010101" pitchFamily="50" charset="-127"/>
+              </a:rPr>
+              <a:t>돈 과 경험치가 오르며 </a:t>
+            </a:r>
+            <a:r>
+              <a:rPr lang="ko-KR" altLang="en-US" sz="2000" dirty="0">
+                <a:latin typeface="나눔스퀘어 Bold" panose="020B0600000101010101" pitchFamily="50" charset="-127"/>
+                <a:ea typeface="나눔스퀘어 Bold" panose="020B0600000101010101" pitchFamily="50" charset="-127"/>
+              </a:rPr>
+              <a:t>체력</a:t>
+            </a:r>
+            <a:r>
+              <a:rPr lang="en-US" altLang="ko-KR" sz="2000" dirty="0">
+                <a:latin typeface="나눔스퀘어 Bold" panose="020B0600000101010101" pitchFamily="50" charset="-127"/>
+                <a:ea typeface="나눔스퀘어 Bold" panose="020B0600000101010101" pitchFamily="50" charset="-127"/>
+              </a:rPr>
+              <a:t>, </a:t>
+            </a:r>
+            <a:r>
+              <a:rPr lang="ko-KR" altLang="en-US" sz="2000" dirty="0">
+                <a:latin typeface="나눔스퀘어 Bold" panose="020B0600000101010101" pitchFamily="50" charset="-127"/>
+                <a:ea typeface="나눔스퀘어 Bold" panose="020B0600000101010101" pitchFamily="50" charset="-127"/>
+              </a:rPr>
+              <a:t>공격력</a:t>
+            </a:r>
+            <a:r>
+              <a:rPr lang="en-US" altLang="ko-KR" sz="2000" dirty="0">
+                <a:latin typeface="나눔스퀘어 Bold" panose="020B0600000101010101" pitchFamily="50" charset="-127"/>
+                <a:ea typeface="나눔스퀘어 Bold" panose="020B0600000101010101" pitchFamily="50" charset="-127"/>
+              </a:rPr>
+              <a:t>, </a:t>
+            </a:r>
+            <a:r>
+              <a:rPr lang="ko-KR" altLang="en-US" sz="2000" dirty="0">
+                <a:latin typeface="나눔스퀘어 Bold" panose="020B0600000101010101" pitchFamily="50" charset="-127"/>
+                <a:ea typeface="나눔스퀘어 Bold" panose="020B0600000101010101" pitchFamily="50" charset="-127"/>
+              </a:rPr>
+              <a:t>이동속도</a:t>
+            </a:r>
+            <a:r>
+              <a:rPr lang="en-US" altLang="ko-KR" sz="2000" dirty="0">
+                <a:latin typeface="나눔스퀘어 Bold" panose="020B0600000101010101" pitchFamily="50" charset="-127"/>
+                <a:ea typeface="나눔스퀘어 Bold" panose="020B0600000101010101" pitchFamily="50" charset="-127"/>
+              </a:rPr>
+              <a:t>, </a:t>
+            </a:r>
+          </a:p>
+          <a:p>
+            <a:r>
+              <a:rPr lang="ko-KR" altLang="en-US" sz="2000" dirty="0">
+                <a:latin typeface="나눔스퀘어 Bold" panose="020B0600000101010101" pitchFamily="50" charset="-127"/>
+                <a:ea typeface="나눔스퀘어 Bold" panose="020B0600000101010101" pitchFamily="50" charset="-127"/>
+              </a:rPr>
+              <a:t>방탄복 등을 업그레이드가 </a:t>
+            </a:r>
+            <a:r>
+              <a:rPr lang="ko-KR" altLang="en-US" sz="2000" dirty="0" smtClean="0">
+                <a:latin typeface="나눔스퀘어 Bold" panose="020B0600000101010101" pitchFamily="50" charset="-127"/>
+                <a:ea typeface="나눔스퀘어 Bold" panose="020B0600000101010101" pitchFamily="50" charset="-127"/>
+              </a:rPr>
+              <a:t>가능</a:t>
+            </a:r>
+            <a:endParaRPr lang="en-US" altLang="ko-KR" sz="2000" dirty="0">
+              <a:latin typeface="나눔스퀘어 Bold" panose="020B0600000101010101" pitchFamily="50" charset="-127"/>
+              <a:ea typeface="나눔스퀘어 Bold" panose="020B0600000101010101" pitchFamily="50" charset="-127"/>
+            </a:endParaRPr>
+          </a:p>
+          <a:p>
+            <a:r>
+              <a:rPr lang="ko-KR" altLang="en-US" sz="2000" dirty="0" smtClean="0">
+                <a:latin typeface="나눔스퀘어 Bold" panose="020B0600000101010101" pitchFamily="50" charset="-127"/>
+                <a:ea typeface="나눔스퀘어 Bold" panose="020B0600000101010101" pitchFamily="50" charset="-127"/>
+              </a:rPr>
+              <a:t>업그레이드 </a:t>
+            </a:r>
+            <a:r>
+              <a:rPr lang="ko-KR" altLang="en-US" sz="2000" dirty="0">
+                <a:latin typeface="나눔스퀘어 Bold" panose="020B0600000101010101" pitchFamily="50" charset="-127"/>
+                <a:ea typeface="나눔스퀘어 Bold" panose="020B0600000101010101" pitchFamily="50" charset="-127"/>
+              </a:rPr>
+              <a:t>수치는 클래스마다 </a:t>
+            </a:r>
+            <a:r>
+              <a:rPr lang="ko-KR" altLang="en-US" sz="2000" dirty="0" smtClean="0">
+                <a:latin typeface="나눔스퀘어 Bold" panose="020B0600000101010101" pitchFamily="50" charset="-127"/>
+                <a:ea typeface="나눔스퀘어 Bold" panose="020B0600000101010101" pitchFamily="50" charset="-127"/>
+              </a:rPr>
+              <a:t>다름</a:t>
             </a:r>
             <a:endParaRPr lang="ko-KR" altLang="en-US" sz="2400" dirty="0">
               <a:solidFill>
@@ -10547,10 +11057,44 @@
           </a:p>
         </p:txBody>
       </p:sp>
+      <p:sp>
+        <p:nvSpPr>
+          <p:cNvPr id="8" name="TextBox 7"/>
+          <p:cNvSpPr txBox="1"/>
+          <p:nvPr/>
+        </p:nvSpPr>
+        <p:spPr>
+          <a:xfrm>
+            <a:off x="172954" y="5667374"/>
+            <a:ext cx="874796" cy="307777"/>
+          </a:xfrm>
+          <a:prstGeom prst="rect">
+            <a:avLst/>
+          </a:prstGeom>
+          <a:noFill/>
+        </p:spPr>
+        <p:txBody>
+          <a:bodyPr wrap="square" rtlCol="0">
+            <a:spAutoFit/>
+          </a:bodyPr>
+          <a:lstStyle/>
+          <a:p>
+            <a:r>
+              <a:rPr lang="ko-KR" altLang="en-US" sz="1400" dirty="0" smtClean="0"/>
+              <a:t>사진</a:t>
+            </a:r>
+            <a:r>
+              <a:rPr lang="en-US" altLang="ko-KR" sz="1400" dirty="0" smtClean="0"/>
+              <a:t>1</a:t>
+            </a:r>
+            <a:endParaRPr lang="ko-KR" altLang="en-US" sz="1400" dirty="0"/>
+          </a:p>
+        </p:txBody>
+      </p:sp>
     </p:spTree>
     <p:extLst>
       <p:ext uri="{BB962C8B-B14F-4D97-AF65-F5344CB8AC3E}">
-        <p14:creationId xmlns:p14="http://schemas.microsoft.com/office/powerpoint/2010/main" val="389239850"/>
+        <p14:creationId xmlns:p14="http://schemas.microsoft.com/office/powerpoint/2010/main" val="4016315613"/>
       </p:ext>
     </p:extLst>
   </p:cSld>
@@ -10558,7 +11102,835 @@
     <a:masterClrMapping/>
   </p:clrMapOvr>
   <mc:AlternateContent xmlns:mc="http://schemas.openxmlformats.org/markup-compatibility/2006">
-    <mc:Choice xmlns="" xmlns:p159="http://schemas.microsoft.com/office/powerpoint/2015/09/main" Requires="p159">
+    <mc:Choice xmlns:p159="http://schemas.microsoft.com/office/powerpoint/2015/09/main" xmlns="" Requires="p159">
+      <p:transition xmlns:p14="http://schemas.microsoft.com/office/powerpoint/2010/main" spd="slow" p14:dur="2000">
+        <p159:morph option="byObject"/>
+      </p:transition>
+    </mc:Choice>
+    <mc:Fallback>
+      <p:transition spd="slow">
+        <p:fade/>
+      </p:transition>
+    </mc:Fallback>
+  </mc:AlternateContent>
+</p:sld>
+</file>
+
+<file path=ppt/slides/slide9.xml><?xml version="1.0" encoding="utf-8"?>
+<p:sld xmlns:a="http://schemas.openxmlformats.org/drawingml/2006/main" xmlns:r="http://schemas.openxmlformats.org/officeDocument/2006/relationships" xmlns:p="http://schemas.openxmlformats.org/presentationml/2006/main">
+  <p:cSld>
+    <p:spTree>
+      <p:nvGrpSpPr>
+        <p:cNvPr id="1" name=""/>
+        <p:cNvGrpSpPr/>
+        <p:nvPr/>
+      </p:nvGrpSpPr>
+      <p:grpSpPr>
+        <a:xfrm>
+          <a:off x="0" y="0"/>
+          <a:ext cx="0" cy="0"/>
+          <a:chOff x="0" y="0"/>
+          <a:chExt cx="0" cy="0"/>
+        </a:xfrm>
+      </p:grpSpPr>
+      <p:cxnSp>
+        <p:nvCxnSpPr>
+          <p:cNvPr id="3" name="직선 연결선 2">
+            <a:extLst>
+              <a:ext uri="{FF2B5EF4-FFF2-40B4-BE49-F238E27FC236}">
+                <a16:creationId xmlns:a16="http://schemas.microsoft.com/office/drawing/2014/main" id="{1FF04A19-8950-44A5-80E9-5A06E7DA23BE}"/>
+              </a:ext>
+            </a:extLst>
+          </p:cNvPr>
+          <p:cNvCxnSpPr/>
+          <p:nvPr/>
+        </p:nvCxnSpPr>
+        <p:spPr>
+          <a:xfrm>
+            <a:off x="449179" y="834004"/>
+            <a:ext cx="11742821" cy="0"/>
+          </a:xfrm>
+          <a:prstGeom prst="line">
+            <a:avLst/>
+          </a:prstGeom>
+          <a:ln>
+            <a:solidFill>
+              <a:schemeClr val="accent6"/>
+            </a:solidFill>
+          </a:ln>
+        </p:spPr>
+        <p:style>
+          <a:lnRef idx="1">
+            <a:schemeClr val="accent1"/>
+          </a:lnRef>
+          <a:fillRef idx="0">
+            <a:schemeClr val="accent1"/>
+          </a:fillRef>
+          <a:effectRef idx="0">
+            <a:schemeClr val="accent1"/>
+          </a:effectRef>
+          <a:fontRef idx="minor">
+            <a:schemeClr val="tx1"/>
+          </a:fontRef>
+        </p:style>
+      </p:cxnSp>
+      <p:grpSp>
+        <p:nvGrpSpPr>
+          <p:cNvPr id="9" name="그룹 8"/>
+          <p:cNvGrpSpPr/>
+          <p:nvPr/>
+        </p:nvGrpSpPr>
+        <p:grpSpPr>
+          <a:xfrm>
+            <a:off x="449179" y="63798"/>
+            <a:ext cx="2582758" cy="684378"/>
+            <a:chOff x="449179" y="63798"/>
+            <a:chExt cx="2582758" cy="684378"/>
+          </a:xfrm>
+        </p:grpSpPr>
+        <p:sp>
+          <p:nvSpPr>
+            <p:cNvPr id="10" name="TextBox 9">
+              <a:extLst>
+                <a:ext uri="{FF2B5EF4-FFF2-40B4-BE49-F238E27FC236}">
+                  <a16:creationId xmlns:a16="http://schemas.microsoft.com/office/drawing/2014/main" id="{243C702B-3426-41BD-9FAE-31F746E5D0B6}"/>
+                </a:ext>
+              </a:extLst>
+            </p:cNvPr>
+            <p:cNvSpPr txBox="1"/>
+            <p:nvPr/>
+          </p:nvSpPr>
+          <p:spPr>
+            <a:xfrm>
+              <a:off x="449179" y="63798"/>
+              <a:ext cx="746423" cy="307777"/>
+            </a:xfrm>
+            <a:prstGeom prst="rect">
+              <a:avLst/>
+            </a:prstGeom>
+            <a:noFill/>
+          </p:spPr>
+          <p:txBody>
+            <a:bodyPr wrap="none" rtlCol="0">
+              <a:spAutoFit/>
+            </a:bodyPr>
+            <a:lstStyle/>
+            <a:p>
+              <a:r>
+                <a:rPr lang="en-US" altLang="ko-KR" sz="1400" dirty="0">
+                  <a:solidFill>
+                    <a:schemeClr val="accent6">
+                      <a:lumMod val="50000"/>
+                    </a:schemeClr>
+                  </a:solidFill>
+                  <a:latin typeface="나눔스퀘어 Bold" panose="020B0600000101010101" pitchFamily="50" charset="-127"/>
+                  <a:ea typeface="나눔스퀘어 Bold" panose="020B0600000101010101" pitchFamily="50" charset="-127"/>
+                </a:rPr>
+                <a:t>Part </a:t>
+              </a:r>
+              <a:r>
+                <a:rPr lang="en-US" altLang="ko-KR" sz="1400" dirty="0">
+                  <a:solidFill>
+                    <a:schemeClr val="accent6">
+                      <a:lumMod val="50000"/>
+                    </a:schemeClr>
+                  </a:solidFill>
+                  <a:latin typeface="나눔스퀘어 Bold" panose="020B0600000101010101" pitchFamily="50" charset="-127"/>
+                  <a:ea typeface="나눔스퀘어 Bold" panose="020B0600000101010101" pitchFamily="50" charset="-127"/>
+                </a:rPr>
+                <a:t>6</a:t>
+              </a:r>
+              <a:r>
+                <a:rPr lang="en-US" altLang="ko-KR" sz="1400" dirty="0" smtClean="0">
+                  <a:solidFill>
+                    <a:schemeClr val="accent6">
+                      <a:lumMod val="50000"/>
+                    </a:schemeClr>
+                  </a:solidFill>
+                  <a:latin typeface="나눔스퀘어 Bold" panose="020B0600000101010101" pitchFamily="50" charset="-127"/>
+                  <a:ea typeface="나눔스퀘어 Bold" panose="020B0600000101010101" pitchFamily="50" charset="-127"/>
+                </a:rPr>
+                <a:t>,</a:t>
+              </a:r>
+              <a:endParaRPr lang="ko-KR" altLang="en-US" sz="1400" dirty="0">
+                <a:solidFill>
+                  <a:schemeClr val="accent6">
+                    <a:lumMod val="50000"/>
+                  </a:schemeClr>
+                </a:solidFill>
+                <a:latin typeface="나눔스퀘어 Bold" panose="020B0600000101010101" pitchFamily="50" charset="-127"/>
+                <a:ea typeface="나눔스퀘어 Bold" panose="020B0600000101010101" pitchFamily="50" charset="-127"/>
+              </a:endParaRPr>
+            </a:p>
+          </p:txBody>
+        </p:sp>
+        <p:sp>
+          <p:nvSpPr>
+            <p:cNvPr id="11" name="TextBox 10">
+              <a:extLst>
+                <a:ext uri="{FF2B5EF4-FFF2-40B4-BE49-F238E27FC236}">
+                  <a16:creationId xmlns:a16="http://schemas.microsoft.com/office/drawing/2014/main" id="{1411476D-DF3F-4F30-A9AB-21B405D99E03}"/>
+                </a:ext>
+              </a:extLst>
+            </p:cNvPr>
+            <p:cNvSpPr txBox="1"/>
+            <p:nvPr/>
+          </p:nvSpPr>
+          <p:spPr>
+            <a:xfrm>
+              <a:off x="449179" y="286511"/>
+              <a:ext cx="2582758" cy="461665"/>
+            </a:xfrm>
+            <a:prstGeom prst="rect">
+              <a:avLst/>
+            </a:prstGeom>
+            <a:noFill/>
+          </p:spPr>
+          <p:txBody>
+            <a:bodyPr wrap="none" rtlCol="0">
+              <a:spAutoFit/>
+            </a:bodyPr>
+            <a:lstStyle/>
+            <a:p>
+              <a:r>
+                <a:rPr lang="ko-KR" altLang="en-US" sz="2400" dirty="0" smtClean="0">
+                  <a:solidFill>
+                    <a:schemeClr val="accent6">
+                      <a:lumMod val="50000"/>
+                    </a:schemeClr>
+                  </a:solidFill>
+                  <a:latin typeface="나눔스퀘어 Bold" panose="020B0600000101010101" pitchFamily="50" charset="-127"/>
+                  <a:ea typeface="나눔스퀘어 Bold" panose="020B0600000101010101" pitchFamily="50" charset="-127"/>
+                </a:rPr>
+                <a:t>타</a:t>
+              </a:r>
+              <a:r>
+                <a:rPr lang="en-US" altLang="ko-KR" sz="2400" dirty="0">
+                  <a:solidFill>
+                    <a:schemeClr val="accent6">
+                      <a:lumMod val="50000"/>
+                    </a:schemeClr>
+                  </a:solidFill>
+                  <a:latin typeface="나눔스퀘어 Bold" panose="020B0600000101010101" pitchFamily="50" charset="-127"/>
+                  <a:ea typeface="나눔스퀘어 Bold" panose="020B0600000101010101" pitchFamily="50" charset="-127"/>
+                </a:rPr>
+                <a:t> </a:t>
+              </a:r>
+              <a:r>
+                <a:rPr lang="ko-KR" altLang="en-US" sz="2400" dirty="0" smtClean="0">
+                  <a:solidFill>
+                    <a:schemeClr val="accent6">
+                      <a:lumMod val="50000"/>
+                    </a:schemeClr>
+                  </a:solidFill>
+                  <a:latin typeface="나눔스퀘어 Bold" panose="020B0600000101010101" pitchFamily="50" charset="-127"/>
+                  <a:ea typeface="나눔스퀘어 Bold" panose="020B0600000101010101" pitchFamily="50" charset="-127"/>
+                </a:rPr>
+                <a:t>게임과의 차별성</a:t>
+              </a:r>
+              <a:endParaRPr lang="ko-KR" altLang="en-US" sz="2400" dirty="0">
+                <a:solidFill>
+                  <a:schemeClr val="accent6">
+                    <a:lumMod val="50000"/>
+                  </a:schemeClr>
+                </a:solidFill>
+                <a:latin typeface="나눔스퀘어 Bold" panose="020B0600000101010101" pitchFamily="50" charset="-127"/>
+                <a:ea typeface="나눔스퀘어 Bold" panose="020B0600000101010101" pitchFamily="50" charset="-127"/>
+              </a:endParaRPr>
+            </a:p>
+          </p:txBody>
+        </p:sp>
+      </p:grpSp>
+      <p:sp>
+        <p:nvSpPr>
+          <p:cNvPr id="17" name="아래쪽 화살표 16"/>
+          <p:cNvSpPr/>
+          <p:nvPr/>
+        </p:nvSpPr>
+        <p:spPr>
+          <a:xfrm>
+            <a:off x="5103016" y="3591973"/>
+            <a:ext cx="966789" cy="516448"/>
+          </a:xfrm>
+          <a:prstGeom prst="downArrow">
+            <a:avLst>
+              <a:gd name="adj1" fmla="val 50000"/>
+              <a:gd name="adj2" fmla="val 48156"/>
+            </a:avLst>
+          </a:prstGeom>
+          <a:solidFill>
+            <a:schemeClr val="tx1">
+              <a:lumMod val="50000"/>
+              <a:lumOff val="50000"/>
+            </a:schemeClr>
+          </a:solidFill>
+        </p:spPr>
+        <p:style>
+          <a:lnRef idx="2">
+            <a:schemeClr val="accent1">
+              <a:shade val="50000"/>
+            </a:schemeClr>
+          </a:lnRef>
+          <a:fillRef idx="1">
+            <a:schemeClr val="accent1"/>
+          </a:fillRef>
+          <a:effectRef idx="0">
+            <a:schemeClr val="accent1"/>
+          </a:effectRef>
+          <a:fontRef idx="minor">
+            <a:schemeClr val="lt1"/>
+          </a:fontRef>
+        </p:style>
+        <p:txBody>
+          <a:bodyPr rtlCol="0" anchor="ctr"/>
+          <a:lstStyle/>
+          <a:p>
+            <a:pPr algn="ctr"/>
+            <a:endParaRPr lang="ko-KR" altLang="en-US"/>
+          </a:p>
+        </p:txBody>
+      </p:sp>
+      <p:sp>
+        <p:nvSpPr>
+          <p:cNvPr id="19" name="직사각형 18"/>
+          <p:cNvSpPr/>
+          <p:nvPr/>
+        </p:nvSpPr>
+        <p:spPr>
+          <a:xfrm>
+            <a:off x="1119401" y="1069449"/>
+            <a:ext cx="9401175" cy="2418307"/>
+          </a:xfrm>
+          <a:prstGeom prst="rect">
+            <a:avLst/>
+          </a:prstGeom>
+          <a:solidFill>
+            <a:schemeClr val="bg2">
+              <a:lumMod val="90000"/>
+            </a:schemeClr>
+          </a:solidFill>
+        </p:spPr>
+        <p:style>
+          <a:lnRef idx="2">
+            <a:schemeClr val="accent1">
+              <a:shade val="50000"/>
+            </a:schemeClr>
+          </a:lnRef>
+          <a:fillRef idx="1">
+            <a:schemeClr val="accent1"/>
+          </a:fillRef>
+          <a:effectRef idx="0">
+            <a:schemeClr val="accent1"/>
+          </a:effectRef>
+          <a:fontRef idx="minor">
+            <a:schemeClr val="lt1"/>
+          </a:fontRef>
+        </p:style>
+        <p:txBody>
+          <a:bodyPr rtlCol="0" anchor="ctr"/>
+          <a:lstStyle/>
+          <a:p>
+            <a:pPr algn="ctr"/>
+            <a:endParaRPr lang="ko-KR" altLang="en-US"/>
+          </a:p>
+        </p:txBody>
+      </p:sp>
+      <p:sp>
+        <p:nvSpPr>
+          <p:cNvPr id="20" name="직사각형 19"/>
+          <p:cNvSpPr/>
+          <p:nvPr/>
+        </p:nvSpPr>
+        <p:spPr>
+          <a:xfrm>
+            <a:off x="1119402" y="4194250"/>
+            <a:ext cx="9401175" cy="2400300"/>
+          </a:xfrm>
+          <a:prstGeom prst="rect">
+            <a:avLst/>
+          </a:prstGeom>
+          <a:solidFill>
+            <a:schemeClr val="bg2"/>
+          </a:solidFill>
+        </p:spPr>
+        <p:style>
+          <a:lnRef idx="2">
+            <a:schemeClr val="accent1">
+              <a:shade val="50000"/>
+            </a:schemeClr>
+          </a:lnRef>
+          <a:fillRef idx="1">
+            <a:schemeClr val="accent1"/>
+          </a:fillRef>
+          <a:effectRef idx="0">
+            <a:schemeClr val="accent1"/>
+          </a:effectRef>
+          <a:fontRef idx="minor">
+            <a:schemeClr val="lt1"/>
+          </a:fontRef>
+        </p:style>
+        <p:txBody>
+          <a:bodyPr rtlCol="0" anchor="ctr"/>
+          <a:lstStyle/>
+          <a:p>
+            <a:pPr algn="ctr"/>
+            <a:endParaRPr lang="ko-KR" altLang="en-US"/>
+          </a:p>
+        </p:txBody>
+      </p:sp>
+      <p:sp>
+        <p:nvSpPr>
+          <p:cNvPr id="21" name="TextBox 20">
+            <a:extLst>
+              <a:ext uri="{FF2B5EF4-FFF2-40B4-BE49-F238E27FC236}">
+                <a16:creationId xmlns:a16="http://schemas.microsoft.com/office/drawing/2014/main" id="{1411476D-DF3F-4F30-A9AB-21B405D99E03}"/>
+              </a:ext>
+            </a:extLst>
+          </p:cNvPr>
+          <p:cNvSpPr txBox="1"/>
+          <p:nvPr/>
+        </p:nvSpPr>
+        <p:spPr>
+          <a:xfrm>
+            <a:off x="1119401" y="1069259"/>
+            <a:ext cx="1026243" cy="461665"/>
+          </a:xfrm>
+          <a:prstGeom prst="rect">
+            <a:avLst/>
+          </a:prstGeom>
+          <a:noFill/>
+        </p:spPr>
+        <p:txBody>
+          <a:bodyPr wrap="none" rtlCol="0">
+            <a:spAutoFit/>
+          </a:bodyPr>
+          <a:lstStyle/>
+          <a:p>
+            <a:r>
+              <a:rPr lang="ko-KR" altLang="en-US" sz="2400" dirty="0" smtClean="0">
+                <a:solidFill>
+                  <a:schemeClr val="accent6">
+                    <a:lumMod val="50000"/>
+                  </a:schemeClr>
+                </a:solidFill>
+                <a:latin typeface="나눔스퀘어 Bold" panose="020B0600000101010101" pitchFamily="50" charset="-127"/>
+                <a:ea typeface="나눔스퀘어 Bold" panose="020B0600000101010101" pitchFamily="50" charset="-127"/>
+              </a:rPr>
+              <a:t>차별성</a:t>
+            </a:r>
+            <a:endParaRPr lang="ko-KR" altLang="en-US" sz="2400" dirty="0">
+              <a:solidFill>
+                <a:schemeClr val="accent6">
+                  <a:lumMod val="50000"/>
+                </a:schemeClr>
+              </a:solidFill>
+              <a:latin typeface="나눔스퀘어 Bold" panose="020B0600000101010101" pitchFamily="50" charset="-127"/>
+              <a:ea typeface="나눔스퀘어 Bold" panose="020B0600000101010101" pitchFamily="50" charset="-127"/>
+            </a:endParaRPr>
+          </a:p>
+        </p:txBody>
+      </p:sp>
+      <p:sp>
+        <p:nvSpPr>
+          <p:cNvPr id="22" name="TextBox 21">
+            <a:extLst>
+              <a:ext uri="{FF2B5EF4-FFF2-40B4-BE49-F238E27FC236}">
+                <a16:creationId xmlns:a16="http://schemas.microsoft.com/office/drawing/2014/main" id="{1411476D-DF3F-4F30-A9AB-21B405D99E03}"/>
+              </a:ext>
+            </a:extLst>
+          </p:cNvPr>
+          <p:cNvSpPr txBox="1"/>
+          <p:nvPr/>
+        </p:nvSpPr>
+        <p:spPr>
+          <a:xfrm>
+            <a:off x="1119402" y="4194250"/>
+            <a:ext cx="1026243" cy="461665"/>
+          </a:xfrm>
+          <a:prstGeom prst="rect">
+            <a:avLst/>
+          </a:prstGeom>
+          <a:noFill/>
+        </p:spPr>
+        <p:txBody>
+          <a:bodyPr wrap="none" rtlCol="0">
+            <a:spAutoFit/>
+          </a:bodyPr>
+          <a:lstStyle/>
+          <a:p>
+            <a:r>
+              <a:rPr lang="ko-KR" altLang="en-US" sz="2400" dirty="0" err="1" smtClean="0">
+                <a:solidFill>
+                  <a:schemeClr val="accent6">
+                    <a:lumMod val="50000"/>
+                  </a:schemeClr>
+                </a:solidFill>
+                <a:latin typeface="나눔스퀘어 Bold" panose="020B0600000101010101" pitchFamily="50" charset="-127"/>
+                <a:ea typeface="나눔스퀘어 Bold" panose="020B0600000101010101" pitchFamily="50" charset="-127"/>
+              </a:rPr>
+              <a:t>경쟁성</a:t>
+            </a:r>
+            <a:endParaRPr lang="ko-KR" altLang="en-US" sz="2400" dirty="0">
+              <a:solidFill>
+                <a:schemeClr val="accent6">
+                  <a:lumMod val="50000"/>
+                </a:schemeClr>
+              </a:solidFill>
+              <a:latin typeface="나눔스퀘어 Bold" panose="020B0600000101010101" pitchFamily="50" charset="-127"/>
+              <a:ea typeface="나눔스퀘어 Bold" panose="020B0600000101010101" pitchFamily="50" charset="-127"/>
+            </a:endParaRPr>
+          </a:p>
+        </p:txBody>
+      </p:sp>
+      <p:sp>
+        <p:nvSpPr>
+          <p:cNvPr id="23" name="TextBox 22">
+            <a:extLst>
+              <a:ext uri="{FF2B5EF4-FFF2-40B4-BE49-F238E27FC236}">
+                <a16:creationId xmlns:a16="http://schemas.microsoft.com/office/drawing/2014/main" id="{1411476D-DF3F-4F30-A9AB-21B405D99E03}"/>
+              </a:ext>
+            </a:extLst>
+          </p:cNvPr>
+          <p:cNvSpPr txBox="1"/>
+          <p:nvPr/>
+        </p:nvSpPr>
+        <p:spPr>
+          <a:xfrm>
+            <a:off x="1227436" y="1653338"/>
+            <a:ext cx="8726189" cy="1200329"/>
+          </a:xfrm>
+          <a:prstGeom prst="rect">
+            <a:avLst/>
+          </a:prstGeom>
+          <a:noFill/>
+        </p:spPr>
+        <p:txBody>
+          <a:bodyPr wrap="square" rtlCol="0">
+            <a:spAutoFit/>
+          </a:bodyPr>
+          <a:lstStyle/>
+          <a:p>
+            <a:pPr marL="457200" indent="-457200">
+              <a:buAutoNum type="arabicPeriod"/>
+            </a:pPr>
+            <a:r>
+              <a:rPr lang="ko-KR" altLang="en-US" sz="2400" dirty="0" smtClean="0">
+                <a:solidFill>
+                  <a:schemeClr val="accent6">
+                    <a:lumMod val="50000"/>
+                  </a:schemeClr>
+                </a:solidFill>
+                <a:latin typeface="나눔스퀘어 Bold" panose="020B0600000101010101" pitchFamily="50" charset="-127"/>
+                <a:ea typeface="나눔스퀘어 Bold" panose="020B0600000101010101" pitchFamily="50" charset="-127"/>
+              </a:rPr>
+              <a:t>다양하지 않고 단순한 </a:t>
+            </a:r>
+            <a:r>
+              <a:rPr lang="en-US" altLang="ko-KR" sz="2400" dirty="0" smtClean="0">
+                <a:solidFill>
+                  <a:schemeClr val="accent6">
+                    <a:lumMod val="50000"/>
+                  </a:schemeClr>
+                </a:solidFill>
+                <a:latin typeface="나눔스퀘어 Bold" panose="020B0600000101010101" pitchFamily="50" charset="-127"/>
+                <a:ea typeface="나눔스퀘어 Bold" panose="020B0600000101010101" pitchFamily="50" charset="-127"/>
+              </a:rPr>
+              <a:t>AI</a:t>
+            </a:r>
+          </a:p>
+          <a:p>
+            <a:pPr marL="457200" indent="-457200">
+              <a:buAutoNum type="arabicPeriod"/>
+            </a:pPr>
+            <a:r>
+              <a:rPr lang="ko-KR" altLang="en-US" sz="2400" dirty="0" smtClean="0">
+                <a:solidFill>
+                  <a:schemeClr val="accent6">
+                    <a:lumMod val="50000"/>
+                  </a:schemeClr>
+                </a:solidFill>
+                <a:latin typeface="나눔스퀘어 Bold" panose="020B0600000101010101" pitchFamily="50" charset="-127"/>
+                <a:ea typeface="나눔스퀘어 Bold" panose="020B0600000101010101" pitchFamily="50" charset="-127"/>
+              </a:rPr>
+              <a:t>단순히 체력만 증가시킨</a:t>
+            </a:r>
+            <a:r>
+              <a:rPr lang="ko-KR" altLang="en-US" sz="2400" dirty="0" smtClean="0">
+                <a:solidFill>
+                  <a:schemeClr val="accent6">
+                    <a:lumMod val="50000"/>
+                  </a:schemeClr>
+                </a:solidFill>
+                <a:latin typeface="나눔스퀘어 Bold" panose="020B0600000101010101" pitchFamily="50" charset="-127"/>
+                <a:ea typeface="나눔스퀘어 Bold" panose="020B0600000101010101" pitchFamily="50" charset="-127"/>
+              </a:rPr>
+              <a:t> 적 </a:t>
+            </a:r>
+            <a:endParaRPr lang="en-US" altLang="ko-KR" sz="2400" dirty="0" smtClean="0">
+              <a:solidFill>
+                <a:schemeClr val="accent6">
+                  <a:lumMod val="50000"/>
+                </a:schemeClr>
+              </a:solidFill>
+              <a:latin typeface="나눔스퀘어 Bold" panose="020B0600000101010101" pitchFamily="50" charset="-127"/>
+              <a:ea typeface="나눔스퀘어 Bold" panose="020B0600000101010101" pitchFamily="50" charset="-127"/>
+            </a:endParaRPr>
+          </a:p>
+          <a:p>
+            <a:pPr marL="457200" indent="-457200">
+              <a:buAutoNum type="arabicPeriod"/>
+            </a:pPr>
+            <a:r>
+              <a:rPr lang="ko-KR" altLang="en-US" sz="2400" dirty="0" err="1" smtClean="0">
+                <a:solidFill>
+                  <a:schemeClr val="accent6">
+                    <a:lumMod val="50000"/>
+                  </a:schemeClr>
+                </a:solidFill>
+                <a:latin typeface="나눔스퀘어 Bold" panose="020B0600000101010101" pitchFamily="50" charset="-127"/>
+                <a:ea typeface="나눔스퀘어 Bold" panose="020B0600000101010101" pitchFamily="50" charset="-127"/>
+              </a:rPr>
+              <a:t>과금</a:t>
+            </a:r>
+            <a:r>
+              <a:rPr lang="ko-KR" altLang="en-US" sz="2400" dirty="0" smtClean="0">
+                <a:solidFill>
+                  <a:schemeClr val="accent6">
+                    <a:lumMod val="50000"/>
+                  </a:schemeClr>
+                </a:solidFill>
+                <a:latin typeface="나눔스퀘어 Bold" panose="020B0600000101010101" pitchFamily="50" charset="-127"/>
+                <a:ea typeface="나눔스퀘어 Bold" panose="020B0600000101010101" pitchFamily="50" charset="-127"/>
+              </a:rPr>
+              <a:t> 없이는 클리어하기 힘들어진 난이도</a:t>
+            </a:r>
+            <a:endParaRPr lang="en-US" altLang="ko-KR" sz="2400" dirty="0">
+              <a:solidFill>
+                <a:schemeClr val="accent6">
+                  <a:lumMod val="50000"/>
+                </a:schemeClr>
+              </a:solidFill>
+              <a:latin typeface="나눔스퀘어 Bold" panose="020B0600000101010101" pitchFamily="50" charset="-127"/>
+              <a:ea typeface="나눔스퀘어 Bold" panose="020B0600000101010101" pitchFamily="50" charset="-127"/>
+            </a:endParaRPr>
+          </a:p>
+        </p:txBody>
+      </p:sp>
+      <p:sp>
+        <p:nvSpPr>
+          <p:cNvPr id="24" name="TextBox 23">
+            <a:extLst>
+              <a:ext uri="{FF2B5EF4-FFF2-40B4-BE49-F238E27FC236}">
+                <a16:creationId xmlns:a16="http://schemas.microsoft.com/office/drawing/2014/main" id="{1411476D-DF3F-4F30-A9AB-21B405D99E03}"/>
+              </a:ext>
+            </a:extLst>
+          </p:cNvPr>
+          <p:cNvSpPr txBox="1"/>
+          <p:nvPr/>
+        </p:nvSpPr>
+        <p:spPr>
+          <a:xfrm>
+            <a:off x="1119402" y="4882356"/>
+            <a:ext cx="9336210" cy="1200329"/>
+          </a:xfrm>
+          <a:prstGeom prst="rect">
+            <a:avLst/>
+          </a:prstGeom>
+          <a:noFill/>
+        </p:spPr>
+        <p:txBody>
+          <a:bodyPr wrap="none" rtlCol="0">
+            <a:spAutoFit/>
+          </a:bodyPr>
+          <a:lstStyle/>
+          <a:p>
+            <a:r>
+              <a:rPr lang="en-US" altLang="ko-KR" sz="2400" dirty="0">
+                <a:solidFill>
+                  <a:schemeClr val="accent6">
+                    <a:lumMod val="50000"/>
+                  </a:schemeClr>
+                </a:solidFill>
+                <a:latin typeface="나눔스퀘어 Bold" panose="020B0600000101010101" pitchFamily="50" charset="-127"/>
+                <a:ea typeface="나눔스퀘어 Bold" panose="020B0600000101010101" pitchFamily="50" charset="-127"/>
+              </a:rPr>
+              <a:t>1. </a:t>
+            </a:r>
+            <a:r>
+              <a:rPr lang="ko-KR" altLang="en-US" sz="2400" dirty="0">
+                <a:solidFill>
+                  <a:schemeClr val="accent6">
+                    <a:lumMod val="50000"/>
+                  </a:schemeClr>
+                </a:solidFill>
+                <a:latin typeface="나눔스퀘어 Bold" panose="020B0600000101010101" pitchFamily="50" charset="-127"/>
+                <a:ea typeface="나눔스퀘어 Bold" panose="020B0600000101010101" pitchFamily="50" charset="-127"/>
+              </a:rPr>
+              <a:t>적들에게 다른 </a:t>
+            </a:r>
+            <a:r>
+              <a:rPr lang="en-US" altLang="ko-KR" sz="2400" dirty="0">
+                <a:solidFill>
+                  <a:schemeClr val="accent6">
+                    <a:lumMod val="50000"/>
+                  </a:schemeClr>
+                </a:solidFill>
+                <a:latin typeface="나눔스퀘어 Bold" panose="020B0600000101010101" pitchFamily="50" charset="-127"/>
+                <a:ea typeface="나눔스퀘어 Bold" panose="020B0600000101010101" pitchFamily="50" charset="-127"/>
+              </a:rPr>
+              <a:t>AI</a:t>
+            </a:r>
+            <a:r>
+              <a:rPr lang="ko-KR" altLang="en-US" sz="2400" dirty="0">
+                <a:solidFill>
+                  <a:schemeClr val="accent6">
+                    <a:lumMod val="50000"/>
+                  </a:schemeClr>
+                </a:solidFill>
+                <a:latin typeface="나눔스퀘어 Bold" panose="020B0600000101010101" pitchFamily="50" charset="-127"/>
+                <a:ea typeface="나눔스퀘어 Bold" panose="020B0600000101010101" pitchFamily="50" charset="-127"/>
+              </a:rPr>
+              <a:t>를 부여하여 좀 더 다양한 전략을 사용해볼 수 있다</a:t>
+            </a:r>
+            <a:r>
+              <a:rPr lang="en-US" altLang="ko-KR" sz="2400" dirty="0">
+                <a:solidFill>
+                  <a:schemeClr val="accent6">
+                    <a:lumMod val="50000"/>
+                  </a:schemeClr>
+                </a:solidFill>
+                <a:latin typeface="나눔스퀘어 Bold" panose="020B0600000101010101" pitchFamily="50" charset="-127"/>
+                <a:ea typeface="나눔스퀘어 Bold" panose="020B0600000101010101" pitchFamily="50" charset="-127"/>
+              </a:rPr>
+              <a:t>.</a:t>
+            </a:r>
+          </a:p>
+          <a:p>
+            <a:r>
+              <a:rPr lang="en-US" altLang="ko-KR" sz="2400" dirty="0">
+                <a:solidFill>
+                  <a:schemeClr val="accent6">
+                    <a:lumMod val="50000"/>
+                  </a:schemeClr>
+                </a:solidFill>
+                <a:latin typeface="나눔스퀘어 Bold" panose="020B0600000101010101" pitchFamily="50" charset="-127"/>
+                <a:ea typeface="나눔스퀘어 Bold" panose="020B0600000101010101" pitchFamily="50" charset="-127"/>
+              </a:rPr>
+              <a:t>2. </a:t>
+            </a:r>
+            <a:r>
+              <a:rPr lang="ko-KR" altLang="en-US" sz="2400" dirty="0">
+                <a:solidFill>
+                  <a:schemeClr val="accent6">
+                    <a:lumMod val="50000"/>
+                  </a:schemeClr>
+                </a:solidFill>
+                <a:latin typeface="나눔스퀘어 Bold" panose="020B0600000101010101" pitchFamily="50" charset="-127"/>
+                <a:ea typeface="나눔스퀘어 Bold" panose="020B0600000101010101" pitchFamily="50" charset="-127"/>
+              </a:rPr>
+              <a:t>적마다 다른 패턴을 가져서 패턴을 공략하는 재미를 얻을 수 있다</a:t>
+            </a:r>
+            <a:r>
+              <a:rPr lang="en-US" altLang="ko-KR" sz="2400" dirty="0">
+                <a:solidFill>
+                  <a:schemeClr val="accent6">
+                    <a:lumMod val="50000"/>
+                  </a:schemeClr>
+                </a:solidFill>
+                <a:latin typeface="나눔스퀘어 Bold" panose="020B0600000101010101" pitchFamily="50" charset="-127"/>
+                <a:ea typeface="나눔스퀘어 Bold" panose="020B0600000101010101" pitchFamily="50" charset="-127"/>
+              </a:rPr>
+              <a:t>.</a:t>
+            </a:r>
+          </a:p>
+          <a:p>
+            <a:r>
+              <a:rPr lang="en-US" altLang="ko-KR" sz="2400" dirty="0">
+                <a:solidFill>
+                  <a:schemeClr val="accent6">
+                    <a:lumMod val="50000"/>
+                  </a:schemeClr>
+                </a:solidFill>
+                <a:latin typeface="나눔스퀘어 Bold" panose="020B0600000101010101" pitchFamily="50" charset="-127"/>
+                <a:ea typeface="나눔스퀘어 Bold" panose="020B0600000101010101" pitchFamily="50" charset="-127"/>
+              </a:rPr>
+              <a:t>3. </a:t>
+            </a:r>
+            <a:r>
+              <a:rPr lang="ko-KR" altLang="en-US" sz="2400" dirty="0" err="1">
+                <a:solidFill>
+                  <a:schemeClr val="accent6">
+                    <a:lumMod val="50000"/>
+                  </a:schemeClr>
+                </a:solidFill>
+                <a:latin typeface="나눔스퀘어 Bold" panose="020B0600000101010101" pitchFamily="50" charset="-127"/>
+                <a:ea typeface="나눔스퀘어 Bold" panose="020B0600000101010101" pitchFamily="50" charset="-127"/>
+              </a:rPr>
+              <a:t>과금</a:t>
+            </a:r>
+            <a:r>
+              <a:rPr lang="ko-KR" altLang="en-US" sz="2400" dirty="0">
+                <a:solidFill>
+                  <a:schemeClr val="accent6">
+                    <a:lumMod val="50000"/>
+                  </a:schemeClr>
+                </a:solidFill>
+                <a:latin typeface="나눔스퀘어 Bold" panose="020B0600000101010101" pitchFamily="50" charset="-127"/>
+                <a:ea typeface="나눔스퀘어 Bold" panose="020B0600000101010101" pitchFamily="50" charset="-127"/>
+              </a:rPr>
+              <a:t> 없이도 </a:t>
+            </a:r>
+            <a:r>
+              <a:rPr lang="ko-KR" altLang="en-US" sz="2400" dirty="0" err="1">
+                <a:solidFill>
+                  <a:schemeClr val="accent6">
+                    <a:lumMod val="50000"/>
+                  </a:schemeClr>
+                </a:solidFill>
+                <a:latin typeface="나눔스퀘어 Bold" panose="020B0600000101010101" pitchFamily="50" charset="-127"/>
+                <a:ea typeface="나눔스퀘어 Bold" panose="020B0600000101010101" pitchFamily="50" charset="-127"/>
+              </a:rPr>
+              <a:t>클리어를</a:t>
+            </a:r>
+            <a:r>
+              <a:rPr lang="ko-KR" altLang="en-US" sz="2400" dirty="0">
+                <a:solidFill>
+                  <a:schemeClr val="accent6">
+                    <a:lumMod val="50000"/>
+                  </a:schemeClr>
+                </a:solidFill>
+                <a:latin typeface="나눔스퀘어 Bold" panose="020B0600000101010101" pitchFamily="50" charset="-127"/>
+                <a:ea typeface="나눔스퀘어 Bold" panose="020B0600000101010101" pitchFamily="50" charset="-127"/>
+              </a:rPr>
+              <a:t> 할 수 있다</a:t>
+            </a:r>
+            <a:r>
+              <a:rPr lang="en-US" altLang="ko-KR" sz="2400" dirty="0">
+                <a:solidFill>
+                  <a:schemeClr val="accent6">
+                    <a:lumMod val="50000"/>
+                  </a:schemeClr>
+                </a:solidFill>
+                <a:latin typeface="나눔스퀘어 Bold" panose="020B0600000101010101" pitchFamily="50" charset="-127"/>
+                <a:ea typeface="나눔스퀘어 Bold" panose="020B0600000101010101" pitchFamily="50" charset="-127"/>
+              </a:rPr>
+              <a:t>.</a:t>
+            </a:r>
+          </a:p>
+        </p:txBody>
+      </p:sp>
+    </p:spTree>
+    <p:extLst>
+      <p:ext uri="{BB962C8B-B14F-4D97-AF65-F5344CB8AC3E}">
+        <p14:creationId xmlns:p14="http://schemas.microsoft.com/office/powerpoint/2010/main" val="3919168291"/>
+      </p:ext>
+    </p:extLst>
+  </p:cSld>
+  <p:clrMapOvr>
+    <a:masterClrMapping/>
+  </p:clrMapOvr>
+  <mc:AlternateContent xmlns:mc="http://schemas.openxmlformats.org/markup-compatibility/2006">
+    <mc:Choice xmlns:p159="http://schemas.microsoft.com/office/powerpoint/2015/09/main" xmlns="" Requires="p159">
       <p:transition xmlns:p14="http://schemas.microsoft.com/office/powerpoint/2010/main" spd="slow" p14:dur="2000">
         <p159:morph option="byObject"/>
       </p:transition>

--- a/docs/초안.pptx
+++ b/docs/초안.pptx
@@ -217,7 +217,7 @@
           <a:p>
             <a:fld id="{C317CB0F-B526-4CDE-9D63-911F4FB46D93}" type="datetimeFigureOut">
               <a:rPr lang="ko-KR" altLang="en-US" smtClean="0"/>
-              <a:t>2021-11-16</a:t>
+              <a:t>2021-11-17</a:t>
             </a:fld>
             <a:endParaRPr lang="ko-KR" altLang="en-US"/>
           </a:p>
@@ -281,38 +281,37 @@
           <a:p>
             <a:pPr lvl="0"/>
             <a:r>
-              <a:rPr lang="ko-KR" altLang="en-US" smtClean="0"/>
+              <a:rPr lang="ko-KR" altLang="en-US"/>
               <a:t>마스터 텍스트 스타일 편집</a:t>
             </a:r>
           </a:p>
           <a:p>
             <a:pPr lvl="1"/>
             <a:r>
-              <a:rPr lang="ko-KR" altLang="en-US" smtClean="0"/>
+              <a:rPr lang="ko-KR" altLang="en-US"/>
               <a:t>둘째 수준</a:t>
             </a:r>
           </a:p>
           <a:p>
             <a:pPr lvl="2"/>
             <a:r>
-              <a:rPr lang="ko-KR" altLang="en-US" smtClean="0"/>
+              <a:rPr lang="ko-KR" altLang="en-US"/>
               <a:t>셋째 수준</a:t>
             </a:r>
           </a:p>
           <a:p>
             <a:pPr lvl="3"/>
             <a:r>
-              <a:rPr lang="ko-KR" altLang="en-US" smtClean="0"/>
+              <a:rPr lang="ko-KR" altLang="en-US"/>
               <a:t>넷째 수준</a:t>
             </a:r>
           </a:p>
           <a:p>
             <a:pPr lvl="4"/>
             <a:r>
-              <a:rPr lang="ko-KR" altLang="en-US" smtClean="0"/>
+              <a:rPr lang="ko-KR" altLang="en-US"/>
               <a:t>다섯째 수준</a:t>
             </a:r>
-            <a:endParaRPr lang="ko-KR" altLang="en-US"/>
           </a:p>
         </p:txBody>
       </p:sp>
@@ -884,7 +883,7 @@
           <a:p>
             <a:fld id="{F9A6936A-5CAA-4D30-9E0C-3B6082CD7044}" type="datetimeFigureOut">
               <a:rPr lang="ko-KR" altLang="en-US" smtClean="0"/>
-              <a:t>2021-11-16</a:t>
+              <a:t>2021-11-17</a:t>
             </a:fld>
             <a:endParaRPr lang="ko-KR" altLang="en-US"/>
           </a:p>
@@ -954,13 +953,13 @@
   <p:clrMapOvr>
     <a:masterClrMapping/>
   </p:clrMapOvr>
-  <mc:AlternateContent xmlns:mc="http://schemas.openxmlformats.org/markup-compatibility/2006">
-    <mc:Choice xmlns="" xmlns:p159="http://schemas.microsoft.com/office/powerpoint/2015/09/main" Requires="p159">
+  <mc:AlternateContent xmlns:mc="http://schemas.openxmlformats.org/markup-compatibility/2006" xmlns:p159="http://schemas.microsoft.com/office/powerpoint/2015/09/main">
+    <mc:Choice Requires="p159">
       <p:transition xmlns:p14="http://schemas.microsoft.com/office/powerpoint/2010/main" spd="slow" p14:dur="2000">
         <p159:morph option="byObject"/>
       </p:transition>
     </mc:Choice>
-    <mc:Fallback>
+    <mc:Fallback xmlns="">
       <p:transition spd="slow">
         <p:fade/>
       </p:transition>
@@ -1094,7 +1093,7 @@
           <a:p>
             <a:fld id="{F9A6936A-5CAA-4D30-9E0C-3B6082CD7044}" type="datetimeFigureOut">
               <a:rPr lang="ko-KR" altLang="en-US" smtClean="0"/>
-              <a:t>2021-11-16</a:t>
+              <a:t>2021-11-17</a:t>
             </a:fld>
             <a:endParaRPr lang="ko-KR" altLang="en-US"/>
           </a:p>
@@ -1164,13 +1163,13 @@
   <p:clrMapOvr>
     <a:masterClrMapping/>
   </p:clrMapOvr>
-  <mc:AlternateContent xmlns:mc="http://schemas.openxmlformats.org/markup-compatibility/2006">
-    <mc:Choice xmlns="" xmlns:p159="http://schemas.microsoft.com/office/powerpoint/2015/09/main" Requires="p159">
+  <mc:AlternateContent xmlns:mc="http://schemas.openxmlformats.org/markup-compatibility/2006" xmlns:p159="http://schemas.microsoft.com/office/powerpoint/2015/09/main">
+    <mc:Choice Requires="p159">
       <p:transition xmlns:p14="http://schemas.microsoft.com/office/powerpoint/2010/main" spd="slow" p14:dur="2000">
         <p159:morph option="byObject"/>
       </p:transition>
     </mc:Choice>
-    <mc:Fallback>
+    <mc:Fallback xmlns="">
       <p:transition spd="slow">
         <p:fade/>
       </p:transition>
@@ -1314,7 +1313,7 @@
           <a:p>
             <a:fld id="{F9A6936A-5CAA-4D30-9E0C-3B6082CD7044}" type="datetimeFigureOut">
               <a:rPr lang="ko-KR" altLang="en-US" smtClean="0"/>
-              <a:t>2021-11-16</a:t>
+              <a:t>2021-11-17</a:t>
             </a:fld>
             <a:endParaRPr lang="ko-KR" altLang="en-US"/>
           </a:p>
@@ -1384,13 +1383,13 @@
   <p:clrMapOvr>
     <a:masterClrMapping/>
   </p:clrMapOvr>
-  <mc:AlternateContent xmlns:mc="http://schemas.openxmlformats.org/markup-compatibility/2006">
-    <mc:Choice xmlns="" xmlns:p159="http://schemas.microsoft.com/office/powerpoint/2015/09/main" Requires="p159">
+  <mc:AlternateContent xmlns:mc="http://schemas.openxmlformats.org/markup-compatibility/2006" xmlns:p159="http://schemas.microsoft.com/office/powerpoint/2015/09/main">
+    <mc:Choice Requires="p159">
       <p:transition xmlns:p14="http://schemas.microsoft.com/office/powerpoint/2010/main" spd="slow" p14:dur="2000">
         <p159:morph option="byObject"/>
       </p:transition>
     </mc:Choice>
-    <mc:Fallback>
+    <mc:Fallback xmlns="">
       <p:transition spd="slow">
         <p:fade/>
       </p:transition>
@@ -1524,7 +1523,7 @@
           <a:p>
             <a:fld id="{F9A6936A-5CAA-4D30-9E0C-3B6082CD7044}" type="datetimeFigureOut">
               <a:rPr lang="ko-KR" altLang="en-US" smtClean="0"/>
-              <a:t>2021-11-16</a:t>
+              <a:t>2021-11-17</a:t>
             </a:fld>
             <a:endParaRPr lang="ko-KR" altLang="en-US"/>
           </a:p>
@@ -1594,13 +1593,13 @@
   <p:clrMapOvr>
     <a:masterClrMapping/>
   </p:clrMapOvr>
-  <mc:AlternateContent xmlns:mc="http://schemas.openxmlformats.org/markup-compatibility/2006">
-    <mc:Choice xmlns="" xmlns:p159="http://schemas.microsoft.com/office/powerpoint/2015/09/main" Requires="p159">
+  <mc:AlternateContent xmlns:mc="http://schemas.openxmlformats.org/markup-compatibility/2006" xmlns:p159="http://schemas.microsoft.com/office/powerpoint/2015/09/main">
+    <mc:Choice Requires="p159">
       <p:transition xmlns:p14="http://schemas.microsoft.com/office/powerpoint/2010/main" spd="slow" p14:dur="2000">
         <p159:morph option="byObject"/>
       </p:transition>
     </mc:Choice>
-    <mc:Fallback>
+    <mc:Fallback xmlns="">
       <p:transition spd="slow">
         <p:fade/>
       </p:transition>
@@ -1811,7 +1810,7 @@
           <a:p>
             <a:fld id="{F9A6936A-5CAA-4D30-9E0C-3B6082CD7044}" type="datetimeFigureOut">
               <a:rPr lang="ko-KR" altLang="en-US" smtClean="0"/>
-              <a:t>2021-11-16</a:t>
+              <a:t>2021-11-17</a:t>
             </a:fld>
             <a:endParaRPr lang="ko-KR" altLang="en-US"/>
           </a:p>
@@ -1881,13 +1880,13 @@
   <p:clrMapOvr>
     <a:masterClrMapping/>
   </p:clrMapOvr>
-  <mc:AlternateContent xmlns:mc="http://schemas.openxmlformats.org/markup-compatibility/2006">
-    <mc:Choice xmlns="" xmlns:p159="http://schemas.microsoft.com/office/powerpoint/2015/09/main" Requires="p159">
+  <mc:AlternateContent xmlns:mc="http://schemas.openxmlformats.org/markup-compatibility/2006" xmlns:p159="http://schemas.microsoft.com/office/powerpoint/2015/09/main">
+    <mc:Choice Requires="p159">
       <p:transition xmlns:p14="http://schemas.microsoft.com/office/powerpoint/2010/main" spd="slow" p14:dur="2000">
         <p159:morph option="byObject"/>
       </p:transition>
     </mc:Choice>
-    <mc:Fallback>
+    <mc:Fallback xmlns="">
       <p:transition spd="slow">
         <p:fade/>
       </p:transition>
@@ -2088,7 +2087,7 @@
           <a:p>
             <a:fld id="{F9A6936A-5CAA-4D30-9E0C-3B6082CD7044}" type="datetimeFigureOut">
               <a:rPr lang="ko-KR" altLang="en-US" smtClean="0"/>
-              <a:t>2021-11-16</a:t>
+              <a:t>2021-11-17</a:t>
             </a:fld>
             <a:endParaRPr lang="ko-KR" altLang="en-US"/>
           </a:p>
@@ -2158,13 +2157,13 @@
   <p:clrMapOvr>
     <a:masterClrMapping/>
   </p:clrMapOvr>
-  <mc:AlternateContent xmlns:mc="http://schemas.openxmlformats.org/markup-compatibility/2006">
-    <mc:Choice xmlns="" xmlns:p159="http://schemas.microsoft.com/office/powerpoint/2015/09/main" Requires="p159">
+  <mc:AlternateContent xmlns:mc="http://schemas.openxmlformats.org/markup-compatibility/2006" xmlns:p159="http://schemas.microsoft.com/office/powerpoint/2015/09/main">
+    <mc:Choice Requires="p159">
       <p:transition xmlns:p14="http://schemas.microsoft.com/office/powerpoint/2010/main" spd="slow" p14:dur="2000">
         <p159:morph option="byObject"/>
       </p:transition>
     </mc:Choice>
-    <mc:Fallback>
+    <mc:Fallback xmlns="">
       <p:transition spd="slow">
         <p:fade/>
       </p:transition>
@@ -2512,7 +2511,7 @@
           <a:p>
             <a:fld id="{F9A6936A-5CAA-4D30-9E0C-3B6082CD7044}" type="datetimeFigureOut">
               <a:rPr lang="ko-KR" altLang="en-US" smtClean="0"/>
-              <a:t>2021-11-16</a:t>
+              <a:t>2021-11-17</a:t>
             </a:fld>
             <a:endParaRPr lang="ko-KR" altLang="en-US"/>
           </a:p>
@@ -2582,13 +2581,13 @@
   <p:clrMapOvr>
     <a:masterClrMapping/>
   </p:clrMapOvr>
-  <mc:AlternateContent xmlns:mc="http://schemas.openxmlformats.org/markup-compatibility/2006">
-    <mc:Choice xmlns="" xmlns:p159="http://schemas.microsoft.com/office/powerpoint/2015/09/main" Requires="p159">
+  <mc:AlternateContent xmlns:mc="http://schemas.openxmlformats.org/markup-compatibility/2006" xmlns:p159="http://schemas.microsoft.com/office/powerpoint/2015/09/main">
+    <mc:Choice Requires="p159">
       <p:transition xmlns:p14="http://schemas.microsoft.com/office/powerpoint/2010/main" spd="slow" p14:dur="2000">
         <p159:morph option="byObject"/>
       </p:transition>
     </mc:Choice>
-    <mc:Fallback>
+    <mc:Fallback xmlns="">
       <p:transition spd="slow">
         <p:fade/>
       </p:transition>
@@ -2665,7 +2664,7 @@
           <a:p>
             <a:fld id="{F9A6936A-5CAA-4D30-9E0C-3B6082CD7044}" type="datetimeFigureOut">
               <a:rPr lang="ko-KR" altLang="en-US" smtClean="0"/>
-              <a:t>2021-11-16</a:t>
+              <a:t>2021-11-17</a:t>
             </a:fld>
             <a:endParaRPr lang="ko-KR" altLang="en-US"/>
           </a:p>
@@ -2735,13 +2734,13 @@
   <p:clrMapOvr>
     <a:masterClrMapping/>
   </p:clrMapOvr>
-  <mc:AlternateContent xmlns:mc="http://schemas.openxmlformats.org/markup-compatibility/2006">
-    <mc:Choice xmlns="" xmlns:p159="http://schemas.microsoft.com/office/powerpoint/2015/09/main" Requires="p159">
+  <mc:AlternateContent xmlns:mc="http://schemas.openxmlformats.org/markup-compatibility/2006" xmlns:p159="http://schemas.microsoft.com/office/powerpoint/2015/09/main">
+    <mc:Choice Requires="p159">
       <p:transition xmlns:p14="http://schemas.microsoft.com/office/powerpoint/2010/main" spd="slow" p14:dur="2000">
         <p159:morph option="byObject"/>
       </p:transition>
     </mc:Choice>
-    <mc:Fallback>
+    <mc:Fallback xmlns="">
       <p:transition spd="slow">
         <p:fade/>
       </p:transition>
@@ -2790,7 +2789,7 @@
           <a:p>
             <a:fld id="{F9A6936A-5CAA-4D30-9E0C-3B6082CD7044}" type="datetimeFigureOut">
               <a:rPr lang="ko-KR" altLang="en-US" smtClean="0"/>
-              <a:t>2021-11-16</a:t>
+              <a:t>2021-11-17</a:t>
             </a:fld>
             <a:endParaRPr lang="ko-KR" altLang="en-US"/>
           </a:p>
@@ -2860,13 +2859,13 @@
   <p:clrMapOvr>
     <a:masterClrMapping/>
   </p:clrMapOvr>
-  <mc:AlternateContent xmlns:mc="http://schemas.openxmlformats.org/markup-compatibility/2006">
-    <mc:Choice xmlns="" xmlns:p159="http://schemas.microsoft.com/office/powerpoint/2015/09/main" Requires="p159">
+  <mc:AlternateContent xmlns:mc="http://schemas.openxmlformats.org/markup-compatibility/2006" xmlns:p159="http://schemas.microsoft.com/office/powerpoint/2015/09/main">
+    <mc:Choice Requires="p159">
       <p:transition xmlns:p14="http://schemas.microsoft.com/office/powerpoint/2010/main" spd="slow" p14:dur="2000">
         <p159:morph option="byObject"/>
       </p:transition>
     </mc:Choice>
-    <mc:Fallback>
+    <mc:Fallback xmlns="">
       <p:transition spd="slow">
         <p:fade/>
       </p:transition>
@@ -3113,7 +3112,7 @@
           <a:p>
             <a:fld id="{F9A6936A-5CAA-4D30-9E0C-3B6082CD7044}" type="datetimeFigureOut">
               <a:rPr lang="ko-KR" altLang="en-US" smtClean="0"/>
-              <a:t>2021-11-16</a:t>
+              <a:t>2021-11-17</a:t>
             </a:fld>
             <a:endParaRPr lang="ko-KR" altLang="en-US"/>
           </a:p>
@@ -3183,13 +3182,13 @@
   <p:clrMapOvr>
     <a:masterClrMapping/>
   </p:clrMapOvr>
-  <mc:AlternateContent xmlns:mc="http://schemas.openxmlformats.org/markup-compatibility/2006">
-    <mc:Choice xmlns="" xmlns:p159="http://schemas.microsoft.com/office/powerpoint/2015/09/main" Requires="p159">
+  <mc:AlternateContent xmlns:mc="http://schemas.openxmlformats.org/markup-compatibility/2006" xmlns:p159="http://schemas.microsoft.com/office/powerpoint/2015/09/main">
+    <mc:Choice Requires="p159">
       <p:transition xmlns:p14="http://schemas.microsoft.com/office/powerpoint/2010/main" spd="slow" p14:dur="2000">
         <p159:morph option="byObject"/>
       </p:transition>
     </mc:Choice>
-    <mc:Fallback>
+    <mc:Fallback xmlns="">
       <p:transition spd="slow">
         <p:fade/>
       </p:transition>
@@ -3413,7 +3412,7 @@
           <a:p>
             <a:fld id="{F9A6936A-5CAA-4D30-9E0C-3B6082CD7044}" type="datetimeFigureOut">
               <a:rPr lang="ko-KR" altLang="en-US" smtClean="0"/>
-              <a:t>2021-11-16</a:t>
+              <a:t>2021-11-17</a:t>
             </a:fld>
             <a:endParaRPr lang="ko-KR" altLang="en-US"/>
           </a:p>
@@ -3483,13 +3482,13 @@
   <p:clrMapOvr>
     <a:masterClrMapping/>
   </p:clrMapOvr>
-  <mc:AlternateContent xmlns:mc="http://schemas.openxmlformats.org/markup-compatibility/2006">
-    <mc:Choice xmlns="" xmlns:p159="http://schemas.microsoft.com/office/powerpoint/2015/09/main" Requires="p159">
+  <mc:AlternateContent xmlns:mc="http://schemas.openxmlformats.org/markup-compatibility/2006" xmlns:p159="http://schemas.microsoft.com/office/powerpoint/2015/09/main">
+    <mc:Choice Requires="p159">
       <p:transition xmlns:p14="http://schemas.microsoft.com/office/powerpoint/2010/main" spd="slow" p14:dur="2000">
         <p159:morph option="byObject"/>
       </p:transition>
     </mc:Choice>
-    <mc:Fallback>
+    <mc:Fallback xmlns="">
       <p:transition spd="slow">
         <p:fade/>
       </p:transition>
@@ -3666,7 +3665,7 @@
           <a:p>
             <a:fld id="{F9A6936A-5CAA-4D30-9E0C-3B6082CD7044}" type="datetimeFigureOut">
               <a:rPr lang="ko-KR" altLang="en-US" smtClean="0"/>
-              <a:t>2021-11-16</a:t>
+              <a:t>2021-11-17</a:t>
             </a:fld>
             <a:endParaRPr lang="ko-KR" altLang="en-US"/>
           </a:p>
@@ -3783,13 +3782,13 @@
     <p:sldLayoutId id="2147483658" r:id="rId10"/>
     <p:sldLayoutId id="2147483659" r:id="rId11"/>
   </p:sldLayoutIdLst>
-  <mc:AlternateContent xmlns:mc="http://schemas.openxmlformats.org/markup-compatibility/2006">
-    <mc:Choice xmlns="" xmlns:p159="http://schemas.microsoft.com/office/powerpoint/2015/09/main" Requires="p159">
+  <mc:AlternateContent xmlns:mc="http://schemas.openxmlformats.org/markup-compatibility/2006" xmlns:p159="http://schemas.microsoft.com/office/powerpoint/2015/09/main">
+    <mc:Choice Requires="p159">
       <p:transition xmlns:p14="http://schemas.microsoft.com/office/powerpoint/2010/main" spd="slow" p14:dur="2000">
         <p159:morph option="byObject"/>
       </p:transition>
     </mc:Choice>
-    <mc:Fallback>
+    <mc:Fallback xmlns="">
       <p:transition spd="slow">
         <p:fade/>
       </p:transition>
@@ -4152,7 +4151,7 @@
             <a:lstStyle/>
             <a:p>
               <a:r>
-                <a:rPr lang="ko-KR" altLang="en-US" sz="6000" spc="-300" dirty="0" smtClean="0">
+                <a:rPr lang="ko-KR" altLang="en-US" sz="6000" spc="-300" dirty="0">
                   <a:solidFill>
                     <a:schemeClr val="bg1"/>
                   </a:solidFill>
@@ -4161,13 +4160,6 @@
                 </a:rPr>
                 <a:t>졸작 초안</a:t>
               </a:r>
-              <a:endParaRPr lang="ko-KR" altLang="en-US" sz="6000" spc="-300" dirty="0">
-                <a:solidFill>
-                  <a:schemeClr val="bg1"/>
-                </a:solidFill>
-                <a:latin typeface="나눔스퀘어 Bold" panose="020B0600000101010101" pitchFamily="50" charset="-127"/>
-                <a:ea typeface="나눔스퀘어 Bold" panose="020B0600000101010101" pitchFamily="50" charset="-127"/>
-              </a:endParaRPr>
             </a:p>
           </p:txBody>
         </p:sp>
@@ -4243,7 +4235,7 @@
             <a:lstStyle/>
             <a:p>
               <a:r>
-                <a:rPr lang="en-US" altLang="ko-KR" dirty="0" smtClean="0">
+                <a:rPr lang="en-US" altLang="ko-KR" dirty="0">
                   <a:solidFill>
                     <a:schemeClr val="bg1"/>
                   </a:solidFill>
@@ -4253,7 +4245,7 @@
                 <a:t>2021 </a:t>
               </a:r>
               <a:r>
-                <a:rPr lang="ko-KR" altLang="en-US" dirty="0" smtClean="0">
+                <a:rPr lang="ko-KR" altLang="en-US" dirty="0">
                   <a:solidFill>
                     <a:schemeClr val="bg1"/>
                   </a:solidFill>
@@ -4262,13 +4254,6 @@
                 </a:rPr>
                 <a:t>졸작 초안</a:t>
               </a:r>
-              <a:endParaRPr lang="ko-KR" altLang="en-US" dirty="0">
-                <a:solidFill>
-                  <a:schemeClr val="bg1"/>
-                </a:solidFill>
-                <a:latin typeface="나눔스퀘어 Bold" panose="020B0600000101010101" pitchFamily="50" charset="-127"/>
-                <a:ea typeface="나눔스퀘어 Bold" panose="020B0600000101010101" pitchFamily="50" charset="-127"/>
-              </a:endParaRPr>
             </a:p>
           </p:txBody>
         </p:sp>
@@ -4283,25 +4268,18 @@
   <p:clrMapOvr>
     <a:masterClrMapping/>
   </p:clrMapOvr>
-  <mc:AlternateContent xmlns:mc="http://schemas.openxmlformats.org/markup-compatibility/2006">
-    <mc:Choice xmlns="" xmlns:p159="http://schemas.microsoft.com/office/powerpoint/2015/09/main" Requires="p159">
+  <mc:AlternateContent xmlns:mc="http://schemas.openxmlformats.org/markup-compatibility/2006" xmlns:p159="http://schemas.microsoft.com/office/powerpoint/2015/09/main">
+    <mc:Choice Requires="p159">
       <p:transition xmlns:p14="http://schemas.microsoft.com/office/powerpoint/2010/main" spd="slow" p14:dur="2000">
         <p159:morph option="byObject"/>
       </p:transition>
     </mc:Choice>
-    <mc:Fallback>
+    <mc:Fallback xmlns="">
       <p:transition spd="slow">
         <p:fade/>
       </p:transition>
     </mc:Fallback>
   </mc:AlternateContent>
-  <p:timing>
-    <p:tnLst>
-      <p:par>
-        <p:cTn id="1" dur="indefinite" restart="never" nodeType="tmRoot"/>
-      </p:par>
-    </p:tnLst>
-  </p:timing>
 </p:sld>
 </file>
 
@@ -4401,19 +4379,7 @@
                 <a:latin typeface="나눔스퀘어 Bold" panose="020B0600000101010101" pitchFamily="50" charset="-127"/>
                 <a:ea typeface="나눔스퀘어 Bold" panose="020B0600000101010101" pitchFamily="50" charset="-127"/>
               </a:rPr>
-              <a:t>Part </a:t>
-            </a:r>
-            <a:r>
-              <a:rPr lang="en-US" altLang="ko-KR" sz="1400" dirty="0" smtClean="0">
-                <a:solidFill>
-                  <a:schemeClr val="accent6">
-                    <a:lumMod val="50000"/>
-                  </a:schemeClr>
-                </a:solidFill>
-                <a:latin typeface="나눔스퀘어 Bold" panose="020B0600000101010101" pitchFamily="50" charset="-127"/>
-                <a:ea typeface="나눔스퀘어 Bold" panose="020B0600000101010101" pitchFamily="50" charset="-127"/>
-              </a:rPr>
-              <a:t>8,</a:t>
+              <a:t>Part 8,</a:t>
             </a:r>
             <a:endParaRPr lang="ko-KR" altLang="en-US" sz="1400" dirty="0">
               <a:solidFill>
@@ -4456,7 +4422,7 @@
           <a:lstStyle/>
           <a:p>
             <a:r>
-              <a:rPr lang="ko-KR" altLang="en-US" sz="2400" dirty="0" smtClean="0">
+              <a:rPr lang="ko-KR" altLang="en-US" sz="2400" dirty="0">
                 <a:solidFill>
                   <a:schemeClr val="accent6">
                     <a:lumMod val="50000"/>
@@ -4467,15 +4433,6 @@
               </a:rPr>
               <a:t>참고 문헌</a:t>
             </a:r>
-            <a:endParaRPr lang="ko-KR" altLang="en-US" sz="2400" dirty="0">
-              <a:solidFill>
-                <a:schemeClr val="accent6">
-                  <a:lumMod val="50000"/>
-                </a:schemeClr>
-              </a:solidFill>
-              <a:latin typeface="나눔스퀘어 Bold" panose="020B0600000101010101" pitchFamily="50" charset="-127"/>
-              <a:ea typeface="나눔스퀘어 Bold" panose="020B0600000101010101" pitchFamily="50" charset="-127"/>
-            </a:endParaRPr>
           </a:p>
         </p:txBody>
       </p:sp>
@@ -4502,10 +4459,10 @@
           <a:lstStyle/>
           <a:p>
             <a:r>
-              <a:rPr lang="ko-KR" altLang="en-US" dirty="0" smtClean="0"/>
+              <a:rPr lang="ko-KR" altLang="en-US" dirty="0"/>
               <a:t>사진</a:t>
             </a:r>
-            <a:endParaRPr lang="en-US" altLang="ko-KR" dirty="0" smtClean="0"/>
+            <a:endParaRPr lang="en-US" altLang="ko-KR" dirty="0"/>
           </a:p>
           <a:p>
             <a:r>
@@ -4526,13 +4483,13 @@
   <p:clrMapOvr>
     <a:masterClrMapping/>
   </p:clrMapOvr>
-  <mc:AlternateContent xmlns:mc="http://schemas.openxmlformats.org/markup-compatibility/2006">
-    <mc:Choice xmlns:p159="http://schemas.microsoft.com/office/powerpoint/2015/09/main" xmlns="" Requires="p159">
+  <mc:AlternateContent xmlns:mc="http://schemas.openxmlformats.org/markup-compatibility/2006" xmlns:p159="http://schemas.microsoft.com/office/powerpoint/2015/09/main">
+    <mc:Choice Requires="p159">
       <p:transition xmlns:p14="http://schemas.microsoft.com/office/powerpoint/2010/main" spd="slow" p14:dur="2000">
         <p159:morph option="byObject"/>
       </p:transition>
     </mc:Choice>
-    <mc:Fallback>
+    <mc:Fallback xmlns="">
       <p:transition spd="slow">
         <p:fade/>
       </p:transition>
@@ -4815,7 +4772,7 @@
             <a:lstStyle/>
             <a:p>
               <a:r>
-                <a:rPr lang="ko-KR" altLang="en-US" sz="2400" b="1" dirty="0" smtClean="0">
+                <a:rPr lang="ko-KR" altLang="en-US" sz="2400" b="1" dirty="0">
                   <a:solidFill>
                     <a:schemeClr val="tx2">
                       <a:lumMod val="50000"/>
@@ -4828,7 +4785,7 @@
                 <a:t>연구 목적 </a:t>
               </a:r>
               <a:r>
-                <a:rPr lang="en-US" altLang="ko-KR" sz="2400" b="1" dirty="0" smtClean="0">
+                <a:rPr lang="en-US" altLang="ko-KR" sz="2400" b="1" dirty="0">
                   <a:solidFill>
                     <a:schemeClr val="tx2">
                       <a:lumMod val="50000"/>
@@ -5014,7 +4971,7 @@
             <a:lstStyle/>
             <a:p>
               <a:r>
-                <a:rPr lang="ko-KR" altLang="en-US" sz="2400" b="1" dirty="0" smtClean="0">
+                <a:rPr lang="ko-KR" altLang="en-US" sz="2400" b="1" dirty="0">
                   <a:solidFill>
                     <a:schemeClr val="tx2">
                       <a:lumMod val="50000"/>
@@ -5026,16 +4983,6 @@
                 </a:rPr>
                 <a:t>게임 소개 및 방법</a:t>
               </a:r>
-              <a:endParaRPr lang="ko-KR" altLang="en-US" sz="2400" b="1" dirty="0">
-                <a:solidFill>
-                  <a:schemeClr val="tx2">
-                    <a:lumMod val="50000"/>
-                  </a:schemeClr>
-                </a:solidFill>
-                <a:latin typeface="나눔스퀘어 Bold" panose="020B0600000101010101" pitchFamily="50" charset="-127"/>
-                <a:ea typeface="나눔스퀘어 Bold" panose="020B0600000101010101" pitchFamily="50" charset="-127"/>
-                <a:cs typeface="Adobe Arabic" panose="02040503050201020203" pitchFamily="18" charset="-78"/>
-              </a:endParaRPr>
             </a:p>
           </p:txBody>
         </p:sp>
@@ -5200,7 +5147,7 @@
             <a:lstStyle/>
             <a:p>
               <a:r>
-                <a:rPr lang="ko-KR" altLang="en-US" sz="2400" b="1" dirty="0" smtClean="0">
+                <a:rPr lang="ko-KR" altLang="en-US" sz="2400" b="1" dirty="0">
                   <a:solidFill>
                     <a:schemeClr val="tx2">
                       <a:lumMod val="50000"/>
@@ -5213,7 +5160,7 @@
                 <a:t>개발 환경 </a:t>
               </a:r>
               <a:r>
-                <a:rPr lang="en-US" altLang="ko-KR" sz="2400" b="1" dirty="0" smtClean="0">
+                <a:rPr lang="en-US" altLang="ko-KR" sz="2400" b="1" dirty="0">
                   <a:solidFill>
                     <a:schemeClr val="tx2">
                       <a:lumMod val="50000"/>
@@ -5399,7 +5346,7 @@
             <a:lstStyle/>
             <a:p>
               <a:r>
-                <a:rPr lang="ko-KR" altLang="en-US" sz="2400" b="1" dirty="0" smtClean="0">
+                <a:rPr lang="ko-KR" altLang="en-US" sz="2400" b="1" dirty="0">
                   <a:solidFill>
                     <a:schemeClr val="tx2">
                       <a:lumMod val="50000"/>
@@ -5412,7 +5359,7 @@
                 <a:t>기술적 요소 및 중점 연구 분야 </a:t>
               </a:r>
               <a:r>
-                <a:rPr lang="en-US" altLang="ko-KR" sz="2400" b="1" dirty="0" smtClean="0">
+                <a:rPr lang="en-US" altLang="ko-KR" sz="2400" b="1" dirty="0">
                   <a:solidFill>
                     <a:schemeClr val="tx2">
                       <a:lumMod val="50000"/>
@@ -5598,7 +5545,7 @@
             <a:lstStyle/>
             <a:p>
               <a:r>
-                <a:rPr lang="ko-KR" altLang="en-US" sz="2400" b="1" dirty="0" smtClean="0">
+                <a:rPr lang="ko-KR" altLang="en-US" sz="2400" b="1" dirty="0">
                   <a:solidFill>
                     <a:schemeClr val="tx2">
                       <a:lumMod val="50000"/>
@@ -5611,7 +5558,7 @@
                 <a:t>개인 별 준비 현황 </a:t>
               </a:r>
               <a:r>
-                <a:rPr lang="en-US" altLang="ko-KR" sz="2400" b="1" dirty="0" smtClean="0">
+                <a:rPr lang="en-US" altLang="ko-KR" sz="2400" b="1" dirty="0">
                   <a:solidFill>
                     <a:schemeClr val="tx2">
                       <a:lumMod val="50000"/>
@@ -5743,7 +5690,7 @@
             <a:p>
               <a:pPr algn="ctr"/>
               <a:r>
-                <a:rPr lang="en-US" altLang="ko-KR" sz="3200" b="1" dirty="0" smtClean="0">
+                <a:rPr lang="en-US" altLang="ko-KR" sz="3200" b="1" dirty="0">
                   <a:solidFill>
                     <a:schemeClr val="tx2">
                       <a:lumMod val="75000"/>
@@ -5797,7 +5744,7 @@
             <a:lstStyle/>
             <a:p>
               <a:r>
-                <a:rPr lang="ko-KR" altLang="en-US" sz="2400" b="1" dirty="0" smtClean="0">
+                <a:rPr lang="ko-KR" altLang="en-US" sz="2400" b="1" dirty="0">
                   <a:solidFill>
                     <a:schemeClr val="tx2">
                       <a:lumMod val="50000"/>
@@ -5809,16 +5756,6 @@
                 </a:rPr>
                 <a:t>타 게임과의 차별성</a:t>
               </a:r>
-              <a:endParaRPr lang="ko-KR" altLang="en-US" sz="2400" b="1" dirty="0">
-                <a:solidFill>
-                  <a:schemeClr val="tx2">
-                    <a:lumMod val="50000"/>
-                  </a:schemeClr>
-                </a:solidFill>
-                <a:latin typeface="나눔스퀘어 Bold" panose="020B0600000101010101" pitchFamily="50" charset="-127"/>
-                <a:ea typeface="나눔스퀘어 Bold" panose="020B0600000101010101" pitchFamily="50" charset="-127"/>
-                <a:cs typeface="Adobe Arabic" panose="02040503050201020203" pitchFamily="18" charset="-78"/>
-              </a:endParaRPr>
             </a:p>
           </p:txBody>
         </p:sp>
@@ -5929,7 +5866,7 @@
             <a:p>
               <a:pPr algn="ctr"/>
               <a:r>
-                <a:rPr lang="en-US" altLang="ko-KR" sz="3200" b="1" dirty="0" smtClean="0">
+                <a:rPr lang="en-US" altLang="ko-KR" sz="3200" b="1" dirty="0">
                   <a:solidFill>
                     <a:schemeClr val="tx2">
                       <a:lumMod val="75000"/>
@@ -5983,7 +5920,7 @@
             <a:lstStyle/>
             <a:p>
               <a:r>
-                <a:rPr lang="ko-KR" altLang="en-US" sz="2400" b="1" dirty="0" smtClean="0">
+                <a:rPr lang="ko-KR" altLang="en-US" sz="2400" b="1" dirty="0">
                   <a:solidFill>
                     <a:schemeClr val="tx2">
                       <a:lumMod val="50000"/>
@@ -5996,7 +5933,7 @@
                 <a:t>역할 분담 및 일정 </a:t>
               </a:r>
               <a:r>
-                <a:rPr lang="en-US" altLang="ko-KR" sz="2400" b="1" dirty="0" smtClean="0">
+                <a:rPr lang="en-US" altLang="ko-KR" sz="2400" b="1" dirty="0">
                   <a:solidFill>
                     <a:schemeClr val="tx2">
                       <a:lumMod val="50000"/>
@@ -6182,7 +6119,7 @@
             <a:lstStyle/>
             <a:p>
               <a:r>
-                <a:rPr lang="ko-KR" altLang="en-US" sz="2400" b="1" dirty="0" smtClean="0">
+                <a:rPr lang="ko-KR" altLang="en-US" sz="2400" b="1" dirty="0">
                   <a:solidFill>
                     <a:schemeClr val="tx2">
                       <a:lumMod val="50000"/>
@@ -6195,7 +6132,7 @@
                 <a:t>참고문헌 </a:t>
               </a:r>
               <a:r>
-                <a:rPr lang="en-US" altLang="ko-KR" sz="2400" b="1" dirty="0" smtClean="0">
+                <a:rPr lang="en-US" altLang="ko-KR" sz="2400" b="1" dirty="0">
                   <a:solidFill>
                     <a:schemeClr val="tx2">
                       <a:lumMod val="50000"/>
@@ -6231,25 +6168,18 @@
   <p:clrMapOvr>
     <a:masterClrMapping/>
   </p:clrMapOvr>
-  <mc:AlternateContent xmlns:mc="http://schemas.openxmlformats.org/markup-compatibility/2006">
-    <mc:Choice xmlns="" xmlns:p159="http://schemas.microsoft.com/office/powerpoint/2015/09/main" Requires="p159">
+  <mc:AlternateContent xmlns:mc="http://schemas.openxmlformats.org/markup-compatibility/2006" xmlns:p159="http://schemas.microsoft.com/office/powerpoint/2015/09/main">
+    <mc:Choice Requires="p159">
       <p:transition xmlns:p14="http://schemas.microsoft.com/office/powerpoint/2010/main" spd="slow" p14:dur="2000">
         <p159:morph option="byObject"/>
       </p:transition>
     </mc:Choice>
-    <mc:Fallback>
+    <mc:Fallback xmlns="">
       <p:transition spd="slow">
         <p:fade/>
       </p:transition>
     </mc:Fallback>
   </mc:AlternateContent>
-  <p:timing>
-    <p:tnLst>
-      <p:par>
-        <p:cTn id="1" dur="indefinite" restart="never" nodeType="tmRoot"/>
-      </p:par>
-    </p:tnLst>
-  </p:timing>
 </p:sld>
 </file>
 
@@ -6392,7 +6322,7 @@
           <a:lstStyle/>
           <a:p>
             <a:r>
-              <a:rPr lang="ko-KR" altLang="en-US" sz="2400" dirty="0" smtClean="0">
+              <a:rPr lang="ko-KR" altLang="en-US" sz="2400" dirty="0">
                 <a:solidFill>
                   <a:schemeClr val="accent6">
                     <a:lumMod val="50000"/>
@@ -6403,15 +6333,6 @@
               </a:rPr>
               <a:t>연구  목적</a:t>
             </a:r>
-            <a:endParaRPr lang="ko-KR" altLang="en-US" sz="2400" dirty="0">
-              <a:solidFill>
-                <a:schemeClr val="accent6">
-                  <a:lumMod val="50000"/>
-                </a:schemeClr>
-              </a:solidFill>
-              <a:latin typeface="나눔스퀘어 Bold" panose="020B0600000101010101" pitchFamily="50" charset="-127"/>
-              <a:ea typeface="나눔스퀘어 Bold" panose="020B0600000101010101" pitchFamily="50" charset="-127"/>
-            </a:endParaRPr>
           </a:p>
         </p:txBody>
       </p:sp>
@@ -6506,7 +6427,7 @@
               </a:lnSpc>
             </a:pPr>
             <a:r>
-              <a:rPr lang="en-US" altLang="ko-KR" sz="2400" dirty="0" smtClean="0">
+              <a:rPr lang="en-US" altLang="ko-KR" sz="2400" dirty="0">
                 <a:solidFill>
                   <a:schemeClr val="tx1">
                     <a:lumMod val="75000"/>
@@ -6519,7 +6440,7 @@
               <a:t>-DirectX</a:t>
             </a:r>
             <a:r>
-              <a:rPr lang="ko-KR" altLang="en-US" sz="2400" dirty="0" smtClean="0">
+              <a:rPr lang="ko-KR" altLang="en-US" sz="2400" dirty="0">
                 <a:solidFill>
                   <a:schemeClr val="tx1">
                     <a:lumMod val="75000"/>
@@ -6531,7 +6452,7 @@
               </a:rPr>
               <a:t>를 이용한 게임 제작</a:t>
             </a:r>
-            <a:endParaRPr lang="en-US" altLang="ko-KR" sz="2400" dirty="0" smtClean="0">
+            <a:endParaRPr lang="en-US" altLang="ko-KR" sz="2400" dirty="0">
               <a:solidFill>
                 <a:schemeClr val="tx1">
                   <a:lumMod val="75000"/>
@@ -6549,7 +6470,7 @@
               </a:lnSpc>
             </a:pPr>
             <a:r>
-              <a:rPr lang="en-US" altLang="ko-KR" sz="2400" dirty="0" smtClean="0">
+              <a:rPr lang="en-US" altLang="ko-KR" sz="2400" dirty="0">
                 <a:solidFill>
                   <a:schemeClr val="tx1">
                     <a:lumMod val="75000"/>
@@ -6562,7 +6483,7 @@
               <a:t>-</a:t>
             </a:r>
             <a:r>
-              <a:rPr lang="en-US" altLang="ko-KR" sz="2400" dirty="0" err="1" smtClean="0">
+              <a:rPr lang="en-US" altLang="ko-KR" sz="2400" dirty="0" err="1">
                 <a:solidFill>
                   <a:schemeClr val="tx1">
                     <a:lumMod val="75000"/>
@@ -6575,7 +6496,7 @@
               <a:t>Git</a:t>
             </a:r>
             <a:r>
-              <a:rPr lang="ko-KR" altLang="en-US" sz="2400" dirty="0" smtClean="0">
+              <a:rPr lang="ko-KR" altLang="en-US" sz="2400" dirty="0">
                 <a:solidFill>
                   <a:schemeClr val="tx1">
                     <a:lumMod val="75000"/>
@@ -6588,7 +6509,7 @@
               <a:t>을</a:t>
             </a:r>
             <a:r>
-              <a:rPr lang="en-US" altLang="ko-KR" sz="2400" dirty="0" smtClean="0">
+              <a:rPr lang="en-US" altLang="ko-KR" sz="2400" dirty="0">
                 <a:solidFill>
                   <a:schemeClr val="tx1">
                     <a:lumMod val="75000"/>
@@ -6601,7 +6522,7 @@
               <a:t> </a:t>
             </a:r>
             <a:r>
-              <a:rPr lang="ko-KR" altLang="en-US" sz="2400" dirty="0" smtClean="0">
+              <a:rPr lang="ko-KR" altLang="en-US" sz="2400" dirty="0">
                 <a:solidFill>
                   <a:schemeClr val="tx1">
                     <a:lumMod val="75000"/>
@@ -6613,7 +6534,7 @@
               </a:rPr>
               <a:t>활용하여 협업 능력을 향상시킨다</a:t>
             </a:r>
-            <a:endParaRPr lang="en-US" altLang="ko-KR" sz="2400" dirty="0" smtClean="0">
+            <a:endParaRPr lang="en-US" altLang="ko-KR" sz="2400" dirty="0">
               <a:solidFill>
                 <a:schemeClr val="tx1">
                   <a:lumMod val="75000"/>
@@ -6631,7 +6552,7 @@
               </a:lnSpc>
             </a:pPr>
             <a:r>
-              <a:rPr lang="en-US" altLang="ko-KR" sz="2400" dirty="0" smtClean="0">
+              <a:rPr lang="en-US" altLang="ko-KR" sz="2400" dirty="0">
                 <a:solidFill>
                   <a:schemeClr val="tx1">
                     <a:lumMod val="75000"/>
@@ -6644,7 +6565,7 @@
               <a:t>-IOCP</a:t>
             </a:r>
             <a:r>
-              <a:rPr lang="ko-KR" altLang="en-US" sz="2400" dirty="0" smtClean="0">
+              <a:rPr lang="ko-KR" altLang="en-US" sz="2400" dirty="0">
                 <a:solidFill>
                   <a:schemeClr val="tx1">
                     <a:lumMod val="75000"/>
@@ -6657,7 +6578,7 @@
               <a:t>를 활용할 수 있는 능력을 개발한다</a:t>
             </a:r>
             <a:r>
-              <a:rPr lang="en-US" altLang="ko-KR" sz="2400" dirty="0" smtClean="0">
+              <a:rPr lang="en-US" altLang="ko-KR" sz="2400" dirty="0">
                 <a:solidFill>
                   <a:schemeClr val="tx1">
                     <a:lumMod val="75000"/>
@@ -6750,7 +6671,7 @@
               </a:lnSpc>
             </a:pPr>
             <a:r>
-              <a:rPr lang="ko-KR" altLang="en-US" sz="2400" dirty="0" smtClean="0">
+              <a:rPr lang="ko-KR" altLang="en-US" sz="2400" dirty="0">
                 <a:solidFill>
                   <a:schemeClr val="tx1">
                     <a:lumMod val="75000"/>
@@ -6763,7 +6684,7 @@
               <a:t>최근 한국 게임 시장을 볼 때 </a:t>
             </a:r>
             <a:r>
-              <a:rPr lang="en-US" altLang="ko-KR" sz="2400" dirty="0" err="1" smtClean="0">
+              <a:rPr lang="en-US" altLang="ko-KR" sz="2400" dirty="0" err="1">
                 <a:solidFill>
                   <a:schemeClr val="tx1">
                     <a:lumMod val="75000"/>
@@ -6776,7 +6697,7 @@
               <a:t>PvP</a:t>
             </a:r>
             <a:r>
-              <a:rPr lang="en-US" altLang="ko-KR" sz="2400" dirty="0" smtClean="0">
+              <a:rPr lang="en-US" altLang="ko-KR" sz="2400" dirty="0">
                 <a:solidFill>
                   <a:schemeClr val="tx1">
                     <a:lumMod val="75000"/>
@@ -6789,7 +6710,7 @@
               <a:t> </a:t>
             </a:r>
             <a:r>
-              <a:rPr lang="ko-KR" altLang="en-US" sz="2400" dirty="0" smtClean="0">
+              <a:rPr lang="ko-KR" altLang="en-US" sz="2400" dirty="0">
                 <a:solidFill>
                   <a:schemeClr val="tx1">
                     <a:lumMod val="75000"/>
@@ -6801,7 +6722,7 @@
               </a:rPr>
               <a:t>위주의 게임들은 많았지만 </a:t>
             </a:r>
-            <a:endParaRPr lang="en-US" altLang="ko-KR" sz="2400" dirty="0" smtClean="0">
+            <a:endParaRPr lang="en-US" altLang="ko-KR" sz="2400" dirty="0">
               <a:solidFill>
                 <a:schemeClr val="tx1">
                   <a:lumMod val="75000"/>
@@ -6819,7 +6740,7 @@
               </a:lnSpc>
             </a:pPr>
             <a:r>
-              <a:rPr lang="ko-KR" altLang="en-US" sz="2400" dirty="0" smtClean="0">
+              <a:rPr lang="ko-KR" altLang="en-US" sz="2400" dirty="0">
                 <a:solidFill>
                   <a:schemeClr val="tx1">
                     <a:lumMod val="75000"/>
@@ -6832,7 +6753,7 @@
               <a:t>협동 </a:t>
             </a:r>
             <a:r>
-              <a:rPr lang="en-US" altLang="ko-KR" sz="2400" dirty="0" err="1" smtClean="0">
+              <a:rPr lang="en-US" altLang="ko-KR" sz="2400" dirty="0" err="1">
                 <a:solidFill>
                   <a:schemeClr val="tx1">
                     <a:lumMod val="75000"/>
@@ -6845,7 +6766,7 @@
               <a:t>PvE</a:t>
             </a:r>
             <a:r>
-              <a:rPr lang="en-US" altLang="ko-KR" sz="2400" dirty="0" smtClean="0">
+              <a:rPr lang="en-US" altLang="ko-KR" sz="2400" dirty="0">
                 <a:solidFill>
                   <a:schemeClr val="tx1">
                     <a:lumMod val="75000"/>
@@ -6858,7 +6779,7 @@
               <a:t> FPS </a:t>
             </a:r>
             <a:r>
-              <a:rPr lang="ko-KR" altLang="en-US" sz="2400" dirty="0" smtClean="0">
+              <a:rPr lang="ko-KR" altLang="en-US" sz="2400" dirty="0">
                 <a:solidFill>
                   <a:schemeClr val="tx1">
                     <a:lumMod val="75000"/>
@@ -6871,7 +6792,7 @@
               <a:t>게임은 옛날에 나온 것을 제외하면 없다</a:t>
             </a:r>
             <a:r>
-              <a:rPr lang="en-US" altLang="ko-KR" sz="2400" dirty="0" smtClean="0">
+              <a:rPr lang="en-US" altLang="ko-KR" sz="2400" dirty="0">
                 <a:solidFill>
                   <a:schemeClr val="tx1">
                     <a:lumMod val="75000"/>
@@ -6891,7 +6812,7 @@
               </a:lnSpc>
             </a:pPr>
             <a:r>
-              <a:rPr lang="en-US" altLang="ko-KR" sz="2400" dirty="0" smtClean="0">
+              <a:rPr lang="en-US" altLang="ko-KR" sz="2400" dirty="0">
                 <a:solidFill>
                   <a:schemeClr val="tx1">
                     <a:lumMod val="75000"/>
@@ -6904,7 +6825,7 @@
               <a:t>FPS </a:t>
             </a:r>
             <a:r>
-              <a:rPr lang="ko-KR" altLang="en-US" sz="2400" dirty="0" smtClean="0">
+              <a:rPr lang="ko-KR" altLang="en-US" sz="2400" dirty="0">
                 <a:solidFill>
                   <a:schemeClr val="tx1">
                     <a:lumMod val="75000"/>
@@ -6917,7 +6838,7 @@
               <a:t>장르는 꾸준히 사랑을 받는 장르이다</a:t>
             </a:r>
             <a:r>
-              <a:rPr lang="en-US" altLang="ko-KR" sz="2400" dirty="0" smtClean="0">
+              <a:rPr lang="en-US" altLang="ko-KR" sz="2400" dirty="0">
                 <a:solidFill>
                   <a:schemeClr val="tx1">
                     <a:lumMod val="75000"/>
@@ -6952,13 +6873,13 @@
   <p:clrMapOvr>
     <a:masterClrMapping/>
   </p:clrMapOvr>
-  <mc:AlternateContent xmlns:mc="http://schemas.openxmlformats.org/markup-compatibility/2006">
-    <mc:Choice xmlns:p159="http://schemas.microsoft.com/office/powerpoint/2015/09/main" xmlns="" Requires="p159">
+  <mc:AlternateContent xmlns:mc="http://schemas.openxmlformats.org/markup-compatibility/2006" xmlns:p159="http://schemas.microsoft.com/office/powerpoint/2015/09/main">
+    <mc:Choice Requires="p159">
       <p:transition xmlns:p14="http://schemas.microsoft.com/office/powerpoint/2010/main" spd="slow" p14:dur="2000">
         <p159:morph option="byObject"/>
       </p:transition>
     </mc:Choice>
-    <mc:Fallback>
+    <mc:Fallback xmlns="">
       <p:transition spd="slow">
         <p:fade/>
       </p:transition>
@@ -7063,19 +6984,7 @@
                 <a:latin typeface="나눔스퀘어 Bold" panose="020B0600000101010101" pitchFamily="50" charset="-127"/>
                 <a:ea typeface="나눔스퀘어 Bold" panose="020B0600000101010101" pitchFamily="50" charset="-127"/>
               </a:rPr>
-              <a:t>Part </a:t>
-            </a:r>
-            <a:r>
-              <a:rPr lang="en-US" altLang="ko-KR" sz="1400" dirty="0" smtClean="0">
-                <a:solidFill>
-                  <a:schemeClr val="accent6">
-                    <a:lumMod val="50000"/>
-                  </a:schemeClr>
-                </a:solidFill>
-                <a:latin typeface="나눔스퀘어 Bold" panose="020B0600000101010101" pitchFamily="50" charset="-127"/>
-                <a:ea typeface="나눔스퀘어 Bold" panose="020B0600000101010101" pitchFamily="50" charset="-127"/>
-              </a:rPr>
-              <a:t>2,</a:t>
+              <a:t>Part 2,</a:t>
             </a:r>
             <a:endParaRPr lang="ko-KR" altLang="en-US" sz="1400" dirty="0">
               <a:solidFill>
@@ -7142,7 +7051,7 @@
               <a:t>– </a:t>
             </a:r>
             <a:r>
-              <a:rPr lang="ko-KR" altLang="en-US" sz="2400" dirty="0" smtClean="0">
+              <a:rPr lang="ko-KR" altLang="en-US" sz="2400" dirty="0">
                 <a:solidFill>
                   <a:schemeClr val="accent6">
                     <a:lumMod val="50000"/>
@@ -7153,15 +7062,6 @@
               </a:rPr>
               <a:t>게임 정보</a:t>
             </a:r>
-            <a:endParaRPr lang="ko-KR" altLang="en-US" sz="2400" dirty="0">
-              <a:solidFill>
-                <a:schemeClr val="accent6">
-                  <a:lumMod val="50000"/>
-                </a:schemeClr>
-              </a:solidFill>
-              <a:latin typeface="나눔스퀘어 Bold" panose="020B0600000101010101" pitchFamily="50" charset="-127"/>
-              <a:ea typeface="나눔스퀘어 Bold" panose="020B0600000101010101" pitchFamily="50" charset="-127"/>
-            </a:endParaRPr>
           </a:p>
         </p:txBody>
       </p:sp>
@@ -7356,7 +7256,7 @@
             <a:lstStyle/>
             <a:p>
               <a:r>
-                <a:rPr lang="ko-KR" altLang="en-US" sz="2800" spc="-150" dirty="0" smtClean="0">
+                <a:rPr lang="ko-KR" altLang="en-US" sz="2800" spc="-150" dirty="0">
                   <a:solidFill>
                     <a:schemeClr val="tx1">
                       <a:lumMod val="65000"/>
@@ -7368,16 +7268,6 @@
                 </a:rPr>
                 <a:t>장르</a:t>
               </a:r>
-              <a:endParaRPr lang="ko-KR" altLang="en-US" sz="2800" spc="-150" dirty="0">
-                <a:solidFill>
-                  <a:schemeClr val="tx1">
-                    <a:lumMod val="65000"/>
-                    <a:lumOff val="35000"/>
-                  </a:schemeClr>
-                </a:solidFill>
-                <a:latin typeface="나눔스퀘어 Bold" panose="020B0600000101010101" pitchFamily="50" charset="-127"/>
-                <a:ea typeface="나눔스퀘어 Bold" panose="020B0600000101010101" pitchFamily="50" charset="-127"/>
-              </a:endParaRPr>
             </a:p>
           </p:txBody>
         </p:sp>
@@ -7573,7 +7463,7 @@
             <a:lstStyle/>
             <a:p>
               <a:r>
-                <a:rPr lang="ko-KR" altLang="en-US" sz="2800" spc="-150" dirty="0" smtClean="0">
+                <a:rPr lang="ko-KR" altLang="en-US" sz="2800" spc="-150" dirty="0">
                   <a:solidFill>
                     <a:schemeClr val="tx1">
                       <a:lumMod val="65000"/>
@@ -7585,16 +7475,6 @@
                 </a:rPr>
                 <a:t>플랫폼</a:t>
               </a:r>
-              <a:endParaRPr lang="ko-KR" altLang="en-US" sz="2800" spc="-150" dirty="0">
-                <a:solidFill>
-                  <a:schemeClr val="tx1">
-                    <a:lumMod val="65000"/>
-                    <a:lumOff val="35000"/>
-                  </a:schemeClr>
-                </a:solidFill>
-                <a:latin typeface="나눔스퀘어 Bold" panose="020B0600000101010101" pitchFamily="50" charset="-127"/>
-                <a:ea typeface="나눔스퀘어 Bold" panose="020B0600000101010101" pitchFamily="50" charset="-127"/>
-              </a:endParaRPr>
             </a:p>
           </p:txBody>
         </p:sp>
@@ -7790,7 +7670,7 @@
             <a:lstStyle/>
             <a:p>
               <a:r>
-                <a:rPr lang="ko-KR" altLang="en-US" sz="2800" spc="-150" dirty="0" smtClean="0">
+                <a:rPr lang="ko-KR" altLang="en-US" sz="2800" spc="-150" dirty="0">
                   <a:solidFill>
                     <a:schemeClr val="tx1">
                       <a:lumMod val="65000"/>
@@ -7802,16 +7682,6 @@
                 </a:rPr>
                 <a:t>시점</a:t>
               </a:r>
-              <a:endParaRPr lang="ko-KR" altLang="en-US" sz="2800" spc="-150" dirty="0">
-                <a:solidFill>
-                  <a:schemeClr val="tx1">
-                    <a:lumMod val="65000"/>
-                    <a:lumOff val="35000"/>
-                  </a:schemeClr>
-                </a:solidFill>
-                <a:latin typeface="나눔스퀘어 Bold" panose="020B0600000101010101" pitchFamily="50" charset="-127"/>
-                <a:ea typeface="나눔스퀘어 Bold" panose="020B0600000101010101" pitchFamily="50" charset="-127"/>
-              </a:endParaRPr>
             </a:p>
           </p:txBody>
         </p:sp>
@@ -7845,7 +7715,7 @@
           <a:lstStyle/>
           <a:p>
             <a:r>
-              <a:rPr lang="ko-KR" altLang="en-US" sz="2800" spc="-150" dirty="0" smtClean="0">
+              <a:rPr lang="ko-KR" altLang="en-US" sz="2800" spc="-150" dirty="0">
                 <a:solidFill>
                   <a:schemeClr val="tx1">
                     <a:lumMod val="65000"/>
@@ -7857,6 +7727,107 @@
               </a:rPr>
               <a:t>협동</a:t>
             </a:r>
+          </a:p>
+        </p:txBody>
+      </p:sp>
+      <p:sp>
+        <p:nvSpPr>
+          <p:cNvPr id="28" name="TextBox 27">
+            <a:extLst>
+              <a:ext uri="{FF2B5EF4-FFF2-40B4-BE49-F238E27FC236}">
+                <a16:creationId xmlns:a16="http://schemas.microsoft.com/office/drawing/2014/main" id="{38C4F0F3-76FC-4CE9-B167-AFC342487C07}"/>
+              </a:ext>
+            </a:extLst>
+          </p:cNvPr>
+          <p:cNvSpPr txBox="1"/>
+          <p:nvPr/>
+        </p:nvSpPr>
+        <p:spPr>
+          <a:xfrm>
+            <a:off x="4457462" y="4597899"/>
+            <a:ext cx="1686680" cy="523220"/>
+          </a:xfrm>
+          <a:prstGeom prst="rect">
+            <a:avLst/>
+          </a:prstGeom>
+          <a:noFill/>
+        </p:spPr>
+        <p:txBody>
+          <a:bodyPr wrap="none" rtlCol="0">
+            <a:spAutoFit/>
+          </a:bodyPr>
+          <a:lstStyle/>
+          <a:p>
+            <a:r>
+              <a:rPr lang="en-US" altLang="ko-KR" sz="2800" spc="-150" dirty="0">
+                <a:solidFill>
+                  <a:schemeClr val="tx1">
+                    <a:lumMod val="65000"/>
+                    <a:lumOff val="35000"/>
+                  </a:schemeClr>
+                </a:solidFill>
+                <a:latin typeface="나눔스퀘어 Bold" panose="020B0600000101010101" pitchFamily="50" charset="-127"/>
+                <a:ea typeface="나눔스퀘어 Bold" panose="020B0600000101010101" pitchFamily="50" charset="-127"/>
+              </a:rPr>
+              <a:t>1</a:t>
+            </a:r>
+            <a:r>
+              <a:rPr lang="ko-KR" altLang="en-US" sz="2800" spc="-150" dirty="0">
+                <a:solidFill>
+                  <a:schemeClr val="tx1">
+                    <a:lumMod val="65000"/>
+                    <a:lumOff val="35000"/>
+                  </a:schemeClr>
+                </a:solidFill>
+                <a:latin typeface="나눔스퀘어 Bold" panose="020B0600000101010101" pitchFamily="50" charset="-127"/>
+                <a:ea typeface="나눔스퀘어 Bold" panose="020B0600000101010101" pitchFamily="50" charset="-127"/>
+              </a:rPr>
+              <a:t>인칭 시점</a:t>
+            </a:r>
+          </a:p>
+        </p:txBody>
+      </p:sp>
+      <p:sp>
+        <p:nvSpPr>
+          <p:cNvPr id="29" name="TextBox 28">
+            <a:extLst>
+              <a:ext uri="{FF2B5EF4-FFF2-40B4-BE49-F238E27FC236}">
+                <a16:creationId xmlns:a16="http://schemas.microsoft.com/office/drawing/2014/main" id="{38C4F0F3-76FC-4CE9-B167-AFC342487C07}"/>
+              </a:ext>
+            </a:extLst>
+          </p:cNvPr>
+          <p:cNvSpPr txBox="1"/>
+          <p:nvPr/>
+        </p:nvSpPr>
+        <p:spPr>
+          <a:xfrm>
+            <a:off x="4457461" y="3353410"/>
+            <a:ext cx="598241" cy="523220"/>
+          </a:xfrm>
+          <a:prstGeom prst="rect">
+            <a:avLst/>
+          </a:prstGeom>
+          <a:noFill/>
+        </p:spPr>
+        <p:txBody>
+          <a:bodyPr wrap="none" rtlCol="0">
+            <a:spAutoFit/>
+          </a:bodyPr>
+          <a:lstStyle/>
+          <a:p>
+            <a:r>
+              <a:rPr lang="en-US" altLang="ko-KR" sz="2800" spc="-150" dirty="0">
+                <a:solidFill>
+                  <a:schemeClr val="tx1">
+                    <a:lumMod val="65000"/>
+                    <a:lumOff val="35000"/>
+                  </a:schemeClr>
+                </a:solidFill>
+                <a:latin typeface="나눔스퀘어 Bold" panose="020B0600000101010101" pitchFamily="50" charset="-127"/>
+                <a:ea typeface="나눔스퀘어 Bold" panose="020B0600000101010101" pitchFamily="50" charset="-127"/>
+              </a:rPr>
+              <a:t>PC</a:t>
+            </a:r>
             <a:endParaRPr lang="ko-KR" altLang="en-US" sz="2800" spc="-150" dirty="0">
               <a:solidFill>
                 <a:schemeClr val="tx1">
@@ -7870,127 +7841,6 @@
           </a:p>
         </p:txBody>
       </p:sp>
-      <p:sp>
-        <p:nvSpPr>
-          <p:cNvPr id="28" name="TextBox 27">
-            <a:extLst>
-              <a:ext uri="{FF2B5EF4-FFF2-40B4-BE49-F238E27FC236}">
-                <a16:creationId xmlns:a16="http://schemas.microsoft.com/office/drawing/2014/main" id="{38C4F0F3-76FC-4CE9-B167-AFC342487C07}"/>
-              </a:ext>
-            </a:extLst>
-          </p:cNvPr>
-          <p:cNvSpPr txBox="1"/>
-          <p:nvPr/>
-        </p:nvSpPr>
-        <p:spPr>
-          <a:xfrm>
-            <a:off x="4457462" y="4597899"/>
-            <a:ext cx="1686680" cy="523220"/>
-          </a:xfrm>
-          <a:prstGeom prst="rect">
-            <a:avLst/>
-          </a:prstGeom>
-          <a:noFill/>
-        </p:spPr>
-        <p:txBody>
-          <a:bodyPr wrap="none" rtlCol="0">
-            <a:spAutoFit/>
-          </a:bodyPr>
-          <a:lstStyle/>
-          <a:p>
-            <a:r>
-              <a:rPr lang="en-US" altLang="ko-KR" sz="2800" spc="-150" dirty="0" smtClean="0">
-                <a:solidFill>
-                  <a:schemeClr val="tx1">
-                    <a:lumMod val="65000"/>
-                    <a:lumOff val="35000"/>
-                  </a:schemeClr>
-                </a:solidFill>
-                <a:latin typeface="나눔스퀘어 Bold" panose="020B0600000101010101" pitchFamily="50" charset="-127"/>
-                <a:ea typeface="나눔스퀘어 Bold" panose="020B0600000101010101" pitchFamily="50" charset="-127"/>
-              </a:rPr>
-              <a:t>1</a:t>
-            </a:r>
-            <a:r>
-              <a:rPr lang="ko-KR" altLang="en-US" sz="2800" spc="-150" dirty="0" smtClean="0">
-                <a:solidFill>
-                  <a:schemeClr val="tx1">
-                    <a:lumMod val="65000"/>
-                    <a:lumOff val="35000"/>
-                  </a:schemeClr>
-                </a:solidFill>
-                <a:latin typeface="나눔스퀘어 Bold" panose="020B0600000101010101" pitchFamily="50" charset="-127"/>
-                <a:ea typeface="나눔스퀘어 Bold" panose="020B0600000101010101" pitchFamily="50" charset="-127"/>
-              </a:rPr>
-              <a:t>인칭 시점</a:t>
-            </a:r>
-            <a:endParaRPr lang="ko-KR" altLang="en-US" sz="2800" spc="-150" dirty="0">
-              <a:solidFill>
-                <a:schemeClr val="tx1">
-                  <a:lumMod val="65000"/>
-                  <a:lumOff val="35000"/>
-                </a:schemeClr>
-              </a:solidFill>
-              <a:latin typeface="나눔스퀘어 Bold" panose="020B0600000101010101" pitchFamily="50" charset="-127"/>
-              <a:ea typeface="나눔스퀘어 Bold" panose="020B0600000101010101" pitchFamily="50" charset="-127"/>
-            </a:endParaRPr>
-          </a:p>
-        </p:txBody>
-      </p:sp>
-      <p:sp>
-        <p:nvSpPr>
-          <p:cNvPr id="29" name="TextBox 28">
-            <a:extLst>
-              <a:ext uri="{FF2B5EF4-FFF2-40B4-BE49-F238E27FC236}">
-                <a16:creationId xmlns:a16="http://schemas.microsoft.com/office/drawing/2014/main" id="{38C4F0F3-76FC-4CE9-B167-AFC342487C07}"/>
-              </a:ext>
-            </a:extLst>
-          </p:cNvPr>
-          <p:cNvSpPr txBox="1"/>
-          <p:nvPr/>
-        </p:nvSpPr>
-        <p:spPr>
-          <a:xfrm>
-            <a:off x="4457461" y="3353410"/>
-            <a:ext cx="598241" cy="523220"/>
-          </a:xfrm>
-          <a:prstGeom prst="rect">
-            <a:avLst/>
-          </a:prstGeom>
-          <a:noFill/>
-        </p:spPr>
-        <p:txBody>
-          <a:bodyPr wrap="none" rtlCol="0">
-            <a:spAutoFit/>
-          </a:bodyPr>
-          <a:lstStyle/>
-          <a:p>
-            <a:r>
-              <a:rPr lang="en-US" altLang="ko-KR" sz="2800" spc="-150" dirty="0" smtClean="0">
-                <a:solidFill>
-                  <a:schemeClr val="tx1">
-                    <a:lumMod val="65000"/>
-                    <a:lumOff val="35000"/>
-                  </a:schemeClr>
-                </a:solidFill>
-                <a:latin typeface="나눔스퀘어 Bold" panose="020B0600000101010101" pitchFamily="50" charset="-127"/>
-                <a:ea typeface="나눔스퀘어 Bold" panose="020B0600000101010101" pitchFamily="50" charset="-127"/>
-              </a:rPr>
-              <a:t>PC</a:t>
-            </a:r>
-            <a:endParaRPr lang="ko-KR" altLang="en-US" sz="2800" spc="-150" dirty="0">
-              <a:solidFill>
-                <a:schemeClr val="tx1">
-                  <a:lumMod val="65000"/>
-                  <a:lumOff val="35000"/>
-                </a:schemeClr>
-              </a:solidFill>
-              <a:latin typeface="나눔스퀘어 Bold" panose="020B0600000101010101" pitchFamily="50" charset="-127"/>
-              <a:ea typeface="나눔스퀘어 Bold" panose="020B0600000101010101" pitchFamily="50" charset="-127"/>
-            </a:endParaRPr>
-          </a:p>
-        </p:txBody>
-      </p:sp>
     </p:spTree>
     <p:extLst>
       <p:ext uri="{BB962C8B-B14F-4D97-AF65-F5344CB8AC3E}">
@@ -8001,13 +7851,13 @@
   <p:clrMapOvr>
     <a:masterClrMapping/>
   </p:clrMapOvr>
-  <mc:AlternateContent xmlns:mc="http://schemas.openxmlformats.org/markup-compatibility/2006">
-    <mc:Choice xmlns="" xmlns:p159="http://schemas.microsoft.com/office/powerpoint/2015/09/main" Requires="p159">
+  <mc:AlternateContent xmlns:mc="http://schemas.openxmlformats.org/markup-compatibility/2006" xmlns:p159="http://schemas.microsoft.com/office/powerpoint/2015/09/main">
+    <mc:Choice Requires="p159">
       <p:transition xmlns:p14="http://schemas.microsoft.com/office/powerpoint/2010/main" spd="slow" p14:dur="2000">
         <p159:morph option="byObject"/>
       </p:transition>
     </mc:Choice>
-    <mc:Fallback>
+    <mc:Fallback xmlns="">
       <p:transition spd="slow">
         <p:fade/>
       </p:transition>
@@ -8112,19 +7962,7 @@
                 <a:latin typeface="나눔스퀘어 Bold" panose="020B0600000101010101" pitchFamily="50" charset="-127"/>
                 <a:ea typeface="나눔스퀘어 Bold" panose="020B0600000101010101" pitchFamily="50" charset="-127"/>
               </a:rPr>
-              <a:t>Part </a:t>
-            </a:r>
-            <a:r>
-              <a:rPr lang="en-US" altLang="ko-KR" sz="1400" dirty="0" smtClean="0">
-                <a:solidFill>
-                  <a:schemeClr val="accent6">
-                    <a:lumMod val="50000"/>
-                  </a:schemeClr>
-                </a:solidFill>
-                <a:latin typeface="나눔스퀘어 Bold" panose="020B0600000101010101" pitchFamily="50" charset="-127"/>
-                <a:ea typeface="나눔스퀘어 Bold" panose="020B0600000101010101" pitchFamily="50" charset="-127"/>
-              </a:rPr>
-              <a:t>2,</a:t>
+              <a:t>Part 2,</a:t>
             </a:r>
             <a:endParaRPr lang="ko-KR" altLang="en-US" sz="1400" dirty="0">
               <a:solidFill>
@@ -8167,7 +8005,7 @@
           <a:lstStyle/>
           <a:p>
             <a:r>
-              <a:rPr lang="ko-KR" altLang="en-US" sz="2400" dirty="0" smtClean="0">
+              <a:rPr lang="ko-KR" altLang="en-US" sz="2400" dirty="0">
                 <a:solidFill>
                   <a:schemeClr val="accent6">
                     <a:lumMod val="50000"/>
@@ -8179,7 +8017,7 @@
               <a:t>게임 소개 및 방법 </a:t>
             </a:r>
             <a:r>
-              <a:rPr lang="en-US" altLang="ko-KR" sz="2400" dirty="0" smtClean="0">
+              <a:rPr lang="en-US" altLang="ko-KR" sz="2400" dirty="0">
                 <a:solidFill>
                   <a:schemeClr val="accent6">
                     <a:lumMod val="50000"/>
@@ -8191,7 +8029,7 @@
               <a:t>– </a:t>
             </a:r>
             <a:r>
-              <a:rPr lang="ko-KR" altLang="en-US" sz="2000" dirty="0" smtClean="0">
+              <a:rPr lang="ko-KR" altLang="en-US" sz="2000" dirty="0">
                 <a:solidFill>
                   <a:schemeClr val="accent6">
                     <a:lumMod val="50000"/>
@@ -8423,7 +8261,7 @@
           <a:lstStyle/>
           <a:p>
             <a:r>
-              <a:rPr lang="ko-KR" altLang="en-US" sz="2400" dirty="0" smtClean="0">
+              <a:rPr lang="ko-KR" altLang="en-US" sz="2400" dirty="0">
                 <a:solidFill>
                   <a:schemeClr val="bg1"/>
                 </a:solidFill>
@@ -8432,13 +8270,6 @@
               </a:rPr>
               <a:t>준비</a:t>
             </a:r>
-            <a:endParaRPr lang="ko-KR" altLang="en-US" sz="2400" dirty="0">
-              <a:solidFill>
-                <a:schemeClr val="bg1"/>
-              </a:solidFill>
-              <a:latin typeface="나눔스퀘어 Bold" panose="020B0600000101010101" pitchFamily="50" charset="-127"/>
-              <a:ea typeface="나눔스퀘어 Bold" panose="020B0600000101010101" pitchFamily="50" charset="-127"/>
-            </a:endParaRPr>
           </a:p>
         </p:txBody>
       </p:sp>
@@ -8471,7 +8302,7 @@
           <a:lstStyle/>
           <a:p>
             <a:r>
-              <a:rPr lang="ko-KR" altLang="en-US" sz="2400" dirty="0" smtClean="0">
+              <a:rPr lang="ko-KR" altLang="en-US" sz="2400" dirty="0">
                 <a:solidFill>
                   <a:schemeClr val="bg1"/>
                 </a:solidFill>
@@ -8480,13 +8311,6 @@
               </a:rPr>
               <a:t>전투</a:t>
             </a:r>
-            <a:endParaRPr lang="ko-KR" altLang="en-US" sz="2400" dirty="0">
-              <a:solidFill>
-                <a:schemeClr val="bg1"/>
-              </a:solidFill>
-              <a:latin typeface="나눔스퀘어 Bold" panose="020B0600000101010101" pitchFamily="50" charset="-127"/>
-              <a:ea typeface="나눔스퀘어 Bold" panose="020B0600000101010101" pitchFamily="50" charset="-127"/>
-            </a:endParaRPr>
           </a:p>
         </p:txBody>
       </p:sp>
@@ -8519,7 +8343,7 @@
           <a:lstStyle/>
           <a:p>
             <a:r>
-              <a:rPr lang="ko-KR" altLang="en-US" sz="2400" dirty="0" smtClean="0">
+              <a:rPr lang="ko-KR" altLang="en-US" sz="2400" dirty="0">
                 <a:solidFill>
                   <a:schemeClr val="bg1"/>
                 </a:solidFill>
@@ -8528,13 +8352,6 @@
               </a:rPr>
               <a:t>정비</a:t>
             </a:r>
-            <a:endParaRPr lang="ko-KR" altLang="en-US" sz="2400" dirty="0">
-              <a:solidFill>
-                <a:schemeClr val="bg1"/>
-              </a:solidFill>
-              <a:latin typeface="나눔스퀘어 Bold" panose="020B0600000101010101" pitchFamily="50" charset="-127"/>
-              <a:ea typeface="나눔스퀘어 Bold" panose="020B0600000101010101" pitchFamily="50" charset="-127"/>
-            </a:endParaRPr>
           </a:p>
         </p:txBody>
       </p:sp>
@@ -8567,27 +8384,27 @@
           <a:lstStyle/>
           <a:p>
             <a:r>
-              <a:rPr lang="ko-KR" altLang="en-US" sz="2000" dirty="0" smtClean="0">
+              <a:rPr lang="ko-KR" altLang="en-US" sz="2000" dirty="0">
                 <a:latin typeface="나눔스퀘어 Bold" panose="020B0600000101010101" pitchFamily="50" charset="-127"/>
                 <a:ea typeface="나눔스퀘어 Bold" panose="020B0600000101010101" pitchFamily="50" charset="-127"/>
               </a:rPr>
               <a:t>가진 장비를 이용해 적들을 </a:t>
             </a:r>
-            <a:endParaRPr lang="en-US" altLang="ko-KR" sz="2000" dirty="0" smtClean="0">
+            <a:endParaRPr lang="en-US" altLang="ko-KR" sz="2000" dirty="0">
               <a:latin typeface="나눔스퀘어 Bold" panose="020B0600000101010101" pitchFamily="50" charset="-127"/>
               <a:ea typeface="나눔스퀘어 Bold" panose="020B0600000101010101" pitchFamily="50" charset="-127"/>
             </a:endParaRPr>
           </a:p>
           <a:p>
             <a:r>
-              <a:rPr lang="ko-KR" altLang="en-US" sz="2000" dirty="0" smtClean="0">
+              <a:rPr lang="ko-KR" altLang="en-US" sz="2000" dirty="0">
                 <a:latin typeface="나눔스퀘어 Bold" panose="020B0600000101010101" pitchFamily="50" charset="-127"/>
                 <a:ea typeface="나눔스퀘어 Bold" panose="020B0600000101010101" pitchFamily="50" charset="-127"/>
               </a:rPr>
               <a:t>방어할 준비를 한다</a:t>
             </a:r>
             <a:r>
-              <a:rPr lang="en-US" altLang="ko-KR" sz="2000" dirty="0" smtClean="0">
+              <a:rPr lang="en-US" altLang="ko-KR" sz="2000" dirty="0">
                 <a:latin typeface="나눔스퀘어 Bold" panose="020B0600000101010101" pitchFamily="50" charset="-127"/>
                 <a:ea typeface="나눔스퀘어 Bold" panose="020B0600000101010101" pitchFamily="50" charset="-127"/>
               </a:rPr>
@@ -8629,29 +8446,25 @@
           <a:lstStyle/>
           <a:p>
             <a:r>
-              <a:rPr lang="ko-KR" altLang="en-US" sz="2000" dirty="0" smtClean="0">
+              <a:rPr lang="ko-KR" altLang="en-US" sz="2000" dirty="0">
                 <a:latin typeface="나눔스퀘어 Bold" panose="020B0600000101010101" pitchFamily="50" charset="-127"/>
                 <a:ea typeface="나눔스퀘어 Bold" panose="020B0600000101010101" pitchFamily="50" charset="-127"/>
               </a:rPr>
               <a:t>다가오는 적들의 공격에서 </a:t>
             </a:r>
-            <a:endParaRPr lang="en-US" altLang="ko-KR" sz="2000" dirty="0" smtClean="0">
+            <a:endParaRPr lang="en-US" altLang="ko-KR" sz="2000" dirty="0">
               <a:latin typeface="나눔스퀘어 Bold" panose="020B0600000101010101" pitchFamily="50" charset="-127"/>
               <a:ea typeface="나눔스퀘어 Bold" panose="020B0600000101010101" pitchFamily="50" charset="-127"/>
             </a:endParaRPr>
           </a:p>
           <a:p>
             <a:r>
-              <a:rPr lang="ko-KR" altLang="en-US" sz="2000" dirty="0" smtClean="0">
+              <a:rPr lang="ko-KR" altLang="en-US" sz="2000" dirty="0">
                 <a:latin typeface="나눔스퀘어 Bold" panose="020B0600000101010101" pitchFamily="50" charset="-127"/>
                 <a:ea typeface="나눔스퀘어 Bold" panose="020B0600000101010101" pitchFamily="50" charset="-127"/>
               </a:rPr>
               <a:t>살아남아 모든 적을 제거해서 생존 </a:t>
             </a:r>
-            <a:endParaRPr lang="ko-KR" altLang="en-US" sz="2000" dirty="0">
-              <a:latin typeface="나눔스퀘어 Bold" panose="020B0600000101010101" pitchFamily="50" charset="-127"/>
-              <a:ea typeface="나눔스퀘어 Bold" panose="020B0600000101010101" pitchFamily="50" charset="-127"/>
-            </a:endParaRPr>
           </a:p>
         </p:txBody>
       </p:sp>
@@ -8684,29 +8497,25 @@
           <a:lstStyle/>
           <a:p>
             <a:r>
-              <a:rPr lang="ko-KR" altLang="en-US" sz="2000" dirty="0" smtClean="0">
+              <a:rPr lang="ko-KR" altLang="en-US" sz="2000" dirty="0">
                 <a:latin typeface="나눔스퀘어 Bold" panose="020B0600000101010101" pitchFamily="50" charset="-127"/>
                 <a:ea typeface="나눔스퀘어 Bold" panose="020B0600000101010101" pitchFamily="50" charset="-127"/>
               </a:rPr>
               <a:t>전투 중 피해를 입은 것을 복구를 하며 </a:t>
             </a:r>
-            <a:endParaRPr lang="en-US" altLang="ko-KR" sz="2000" dirty="0" smtClean="0">
+            <a:endParaRPr lang="en-US" altLang="ko-KR" sz="2000" dirty="0">
               <a:latin typeface="나눔스퀘어 Bold" panose="020B0600000101010101" pitchFamily="50" charset="-127"/>
               <a:ea typeface="나눔스퀘어 Bold" panose="020B0600000101010101" pitchFamily="50" charset="-127"/>
             </a:endParaRPr>
           </a:p>
           <a:p>
             <a:r>
-              <a:rPr lang="ko-KR" altLang="en-US" sz="2000" dirty="0" smtClean="0">
+              <a:rPr lang="ko-KR" altLang="en-US" sz="2000" dirty="0">
                 <a:latin typeface="나눔스퀘어 Bold" panose="020B0600000101010101" pitchFamily="50" charset="-127"/>
                 <a:ea typeface="나눔스퀘어 Bold" panose="020B0600000101010101" pitchFamily="50" charset="-127"/>
               </a:rPr>
               <a:t>다음 전투에서 사용 할 것을 미리 준비한다</a:t>
             </a:r>
-            <a:endParaRPr lang="ko-KR" altLang="en-US" sz="2000" dirty="0">
-              <a:latin typeface="나눔스퀘어 Bold" panose="020B0600000101010101" pitchFamily="50" charset="-127"/>
-              <a:ea typeface="나눔스퀘어 Bold" panose="020B0600000101010101" pitchFamily="50" charset="-127"/>
-            </a:endParaRPr>
           </a:p>
         </p:txBody>
       </p:sp>
@@ -8720,13 +8529,13 @@
   <p:clrMapOvr>
     <a:masterClrMapping/>
   </p:clrMapOvr>
-  <mc:AlternateContent xmlns:mc="http://schemas.openxmlformats.org/markup-compatibility/2006">
-    <mc:Choice xmlns="" xmlns:p159="http://schemas.microsoft.com/office/powerpoint/2015/09/main" Requires="p159">
+  <mc:AlternateContent xmlns:mc="http://schemas.openxmlformats.org/markup-compatibility/2006" xmlns:p159="http://schemas.microsoft.com/office/powerpoint/2015/09/main">
+    <mc:Choice Requires="p159">
       <p:transition xmlns:p14="http://schemas.microsoft.com/office/powerpoint/2010/main" spd="slow" p14:dur="2000">
         <p159:morph option="byObject"/>
       </p:transition>
     </mc:Choice>
-    <mc:Fallback>
+    <mc:Fallback xmlns="">
       <p:transition spd="slow">
         <p:fade/>
       </p:transition>
@@ -8831,19 +8640,7 @@
                 <a:latin typeface="나눔스퀘어 Bold" panose="020B0600000101010101" pitchFamily="50" charset="-127"/>
                 <a:ea typeface="나눔스퀘어 Bold" panose="020B0600000101010101" pitchFamily="50" charset="-127"/>
               </a:rPr>
-              <a:t>Part </a:t>
-            </a:r>
-            <a:r>
-              <a:rPr lang="en-US" altLang="ko-KR" sz="1400" dirty="0" smtClean="0">
-                <a:solidFill>
-                  <a:schemeClr val="accent6">
-                    <a:lumMod val="50000"/>
-                  </a:schemeClr>
-                </a:solidFill>
-                <a:latin typeface="나눔스퀘어 Bold" panose="020B0600000101010101" pitchFamily="50" charset="-127"/>
-                <a:ea typeface="나눔스퀘어 Bold" panose="020B0600000101010101" pitchFamily="50" charset="-127"/>
-              </a:rPr>
-              <a:t>3,</a:t>
+              <a:t>Part 3,</a:t>
             </a:r>
             <a:endParaRPr lang="ko-KR" altLang="en-US" sz="1400" dirty="0">
               <a:solidFill>
@@ -8886,7 +8683,7 @@
           <a:lstStyle/>
           <a:p>
             <a:r>
-              <a:rPr lang="ko-KR" altLang="en-US" sz="2400" dirty="0" smtClean="0">
+              <a:rPr lang="ko-KR" altLang="en-US" sz="2400" dirty="0">
                 <a:solidFill>
                   <a:schemeClr val="accent6">
                     <a:lumMod val="50000"/>
@@ -8897,15 +8694,6 @@
               </a:rPr>
               <a:t>개발 환경</a:t>
             </a:r>
-            <a:endParaRPr lang="ko-KR" altLang="en-US" sz="2400" dirty="0">
-              <a:solidFill>
-                <a:schemeClr val="accent6">
-                  <a:lumMod val="50000"/>
-                </a:schemeClr>
-              </a:solidFill>
-              <a:latin typeface="나눔스퀘어 Bold" panose="020B0600000101010101" pitchFamily="50" charset="-127"/>
-              <a:ea typeface="나눔스퀘어 Bold" panose="020B0600000101010101" pitchFamily="50" charset="-127"/>
-            </a:endParaRPr>
           </a:p>
         </p:txBody>
       </p:sp>
@@ -8985,21 +8773,7 @@
                     </a:ln>
                     <a:ea typeface="한컴 윤고딕 720"/>
                   </a:rPr>
-                  <a:t>Visual Studio </a:t>
-                </a:r>
-                <a:r>
-                  <a:rPr lang="en-US" altLang="ko-KR" sz="2000" dirty="0" smtClean="0">
-                    <a:ln w="9525">
-                      <a:solidFill>
-                        <a:schemeClr val="bg1">
-                          <a:lumMod val="65000"/>
-                          <a:alpha val="0"/>
-                        </a:schemeClr>
-                      </a:solidFill>
-                    </a:ln>
-                    <a:ea typeface="한컴 윤고딕 720"/>
-                  </a:rPr>
-                  <a:t>2019,2022</a:t>
+                  <a:t>Visual Studio 2022</a:t>
                 </a:r>
                 <a:endParaRPr lang="ko-KR" altLang="en-US" sz="2000" dirty="0">
                   <a:ln w="9525">
@@ -9171,7 +8945,7 @@
                   <a:defRPr lang="ko-KR" altLang="en-US"/>
                 </a:pPr>
                 <a:r>
-                  <a:rPr lang="en-US" altLang="ko-KR" sz="2000" dirty="0" smtClean="0">
+                  <a:rPr lang="en-US" altLang="ko-KR" sz="2000" dirty="0">
                     <a:ln w="9525">
                       <a:solidFill>
                         <a:schemeClr val="bg1">
@@ -9336,7 +9110,7 @@
                 <a:defRPr lang="ko-KR" altLang="en-US"/>
               </a:pPr>
               <a:r>
-                <a:rPr lang="en-US" altLang="ko-KR" sz="2000" dirty="0" smtClean="0">
+                <a:rPr lang="en-US" altLang="ko-KR" sz="2000" dirty="0">
                   <a:ln w="9525">
                     <a:solidFill>
                       <a:schemeClr val="bg1">
@@ -9618,7 +9392,7 @@
                 <a:defRPr lang="ko-KR" altLang="en-US"/>
               </a:pPr>
               <a:r>
-                <a:rPr lang="en-US" altLang="ko-KR" sz="2000" dirty="0" smtClean="0">
+                <a:rPr lang="en-US" altLang="ko-KR" sz="2000" dirty="0">
                   <a:ln w="9525">
                     <a:solidFill>
                       <a:schemeClr val="bg1">
@@ -9741,13 +9515,13 @@
   <p:clrMapOvr>
     <a:masterClrMapping/>
   </p:clrMapOvr>
-  <mc:AlternateContent xmlns:mc="http://schemas.openxmlformats.org/markup-compatibility/2006">
-    <mc:Choice xmlns:p159="http://schemas.microsoft.com/office/powerpoint/2015/09/main" xmlns="" Requires="p159">
+  <mc:AlternateContent xmlns:mc="http://schemas.openxmlformats.org/markup-compatibility/2006" xmlns:p159="http://schemas.microsoft.com/office/powerpoint/2015/09/main">
+    <mc:Choice Requires="p159">
       <p:transition xmlns:p14="http://schemas.microsoft.com/office/powerpoint/2010/main" spd="slow" p14:dur="2000">
         <p159:morph option="byObject"/>
       </p:transition>
     </mc:Choice>
-    <mc:Fallback>
+    <mc:Fallback xmlns="">
       <p:transition spd="slow">
         <p:fade/>
       </p:transition>
@@ -9852,19 +9626,7 @@
                 <a:latin typeface="나눔스퀘어 Bold" panose="020B0600000101010101" pitchFamily="50" charset="-127"/>
                 <a:ea typeface="나눔스퀘어 Bold" panose="020B0600000101010101" pitchFamily="50" charset="-127"/>
               </a:rPr>
-              <a:t>Part </a:t>
-            </a:r>
-            <a:r>
-              <a:rPr lang="en-US" altLang="ko-KR" sz="1400" dirty="0" smtClean="0">
-                <a:solidFill>
-                  <a:schemeClr val="accent6">
-                    <a:lumMod val="50000"/>
-                  </a:schemeClr>
-                </a:solidFill>
-                <a:latin typeface="나눔스퀘어 Bold" panose="020B0600000101010101" pitchFamily="50" charset="-127"/>
-                <a:ea typeface="나눔스퀘어 Bold" panose="020B0600000101010101" pitchFamily="50" charset="-127"/>
-              </a:rPr>
-              <a:t>4,</a:t>
+              <a:t>Part 4,</a:t>
             </a:r>
             <a:endParaRPr lang="ko-KR" altLang="en-US" sz="1400" dirty="0">
               <a:solidFill>
@@ -9907,7 +9669,7 @@
           <a:lstStyle/>
           <a:p>
             <a:r>
-              <a:rPr lang="ko-KR" altLang="en-US" sz="2400" dirty="0" smtClean="0">
+              <a:rPr lang="ko-KR" altLang="en-US" sz="2400" dirty="0">
                 <a:solidFill>
                   <a:schemeClr val="accent6">
                     <a:lumMod val="50000"/>
@@ -9918,15 +9680,6 @@
               </a:rPr>
               <a:t>기술적 요소 및 중점 연구 분야</a:t>
             </a:r>
-            <a:endParaRPr lang="ko-KR" altLang="en-US" sz="2400" dirty="0">
-              <a:solidFill>
-                <a:schemeClr val="accent6">
-                  <a:lumMod val="50000"/>
-                </a:schemeClr>
-              </a:solidFill>
-              <a:latin typeface="나눔스퀘어 Bold" panose="020B0600000101010101" pitchFamily="50" charset="-127"/>
-              <a:ea typeface="나눔스퀘어 Bold" panose="020B0600000101010101" pitchFamily="50" charset="-127"/>
-            </a:endParaRPr>
           </a:p>
         </p:txBody>
       </p:sp>
@@ -10194,7 +9947,7 @@
           <a:p>
             <a:pPr algn="ctr"/>
             <a:r>
-              <a:rPr lang="pt-BR" altLang="ko-KR" sz="2400" b="1" dirty="0" smtClean="0">
+              <a:rPr lang="pt-BR" altLang="ko-KR" sz="2400" b="1" dirty="0">
                 <a:solidFill>
                   <a:schemeClr val="bg1"/>
                 </a:solidFill>
@@ -10306,7 +10059,7 @@
           <a:p>
             <a:pPr algn="ctr"/>
             <a:r>
-              <a:rPr lang="pt-BR" altLang="ko-KR" sz="2400" b="1" dirty="0" smtClean="0">
+              <a:rPr lang="pt-BR" altLang="ko-KR" sz="2400" b="1" dirty="0">
                 <a:solidFill>
                   <a:schemeClr val="bg1"/>
                 </a:solidFill>
@@ -10415,7 +10168,7 @@
           <a:p>
             <a:pPr algn="ctr"/>
             <a:r>
-              <a:rPr lang="pt-BR" altLang="ko-KR" sz="2400" b="1" dirty="0" smtClean="0">
+              <a:rPr lang="pt-BR" altLang="ko-KR" sz="2400" b="1" dirty="0">
                 <a:solidFill>
                   <a:schemeClr val="bg1"/>
                 </a:solidFill>
@@ -10470,7 +10223,7 @@
               <a:buChar char="§"/>
             </a:pPr>
             <a:r>
-              <a:rPr lang="ko-KR" altLang="en-US" dirty="0" smtClean="0">
+              <a:rPr lang="ko-KR" altLang="en-US" dirty="0">
                 <a:solidFill>
                   <a:schemeClr val="tx1">
                     <a:lumMod val="75000"/>
@@ -10483,7 +10236,7 @@
               <a:t>블러드 </a:t>
             </a:r>
             <a:r>
-              <a:rPr lang="ko-KR" altLang="en-US" dirty="0" err="1" smtClean="0">
+              <a:rPr lang="ko-KR" altLang="en-US" dirty="0" err="1">
                 <a:solidFill>
                   <a:schemeClr val="tx1">
                     <a:lumMod val="75000"/>
@@ -10544,7 +10297,7 @@
               <a:buChar char="§"/>
             </a:pPr>
             <a:r>
-              <a:rPr lang="en-US" altLang="ko-KR" dirty="0" smtClean="0">
+              <a:rPr lang="en-US" altLang="ko-KR" dirty="0">
                 <a:solidFill>
                   <a:schemeClr val="tx1">
                     <a:lumMod val="75000"/>
@@ -10556,16 +10309,6 @@
               </a:rPr>
               <a:t>IOCP</a:t>
             </a:r>
-            <a:endParaRPr lang="en-US" altLang="ko-KR" dirty="0">
-              <a:solidFill>
-                <a:schemeClr val="tx1">
-                  <a:lumMod val="75000"/>
-                  <a:lumOff val="25000"/>
-                </a:schemeClr>
-              </a:solidFill>
-              <a:latin typeface="나눔스퀘어 Bold" panose="020B0600000101010101" pitchFamily="50" charset="-127"/>
-              <a:ea typeface="나눔스퀘어 Bold" panose="020B0600000101010101" pitchFamily="50" charset="-127"/>
-            </a:endParaRPr>
           </a:p>
         </p:txBody>
       </p:sp>
@@ -10605,7 +10348,7 @@
               <a:buChar char="§"/>
             </a:pPr>
             <a:r>
-              <a:rPr lang="ko-KR" altLang="en-US" dirty="0" smtClean="0">
+              <a:rPr lang="ko-KR" altLang="en-US" dirty="0">
                 <a:latin typeface="나눔스퀘어 Bold" panose="020B0600000101010101" pitchFamily="50" charset="-127"/>
                 <a:ea typeface="나눔스퀘어 Bold" panose="020B0600000101010101" pitchFamily="50" charset="-127"/>
               </a:rPr>
@@ -10628,13 +10371,13 @@
   <p:clrMapOvr>
     <a:masterClrMapping/>
   </p:clrMapOvr>
-  <mc:AlternateContent xmlns:mc="http://schemas.openxmlformats.org/markup-compatibility/2006">
-    <mc:Choice xmlns:p159="http://schemas.microsoft.com/office/powerpoint/2015/09/main" xmlns="" Requires="p159">
+  <mc:AlternateContent xmlns:mc="http://schemas.openxmlformats.org/markup-compatibility/2006" xmlns:p159="http://schemas.microsoft.com/office/powerpoint/2015/09/main">
+    <mc:Choice Requires="p159">
       <p:transition xmlns:p14="http://schemas.microsoft.com/office/powerpoint/2010/main" spd="slow" p14:dur="2000">
         <p159:morph option="byObject"/>
       </p:transition>
     </mc:Choice>
-    <mc:Fallback>
+    <mc:Fallback xmlns="">
       <p:transition spd="slow">
         <p:fade/>
       </p:transition>
@@ -10753,31 +10496,7 @@
                   <a:latin typeface="나눔스퀘어 Bold" panose="020B0600000101010101" pitchFamily="50" charset="-127"/>
                   <a:ea typeface="나눔스퀘어 Bold" panose="020B0600000101010101" pitchFamily="50" charset="-127"/>
                 </a:rPr>
-                <a:t>Part </a:t>
-              </a:r>
-              <a:r>
-                <a:rPr lang="en-US" altLang="ko-KR" sz="1400" dirty="0">
-                  <a:solidFill>
-                    <a:schemeClr val="accent6">
-                      <a:lumMod val="50000"/>
-                    </a:schemeClr>
-                  </a:solidFill>
-                  <a:latin typeface="나눔스퀘어 Bold" panose="020B0600000101010101" pitchFamily="50" charset="-127"/>
-                  <a:ea typeface="나눔스퀘어 Bold" panose="020B0600000101010101" pitchFamily="50" charset="-127"/>
-                </a:rPr>
-                <a:t>6</a:t>
-              </a:r>
-              <a:r>
-                <a:rPr lang="en-US" altLang="ko-KR" sz="1400" dirty="0" smtClean="0">
-                  <a:solidFill>
-                    <a:schemeClr val="accent6">
-                      <a:lumMod val="50000"/>
-                    </a:schemeClr>
-                  </a:solidFill>
-                  <a:latin typeface="나눔스퀘어 Bold" panose="020B0600000101010101" pitchFamily="50" charset="-127"/>
-                  <a:ea typeface="나눔스퀘어 Bold" panose="020B0600000101010101" pitchFamily="50" charset="-127"/>
-                </a:rPr>
-                <a:t>,</a:t>
+                <a:t>Part 6,</a:t>
               </a:r>
               <a:endParaRPr lang="ko-KR" altLang="en-US" sz="1400" dirty="0">
                 <a:solidFill>
@@ -10820,7 +10539,7 @@
             <a:lstStyle/>
             <a:p>
               <a:r>
-                <a:rPr lang="ko-KR" altLang="en-US" sz="2400" dirty="0" smtClean="0">
+                <a:rPr lang="ko-KR" altLang="en-US" sz="2400" dirty="0">
                   <a:solidFill>
                     <a:schemeClr val="accent6">
                       <a:lumMod val="50000"/>
@@ -10844,7 +10563,7 @@
                 <a:t> </a:t>
               </a:r>
               <a:r>
-                <a:rPr lang="ko-KR" altLang="en-US" sz="2400" dirty="0" smtClean="0">
+                <a:rPr lang="ko-KR" altLang="en-US" sz="2400" dirty="0">
                   <a:solidFill>
                     <a:schemeClr val="accent6">
                       <a:lumMod val="50000"/>
@@ -10855,15 +10574,6 @@
                 </a:rPr>
                 <a:t>게임과의 차별성</a:t>
               </a:r>
-              <a:endParaRPr lang="ko-KR" altLang="en-US" sz="2400" dirty="0">
-                <a:solidFill>
-                  <a:schemeClr val="accent6">
-                    <a:lumMod val="50000"/>
-                  </a:schemeClr>
-                </a:solidFill>
-                <a:latin typeface="나눔스퀘어 Bold" panose="020B0600000101010101" pitchFamily="50" charset="-127"/>
-                <a:ea typeface="나눔스퀘어 Bold" panose="020B0600000101010101" pitchFamily="50" charset="-127"/>
-              </a:endParaRPr>
             </a:p>
           </p:txBody>
         </p:sp>
@@ -10927,14 +10637,14 @@
               </a:rPr>
               <a:t>기존에 있던 좀비 모드를 이용한 스토리 모드이며 </a:t>
             </a:r>
-            <a:endParaRPr lang="en-US" altLang="ko-KR" sz="2000" dirty="0" smtClean="0">
+            <a:endParaRPr lang="en-US" altLang="ko-KR" sz="2000" dirty="0">
               <a:latin typeface="나눔스퀘어 Bold" panose="020B0600000101010101" pitchFamily="50" charset="-127"/>
               <a:ea typeface="나눔스퀘어 Bold" panose="020B0600000101010101" pitchFamily="50" charset="-127"/>
             </a:endParaRPr>
           </a:p>
           <a:p>
             <a:r>
-              <a:rPr lang="ko-KR" altLang="en-US" sz="2000" dirty="0" smtClean="0">
+              <a:rPr lang="ko-KR" altLang="en-US" sz="2000" dirty="0">
                 <a:latin typeface="나눔스퀘어 Bold" panose="020B0600000101010101" pitchFamily="50" charset="-127"/>
                 <a:ea typeface="나눔스퀘어 Bold" panose="020B0600000101010101" pitchFamily="50" charset="-127"/>
               </a:rPr>
@@ -10951,21 +10661,7 @@
                 <a:latin typeface="나눔스퀘어 Bold" panose="020B0600000101010101" pitchFamily="50" charset="-127"/>
                 <a:ea typeface="나눔스퀘어 Bold" panose="020B0600000101010101" pitchFamily="50" charset="-127"/>
               </a:rPr>
-              <a:t>좀비를 죽이면 </a:t>
-            </a:r>
-            <a:r>
-              <a:rPr lang="ko-KR" altLang="en-US" sz="2000" dirty="0" smtClean="0">
-                <a:latin typeface="나눔스퀘어 Bold" panose="020B0600000101010101" pitchFamily="50" charset="-127"/>
-                <a:ea typeface="나눔스퀘어 Bold" panose="020B0600000101010101" pitchFamily="50" charset="-127"/>
-              </a:rPr>
-              <a:t>돈 과 경험치가 오르며 </a:t>
-            </a:r>
-            <a:r>
-              <a:rPr lang="ko-KR" altLang="en-US" sz="2000" dirty="0">
-                <a:latin typeface="나눔스퀘어 Bold" panose="020B0600000101010101" pitchFamily="50" charset="-127"/>
-                <a:ea typeface="나눔스퀘어 Bold" panose="020B0600000101010101" pitchFamily="50" charset="-127"/>
-              </a:rPr>
-              <a:t>체력</a:t>
+              <a:t>좀비를 죽이면 돈 과 경험치가 오르며 체력</a:t>
             </a:r>
             <a:r>
               <a:rPr lang="en-US" altLang="ko-KR" sz="2000" dirty="0">
@@ -11009,14 +10705,7 @@
                 <a:latin typeface="나눔스퀘어 Bold" panose="020B0600000101010101" pitchFamily="50" charset="-127"/>
                 <a:ea typeface="나눔스퀘어 Bold" panose="020B0600000101010101" pitchFamily="50" charset="-127"/>
               </a:rPr>
-              <a:t>방탄복 등을 업그레이드가 </a:t>
-            </a:r>
-            <a:r>
-              <a:rPr lang="ko-KR" altLang="en-US" sz="2000" dirty="0" smtClean="0">
-                <a:latin typeface="나눔스퀘어 Bold" panose="020B0600000101010101" pitchFamily="50" charset="-127"/>
-                <a:ea typeface="나눔스퀘어 Bold" panose="020B0600000101010101" pitchFamily="50" charset="-127"/>
-              </a:rPr>
-              <a:t>가능</a:t>
+              <a:t>방탄복 등을 업그레이드가 가능</a:t>
             </a:r>
             <a:endParaRPr lang="en-US" altLang="ko-KR" sz="2000" dirty="0">
               <a:latin typeface="나눔스퀘어 Bold" panose="020B0600000101010101" pitchFamily="50" charset="-127"/>
@@ -11025,25 +10714,11 @@
           </a:p>
           <a:p>
             <a:r>
-              <a:rPr lang="ko-KR" altLang="en-US" sz="2000" dirty="0" smtClean="0">
-                <a:latin typeface="나눔스퀘어 Bold" panose="020B0600000101010101" pitchFamily="50" charset="-127"/>
-                <a:ea typeface="나눔스퀘어 Bold" panose="020B0600000101010101" pitchFamily="50" charset="-127"/>
-              </a:rPr>
-              <a:t>업그레이드 </a:t>
-            </a:r>
-            <a:r>
               <a:rPr lang="ko-KR" altLang="en-US" sz="2000" dirty="0">
                 <a:latin typeface="나눔스퀘어 Bold" panose="020B0600000101010101" pitchFamily="50" charset="-127"/>
                 <a:ea typeface="나눔스퀘어 Bold" panose="020B0600000101010101" pitchFamily="50" charset="-127"/>
               </a:rPr>
-              <a:t>수치는 클래스마다 </a:t>
-            </a:r>
-            <a:r>
-              <a:rPr lang="ko-KR" altLang="en-US" sz="2000" dirty="0" smtClean="0">
-                <a:latin typeface="나눔스퀘어 Bold" panose="020B0600000101010101" pitchFamily="50" charset="-127"/>
-                <a:ea typeface="나눔스퀘어 Bold" panose="020B0600000101010101" pitchFamily="50" charset="-127"/>
-              </a:rPr>
-              <a:t>다름</a:t>
+              <a:t>업그레이드 수치는 클래스마다 다름</a:t>
             </a:r>
             <a:endParaRPr lang="ko-KR" altLang="en-US" sz="2400" dirty="0">
               <a:solidFill>
@@ -11080,11 +10755,11 @@
           <a:lstStyle/>
           <a:p>
             <a:r>
-              <a:rPr lang="ko-KR" altLang="en-US" sz="1400" dirty="0" smtClean="0"/>
+              <a:rPr lang="ko-KR" altLang="en-US" sz="1400" dirty="0"/>
               <a:t>사진</a:t>
             </a:r>
             <a:r>
-              <a:rPr lang="en-US" altLang="ko-KR" sz="1400" dirty="0" smtClean="0"/>
+              <a:rPr lang="en-US" altLang="ko-KR" sz="1400" dirty="0"/>
               <a:t>1</a:t>
             </a:r>
             <a:endParaRPr lang="ko-KR" altLang="en-US" sz="1400" dirty="0"/>
@@ -11101,13 +10776,13 @@
   <p:clrMapOvr>
     <a:masterClrMapping/>
   </p:clrMapOvr>
-  <mc:AlternateContent xmlns:mc="http://schemas.openxmlformats.org/markup-compatibility/2006">
-    <mc:Choice xmlns:p159="http://schemas.microsoft.com/office/powerpoint/2015/09/main" xmlns="" Requires="p159">
+  <mc:AlternateContent xmlns:mc="http://schemas.openxmlformats.org/markup-compatibility/2006" xmlns:p159="http://schemas.microsoft.com/office/powerpoint/2015/09/main">
+    <mc:Choice Requires="p159">
       <p:transition xmlns:p14="http://schemas.microsoft.com/office/powerpoint/2010/main" spd="slow" p14:dur="2000">
         <p159:morph option="byObject"/>
       </p:transition>
     </mc:Choice>
-    <mc:Fallback>
+    <mc:Fallback xmlns="">
       <p:transition spd="slow">
         <p:fade/>
       </p:transition>
@@ -11226,31 +10901,7 @@
                   <a:latin typeface="나눔스퀘어 Bold" panose="020B0600000101010101" pitchFamily="50" charset="-127"/>
                   <a:ea typeface="나눔스퀘어 Bold" panose="020B0600000101010101" pitchFamily="50" charset="-127"/>
                 </a:rPr>
-                <a:t>Part </a:t>
-              </a:r>
-              <a:r>
-                <a:rPr lang="en-US" altLang="ko-KR" sz="1400" dirty="0">
-                  <a:solidFill>
-                    <a:schemeClr val="accent6">
-                      <a:lumMod val="50000"/>
-                    </a:schemeClr>
-                  </a:solidFill>
-                  <a:latin typeface="나눔스퀘어 Bold" panose="020B0600000101010101" pitchFamily="50" charset="-127"/>
-                  <a:ea typeface="나눔스퀘어 Bold" panose="020B0600000101010101" pitchFamily="50" charset="-127"/>
-                </a:rPr>
-                <a:t>6</a:t>
-              </a:r>
-              <a:r>
-                <a:rPr lang="en-US" altLang="ko-KR" sz="1400" dirty="0" smtClean="0">
-                  <a:solidFill>
-                    <a:schemeClr val="accent6">
-                      <a:lumMod val="50000"/>
-                    </a:schemeClr>
-                  </a:solidFill>
-                  <a:latin typeface="나눔스퀘어 Bold" panose="020B0600000101010101" pitchFamily="50" charset="-127"/>
-                  <a:ea typeface="나눔스퀘어 Bold" panose="020B0600000101010101" pitchFamily="50" charset="-127"/>
-                </a:rPr>
-                <a:t>,</a:t>
+                <a:t>Part 6,</a:t>
               </a:r>
               <a:endParaRPr lang="ko-KR" altLang="en-US" sz="1400" dirty="0">
                 <a:solidFill>
@@ -11293,7 +10944,7 @@
             <a:lstStyle/>
             <a:p>
               <a:r>
-                <a:rPr lang="ko-KR" altLang="en-US" sz="2400" dirty="0" smtClean="0">
+                <a:rPr lang="ko-KR" altLang="en-US" sz="2400" dirty="0">
                   <a:solidFill>
                     <a:schemeClr val="accent6">
                       <a:lumMod val="50000"/>
@@ -11317,7 +10968,7 @@
                 <a:t> </a:t>
               </a:r>
               <a:r>
-                <a:rPr lang="ko-KR" altLang="en-US" sz="2400" dirty="0" smtClean="0">
+                <a:rPr lang="ko-KR" altLang="en-US" sz="2400" dirty="0">
                   <a:solidFill>
                     <a:schemeClr val="accent6">
                       <a:lumMod val="50000"/>
@@ -11328,15 +10979,6 @@
                 </a:rPr>
                 <a:t>게임과의 차별성</a:t>
               </a:r>
-              <a:endParaRPr lang="ko-KR" altLang="en-US" sz="2400" dirty="0">
-                <a:solidFill>
-                  <a:schemeClr val="accent6">
-                    <a:lumMod val="50000"/>
-                  </a:schemeClr>
-                </a:solidFill>
-                <a:latin typeface="나눔스퀘어 Bold" panose="020B0600000101010101" pitchFamily="50" charset="-127"/>
-                <a:ea typeface="나눔스퀘어 Bold" panose="020B0600000101010101" pitchFamily="50" charset="-127"/>
-              </a:endParaRPr>
             </a:p>
           </p:txBody>
         </p:sp>
@@ -11507,7 +11149,7 @@
           <a:lstStyle/>
           <a:p>
             <a:r>
-              <a:rPr lang="ko-KR" altLang="en-US" sz="2400" dirty="0" smtClean="0">
+              <a:rPr lang="ko-KR" altLang="en-US" sz="2400" dirty="0">
                 <a:solidFill>
                   <a:schemeClr val="accent6">
                     <a:lumMod val="50000"/>
@@ -11518,15 +11160,6 @@
               </a:rPr>
               <a:t>차별성</a:t>
             </a:r>
-            <a:endParaRPr lang="ko-KR" altLang="en-US" sz="2400" dirty="0">
-              <a:solidFill>
-                <a:schemeClr val="accent6">
-                  <a:lumMod val="50000"/>
-                </a:schemeClr>
-              </a:solidFill>
-              <a:latin typeface="나눔스퀘어 Bold" panose="020B0600000101010101" pitchFamily="50" charset="-127"/>
-              <a:ea typeface="나눔스퀘어 Bold" panose="020B0600000101010101" pitchFamily="50" charset="-127"/>
-            </a:endParaRPr>
           </a:p>
         </p:txBody>
       </p:sp>
@@ -11559,7 +11192,7 @@
           <a:lstStyle/>
           <a:p>
             <a:r>
-              <a:rPr lang="ko-KR" altLang="en-US" sz="2400" dirty="0" err="1" smtClean="0">
+              <a:rPr lang="ko-KR" altLang="en-US" sz="2400" dirty="0" err="1">
                 <a:solidFill>
                   <a:schemeClr val="accent6">
                     <a:lumMod val="50000"/>
@@ -11614,7 +11247,7 @@
               <a:buAutoNum type="arabicPeriod"/>
             </a:pPr>
             <a:r>
-              <a:rPr lang="ko-KR" altLang="en-US" sz="2400" dirty="0" smtClean="0">
+              <a:rPr lang="ko-KR" altLang="en-US" sz="2400" dirty="0">
                 <a:solidFill>
                   <a:schemeClr val="accent6">
                     <a:lumMod val="50000"/>
@@ -11626,7 +11259,7 @@
               <a:t>다양하지 않고 단순한 </a:t>
             </a:r>
             <a:r>
-              <a:rPr lang="en-US" altLang="ko-KR" sz="2400" dirty="0" smtClean="0">
+              <a:rPr lang="en-US" altLang="ko-KR" sz="2400" dirty="0">
                 <a:solidFill>
                   <a:schemeClr val="accent6">
                     <a:lumMod val="50000"/>
@@ -11643,7 +11276,7 @@
               <a:buAutoNum type="arabicPeriod"/>
             </a:pPr>
             <a:r>
-              <a:rPr lang="ko-KR" altLang="en-US" sz="2400" dirty="0" smtClean="0">
+              <a:rPr lang="ko-KR" altLang="en-US" sz="2400" dirty="0">
                 <a:solidFill>
                   <a:schemeClr val="accent6">
                     <a:lumMod val="50000"/>
@@ -11652,21 +11285,9 @@
                 <a:latin typeface="나눔스퀘어 Bold" panose="020B0600000101010101" pitchFamily="50" charset="-127"/>
                 <a:ea typeface="나눔스퀘어 Bold" panose="020B0600000101010101" pitchFamily="50" charset="-127"/>
               </a:rPr>
-              <a:t>단순히 체력만 증가시킨</a:t>
-            </a:r>
-            <a:r>
-              <a:rPr lang="ko-KR" altLang="en-US" sz="2400" dirty="0" smtClean="0">
-                <a:solidFill>
-                  <a:schemeClr val="accent6">
-                    <a:lumMod val="50000"/>
-                  </a:schemeClr>
-                </a:solidFill>
-                <a:latin typeface="나눔스퀘어 Bold" panose="020B0600000101010101" pitchFamily="50" charset="-127"/>
-                <a:ea typeface="나눔스퀘어 Bold" panose="020B0600000101010101" pitchFamily="50" charset="-127"/>
-              </a:rPr>
-              <a:t> 적 </a:t>
-            </a:r>
-            <a:endParaRPr lang="en-US" altLang="ko-KR" sz="2400" dirty="0" smtClean="0">
+              <a:t>단순히 체력만 증가시킨 적 </a:t>
+            </a:r>
+            <a:endParaRPr lang="en-US" altLang="ko-KR" sz="2400" dirty="0">
               <a:solidFill>
                 <a:schemeClr val="accent6">
                   <a:lumMod val="50000"/>
@@ -11681,7 +11302,7 @@
               <a:buAutoNum type="arabicPeriod"/>
             </a:pPr>
             <a:r>
-              <a:rPr lang="ko-KR" altLang="en-US" sz="2400" dirty="0" err="1" smtClean="0">
+              <a:rPr lang="ko-KR" altLang="en-US" sz="2400" dirty="0" err="1">
                 <a:solidFill>
                   <a:schemeClr val="accent6">
                     <a:lumMod val="50000"/>
@@ -11693,7 +11314,7 @@
               <a:t>과금</a:t>
             </a:r>
             <a:r>
-              <a:rPr lang="ko-KR" altLang="en-US" sz="2400" dirty="0" smtClean="0">
+              <a:rPr lang="ko-KR" altLang="en-US" sz="2400" dirty="0">
                 <a:solidFill>
                   <a:schemeClr val="accent6">
                     <a:lumMod val="50000"/>
@@ -11929,13 +11550,13 @@
   <p:clrMapOvr>
     <a:masterClrMapping/>
   </p:clrMapOvr>
-  <mc:AlternateContent xmlns:mc="http://schemas.openxmlformats.org/markup-compatibility/2006">
-    <mc:Choice xmlns:p159="http://schemas.microsoft.com/office/powerpoint/2015/09/main" xmlns="" Requires="p159">
+  <mc:AlternateContent xmlns:mc="http://schemas.openxmlformats.org/markup-compatibility/2006" xmlns:p159="http://schemas.microsoft.com/office/powerpoint/2015/09/main">
+    <mc:Choice Requires="p159">
       <p:transition xmlns:p14="http://schemas.microsoft.com/office/powerpoint/2010/main" spd="slow" p14:dur="2000">
         <p159:morph option="byObject"/>
       </p:transition>
     </mc:Choice>
-    <mc:Fallback>
+    <mc:Fallback xmlns="">
       <p:transition spd="slow">
         <p:fade/>
       </p:transition>

--- a/docs/초안.pptx
+++ b/docs/초안.pptx
@@ -612,7 +612,37 @@
           <a:bodyPr/>
           <a:lstStyle/>
           <a:p>
-            <a:endParaRPr lang="ko-KR" altLang="en-US" dirty="0"/>
+            <a:r>
+              <a:rPr lang="en-US" altLang="ko-KR" dirty="0"/>
+              <a:t>IOCP</a:t>
+            </a:r>
+            <a:r>
+              <a:rPr lang="ko-KR" altLang="en-US" dirty="0"/>
+              <a:t>를 이용한 다중 클라이언트의 효율적 처리</a:t>
+            </a:r>
+            <a:endParaRPr lang="en-US" altLang="ko-KR" dirty="0"/>
+          </a:p>
+          <a:p>
+            <a:r>
+              <a:rPr lang="ko-KR" altLang="en-US" dirty="0" err="1"/>
+              <a:t>데드</a:t>
+            </a:r>
+            <a:r>
+              <a:rPr lang="ko-KR" altLang="en-US" dirty="0"/>
+              <a:t> </a:t>
+            </a:r>
+            <a:r>
+              <a:rPr lang="ko-KR" altLang="en-US" dirty="0" err="1"/>
+              <a:t>레커닝</a:t>
+            </a:r>
+            <a:r>
+              <a:rPr lang="en-US" altLang="ko-KR" dirty="0"/>
+              <a:t>(Dead Reckoning) </a:t>
+            </a:r>
+            <a:r>
+              <a:rPr lang="ko-KR" altLang="en-US" dirty="0"/>
+              <a:t>기법을 이용한 네트워크 통신</a:t>
+            </a:r>
           </a:p>
         </p:txBody>
       </p:sp>
@@ -6562,7 +6592,7 @@
                 <a:latin typeface="나눔스퀘어 Bold" panose="020B0600000101010101" pitchFamily="50" charset="-127"/>
                 <a:ea typeface="나눔스퀘어 Bold" panose="020B0600000101010101" pitchFamily="50" charset="-127"/>
               </a:rPr>
-              <a:t>-IOCP</a:t>
+              <a:t>-IOCP </a:t>
             </a:r>
             <a:r>
               <a:rPr lang="ko-KR" altLang="en-US" sz="2400" dirty="0">
@@ -6575,31 +6605,8 @@
                 <a:latin typeface="나눔스퀘어 Bold" panose="020B0600000101010101" pitchFamily="50" charset="-127"/>
                 <a:ea typeface="나눔스퀘어 Bold" panose="020B0600000101010101" pitchFamily="50" charset="-127"/>
               </a:rPr>
-              <a:t>를 활용할 수 있는 능력을 개발한다</a:t>
-            </a:r>
-            <a:r>
-              <a:rPr lang="en-US" altLang="ko-KR" sz="2400" dirty="0">
-                <a:solidFill>
-                  <a:schemeClr val="tx1">
-                    <a:lumMod val="75000"/>
-                    <a:lumOff val="25000"/>
-                  </a:schemeClr>
-                </a:solidFill>
-                <a:latin typeface="나눔스퀘어 Bold" panose="020B0600000101010101" pitchFamily="50" charset="-127"/>
-                <a:ea typeface="나눔스퀘어 Bold" panose="020B0600000101010101" pitchFamily="50" charset="-127"/>
-              </a:rPr>
-              <a:t>.</a:t>
-            </a:r>
-            <a:endParaRPr lang="ko-KR" altLang="en-US" sz="2400" dirty="0">
-              <a:solidFill>
-                <a:schemeClr val="tx1">
-                  <a:lumMod val="75000"/>
-                  <a:lumOff val="25000"/>
-                </a:schemeClr>
-              </a:solidFill>
-              <a:latin typeface="나눔스퀘어 Bold" panose="020B0600000101010101" pitchFamily="50" charset="-127"/>
-              <a:ea typeface="나눔스퀘어 Bold" panose="020B0600000101010101" pitchFamily="50" charset="-127"/>
-            </a:endParaRPr>
+              <a:t>소켓을 활용한 서버 구축</a:t>
+            </a:r>
           </a:p>
           <a:p>
             <a:pPr algn="just">
